--- a/Lecture_02.pptx
+++ b/Lecture_02.pptx
@@ -6,7 +6,23 @@
   </p:sldMasterIdLst>
   <p:sldIdLst>
     <p:sldId id="256" r:id="rId2"/>
-    <p:sldId id="258" r:id="rId3"/>
+    <p:sldId id="264" r:id="rId3"/>
+    <p:sldId id="258" r:id="rId4"/>
+    <p:sldId id="259" r:id="rId5"/>
+    <p:sldId id="261" r:id="rId6"/>
+    <p:sldId id="262" r:id="rId7"/>
+    <p:sldId id="263" r:id="rId8"/>
+    <p:sldId id="265" r:id="rId9"/>
+    <p:sldId id="275" r:id="rId10"/>
+    <p:sldId id="270" r:id="rId11"/>
+    <p:sldId id="271" r:id="rId12"/>
+    <p:sldId id="272" r:id="rId13"/>
+    <p:sldId id="273" r:id="rId14"/>
+    <p:sldId id="267" r:id="rId15"/>
+    <p:sldId id="269" r:id="rId16"/>
+    <p:sldId id="276" r:id="rId17"/>
+    <p:sldId id="266" r:id="rId18"/>
+    <p:sldId id="274" r:id="rId19"/>
   </p:sldIdLst>
   <p:sldSz cx="12192000" cy="6858000"/>
   <p:notesSz cx="6858000" cy="9144000"/>
@@ -105,6 +121,11 @@
       </a:defRPr>
     </a:lvl9pPr>
   </p:defaultTextStyle>
+  <p:extLst>
+    <p:ext uri="{EFAFB233-063F-42B5-8137-9DF3F51BA10A}">
+      <p15:sldGuideLst xmlns:p15="http://schemas.microsoft.com/office/powerpoint/2012/main"/>
+    </p:ext>
+  </p:extLst>
 </p:presentation>
 </file>
 
@@ -239,7 +260,7 @@
           <a:p>
             <a:fld id="{779633C7-D1F4-43F5-940B-88CC10F9BBD0}" type="datetimeFigureOut">
               <a:rPr lang="en-CA" smtClean="0"/>
-              <a:t>2019-09-02</a:t>
+              <a:t>2019-09-05</a:t>
             </a:fld>
             <a:endParaRPr lang="en-CA"/>
           </a:p>
@@ -409,7 +430,7 @@
           <a:p>
             <a:fld id="{779633C7-D1F4-43F5-940B-88CC10F9BBD0}" type="datetimeFigureOut">
               <a:rPr lang="en-CA" smtClean="0"/>
-              <a:t>2019-09-02</a:t>
+              <a:t>2019-09-05</a:t>
             </a:fld>
             <a:endParaRPr lang="en-CA"/>
           </a:p>
@@ -589,7 +610,7 @@
           <a:p>
             <a:fld id="{779633C7-D1F4-43F5-940B-88CC10F9BBD0}" type="datetimeFigureOut">
               <a:rPr lang="en-CA" smtClean="0"/>
-              <a:t>2019-09-02</a:t>
+              <a:t>2019-09-05</a:t>
             </a:fld>
             <a:endParaRPr lang="en-CA"/>
           </a:p>
@@ -759,7 +780,7 @@
           <a:p>
             <a:fld id="{779633C7-D1F4-43F5-940B-88CC10F9BBD0}" type="datetimeFigureOut">
               <a:rPr lang="en-CA" smtClean="0"/>
-              <a:t>2019-09-02</a:t>
+              <a:t>2019-09-05</a:t>
             </a:fld>
             <a:endParaRPr lang="en-CA"/>
           </a:p>
@@ -1005,7 +1026,7 @@
           <a:p>
             <a:fld id="{779633C7-D1F4-43F5-940B-88CC10F9BBD0}" type="datetimeFigureOut">
               <a:rPr lang="en-CA" smtClean="0"/>
-              <a:t>2019-09-02</a:t>
+              <a:t>2019-09-05</a:t>
             </a:fld>
             <a:endParaRPr lang="en-CA"/>
           </a:p>
@@ -1237,7 +1258,7 @@
           <a:p>
             <a:fld id="{779633C7-D1F4-43F5-940B-88CC10F9BBD0}" type="datetimeFigureOut">
               <a:rPr lang="en-CA" smtClean="0"/>
-              <a:t>2019-09-02</a:t>
+              <a:t>2019-09-05</a:t>
             </a:fld>
             <a:endParaRPr lang="en-CA"/>
           </a:p>
@@ -1604,7 +1625,7 @@
           <a:p>
             <a:fld id="{779633C7-D1F4-43F5-940B-88CC10F9BBD0}" type="datetimeFigureOut">
               <a:rPr lang="en-CA" smtClean="0"/>
-              <a:t>2019-09-02</a:t>
+              <a:t>2019-09-05</a:t>
             </a:fld>
             <a:endParaRPr lang="en-CA"/>
           </a:p>
@@ -1722,7 +1743,7 @@
           <a:p>
             <a:fld id="{779633C7-D1F4-43F5-940B-88CC10F9BBD0}" type="datetimeFigureOut">
               <a:rPr lang="en-CA" smtClean="0"/>
-              <a:t>2019-09-02</a:t>
+              <a:t>2019-09-05</a:t>
             </a:fld>
             <a:endParaRPr lang="en-CA"/>
           </a:p>
@@ -1817,7 +1838,7 @@
           <a:p>
             <a:fld id="{779633C7-D1F4-43F5-940B-88CC10F9BBD0}" type="datetimeFigureOut">
               <a:rPr lang="en-CA" smtClean="0"/>
-              <a:t>2019-09-02</a:t>
+              <a:t>2019-09-05</a:t>
             </a:fld>
             <a:endParaRPr lang="en-CA"/>
           </a:p>
@@ -2094,7 +2115,7 @@
           <a:p>
             <a:fld id="{779633C7-D1F4-43F5-940B-88CC10F9BBD0}" type="datetimeFigureOut">
               <a:rPr lang="en-CA" smtClean="0"/>
-              <a:t>2019-09-02</a:t>
+              <a:t>2019-09-05</a:t>
             </a:fld>
             <a:endParaRPr lang="en-CA"/>
           </a:p>
@@ -2347,7 +2368,7 @@
           <a:p>
             <a:fld id="{779633C7-D1F4-43F5-940B-88CC10F9BBD0}" type="datetimeFigureOut">
               <a:rPr lang="en-CA" smtClean="0"/>
-              <a:t>2019-09-02</a:t>
+              <a:t>2019-09-05</a:t>
             </a:fld>
             <a:endParaRPr lang="en-CA"/>
           </a:p>
@@ -2560,7 +2581,7 @@
           <a:p>
             <a:fld id="{779633C7-D1F4-43F5-940B-88CC10F9BBD0}" type="datetimeFigureOut">
               <a:rPr lang="en-CA" smtClean="0"/>
-              <a:t>2019-09-02</a:t>
+              <a:t>2019-09-05</a:t>
             </a:fld>
             <a:endParaRPr lang="en-CA"/>
           </a:p>
@@ -2980,7 +3001,18 @@
           <a:bodyPr/>
           <a:lstStyle/>
           <a:p>
-            <a:endParaRPr lang="en-CA"/>
+            <a:r>
+              <a:rPr lang="en-CA" dirty="0" smtClean="0"/>
+              <a:t>Data Mining</a:t>
+            </a:r>
+            <a:br>
+              <a:rPr lang="en-CA" dirty="0" smtClean="0"/>
+            </a:br>
+            <a:r>
+              <a:rPr lang="en-CA" dirty="0" smtClean="0"/>
+              <a:t>CS 405/505</a:t>
+            </a:r>
+            <a:endParaRPr lang="en-CA" dirty="0"/>
           </a:p>
         </p:txBody>
       </p:sp>
@@ -2999,7 +3031,25 @@
           <a:bodyPr/>
           <a:lstStyle/>
           <a:p>
-            <a:endParaRPr lang="en-CA"/>
+            <a:r>
+              <a:rPr lang="en-CA" dirty="0" smtClean="0"/>
+              <a:t>Lecture 2</a:t>
+            </a:r>
+          </a:p>
+          <a:p>
+            <a:r>
+              <a:rPr lang="en-CA" dirty="0" smtClean="0"/>
+              <a:t>Friday, September 6</a:t>
+            </a:r>
+            <a:r>
+              <a:rPr lang="en-CA" baseline="30000" dirty="0" smtClean="0"/>
+              <a:t>th</a:t>
+            </a:r>
+            <a:r>
+              <a:rPr lang="en-CA" dirty="0" smtClean="0"/>
+              <a:t> 2019</a:t>
+            </a:r>
+            <a:endParaRPr lang="en-CA" dirty="0"/>
           </a:p>
         </p:txBody>
       </p:sp>
@@ -3013,6 +3063,3823 @@
   <p:clrMapOvr>
     <a:masterClrMapping/>
   </p:clrMapOvr>
+  <p:timing>
+    <p:tnLst>
+      <p:par>
+        <p:cTn id="1" dur="indefinite" restart="never" nodeType="tmRoot"/>
+      </p:par>
+    </p:tnLst>
+  </p:timing>
+</p:sld>
+</file>
+
+<file path=ppt/slides/slide10.xml><?xml version="1.0" encoding="utf-8"?>
+<p:sld xmlns:a="http://schemas.openxmlformats.org/drawingml/2006/main" xmlns:r="http://schemas.openxmlformats.org/officeDocument/2006/relationships" xmlns:p="http://schemas.openxmlformats.org/presentationml/2006/main">
+  <p:cSld>
+    <p:spTree>
+      <p:nvGrpSpPr>
+        <p:cNvPr id="1" name=""/>
+        <p:cNvGrpSpPr/>
+        <p:nvPr/>
+      </p:nvGrpSpPr>
+      <p:grpSpPr>
+        <a:xfrm>
+          <a:off x="0" y="0"/>
+          <a:ext cx="0" cy="0"/>
+          <a:chOff x="0" y="0"/>
+          <a:chExt cx="0" cy="0"/>
+        </a:xfrm>
+      </p:grpSpPr>
+      <p:sp>
+        <p:nvSpPr>
+          <p:cNvPr id="2" name="Title 1"/>
+          <p:cNvSpPr>
+            <a:spLocks noGrp="1"/>
+          </p:cNvSpPr>
+          <p:nvPr>
+            <p:ph type="title"/>
+          </p:nvPr>
+        </p:nvSpPr>
+        <p:spPr/>
+        <p:txBody>
+          <a:bodyPr/>
+          <a:lstStyle/>
+          <a:p>
+            <a:r>
+              <a:rPr lang="en-CA" dirty="0" smtClean="0"/>
+              <a:t>Nominal attributes</a:t>
+            </a:r>
+            <a:endParaRPr lang="en-CA" dirty="0"/>
+          </a:p>
+        </p:txBody>
+      </p:sp>
+      <p:sp>
+        <p:nvSpPr>
+          <p:cNvPr id="3" name="Content Placeholder 2"/>
+          <p:cNvSpPr>
+            <a:spLocks noGrp="1"/>
+          </p:cNvSpPr>
+          <p:nvPr>
+            <p:ph idx="1"/>
+          </p:nvPr>
+        </p:nvSpPr>
+        <p:spPr/>
+        <p:txBody>
+          <a:bodyPr/>
+          <a:lstStyle/>
+          <a:p>
+            <a:r>
+              <a:rPr lang="en-CA" dirty="0"/>
+              <a:t>Prespecified, finite set of </a:t>
+            </a:r>
+            <a:r>
+              <a:rPr lang="en-CA" dirty="0" smtClean="0"/>
+              <a:t>possibilities</a:t>
+            </a:r>
+          </a:p>
+          <a:p>
+            <a:pPr lvl="1"/>
+            <a:r>
+              <a:rPr lang="en-CA" dirty="0" smtClean="0"/>
+              <a:t>sometimes </a:t>
+            </a:r>
+            <a:r>
+              <a:rPr lang="en-CA" dirty="0"/>
+              <a:t>called categorical, enumerated, or discrete</a:t>
+            </a:r>
+          </a:p>
+          <a:p>
+            <a:r>
+              <a:rPr lang="en-CA" dirty="0" smtClean="0"/>
+              <a:t>Distinct </a:t>
+            </a:r>
+            <a:r>
+              <a:rPr lang="en-CA" dirty="0"/>
+              <a:t>symbols, values serve as labels/names (sunny, overcast, rainy)</a:t>
+            </a:r>
+          </a:p>
+          <a:p>
+            <a:endParaRPr lang="en-CA" dirty="0"/>
+          </a:p>
+        </p:txBody>
+      </p:sp>
+      <p:pic>
+        <p:nvPicPr>
+          <p:cNvPr id="4" name="Picture 3"/>
+          <p:cNvPicPr>
+            <a:picLocks noChangeAspect="1"/>
+          </p:cNvPicPr>
+          <p:nvPr/>
+        </p:nvPicPr>
+        <p:blipFill>
+          <a:blip r:embed="rId2"/>
+          <a:stretch>
+            <a:fillRect/>
+          </a:stretch>
+        </p:blipFill>
+        <p:spPr>
+          <a:xfrm>
+            <a:off x="1271586" y="3609229"/>
+            <a:ext cx="2452330" cy="2567734"/>
+          </a:xfrm>
+          <a:prstGeom prst="rect">
+            <a:avLst/>
+          </a:prstGeom>
+        </p:spPr>
+      </p:pic>
+      <p:pic>
+        <p:nvPicPr>
+          <p:cNvPr id="5" name="Picture 4"/>
+          <p:cNvPicPr>
+            <a:picLocks noChangeAspect="1"/>
+          </p:cNvPicPr>
+          <p:nvPr/>
+        </p:nvPicPr>
+        <p:blipFill>
+          <a:blip r:embed="rId3"/>
+          <a:stretch>
+            <a:fillRect/>
+          </a:stretch>
+        </p:blipFill>
+        <p:spPr>
+          <a:xfrm>
+            <a:off x="4434320" y="3609229"/>
+            <a:ext cx="2596585" cy="2481181"/>
+          </a:xfrm>
+          <a:prstGeom prst="rect">
+            <a:avLst/>
+          </a:prstGeom>
+        </p:spPr>
+      </p:pic>
+      <p:pic>
+        <p:nvPicPr>
+          <p:cNvPr id="6" name="Picture 5"/>
+          <p:cNvPicPr>
+            <a:picLocks noChangeAspect="1"/>
+          </p:cNvPicPr>
+          <p:nvPr/>
+        </p:nvPicPr>
+        <p:blipFill>
+          <a:blip r:embed="rId4"/>
+          <a:stretch>
+            <a:fillRect/>
+          </a:stretch>
+        </p:blipFill>
+        <p:spPr>
+          <a:xfrm>
+            <a:off x="7741309" y="3609229"/>
+            <a:ext cx="2625436" cy="2567734"/>
+          </a:xfrm>
+          <a:prstGeom prst="rect">
+            <a:avLst/>
+          </a:prstGeom>
+        </p:spPr>
+      </p:pic>
+      <p:sp>
+        <p:nvSpPr>
+          <p:cNvPr id="7" name="TextBox 6"/>
+          <p:cNvSpPr txBox="1"/>
+          <p:nvPr/>
+        </p:nvSpPr>
+        <p:spPr>
+          <a:xfrm>
+            <a:off x="1217684" y="6154492"/>
+            <a:ext cx="2560134" cy="369332"/>
+          </a:xfrm>
+          <a:prstGeom prst="rect">
+            <a:avLst/>
+          </a:prstGeom>
+          <a:noFill/>
+        </p:spPr>
+        <p:txBody>
+          <a:bodyPr wrap="square" rtlCol="0">
+            <a:spAutoFit/>
+          </a:bodyPr>
+          <a:lstStyle/>
+          <a:p>
+            <a:r>
+              <a:rPr lang="en-CA" dirty="0" smtClean="0"/>
+              <a:t>Sunny</a:t>
+            </a:r>
+            <a:endParaRPr lang="en-CA" dirty="0"/>
+          </a:p>
+        </p:txBody>
+      </p:sp>
+      <p:sp>
+        <p:nvSpPr>
+          <p:cNvPr id="8" name="TextBox 7"/>
+          <p:cNvSpPr txBox="1"/>
+          <p:nvPr/>
+        </p:nvSpPr>
+        <p:spPr>
+          <a:xfrm>
+            <a:off x="4434320" y="6127234"/>
+            <a:ext cx="2560134" cy="369332"/>
+          </a:xfrm>
+          <a:prstGeom prst="rect">
+            <a:avLst/>
+          </a:prstGeom>
+          <a:noFill/>
+        </p:spPr>
+        <p:txBody>
+          <a:bodyPr wrap="square" rtlCol="0">
+            <a:spAutoFit/>
+          </a:bodyPr>
+          <a:lstStyle/>
+          <a:p>
+            <a:r>
+              <a:rPr lang="en-CA" dirty="0" smtClean="0"/>
+              <a:t>Overcast</a:t>
+            </a:r>
+            <a:endParaRPr lang="en-CA" dirty="0"/>
+          </a:p>
+        </p:txBody>
+      </p:sp>
+      <p:sp>
+        <p:nvSpPr>
+          <p:cNvPr id="9" name="TextBox 8"/>
+          <p:cNvSpPr txBox="1"/>
+          <p:nvPr/>
+        </p:nvSpPr>
+        <p:spPr>
+          <a:xfrm>
+            <a:off x="7868801" y="6176963"/>
+            <a:ext cx="2560134" cy="369332"/>
+          </a:xfrm>
+          <a:prstGeom prst="rect">
+            <a:avLst/>
+          </a:prstGeom>
+          <a:noFill/>
+        </p:spPr>
+        <p:txBody>
+          <a:bodyPr wrap="square" rtlCol="0">
+            <a:spAutoFit/>
+          </a:bodyPr>
+          <a:lstStyle/>
+          <a:p>
+            <a:r>
+              <a:rPr lang="en-CA" dirty="0" smtClean="0"/>
+              <a:t>Rainy</a:t>
+            </a:r>
+            <a:endParaRPr lang="en-CA" dirty="0"/>
+          </a:p>
+        </p:txBody>
+      </p:sp>
+    </p:spTree>
+    <p:extLst>
+      <p:ext uri="{BB962C8B-B14F-4D97-AF65-F5344CB8AC3E}">
+        <p14:creationId xmlns:p14="http://schemas.microsoft.com/office/powerpoint/2010/main" val="1769212812"/>
+      </p:ext>
+    </p:extLst>
+  </p:cSld>
+  <p:clrMapOvr>
+    <a:masterClrMapping/>
+  </p:clrMapOvr>
+  <p:timing>
+    <p:tnLst>
+      <p:par>
+        <p:cTn id="1" dur="indefinite" restart="never" nodeType="tmRoot">
+          <p:childTnLst>
+            <p:seq concurrent="1" nextAc="seek">
+              <p:cTn id="2" dur="indefinite" nodeType="mainSeq">
+                <p:childTnLst>
+                  <p:par>
+                    <p:cTn id="3" fill="hold">
+                      <p:stCondLst>
+                        <p:cond delay="indefinite"/>
+                      </p:stCondLst>
+                      <p:childTnLst>
+                        <p:par>
+                          <p:cTn id="4" fill="hold">
+                            <p:stCondLst>
+                              <p:cond delay="0"/>
+                            </p:stCondLst>
+                            <p:childTnLst>
+                              <p:par>
+                                <p:cTn id="5" presetID="1" presetClass="entr" presetSubtype="0" fill="hold" grpId="0" nodeType="clickEffect">
+                                  <p:stCondLst>
+                                    <p:cond delay="0"/>
+                                  </p:stCondLst>
+                                  <p:childTnLst>
+                                    <p:set>
+                                      <p:cBhvr>
+                                        <p:cTn id="6" dur="1" fill="hold">
+                                          <p:stCondLst>
+                                            <p:cond delay="0"/>
+                                          </p:stCondLst>
+                                        </p:cTn>
+                                        <p:tgtEl>
+                                          <p:spTgt spid="3">
+                                            <p:txEl>
+                                              <p:pRg st="0" end="0"/>
+                                            </p:txEl>
+                                          </p:spTgt>
+                                        </p:tgtEl>
+                                        <p:attrNameLst>
+                                          <p:attrName>style.visibility</p:attrName>
+                                        </p:attrNameLst>
+                                      </p:cBhvr>
+                                      <p:to>
+                                        <p:strVal val="visible"/>
+                                      </p:to>
+                                    </p:set>
+                                  </p:childTnLst>
+                                </p:cTn>
+                              </p:par>
+                              <p:par>
+                                <p:cTn id="7" presetID="1" presetClass="entr" presetSubtype="0" fill="hold" grpId="0" nodeType="withEffect">
+                                  <p:stCondLst>
+                                    <p:cond delay="0"/>
+                                  </p:stCondLst>
+                                  <p:childTnLst>
+                                    <p:set>
+                                      <p:cBhvr>
+                                        <p:cTn id="8" dur="1" fill="hold">
+                                          <p:stCondLst>
+                                            <p:cond delay="0"/>
+                                          </p:stCondLst>
+                                        </p:cTn>
+                                        <p:tgtEl>
+                                          <p:spTgt spid="3">
+                                            <p:txEl>
+                                              <p:pRg st="1" end="1"/>
+                                            </p:txEl>
+                                          </p:spTgt>
+                                        </p:tgtEl>
+                                        <p:attrNameLst>
+                                          <p:attrName>style.visibility</p:attrName>
+                                        </p:attrNameLst>
+                                      </p:cBhvr>
+                                      <p:to>
+                                        <p:strVal val="visible"/>
+                                      </p:to>
+                                    </p:set>
+                                  </p:childTnLst>
+                                </p:cTn>
+                              </p:par>
+                            </p:childTnLst>
+                          </p:cTn>
+                        </p:par>
+                      </p:childTnLst>
+                    </p:cTn>
+                  </p:par>
+                  <p:par>
+                    <p:cTn id="9" fill="hold">
+                      <p:stCondLst>
+                        <p:cond delay="indefinite"/>
+                      </p:stCondLst>
+                      <p:childTnLst>
+                        <p:par>
+                          <p:cTn id="10" fill="hold">
+                            <p:stCondLst>
+                              <p:cond delay="0"/>
+                            </p:stCondLst>
+                            <p:childTnLst>
+                              <p:par>
+                                <p:cTn id="11" presetID="1" presetClass="entr" presetSubtype="0" fill="hold" grpId="0" nodeType="clickEffect">
+                                  <p:stCondLst>
+                                    <p:cond delay="0"/>
+                                  </p:stCondLst>
+                                  <p:childTnLst>
+                                    <p:set>
+                                      <p:cBhvr>
+                                        <p:cTn id="12" dur="1" fill="hold">
+                                          <p:stCondLst>
+                                            <p:cond delay="0"/>
+                                          </p:stCondLst>
+                                        </p:cTn>
+                                        <p:tgtEl>
+                                          <p:spTgt spid="3">
+                                            <p:txEl>
+                                              <p:pRg st="2" end="2"/>
+                                            </p:txEl>
+                                          </p:spTgt>
+                                        </p:tgtEl>
+                                        <p:attrNameLst>
+                                          <p:attrName>style.visibility</p:attrName>
+                                        </p:attrNameLst>
+                                      </p:cBhvr>
+                                      <p:to>
+                                        <p:strVal val="visible"/>
+                                      </p:to>
+                                    </p:set>
+                                  </p:childTnLst>
+                                </p:cTn>
+                              </p:par>
+                            </p:childTnLst>
+                          </p:cTn>
+                        </p:par>
+                      </p:childTnLst>
+                    </p:cTn>
+                  </p:par>
+                  <p:par>
+                    <p:cTn id="13" fill="hold">
+                      <p:stCondLst>
+                        <p:cond delay="indefinite"/>
+                      </p:stCondLst>
+                      <p:childTnLst>
+                        <p:par>
+                          <p:cTn id="14" fill="hold">
+                            <p:stCondLst>
+                              <p:cond delay="0"/>
+                            </p:stCondLst>
+                            <p:childTnLst>
+                              <p:par>
+                                <p:cTn id="15" presetID="1" presetClass="entr" presetSubtype="0" fill="hold" nodeType="clickEffect">
+                                  <p:stCondLst>
+                                    <p:cond delay="0"/>
+                                  </p:stCondLst>
+                                  <p:childTnLst>
+                                    <p:set>
+                                      <p:cBhvr>
+                                        <p:cTn id="16" dur="1" fill="hold">
+                                          <p:stCondLst>
+                                            <p:cond delay="0"/>
+                                          </p:stCondLst>
+                                        </p:cTn>
+                                        <p:tgtEl>
+                                          <p:spTgt spid="4"/>
+                                        </p:tgtEl>
+                                        <p:attrNameLst>
+                                          <p:attrName>style.visibility</p:attrName>
+                                        </p:attrNameLst>
+                                      </p:cBhvr>
+                                      <p:to>
+                                        <p:strVal val="visible"/>
+                                      </p:to>
+                                    </p:set>
+                                  </p:childTnLst>
+                                </p:cTn>
+                              </p:par>
+                              <p:par>
+                                <p:cTn id="17" presetID="1" presetClass="entr" presetSubtype="0" fill="hold" nodeType="withEffect">
+                                  <p:stCondLst>
+                                    <p:cond delay="0"/>
+                                  </p:stCondLst>
+                                  <p:childTnLst>
+                                    <p:set>
+                                      <p:cBhvr>
+                                        <p:cTn id="18" dur="1" fill="hold">
+                                          <p:stCondLst>
+                                            <p:cond delay="0"/>
+                                          </p:stCondLst>
+                                        </p:cTn>
+                                        <p:tgtEl>
+                                          <p:spTgt spid="5"/>
+                                        </p:tgtEl>
+                                        <p:attrNameLst>
+                                          <p:attrName>style.visibility</p:attrName>
+                                        </p:attrNameLst>
+                                      </p:cBhvr>
+                                      <p:to>
+                                        <p:strVal val="visible"/>
+                                      </p:to>
+                                    </p:set>
+                                  </p:childTnLst>
+                                </p:cTn>
+                              </p:par>
+                              <p:par>
+                                <p:cTn id="19" presetID="1" presetClass="entr" presetSubtype="0" fill="hold" nodeType="withEffect">
+                                  <p:stCondLst>
+                                    <p:cond delay="0"/>
+                                  </p:stCondLst>
+                                  <p:childTnLst>
+                                    <p:set>
+                                      <p:cBhvr>
+                                        <p:cTn id="20" dur="1" fill="hold">
+                                          <p:stCondLst>
+                                            <p:cond delay="0"/>
+                                          </p:stCondLst>
+                                        </p:cTn>
+                                        <p:tgtEl>
+                                          <p:spTgt spid="6"/>
+                                        </p:tgtEl>
+                                        <p:attrNameLst>
+                                          <p:attrName>style.visibility</p:attrName>
+                                        </p:attrNameLst>
+                                      </p:cBhvr>
+                                      <p:to>
+                                        <p:strVal val="visible"/>
+                                      </p:to>
+                                    </p:set>
+                                  </p:childTnLst>
+                                </p:cTn>
+                              </p:par>
+                              <p:par>
+                                <p:cTn id="21" presetID="1" presetClass="entr" presetSubtype="0" fill="hold" grpId="0" nodeType="withEffect">
+                                  <p:stCondLst>
+                                    <p:cond delay="0"/>
+                                  </p:stCondLst>
+                                  <p:childTnLst>
+                                    <p:set>
+                                      <p:cBhvr>
+                                        <p:cTn id="22" dur="1" fill="hold">
+                                          <p:stCondLst>
+                                            <p:cond delay="0"/>
+                                          </p:stCondLst>
+                                        </p:cTn>
+                                        <p:tgtEl>
+                                          <p:spTgt spid="9"/>
+                                        </p:tgtEl>
+                                        <p:attrNameLst>
+                                          <p:attrName>style.visibility</p:attrName>
+                                        </p:attrNameLst>
+                                      </p:cBhvr>
+                                      <p:to>
+                                        <p:strVal val="visible"/>
+                                      </p:to>
+                                    </p:set>
+                                  </p:childTnLst>
+                                </p:cTn>
+                              </p:par>
+                              <p:par>
+                                <p:cTn id="23" presetID="1" presetClass="entr" presetSubtype="0" fill="hold" grpId="0" nodeType="withEffect">
+                                  <p:stCondLst>
+                                    <p:cond delay="0"/>
+                                  </p:stCondLst>
+                                  <p:childTnLst>
+                                    <p:set>
+                                      <p:cBhvr>
+                                        <p:cTn id="24" dur="1" fill="hold">
+                                          <p:stCondLst>
+                                            <p:cond delay="0"/>
+                                          </p:stCondLst>
+                                        </p:cTn>
+                                        <p:tgtEl>
+                                          <p:spTgt spid="8"/>
+                                        </p:tgtEl>
+                                        <p:attrNameLst>
+                                          <p:attrName>style.visibility</p:attrName>
+                                        </p:attrNameLst>
+                                      </p:cBhvr>
+                                      <p:to>
+                                        <p:strVal val="visible"/>
+                                      </p:to>
+                                    </p:set>
+                                  </p:childTnLst>
+                                </p:cTn>
+                              </p:par>
+                              <p:par>
+                                <p:cTn id="25" presetID="1" presetClass="entr" presetSubtype="0" fill="hold" grpId="0" nodeType="withEffect">
+                                  <p:stCondLst>
+                                    <p:cond delay="0"/>
+                                  </p:stCondLst>
+                                  <p:childTnLst>
+                                    <p:set>
+                                      <p:cBhvr>
+                                        <p:cTn id="26" dur="1" fill="hold">
+                                          <p:stCondLst>
+                                            <p:cond delay="0"/>
+                                          </p:stCondLst>
+                                        </p:cTn>
+                                        <p:tgtEl>
+                                          <p:spTgt spid="7"/>
+                                        </p:tgtEl>
+                                        <p:attrNameLst>
+                                          <p:attrName>style.visibility</p:attrName>
+                                        </p:attrNameLst>
+                                      </p:cBhvr>
+                                      <p:to>
+                                        <p:strVal val="visible"/>
+                                      </p:to>
+                                    </p:set>
+                                  </p:childTnLst>
+                                </p:cTn>
+                              </p:par>
+                            </p:childTnLst>
+                          </p:cTn>
+                        </p:par>
+                      </p:childTnLst>
+                    </p:cTn>
+                  </p:par>
+                </p:childTnLst>
+              </p:cTn>
+              <p:prevCondLst>
+                <p:cond evt="onPrev" delay="0">
+                  <p:tgtEl>
+                    <p:sldTgt/>
+                  </p:tgtEl>
+                </p:cond>
+              </p:prevCondLst>
+              <p:nextCondLst>
+                <p:cond evt="onNext" delay="0">
+                  <p:tgtEl>
+                    <p:sldTgt/>
+                  </p:tgtEl>
+                </p:cond>
+              </p:nextCondLst>
+            </p:seq>
+          </p:childTnLst>
+        </p:cTn>
+      </p:par>
+    </p:tnLst>
+    <p:bldLst>
+      <p:bldP spid="3" grpId="0" build="p"/>
+      <p:bldP spid="7" grpId="0"/>
+      <p:bldP spid="8" grpId="0"/>
+      <p:bldP spid="9" grpId="0"/>
+    </p:bldLst>
+  </p:timing>
+</p:sld>
+</file>
+
+<file path=ppt/slides/slide11.xml><?xml version="1.0" encoding="utf-8"?>
+<p:sld xmlns:a="http://schemas.openxmlformats.org/drawingml/2006/main" xmlns:r="http://schemas.openxmlformats.org/officeDocument/2006/relationships" xmlns:p="http://schemas.openxmlformats.org/presentationml/2006/main">
+  <p:cSld>
+    <p:spTree>
+      <p:nvGrpSpPr>
+        <p:cNvPr id="1" name=""/>
+        <p:cNvGrpSpPr/>
+        <p:nvPr/>
+      </p:nvGrpSpPr>
+      <p:grpSpPr>
+        <a:xfrm>
+          <a:off x="0" y="0"/>
+          <a:ext cx="0" cy="0"/>
+          <a:chOff x="0" y="0"/>
+          <a:chExt cx="0" cy="0"/>
+        </a:xfrm>
+      </p:grpSpPr>
+      <p:sp>
+        <p:nvSpPr>
+          <p:cNvPr id="2" name="Title 1"/>
+          <p:cNvSpPr>
+            <a:spLocks noGrp="1"/>
+          </p:cNvSpPr>
+          <p:nvPr>
+            <p:ph type="title"/>
+          </p:nvPr>
+        </p:nvSpPr>
+        <p:spPr/>
+        <p:txBody>
+          <a:bodyPr/>
+          <a:lstStyle/>
+          <a:p>
+            <a:r>
+              <a:rPr lang="en-CA" dirty="0" smtClean="0"/>
+              <a:t>Ordinal attributes</a:t>
+            </a:r>
+            <a:endParaRPr lang="en-CA" dirty="0"/>
+          </a:p>
+        </p:txBody>
+      </p:sp>
+      <p:sp>
+        <p:nvSpPr>
+          <p:cNvPr id="3" name="Content Placeholder 2"/>
+          <p:cNvSpPr>
+            <a:spLocks noGrp="1"/>
+          </p:cNvSpPr>
+          <p:nvPr>
+            <p:ph idx="1"/>
+          </p:nvPr>
+        </p:nvSpPr>
+        <p:spPr>
+          <a:xfrm>
+            <a:off x="838199" y="1825625"/>
+            <a:ext cx="10628169" cy="4351338"/>
+          </a:xfrm>
+        </p:spPr>
+        <p:txBody>
+          <a:bodyPr/>
+          <a:lstStyle/>
+          <a:p>
+            <a:r>
+              <a:rPr lang="en-CA" dirty="0" smtClean="0"/>
+              <a:t>Can </a:t>
+            </a:r>
+            <a:r>
+              <a:rPr lang="en-CA" dirty="0"/>
+              <a:t>be ordered (ranked), but no notion of distance 	</a:t>
+            </a:r>
+            <a:endParaRPr lang="en-CA" dirty="0" smtClean="0"/>
+          </a:p>
+          <a:p>
+            <a:pPr lvl="1"/>
+            <a:r>
+              <a:rPr lang="en-CA" dirty="0" smtClean="0"/>
+              <a:t>toasted &lt; burned &lt; charred</a:t>
+            </a:r>
+            <a:endParaRPr lang="en-CA" dirty="0"/>
+          </a:p>
+          <a:p>
+            <a:r>
+              <a:rPr lang="en-CA" dirty="0"/>
+              <a:t>Cannot directly add/subtract the values, distinction from nominal to ordinal not always clear</a:t>
+            </a:r>
+          </a:p>
+          <a:p>
+            <a:endParaRPr lang="en-CA" dirty="0"/>
+          </a:p>
+        </p:txBody>
+      </p:sp>
+      <p:pic>
+        <p:nvPicPr>
+          <p:cNvPr id="4" name="Picture 3"/>
+          <p:cNvPicPr>
+            <a:picLocks noChangeAspect="1"/>
+          </p:cNvPicPr>
+          <p:nvPr/>
+        </p:nvPicPr>
+        <p:blipFill>
+          <a:blip r:embed="rId2"/>
+          <a:stretch>
+            <a:fillRect/>
+          </a:stretch>
+        </p:blipFill>
+        <p:spPr>
+          <a:xfrm>
+            <a:off x="8052956" y="3934619"/>
+            <a:ext cx="2305050" cy="2124075"/>
+          </a:xfrm>
+          <a:prstGeom prst="rect">
+            <a:avLst/>
+          </a:prstGeom>
+        </p:spPr>
+      </p:pic>
+      <p:pic>
+        <p:nvPicPr>
+          <p:cNvPr id="5" name="Picture 4"/>
+          <p:cNvPicPr>
+            <a:picLocks noChangeAspect="1"/>
+          </p:cNvPicPr>
+          <p:nvPr/>
+        </p:nvPicPr>
+        <p:blipFill>
+          <a:blip r:embed="rId3"/>
+          <a:stretch>
+            <a:fillRect/>
+          </a:stretch>
+        </p:blipFill>
+        <p:spPr>
+          <a:xfrm>
+            <a:off x="4924425" y="3845791"/>
+            <a:ext cx="2343150" cy="2286000"/>
+          </a:xfrm>
+          <a:prstGeom prst="rect">
+            <a:avLst/>
+          </a:prstGeom>
+        </p:spPr>
+      </p:pic>
+      <p:pic>
+        <p:nvPicPr>
+          <p:cNvPr id="7" name="Picture 6"/>
+          <p:cNvPicPr>
+            <a:picLocks noChangeAspect="1"/>
+          </p:cNvPicPr>
+          <p:nvPr/>
+        </p:nvPicPr>
+        <p:blipFill>
+          <a:blip r:embed="rId4"/>
+          <a:stretch>
+            <a:fillRect/>
+          </a:stretch>
+        </p:blipFill>
+        <p:spPr>
+          <a:xfrm>
+            <a:off x="1710169" y="3960091"/>
+            <a:ext cx="2428875" cy="2057400"/>
+          </a:xfrm>
+          <a:prstGeom prst="rect">
+            <a:avLst/>
+          </a:prstGeom>
+        </p:spPr>
+      </p:pic>
+      <p:sp>
+        <p:nvSpPr>
+          <p:cNvPr id="8" name="TextBox 7"/>
+          <p:cNvSpPr txBox="1"/>
+          <p:nvPr/>
+        </p:nvSpPr>
+        <p:spPr>
+          <a:xfrm>
+            <a:off x="1814945" y="6176963"/>
+            <a:ext cx="2324099" cy="369332"/>
+          </a:xfrm>
+          <a:prstGeom prst="rect">
+            <a:avLst/>
+          </a:prstGeom>
+          <a:noFill/>
+        </p:spPr>
+        <p:txBody>
+          <a:bodyPr wrap="square" rtlCol="0">
+            <a:spAutoFit/>
+          </a:bodyPr>
+          <a:lstStyle/>
+          <a:p>
+            <a:r>
+              <a:rPr lang="en-CA" dirty="0" smtClean="0"/>
+              <a:t>toasted</a:t>
+            </a:r>
+            <a:endParaRPr lang="en-CA" dirty="0"/>
+          </a:p>
+        </p:txBody>
+      </p:sp>
+      <p:sp>
+        <p:nvSpPr>
+          <p:cNvPr id="10" name="TextBox 9"/>
+          <p:cNvSpPr txBox="1"/>
+          <p:nvPr/>
+        </p:nvSpPr>
+        <p:spPr>
+          <a:xfrm>
+            <a:off x="4924425" y="6176963"/>
+            <a:ext cx="2324099" cy="369332"/>
+          </a:xfrm>
+          <a:prstGeom prst="rect">
+            <a:avLst/>
+          </a:prstGeom>
+          <a:noFill/>
+        </p:spPr>
+        <p:txBody>
+          <a:bodyPr wrap="square" rtlCol="0">
+            <a:spAutoFit/>
+          </a:bodyPr>
+          <a:lstStyle/>
+          <a:p>
+            <a:r>
+              <a:rPr lang="en-CA" dirty="0" smtClean="0"/>
+              <a:t>burned</a:t>
+            </a:r>
+            <a:endParaRPr lang="en-CA" dirty="0"/>
+          </a:p>
+        </p:txBody>
+      </p:sp>
+      <p:sp>
+        <p:nvSpPr>
+          <p:cNvPr id="11" name="TextBox 10"/>
+          <p:cNvSpPr txBox="1"/>
+          <p:nvPr/>
+        </p:nvSpPr>
+        <p:spPr>
+          <a:xfrm>
+            <a:off x="8195396" y="6127234"/>
+            <a:ext cx="2324099" cy="369332"/>
+          </a:xfrm>
+          <a:prstGeom prst="rect">
+            <a:avLst/>
+          </a:prstGeom>
+          <a:noFill/>
+        </p:spPr>
+        <p:txBody>
+          <a:bodyPr wrap="square" rtlCol="0">
+            <a:spAutoFit/>
+          </a:bodyPr>
+          <a:lstStyle/>
+          <a:p>
+            <a:r>
+              <a:rPr lang="en-CA" dirty="0" smtClean="0"/>
+              <a:t>charred</a:t>
+            </a:r>
+            <a:endParaRPr lang="en-CA" dirty="0"/>
+          </a:p>
+        </p:txBody>
+      </p:sp>
+      <p:sp>
+        <p:nvSpPr>
+          <p:cNvPr id="9" name="TextBox 8"/>
+          <p:cNvSpPr txBox="1"/>
+          <p:nvPr/>
+        </p:nvSpPr>
+        <p:spPr>
+          <a:xfrm>
+            <a:off x="4350327" y="4572000"/>
+            <a:ext cx="529312" cy="923330"/>
+          </a:xfrm>
+          <a:prstGeom prst="rect">
+            <a:avLst/>
+          </a:prstGeom>
+          <a:noFill/>
+        </p:spPr>
+        <p:txBody>
+          <a:bodyPr wrap="none" rtlCol="0">
+            <a:spAutoFit/>
+          </a:bodyPr>
+          <a:lstStyle/>
+          <a:p>
+            <a:r>
+              <a:rPr lang="en-CA" sz="5400" b="1" dirty="0"/>
+              <a:t>&lt;</a:t>
+            </a:r>
+          </a:p>
+        </p:txBody>
+      </p:sp>
+      <p:sp>
+        <p:nvSpPr>
+          <p:cNvPr id="13" name="TextBox 12"/>
+          <p:cNvSpPr txBox="1"/>
+          <p:nvPr/>
+        </p:nvSpPr>
+        <p:spPr>
+          <a:xfrm>
+            <a:off x="7431403" y="4572000"/>
+            <a:ext cx="529312" cy="923330"/>
+          </a:xfrm>
+          <a:prstGeom prst="rect">
+            <a:avLst/>
+          </a:prstGeom>
+          <a:noFill/>
+        </p:spPr>
+        <p:txBody>
+          <a:bodyPr wrap="none" rtlCol="0">
+            <a:spAutoFit/>
+          </a:bodyPr>
+          <a:lstStyle/>
+          <a:p>
+            <a:r>
+              <a:rPr lang="en-CA" sz="5400" b="1" dirty="0"/>
+              <a:t>&lt;</a:t>
+            </a:r>
+          </a:p>
+        </p:txBody>
+      </p:sp>
+    </p:spTree>
+    <p:extLst>
+      <p:ext uri="{BB962C8B-B14F-4D97-AF65-F5344CB8AC3E}">
+        <p14:creationId xmlns:p14="http://schemas.microsoft.com/office/powerpoint/2010/main" val="872810202"/>
+      </p:ext>
+    </p:extLst>
+  </p:cSld>
+  <p:clrMapOvr>
+    <a:masterClrMapping/>
+  </p:clrMapOvr>
+  <p:timing>
+    <p:tnLst>
+      <p:par>
+        <p:cTn id="1" dur="indefinite" restart="never" nodeType="tmRoot">
+          <p:childTnLst>
+            <p:seq concurrent="1" nextAc="seek">
+              <p:cTn id="2" dur="indefinite" nodeType="mainSeq">
+                <p:childTnLst>
+                  <p:par>
+                    <p:cTn id="3" fill="hold">
+                      <p:stCondLst>
+                        <p:cond delay="indefinite"/>
+                      </p:stCondLst>
+                      <p:childTnLst>
+                        <p:par>
+                          <p:cTn id="4" fill="hold">
+                            <p:stCondLst>
+                              <p:cond delay="0"/>
+                            </p:stCondLst>
+                            <p:childTnLst>
+                              <p:par>
+                                <p:cTn id="5" presetID="1" presetClass="entr" presetSubtype="0" fill="hold" grpId="0" nodeType="clickEffect">
+                                  <p:stCondLst>
+                                    <p:cond delay="0"/>
+                                  </p:stCondLst>
+                                  <p:childTnLst>
+                                    <p:set>
+                                      <p:cBhvr>
+                                        <p:cTn id="6" dur="1" fill="hold">
+                                          <p:stCondLst>
+                                            <p:cond delay="0"/>
+                                          </p:stCondLst>
+                                        </p:cTn>
+                                        <p:tgtEl>
+                                          <p:spTgt spid="3">
+                                            <p:txEl>
+                                              <p:pRg st="0" end="0"/>
+                                            </p:txEl>
+                                          </p:spTgt>
+                                        </p:tgtEl>
+                                        <p:attrNameLst>
+                                          <p:attrName>style.visibility</p:attrName>
+                                        </p:attrNameLst>
+                                      </p:cBhvr>
+                                      <p:to>
+                                        <p:strVal val="visible"/>
+                                      </p:to>
+                                    </p:set>
+                                  </p:childTnLst>
+                                </p:cTn>
+                              </p:par>
+                              <p:par>
+                                <p:cTn id="7" presetID="1" presetClass="entr" presetSubtype="0" fill="hold" grpId="0" nodeType="withEffect">
+                                  <p:stCondLst>
+                                    <p:cond delay="0"/>
+                                  </p:stCondLst>
+                                  <p:childTnLst>
+                                    <p:set>
+                                      <p:cBhvr>
+                                        <p:cTn id="8" dur="1" fill="hold">
+                                          <p:stCondLst>
+                                            <p:cond delay="0"/>
+                                          </p:stCondLst>
+                                        </p:cTn>
+                                        <p:tgtEl>
+                                          <p:spTgt spid="3">
+                                            <p:txEl>
+                                              <p:pRg st="1" end="1"/>
+                                            </p:txEl>
+                                          </p:spTgt>
+                                        </p:tgtEl>
+                                        <p:attrNameLst>
+                                          <p:attrName>style.visibility</p:attrName>
+                                        </p:attrNameLst>
+                                      </p:cBhvr>
+                                      <p:to>
+                                        <p:strVal val="visible"/>
+                                      </p:to>
+                                    </p:set>
+                                  </p:childTnLst>
+                                </p:cTn>
+                              </p:par>
+                            </p:childTnLst>
+                          </p:cTn>
+                        </p:par>
+                      </p:childTnLst>
+                    </p:cTn>
+                  </p:par>
+                  <p:par>
+                    <p:cTn id="9" fill="hold">
+                      <p:stCondLst>
+                        <p:cond delay="indefinite"/>
+                      </p:stCondLst>
+                      <p:childTnLst>
+                        <p:par>
+                          <p:cTn id="10" fill="hold">
+                            <p:stCondLst>
+                              <p:cond delay="0"/>
+                            </p:stCondLst>
+                            <p:childTnLst>
+                              <p:par>
+                                <p:cTn id="11" presetID="1" presetClass="entr" presetSubtype="0" fill="hold" grpId="0" nodeType="clickEffect">
+                                  <p:stCondLst>
+                                    <p:cond delay="0"/>
+                                  </p:stCondLst>
+                                  <p:childTnLst>
+                                    <p:set>
+                                      <p:cBhvr>
+                                        <p:cTn id="12" dur="1" fill="hold">
+                                          <p:stCondLst>
+                                            <p:cond delay="0"/>
+                                          </p:stCondLst>
+                                        </p:cTn>
+                                        <p:tgtEl>
+                                          <p:spTgt spid="3">
+                                            <p:txEl>
+                                              <p:pRg st="2" end="2"/>
+                                            </p:txEl>
+                                          </p:spTgt>
+                                        </p:tgtEl>
+                                        <p:attrNameLst>
+                                          <p:attrName>style.visibility</p:attrName>
+                                        </p:attrNameLst>
+                                      </p:cBhvr>
+                                      <p:to>
+                                        <p:strVal val="visible"/>
+                                      </p:to>
+                                    </p:set>
+                                  </p:childTnLst>
+                                </p:cTn>
+                              </p:par>
+                            </p:childTnLst>
+                          </p:cTn>
+                        </p:par>
+                      </p:childTnLst>
+                    </p:cTn>
+                  </p:par>
+                  <p:par>
+                    <p:cTn id="13" fill="hold">
+                      <p:stCondLst>
+                        <p:cond delay="indefinite"/>
+                      </p:stCondLst>
+                      <p:childTnLst>
+                        <p:par>
+                          <p:cTn id="14" fill="hold">
+                            <p:stCondLst>
+                              <p:cond delay="0"/>
+                            </p:stCondLst>
+                            <p:childTnLst>
+                              <p:par>
+                                <p:cTn id="15" presetID="1" presetClass="entr" presetSubtype="0" fill="hold" nodeType="clickEffect">
+                                  <p:stCondLst>
+                                    <p:cond delay="0"/>
+                                  </p:stCondLst>
+                                  <p:childTnLst>
+                                    <p:set>
+                                      <p:cBhvr>
+                                        <p:cTn id="16" dur="1" fill="hold">
+                                          <p:stCondLst>
+                                            <p:cond delay="0"/>
+                                          </p:stCondLst>
+                                        </p:cTn>
+                                        <p:tgtEl>
+                                          <p:spTgt spid="7"/>
+                                        </p:tgtEl>
+                                        <p:attrNameLst>
+                                          <p:attrName>style.visibility</p:attrName>
+                                        </p:attrNameLst>
+                                      </p:cBhvr>
+                                      <p:to>
+                                        <p:strVal val="visible"/>
+                                      </p:to>
+                                    </p:set>
+                                  </p:childTnLst>
+                                </p:cTn>
+                              </p:par>
+                              <p:par>
+                                <p:cTn id="17" presetID="1" presetClass="entr" presetSubtype="0" fill="hold" grpId="0" nodeType="withEffect">
+                                  <p:stCondLst>
+                                    <p:cond delay="0"/>
+                                  </p:stCondLst>
+                                  <p:childTnLst>
+                                    <p:set>
+                                      <p:cBhvr>
+                                        <p:cTn id="18" dur="1" fill="hold">
+                                          <p:stCondLst>
+                                            <p:cond delay="0"/>
+                                          </p:stCondLst>
+                                        </p:cTn>
+                                        <p:tgtEl>
+                                          <p:spTgt spid="8"/>
+                                        </p:tgtEl>
+                                        <p:attrNameLst>
+                                          <p:attrName>style.visibility</p:attrName>
+                                        </p:attrNameLst>
+                                      </p:cBhvr>
+                                      <p:to>
+                                        <p:strVal val="visible"/>
+                                      </p:to>
+                                    </p:set>
+                                  </p:childTnLst>
+                                </p:cTn>
+                              </p:par>
+                              <p:par>
+                                <p:cTn id="19" presetID="1" presetClass="entr" presetSubtype="0" fill="hold" grpId="0" nodeType="withEffect">
+                                  <p:stCondLst>
+                                    <p:cond delay="0"/>
+                                  </p:stCondLst>
+                                  <p:childTnLst>
+                                    <p:set>
+                                      <p:cBhvr>
+                                        <p:cTn id="20" dur="1" fill="hold">
+                                          <p:stCondLst>
+                                            <p:cond delay="0"/>
+                                          </p:stCondLst>
+                                        </p:cTn>
+                                        <p:tgtEl>
+                                          <p:spTgt spid="10"/>
+                                        </p:tgtEl>
+                                        <p:attrNameLst>
+                                          <p:attrName>style.visibility</p:attrName>
+                                        </p:attrNameLst>
+                                      </p:cBhvr>
+                                      <p:to>
+                                        <p:strVal val="visible"/>
+                                      </p:to>
+                                    </p:set>
+                                  </p:childTnLst>
+                                </p:cTn>
+                              </p:par>
+                              <p:par>
+                                <p:cTn id="21" presetID="1" presetClass="entr" presetSubtype="0" fill="hold" nodeType="withEffect">
+                                  <p:stCondLst>
+                                    <p:cond delay="0"/>
+                                  </p:stCondLst>
+                                  <p:childTnLst>
+                                    <p:set>
+                                      <p:cBhvr>
+                                        <p:cTn id="22" dur="1" fill="hold">
+                                          <p:stCondLst>
+                                            <p:cond delay="0"/>
+                                          </p:stCondLst>
+                                        </p:cTn>
+                                        <p:tgtEl>
+                                          <p:spTgt spid="5"/>
+                                        </p:tgtEl>
+                                        <p:attrNameLst>
+                                          <p:attrName>style.visibility</p:attrName>
+                                        </p:attrNameLst>
+                                      </p:cBhvr>
+                                      <p:to>
+                                        <p:strVal val="visible"/>
+                                      </p:to>
+                                    </p:set>
+                                  </p:childTnLst>
+                                </p:cTn>
+                              </p:par>
+                              <p:par>
+                                <p:cTn id="23" presetID="1" presetClass="entr" presetSubtype="0" fill="hold" nodeType="withEffect">
+                                  <p:stCondLst>
+                                    <p:cond delay="0"/>
+                                  </p:stCondLst>
+                                  <p:childTnLst>
+                                    <p:set>
+                                      <p:cBhvr>
+                                        <p:cTn id="24" dur="1" fill="hold">
+                                          <p:stCondLst>
+                                            <p:cond delay="0"/>
+                                          </p:stCondLst>
+                                        </p:cTn>
+                                        <p:tgtEl>
+                                          <p:spTgt spid="4"/>
+                                        </p:tgtEl>
+                                        <p:attrNameLst>
+                                          <p:attrName>style.visibility</p:attrName>
+                                        </p:attrNameLst>
+                                      </p:cBhvr>
+                                      <p:to>
+                                        <p:strVal val="visible"/>
+                                      </p:to>
+                                    </p:set>
+                                  </p:childTnLst>
+                                </p:cTn>
+                              </p:par>
+                              <p:par>
+                                <p:cTn id="25" presetID="1" presetClass="entr" presetSubtype="0" fill="hold" grpId="0" nodeType="withEffect">
+                                  <p:stCondLst>
+                                    <p:cond delay="0"/>
+                                  </p:stCondLst>
+                                  <p:childTnLst>
+                                    <p:set>
+                                      <p:cBhvr>
+                                        <p:cTn id="26" dur="1" fill="hold">
+                                          <p:stCondLst>
+                                            <p:cond delay="0"/>
+                                          </p:stCondLst>
+                                        </p:cTn>
+                                        <p:tgtEl>
+                                          <p:spTgt spid="11"/>
+                                        </p:tgtEl>
+                                        <p:attrNameLst>
+                                          <p:attrName>style.visibility</p:attrName>
+                                        </p:attrNameLst>
+                                      </p:cBhvr>
+                                      <p:to>
+                                        <p:strVal val="visible"/>
+                                      </p:to>
+                                    </p:set>
+                                  </p:childTnLst>
+                                </p:cTn>
+                              </p:par>
+                              <p:par>
+                                <p:cTn id="27" presetID="1" presetClass="entr" presetSubtype="0" fill="hold" grpId="0" nodeType="withEffect">
+                                  <p:stCondLst>
+                                    <p:cond delay="0"/>
+                                  </p:stCondLst>
+                                  <p:childTnLst>
+                                    <p:set>
+                                      <p:cBhvr>
+                                        <p:cTn id="28" dur="1" fill="hold">
+                                          <p:stCondLst>
+                                            <p:cond delay="0"/>
+                                          </p:stCondLst>
+                                        </p:cTn>
+                                        <p:tgtEl>
+                                          <p:spTgt spid="13"/>
+                                        </p:tgtEl>
+                                        <p:attrNameLst>
+                                          <p:attrName>style.visibility</p:attrName>
+                                        </p:attrNameLst>
+                                      </p:cBhvr>
+                                      <p:to>
+                                        <p:strVal val="visible"/>
+                                      </p:to>
+                                    </p:set>
+                                  </p:childTnLst>
+                                </p:cTn>
+                              </p:par>
+                              <p:par>
+                                <p:cTn id="29" presetID="1" presetClass="entr" presetSubtype="0" fill="hold" grpId="0" nodeType="withEffect">
+                                  <p:stCondLst>
+                                    <p:cond delay="0"/>
+                                  </p:stCondLst>
+                                  <p:childTnLst>
+                                    <p:set>
+                                      <p:cBhvr>
+                                        <p:cTn id="30" dur="1" fill="hold">
+                                          <p:stCondLst>
+                                            <p:cond delay="0"/>
+                                          </p:stCondLst>
+                                        </p:cTn>
+                                        <p:tgtEl>
+                                          <p:spTgt spid="9"/>
+                                        </p:tgtEl>
+                                        <p:attrNameLst>
+                                          <p:attrName>style.visibility</p:attrName>
+                                        </p:attrNameLst>
+                                      </p:cBhvr>
+                                      <p:to>
+                                        <p:strVal val="visible"/>
+                                      </p:to>
+                                    </p:set>
+                                  </p:childTnLst>
+                                </p:cTn>
+                              </p:par>
+                            </p:childTnLst>
+                          </p:cTn>
+                        </p:par>
+                      </p:childTnLst>
+                    </p:cTn>
+                  </p:par>
+                </p:childTnLst>
+              </p:cTn>
+              <p:prevCondLst>
+                <p:cond evt="onPrev" delay="0">
+                  <p:tgtEl>
+                    <p:sldTgt/>
+                  </p:tgtEl>
+                </p:cond>
+              </p:prevCondLst>
+              <p:nextCondLst>
+                <p:cond evt="onNext" delay="0">
+                  <p:tgtEl>
+                    <p:sldTgt/>
+                  </p:tgtEl>
+                </p:cond>
+              </p:nextCondLst>
+            </p:seq>
+          </p:childTnLst>
+        </p:cTn>
+      </p:par>
+    </p:tnLst>
+    <p:bldLst>
+      <p:bldP spid="3" grpId="0" build="p"/>
+      <p:bldP spid="8" grpId="0"/>
+      <p:bldP spid="10" grpId="0"/>
+      <p:bldP spid="11" grpId="0"/>
+      <p:bldP spid="9" grpId="0"/>
+      <p:bldP spid="13" grpId="0"/>
+    </p:bldLst>
+  </p:timing>
+</p:sld>
+</file>
+
+<file path=ppt/slides/slide12.xml><?xml version="1.0" encoding="utf-8"?>
+<p:sld xmlns:a="http://schemas.openxmlformats.org/drawingml/2006/main" xmlns:r="http://schemas.openxmlformats.org/officeDocument/2006/relationships" xmlns:p="http://schemas.openxmlformats.org/presentationml/2006/main">
+  <p:cSld>
+    <p:spTree>
+      <p:nvGrpSpPr>
+        <p:cNvPr id="1" name=""/>
+        <p:cNvGrpSpPr/>
+        <p:nvPr/>
+      </p:nvGrpSpPr>
+      <p:grpSpPr>
+        <a:xfrm>
+          <a:off x="0" y="0"/>
+          <a:ext cx="0" cy="0"/>
+          <a:chOff x="0" y="0"/>
+          <a:chExt cx="0" cy="0"/>
+        </a:xfrm>
+      </p:grpSpPr>
+      <p:sp>
+        <p:nvSpPr>
+          <p:cNvPr id="2" name="Title 1"/>
+          <p:cNvSpPr>
+            <a:spLocks noGrp="1"/>
+          </p:cNvSpPr>
+          <p:nvPr>
+            <p:ph type="title"/>
+          </p:nvPr>
+        </p:nvSpPr>
+        <p:spPr/>
+        <p:txBody>
+          <a:bodyPr/>
+          <a:lstStyle/>
+          <a:p>
+            <a:r>
+              <a:rPr lang="en-CA" dirty="0" smtClean="0"/>
+              <a:t>Interval quantity attributes</a:t>
+            </a:r>
+            <a:endParaRPr lang="en-CA" dirty="0"/>
+          </a:p>
+        </p:txBody>
+      </p:sp>
+      <p:sp>
+        <p:nvSpPr>
+          <p:cNvPr id="3" name="Content Placeholder 2"/>
+          <p:cNvSpPr>
+            <a:spLocks noGrp="1"/>
+          </p:cNvSpPr>
+          <p:nvPr>
+            <p:ph idx="1"/>
+          </p:nvPr>
+        </p:nvSpPr>
+        <p:spPr/>
+        <p:txBody>
+          <a:bodyPr/>
+          <a:lstStyle/>
+          <a:p>
+            <a:r>
+              <a:rPr lang="en-CA" dirty="0" smtClean="0"/>
+              <a:t>Interval quantities have values that are not only ordered, but measured in fixed and equal units</a:t>
+            </a:r>
+          </a:p>
+          <a:p>
+            <a:pPr lvl="1"/>
+            <a:r>
+              <a:rPr lang="en-CA" dirty="0" smtClean="0"/>
+              <a:t>Temperature (degrees)</a:t>
+            </a:r>
+          </a:p>
+          <a:p>
+            <a:pPr lvl="1"/>
+            <a:r>
+              <a:rPr lang="en-CA" dirty="0" smtClean="0"/>
+              <a:t>Dates (year)</a:t>
+            </a:r>
+            <a:endParaRPr lang="en-CA" dirty="0"/>
+          </a:p>
+          <a:p>
+            <a:r>
+              <a:rPr lang="en-CA" dirty="0"/>
+              <a:t>Can subtract, but adding/multiplying is meaningless </a:t>
+            </a:r>
+          </a:p>
+          <a:p>
+            <a:r>
+              <a:rPr lang="en-CA" dirty="0" smtClean="0"/>
+              <a:t>Starting point (zero) is completely arbitrary</a:t>
+            </a:r>
+            <a:endParaRPr lang="en-CA" dirty="0"/>
+          </a:p>
+          <a:p>
+            <a:endParaRPr lang="en-CA" dirty="0"/>
+          </a:p>
+        </p:txBody>
+      </p:sp>
+      <p:pic>
+        <p:nvPicPr>
+          <p:cNvPr id="4" name="Picture 3"/>
+          <p:cNvPicPr>
+            <a:picLocks noChangeAspect="1"/>
+          </p:cNvPicPr>
+          <p:nvPr/>
+        </p:nvPicPr>
+        <p:blipFill>
+          <a:blip r:embed="rId2"/>
+          <a:stretch>
+            <a:fillRect/>
+          </a:stretch>
+        </p:blipFill>
+        <p:spPr>
+          <a:xfrm>
+            <a:off x="9297698" y="2864860"/>
+            <a:ext cx="1743075" cy="3705225"/>
+          </a:xfrm>
+          <a:prstGeom prst="rect">
+            <a:avLst/>
+          </a:prstGeom>
+        </p:spPr>
+      </p:pic>
+    </p:spTree>
+    <p:extLst>
+      <p:ext uri="{BB962C8B-B14F-4D97-AF65-F5344CB8AC3E}">
+        <p14:creationId xmlns:p14="http://schemas.microsoft.com/office/powerpoint/2010/main" val="649614151"/>
+      </p:ext>
+    </p:extLst>
+  </p:cSld>
+  <p:clrMapOvr>
+    <a:masterClrMapping/>
+  </p:clrMapOvr>
+  <p:timing>
+    <p:tnLst>
+      <p:par>
+        <p:cTn id="1" dur="indefinite" restart="never" nodeType="tmRoot">
+          <p:childTnLst>
+            <p:seq concurrent="1" nextAc="seek">
+              <p:cTn id="2" dur="indefinite" nodeType="mainSeq">
+                <p:childTnLst>
+                  <p:par>
+                    <p:cTn id="3" fill="hold">
+                      <p:stCondLst>
+                        <p:cond delay="indefinite"/>
+                      </p:stCondLst>
+                      <p:childTnLst>
+                        <p:par>
+                          <p:cTn id="4" fill="hold">
+                            <p:stCondLst>
+                              <p:cond delay="0"/>
+                            </p:stCondLst>
+                            <p:childTnLst>
+                              <p:par>
+                                <p:cTn id="5" presetID="1" presetClass="entr" presetSubtype="0" fill="hold" grpId="0" nodeType="clickEffect">
+                                  <p:stCondLst>
+                                    <p:cond delay="0"/>
+                                  </p:stCondLst>
+                                  <p:childTnLst>
+                                    <p:set>
+                                      <p:cBhvr>
+                                        <p:cTn id="6" dur="1" fill="hold">
+                                          <p:stCondLst>
+                                            <p:cond delay="0"/>
+                                          </p:stCondLst>
+                                        </p:cTn>
+                                        <p:tgtEl>
+                                          <p:spTgt spid="3">
+                                            <p:txEl>
+                                              <p:pRg st="0" end="0"/>
+                                            </p:txEl>
+                                          </p:spTgt>
+                                        </p:tgtEl>
+                                        <p:attrNameLst>
+                                          <p:attrName>style.visibility</p:attrName>
+                                        </p:attrNameLst>
+                                      </p:cBhvr>
+                                      <p:to>
+                                        <p:strVal val="visible"/>
+                                      </p:to>
+                                    </p:set>
+                                  </p:childTnLst>
+                                </p:cTn>
+                              </p:par>
+                              <p:par>
+                                <p:cTn id="7" presetID="1" presetClass="entr" presetSubtype="0" fill="hold" grpId="0" nodeType="withEffect">
+                                  <p:stCondLst>
+                                    <p:cond delay="0"/>
+                                  </p:stCondLst>
+                                  <p:childTnLst>
+                                    <p:set>
+                                      <p:cBhvr>
+                                        <p:cTn id="8" dur="1" fill="hold">
+                                          <p:stCondLst>
+                                            <p:cond delay="0"/>
+                                          </p:stCondLst>
+                                        </p:cTn>
+                                        <p:tgtEl>
+                                          <p:spTgt spid="3">
+                                            <p:txEl>
+                                              <p:pRg st="1" end="1"/>
+                                            </p:txEl>
+                                          </p:spTgt>
+                                        </p:tgtEl>
+                                        <p:attrNameLst>
+                                          <p:attrName>style.visibility</p:attrName>
+                                        </p:attrNameLst>
+                                      </p:cBhvr>
+                                      <p:to>
+                                        <p:strVal val="visible"/>
+                                      </p:to>
+                                    </p:set>
+                                  </p:childTnLst>
+                                </p:cTn>
+                              </p:par>
+                              <p:par>
+                                <p:cTn id="9" presetID="1" presetClass="entr" presetSubtype="0" fill="hold" grpId="0" nodeType="withEffect">
+                                  <p:stCondLst>
+                                    <p:cond delay="0"/>
+                                  </p:stCondLst>
+                                  <p:childTnLst>
+                                    <p:set>
+                                      <p:cBhvr>
+                                        <p:cTn id="10" dur="1" fill="hold">
+                                          <p:stCondLst>
+                                            <p:cond delay="0"/>
+                                          </p:stCondLst>
+                                        </p:cTn>
+                                        <p:tgtEl>
+                                          <p:spTgt spid="3">
+                                            <p:txEl>
+                                              <p:pRg st="2" end="2"/>
+                                            </p:txEl>
+                                          </p:spTgt>
+                                        </p:tgtEl>
+                                        <p:attrNameLst>
+                                          <p:attrName>style.visibility</p:attrName>
+                                        </p:attrNameLst>
+                                      </p:cBhvr>
+                                      <p:to>
+                                        <p:strVal val="visible"/>
+                                      </p:to>
+                                    </p:set>
+                                  </p:childTnLst>
+                                </p:cTn>
+                              </p:par>
+                            </p:childTnLst>
+                          </p:cTn>
+                        </p:par>
+                      </p:childTnLst>
+                    </p:cTn>
+                  </p:par>
+                  <p:par>
+                    <p:cTn id="11" fill="hold">
+                      <p:stCondLst>
+                        <p:cond delay="indefinite"/>
+                      </p:stCondLst>
+                      <p:childTnLst>
+                        <p:par>
+                          <p:cTn id="12" fill="hold">
+                            <p:stCondLst>
+                              <p:cond delay="0"/>
+                            </p:stCondLst>
+                            <p:childTnLst>
+                              <p:par>
+                                <p:cTn id="13" presetID="1" presetClass="entr" presetSubtype="0" fill="hold" grpId="0" nodeType="clickEffect">
+                                  <p:stCondLst>
+                                    <p:cond delay="0"/>
+                                  </p:stCondLst>
+                                  <p:childTnLst>
+                                    <p:set>
+                                      <p:cBhvr>
+                                        <p:cTn id="14" dur="1" fill="hold">
+                                          <p:stCondLst>
+                                            <p:cond delay="0"/>
+                                          </p:stCondLst>
+                                        </p:cTn>
+                                        <p:tgtEl>
+                                          <p:spTgt spid="3">
+                                            <p:txEl>
+                                              <p:pRg st="3" end="3"/>
+                                            </p:txEl>
+                                          </p:spTgt>
+                                        </p:tgtEl>
+                                        <p:attrNameLst>
+                                          <p:attrName>style.visibility</p:attrName>
+                                        </p:attrNameLst>
+                                      </p:cBhvr>
+                                      <p:to>
+                                        <p:strVal val="visible"/>
+                                      </p:to>
+                                    </p:set>
+                                  </p:childTnLst>
+                                </p:cTn>
+                              </p:par>
+                            </p:childTnLst>
+                          </p:cTn>
+                        </p:par>
+                      </p:childTnLst>
+                    </p:cTn>
+                  </p:par>
+                  <p:par>
+                    <p:cTn id="15" fill="hold">
+                      <p:stCondLst>
+                        <p:cond delay="indefinite"/>
+                      </p:stCondLst>
+                      <p:childTnLst>
+                        <p:par>
+                          <p:cTn id="16" fill="hold">
+                            <p:stCondLst>
+                              <p:cond delay="0"/>
+                            </p:stCondLst>
+                            <p:childTnLst>
+                              <p:par>
+                                <p:cTn id="17" presetID="1" presetClass="entr" presetSubtype="0" fill="hold" grpId="0" nodeType="clickEffect">
+                                  <p:stCondLst>
+                                    <p:cond delay="0"/>
+                                  </p:stCondLst>
+                                  <p:childTnLst>
+                                    <p:set>
+                                      <p:cBhvr>
+                                        <p:cTn id="18" dur="1" fill="hold">
+                                          <p:stCondLst>
+                                            <p:cond delay="0"/>
+                                          </p:stCondLst>
+                                        </p:cTn>
+                                        <p:tgtEl>
+                                          <p:spTgt spid="3">
+                                            <p:txEl>
+                                              <p:pRg st="4" end="4"/>
+                                            </p:txEl>
+                                          </p:spTgt>
+                                        </p:tgtEl>
+                                        <p:attrNameLst>
+                                          <p:attrName>style.visibility</p:attrName>
+                                        </p:attrNameLst>
+                                      </p:cBhvr>
+                                      <p:to>
+                                        <p:strVal val="visible"/>
+                                      </p:to>
+                                    </p:set>
+                                  </p:childTnLst>
+                                </p:cTn>
+                              </p:par>
+                            </p:childTnLst>
+                          </p:cTn>
+                        </p:par>
+                      </p:childTnLst>
+                    </p:cTn>
+                  </p:par>
+                  <p:par>
+                    <p:cTn id="19" fill="hold">
+                      <p:stCondLst>
+                        <p:cond delay="indefinite"/>
+                      </p:stCondLst>
+                      <p:childTnLst>
+                        <p:par>
+                          <p:cTn id="20" fill="hold">
+                            <p:stCondLst>
+                              <p:cond delay="0"/>
+                            </p:stCondLst>
+                            <p:childTnLst>
+                              <p:par>
+                                <p:cTn id="21" presetID="1" presetClass="entr" presetSubtype="0" fill="hold" nodeType="clickEffect">
+                                  <p:stCondLst>
+                                    <p:cond delay="0"/>
+                                  </p:stCondLst>
+                                  <p:childTnLst>
+                                    <p:set>
+                                      <p:cBhvr>
+                                        <p:cTn id="22" dur="1" fill="hold">
+                                          <p:stCondLst>
+                                            <p:cond delay="0"/>
+                                          </p:stCondLst>
+                                        </p:cTn>
+                                        <p:tgtEl>
+                                          <p:spTgt spid="4"/>
+                                        </p:tgtEl>
+                                        <p:attrNameLst>
+                                          <p:attrName>style.visibility</p:attrName>
+                                        </p:attrNameLst>
+                                      </p:cBhvr>
+                                      <p:to>
+                                        <p:strVal val="visible"/>
+                                      </p:to>
+                                    </p:set>
+                                  </p:childTnLst>
+                                </p:cTn>
+                              </p:par>
+                            </p:childTnLst>
+                          </p:cTn>
+                        </p:par>
+                      </p:childTnLst>
+                    </p:cTn>
+                  </p:par>
+                </p:childTnLst>
+              </p:cTn>
+              <p:prevCondLst>
+                <p:cond evt="onPrev" delay="0">
+                  <p:tgtEl>
+                    <p:sldTgt/>
+                  </p:tgtEl>
+                </p:cond>
+              </p:prevCondLst>
+              <p:nextCondLst>
+                <p:cond evt="onNext" delay="0">
+                  <p:tgtEl>
+                    <p:sldTgt/>
+                  </p:tgtEl>
+                </p:cond>
+              </p:nextCondLst>
+            </p:seq>
+          </p:childTnLst>
+        </p:cTn>
+      </p:par>
+    </p:tnLst>
+    <p:bldLst>
+      <p:bldP spid="3" grpId="0" build="p"/>
+    </p:bldLst>
+  </p:timing>
+</p:sld>
+</file>
+
+<file path=ppt/slides/slide13.xml><?xml version="1.0" encoding="utf-8"?>
+<p:sld xmlns:a="http://schemas.openxmlformats.org/drawingml/2006/main" xmlns:r="http://schemas.openxmlformats.org/officeDocument/2006/relationships" xmlns:p="http://schemas.openxmlformats.org/presentationml/2006/main">
+  <p:cSld>
+    <p:spTree>
+      <p:nvGrpSpPr>
+        <p:cNvPr id="1" name=""/>
+        <p:cNvGrpSpPr/>
+        <p:nvPr/>
+      </p:nvGrpSpPr>
+      <p:grpSpPr>
+        <a:xfrm>
+          <a:off x="0" y="0"/>
+          <a:ext cx="0" cy="0"/>
+          <a:chOff x="0" y="0"/>
+          <a:chExt cx="0" cy="0"/>
+        </a:xfrm>
+      </p:grpSpPr>
+      <p:sp>
+        <p:nvSpPr>
+          <p:cNvPr id="2" name="Title 1"/>
+          <p:cNvSpPr>
+            <a:spLocks noGrp="1"/>
+          </p:cNvSpPr>
+          <p:nvPr>
+            <p:ph type="title"/>
+          </p:nvPr>
+        </p:nvSpPr>
+        <p:spPr/>
+        <p:txBody>
+          <a:bodyPr/>
+          <a:lstStyle/>
+          <a:p>
+            <a:r>
+              <a:rPr lang="en-CA" dirty="0" smtClean="0"/>
+              <a:t>Ratio quantity attributes</a:t>
+            </a:r>
+            <a:endParaRPr lang="en-CA" dirty="0"/>
+          </a:p>
+        </p:txBody>
+      </p:sp>
+      <p:sp>
+        <p:nvSpPr>
+          <p:cNvPr id="3" name="Content Placeholder 2"/>
+          <p:cNvSpPr>
+            <a:spLocks noGrp="1"/>
+          </p:cNvSpPr>
+          <p:nvPr>
+            <p:ph idx="1"/>
+          </p:nvPr>
+        </p:nvSpPr>
+        <p:spPr/>
+        <p:txBody>
+          <a:bodyPr/>
+          <a:lstStyle/>
+          <a:p>
+            <a:r>
+              <a:rPr lang="en-CA" dirty="0" smtClean="0"/>
+              <a:t>Ratio quantities are ones for which the measurement scheme inherently defines a zero point</a:t>
+            </a:r>
+          </a:p>
+          <a:p>
+            <a:r>
+              <a:rPr lang="en-CA" dirty="0" smtClean="0"/>
+              <a:t>Real </a:t>
+            </a:r>
+            <a:r>
+              <a:rPr lang="en-CA" dirty="0"/>
+              <a:t>numbers, can multiple and add together (distances</a:t>
+            </a:r>
+            <a:r>
+              <a:rPr lang="en-CA" dirty="0" smtClean="0"/>
+              <a:t>)</a:t>
+            </a:r>
+            <a:endParaRPr lang="en-CA" dirty="0"/>
+          </a:p>
+          <a:p>
+            <a:r>
+              <a:rPr lang="en-CA" dirty="0" smtClean="0"/>
+              <a:t>We will work only with nominal and ratio, in practice, the distinction between ordinal and ratio is irrelevant</a:t>
+            </a:r>
+          </a:p>
+          <a:p>
+            <a:endParaRPr lang="en-CA" dirty="0" smtClean="0"/>
+          </a:p>
+          <a:p>
+            <a:endParaRPr lang="en-CA" dirty="0"/>
+          </a:p>
+          <a:p>
+            <a:pPr marL="0" indent="0">
+              <a:buNone/>
+            </a:pPr>
+            <a:endParaRPr lang="en-CA" dirty="0"/>
+          </a:p>
+          <a:p>
+            <a:endParaRPr lang="en-CA" dirty="0"/>
+          </a:p>
+        </p:txBody>
+      </p:sp>
+      <p:pic>
+        <p:nvPicPr>
+          <p:cNvPr id="4098" name="Picture 2" descr="Image result for distance sign"/>
+          <p:cNvPicPr>
+            <a:picLocks noChangeAspect="1" noChangeArrowheads="1"/>
+          </p:cNvPicPr>
+          <p:nvPr/>
+        </p:nvPicPr>
+        <p:blipFill>
+          <a:blip r:embed="rId2">
+            <a:extLst>
+              <a:ext uri="{28A0092B-C50C-407E-A947-70E740481C1C}">
+                <a14:useLocalDpi xmlns:a14="http://schemas.microsoft.com/office/drawing/2010/main" val="0"/>
+              </a:ext>
+            </a:extLst>
+          </a:blip>
+          <a:srcRect/>
+          <a:stretch>
+            <a:fillRect/>
+          </a:stretch>
+        </p:blipFill>
+        <p:spPr bwMode="auto">
+          <a:xfrm>
+            <a:off x="7481454" y="3717637"/>
+            <a:ext cx="4710545" cy="3140363"/>
+          </a:xfrm>
+          <a:prstGeom prst="rect">
+            <a:avLst/>
+          </a:prstGeom>
+          <a:noFill/>
+          <a:extLst>
+            <a:ext uri="{909E8E84-426E-40DD-AFC4-6F175D3DCCD1}">
+              <a14:hiddenFill xmlns:a14="http://schemas.microsoft.com/office/drawing/2010/main">
+                <a:solidFill>
+                  <a:srgbClr val="FFFFFF"/>
+                </a:solidFill>
+              </a14:hiddenFill>
+            </a:ext>
+          </a:extLst>
+        </p:spPr>
+      </p:pic>
+    </p:spTree>
+    <p:extLst>
+      <p:ext uri="{BB962C8B-B14F-4D97-AF65-F5344CB8AC3E}">
+        <p14:creationId xmlns:p14="http://schemas.microsoft.com/office/powerpoint/2010/main" val="3616221994"/>
+      </p:ext>
+    </p:extLst>
+  </p:cSld>
+  <p:clrMapOvr>
+    <a:masterClrMapping/>
+  </p:clrMapOvr>
+  <p:timing>
+    <p:tnLst>
+      <p:par>
+        <p:cTn id="1" dur="indefinite" restart="never" nodeType="tmRoot">
+          <p:childTnLst>
+            <p:seq concurrent="1" nextAc="seek">
+              <p:cTn id="2" dur="indefinite" nodeType="mainSeq">
+                <p:childTnLst>
+                  <p:par>
+                    <p:cTn id="3" fill="hold">
+                      <p:stCondLst>
+                        <p:cond delay="indefinite"/>
+                      </p:stCondLst>
+                      <p:childTnLst>
+                        <p:par>
+                          <p:cTn id="4" fill="hold">
+                            <p:stCondLst>
+                              <p:cond delay="0"/>
+                            </p:stCondLst>
+                            <p:childTnLst>
+                              <p:par>
+                                <p:cTn id="5" presetID="1" presetClass="entr" presetSubtype="0" fill="hold" grpId="0" nodeType="clickEffect">
+                                  <p:stCondLst>
+                                    <p:cond delay="0"/>
+                                  </p:stCondLst>
+                                  <p:childTnLst>
+                                    <p:set>
+                                      <p:cBhvr>
+                                        <p:cTn id="6" dur="1" fill="hold">
+                                          <p:stCondLst>
+                                            <p:cond delay="0"/>
+                                          </p:stCondLst>
+                                        </p:cTn>
+                                        <p:tgtEl>
+                                          <p:spTgt spid="3">
+                                            <p:txEl>
+                                              <p:pRg st="0" end="0"/>
+                                            </p:txEl>
+                                          </p:spTgt>
+                                        </p:tgtEl>
+                                        <p:attrNameLst>
+                                          <p:attrName>style.visibility</p:attrName>
+                                        </p:attrNameLst>
+                                      </p:cBhvr>
+                                      <p:to>
+                                        <p:strVal val="visible"/>
+                                      </p:to>
+                                    </p:set>
+                                  </p:childTnLst>
+                                </p:cTn>
+                              </p:par>
+                            </p:childTnLst>
+                          </p:cTn>
+                        </p:par>
+                      </p:childTnLst>
+                    </p:cTn>
+                  </p:par>
+                  <p:par>
+                    <p:cTn id="7" fill="hold">
+                      <p:stCondLst>
+                        <p:cond delay="indefinite"/>
+                      </p:stCondLst>
+                      <p:childTnLst>
+                        <p:par>
+                          <p:cTn id="8" fill="hold">
+                            <p:stCondLst>
+                              <p:cond delay="0"/>
+                            </p:stCondLst>
+                            <p:childTnLst>
+                              <p:par>
+                                <p:cTn id="9" presetID="1" presetClass="entr" presetSubtype="0" fill="hold" grpId="0" nodeType="clickEffect">
+                                  <p:stCondLst>
+                                    <p:cond delay="0"/>
+                                  </p:stCondLst>
+                                  <p:childTnLst>
+                                    <p:set>
+                                      <p:cBhvr>
+                                        <p:cTn id="10" dur="1" fill="hold">
+                                          <p:stCondLst>
+                                            <p:cond delay="0"/>
+                                          </p:stCondLst>
+                                        </p:cTn>
+                                        <p:tgtEl>
+                                          <p:spTgt spid="3">
+                                            <p:txEl>
+                                              <p:pRg st="1" end="1"/>
+                                            </p:txEl>
+                                          </p:spTgt>
+                                        </p:tgtEl>
+                                        <p:attrNameLst>
+                                          <p:attrName>style.visibility</p:attrName>
+                                        </p:attrNameLst>
+                                      </p:cBhvr>
+                                      <p:to>
+                                        <p:strVal val="visible"/>
+                                      </p:to>
+                                    </p:set>
+                                  </p:childTnLst>
+                                </p:cTn>
+                              </p:par>
+                            </p:childTnLst>
+                          </p:cTn>
+                        </p:par>
+                      </p:childTnLst>
+                    </p:cTn>
+                  </p:par>
+                  <p:par>
+                    <p:cTn id="11" fill="hold">
+                      <p:stCondLst>
+                        <p:cond delay="indefinite"/>
+                      </p:stCondLst>
+                      <p:childTnLst>
+                        <p:par>
+                          <p:cTn id="12" fill="hold">
+                            <p:stCondLst>
+                              <p:cond delay="0"/>
+                            </p:stCondLst>
+                            <p:childTnLst>
+                              <p:par>
+                                <p:cTn id="13" presetID="1" presetClass="entr" presetSubtype="0" fill="hold" nodeType="clickEffect">
+                                  <p:stCondLst>
+                                    <p:cond delay="0"/>
+                                  </p:stCondLst>
+                                  <p:childTnLst>
+                                    <p:set>
+                                      <p:cBhvr>
+                                        <p:cTn id="14" dur="1" fill="hold">
+                                          <p:stCondLst>
+                                            <p:cond delay="0"/>
+                                          </p:stCondLst>
+                                        </p:cTn>
+                                        <p:tgtEl>
+                                          <p:spTgt spid="4098"/>
+                                        </p:tgtEl>
+                                        <p:attrNameLst>
+                                          <p:attrName>style.visibility</p:attrName>
+                                        </p:attrNameLst>
+                                      </p:cBhvr>
+                                      <p:to>
+                                        <p:strVal val="visible"/>
+                                      </p:to>
+                                    </p:set>
+                                  </p:childTnLst>
+                                </p:cTn>
+                              </p:par>
+                            </p:childTnLst>
+                          </p:cTn>
+                        </p:par>
+                      </p:childTnLst>
+                    </p:cTn>
+                  </p:par>
+                  <p:par>
+                    <p:cTn id="15" fill="hold">
+                      <p:stCondLst>
+                        <p:cond delay="indefinite"/>
+                      </p:stCondLst>
+                      <p:childTnLst>
+                        <p:par>
+                          <p:cTn id="16" fill="hold">
+                            <p:stCondLst>
+                              <p:cond delay="0"/>
+                            </p:stCondLst>
+                            <p:childTnLst>
+                              <p:par>
+                                <p:cTn id="17" presetID="1" presetClass="entr" presetSubtype="0" fill="hold" nodeType="clickEffect">
+                                  <p:stCondLst>
+                                    <p:cond delay="0"/>
+                                  </p:stCondLst>
+                                  <p:childTnLst>
+                                    <p:set>
+                                      <p:cBhvr>
+                                        <p:cTn id="18" dur="1" fill="hold">
+                                          <p:stCondLst>
+                                            <p:cond delay="0"/>
+                                          </p:stCondLst>
+                                        </p:cTn>
+                                        <p:tgtEl>
+                                          <p:spTgt spid="3">
+                                            <p:txEl>
+                                              <p:pRg st="2" end="2"/>
+                                            </p:txEl>
+                                          </p:spTgt>
+                                        </p:tgtEl>
+                                        <p:attrNameLst>
+                                          <p:attrName>style.visibility</p:attrName>
+                                        </p:attrNameLst>
+                                      </p:cBhvr>
+                                      <p:to>
+                                        <p:strVal val="visible"/>
+                                      </p:to>
+                                    </p:set>
+                                  </p:childTnLst>
+                                </p:cTn>
+                              </p:par>
+                            </p:childTnLst>
+                          </p:cTn>
+                        </p:par>
+                      </p:childTnLst>
+                    </p:cTn>
+                  </p:par>
+                </p:childTnLst>
+              </p:cTn>
+              <p:prevCondLst>
+                <p:cond evt="onPrev" delay="0">
+                  <p:tgtEl>
+                    <p:sldTgt/>
+                  </p:tgtEl>
+                </p:cond>
+              </p:prevCondLst>
+              <p:nextCondLst>
+                <p:cond evt="onNext" delay="0">
+                  <p:tgtEl>
+                    <p:sldTgt/>
+                  </p:tgtEl>
+                </p:cond>
+              </p:nextCondLst>
+            </p:seq>
+          </p:childTnLst>
+        </p:cTn>
+      </p:par>
+    </p:tnLst>
+    <p:bldLst>
+      <p:bldP spid="3" grpId="0" uiExpand="1" build="p"/>
+    </p:bldLst>
+  </p:timing>
+</p:sld>
+</file>
+
+<file path=ppt/slides/slide14.xml><?xml version="1.0" encoding="utf-8"?>
+<p:sld xmlns:a="http://schemas.openxmlformats.org/drawingml/2006/main" xmlns:r="http://schemas.openxmlformats.org/officeDocument/2006/relationships" xmlns:p="http://schemas.openxmlformats.org/presentationml/2006/main">
+  <p:cSld>
+    <p:spTree>
+      <p:nvGrpSpPr>
+        <p:cNvPr id="1" name=""/>
+        <p:cNvGrpSpPr/>
+        <p:nvPr/>
+      </p:nvGrpSpPr>
+      <p:grpSpPr>
+        <a:xfrm>
+          <a:off x="0" y="0"/>
+          <a:ext cx="0" cy="0"/>
+          <a:chOff x="0" y="0"/>
+          <a:chExt cx="0" cy="0"/>
+        </a:xfrm>
+      </p:grpSpPr>
+      <p:sp>
+        <p:nvSpPr>
+          <p:cNvPr id="2" name="Title 1"/>
+          <p:cNvSpPr>
+            <a:spLocks noGrp="1"/>
+          </p:cNvSpPr>
+          <p:nvPr>
+            <p:ph type="title"/>
+          </p:nvPr>
+        </p:nvSpPr>
+        <p:spPr/>
+        <p:txBody>
+          <a:bodyPr/>
+          <a:lstStyle/>
+          <a:p>
+            <a:r>
+              <a:rPr lang="en-CA" dirty="0" smtClean="0"/>
+              <a:t>Preparing the input </a:t>
+            </a:r>
+            <a:endParaRPr lang="en-CA" dirty="0"/>
+          </a:p>
+        </p:txBody>
+      </p:sp>
+      <p:sp>
+        <p:nvSpPr>
+          <p:cNvPr id="3" name="Content Placeholder 2"/>
+          <p:cNvSpPr>
+            <a:spLocks noGrp="1"/>
+          </p:cNvSpPr>
+          <p:nvPr>
+            <p:ph idx="1"/>
+          </p:nvPr>
+        </p:nvSpPr>
+        <p:spPr/>
+        <p:txBody>
+          <a:bodyPr>
+            <a:normAutofit/>
+          </a:bodyPr>
+          <a:lstStyle/>
+          <a:p>
+            <a:r>
+              <a:rPr lang="en-CA" dirty="0" smtClean="0"/>
+              <a:t>Real data is often low in quality (full of artifacts/missing values), data cleaning is often necessary</a:t>
+            </a:r>
+          </a:p>
+          <a:p>
+            <a:pPr lvl="1"/>
+            <a:r>
+              <a:rPr lang="en-CA" dirty="0" smtClean="0"/>
+              <a:t>Practical issues (record keeping across different departments, etc.)</a:t>
+            </a:r>
+          </a:p>
+          <a:p>
+            <a:r>
+              <a:rPr lang="en-CA" dirty="0" smtClean="0"/>
+              <a:t>Sparse data </a:t>
+            </a:r>
+          </a:p>
+          <a:p>
+            <a:pPr lvl="1"/>
+            <a:r>
+              <a:rPr lang="en-CA" dirty="0" smtClean="0"/>
+              <a:t>Sparse data is when most instances have value of 0 for most attributes </a:t>
+            </a:r>
+          </a:p>
+          <a:p>
+            <a:pPr lvl="1"/>
+            <a:r>
+              <a:rPr lang="en-CA" dirty="0" smtClean="0"/>
+              <a:t>Supermarket basket</a:t>
+            </a:r>
+          </a:p>
+          <a:p>
+            <a:pPr lvl="1"/>
+            <a:r>
+              <a:rPr lang="en-CA" dirty="0" smtClean="0"/>
+              <a:t>Text mining</a:t>
+            </a:r>
+            <a:endParaRPr lang="en-CA" dirty="0"/>
+          </a:p>
+          <a:p>
+            <a:endParaRPr lang="en-CA" dirty="0" smtClean="0"/>
+          </a:p>
+          <a:p>
+            <a:endParaRPr lang="en-CA" dirty="0"/>
+          </a:p>
+        </p:txBody>
+      </p:sp>
+      <p:pic>
+        <p:nvPicPr>
+          <p:cNvPr id="5" name="Picture 4"/>
+          <p:cNvPicPr>
+            <a:picLocks noChangeAspect="1"/>
+          </p:cNvPicPr>
+          <p:nvPr/>
+        </p:nvPicPr>
+        <p:blipFill>
+          <a:blip r:embed="rId2"/>
+          <a:stretch>
+            <a:fillRect/>
+          </a:stretch>
+        </p:blipFill>
+        <p:spPr>
+          <a:xfrm>
+            <a:off x="4648819" y="4314825"/>
+            <a:ext cx="3914775" cy="2543175"/>
+          </a:xfrm>
+          <a:prstGeom prst="rect">
+            <a:avLst/>
+          </a:prstGeom>
+        </p:spPr>
+      </p:pic>
+      <p:pic>
+        <p:nvPicPr>
+          <p:cNvPr id="6148" name="Picture 4" descr="Image result for supermarket basket"/>
+          <p:cNvPicPr>
+            <a:picLocks noChangeAspect="1" noChangeArrowheads="1"/>
+          </p:cNvPicPr>
+          <p:nvPr/>
+        </p:nvPicPr>
+        <p:blipFill>
+          <a:blip r:embed="rId3">
+            <a:extLst>
+              <a:ext uri="{28A0092B-C50C-407E-A947-70E740481C1C}">
+                <a14:useLocalDpi xmlns:a14="http://schemas.microsoft.com/office/drawing/2010/main" val="0"/>
+              </a:ext>
+            </a:extLst>
+          </a:blip>
+          <a:srcRect/>
+          <a:stretch>
+            <a:fillRect/>
+          </a:stretch>
+        </p:blipFill>
+        <p:spPr bwMode="auto">
+          <a:xfrm>
+            <a:off x="8619014" y="4845050"/>
+            <a:ext cx="3572986" cy="2012950"/>
+          </a:xfrm>
+          <a:prstGeom prst="rect">
+            <a:avLst/>
+          </a:prstGeom>
+          <a:noFill/>
+          <a:extLst>
+            <a:ext uri="{909E8E84-426E-40DD-AFC4-6F175D3DCCD1}">
+              <a14:hiddenFill xmlns:a14="http://schemas.microsoft.com/office/drawing/2010/main">
+                <a:solidFill>
+                  <a:srgbClr val="FFFFFF"/>
+                </a:solidFill>
+              </a14:hiddenFill>
+            </a:ext>
+          </a:extLst>
+        </p:spPr>
+      </p:pic>
+    </p:spTree>
+    <p:extLst>
+      <p:ext uri="{BB962C8B-B14F-4D97-AF65-F5344CB8AC3E}">
+        <p14:creationId xmlns:p14="http://schemas.microsoft.com/office/powerpoint/2010/main" val="3294532970"/>
+      </p:ext>
+    </p:extLst>
+  </p:cSld>
+  <p:clrMapOvr>
+    <a:masterClrMapping/>
+  </p:clrMapOvr>
+  <p:timing>
+    <p:tnLst>
+      <p:par>
+        <p:cTn id="1" dur="indefinite" restart="never" nodeType="tmRoot">
+          <p:childTnLst>
+            <p:seq concurrent="1" nextAc="seek">
+              <p:cTn id="2" dur="indefinite" nodeType="mainSeq">
+                <p:childTnLst>
+                  <p:par>
+                    <p:cTn id="3" fill="hold">
+                      <p:stCondLst>
+                        <p:cond delay="indefinite"/>
+                      </p:stCondLst>
+                      <p:childTnLst>
+                        <p:par>
+                          <p:cTn id="4" fill="hold">
+                            <p:stCondLst>
+                              <p:cond delay="0"/>
+                            </p:stCondLst>
+                            <p:childTnLst>
+                              <p:par>
+                                <p:cTn id="5" presetID="1" presetClass="entr" presetSubtype="0" fill="hold" grpId="0" nodeType="clickEffect">
+                                  <p:stCondLst>
+                                    <p:cond delay="0"/>
+                                  </p:stCondLst>
+                                  <p:childTnLst>
+                                    <p:set>
+                                      <p:cBhvr>
+                                        <p:cTn id="6" dur="1" fill="hold">
+                                          <p:stCondLst>
+                                            <p:cond delay="0"/>
+                                          </p:stCondLst>
+                                        </p:cTn>
+                                        <p:tgtEl>
+                                          <p:spTgt spid="3">
+                                            <p:txEl>
+                                              <p:pRg st="0" end="0"/>
+                                            </p:txEl>
+                                          </p:spTgt>
+                                        </p:tgtEl>
+                                        <p:attrNameLst>
+                                          <p:attrName>style.visibility</p:attrName>
+                                        </p:attrNameLst>
+                                      </p:cBhvr>
+                                      <p:to>
+                                        <p:strVal val="visible"/>
+                                      </p:to>
+                                    </p:set>
+                                  </p:childTnLst>
+                                </p:cTn>
+                              </p:par>
+                              <p:par>
+                                <p:cTn id="7" presetID="1" presetClass="entr" presetSubtype="0" fill="hold" grpId="0" nodeType="withEffect">
+                                  <p:stCondLst>
+                                    <p:cond delay="0"/>
+                                  </p:stCondLst>
+                                  <p:childTnLst>
+                                    <p:set>
+                                      <p:cBhvr>
+                                        <p:cTn id="8" dur="1" fill="hold">
+                                          <p:stCondLst>
+                                            <p:cond delay="0"/>
+                                          </p:stCondLst>
+                                        </p:cTn>
+                                        <p:tgtEl>
+                                          <p:spTgt spid="3">
+                                            <p:txEl>
+                                              <p:pRg st="1" end="1"/>
+                                            </p:txEl>
+                                          </p:spTgt>
+                                        </p:tgtEl>
+                                        <p:attrNameLst>
+                                          <p:attrName>style.visibility</p:attrName>
+                                        </p:attrNameLst>
+                                      </p:cBhvr>
+                                      <p:to>
+                                        <p:strVal val="visible"/>
+                                      </p:to>
+                                    </p:set>
+                                  </p:childTnLst>
+                                </p:cTn>
+                              </p:par>
+                            </p:childTnLst>
+                          </p:cTn>
+                        </p:par>
+                      </p:childTnLst>
+                    </p:cTn>
+                  </p:par>
+                  <p:par>
+                    <p:cTn id="9" fill="hold">
+                      <p:stCondLst>
+                        <p:cond delay="indefinite"/>
+                      </p:stCondLst>
+                      <p:childTnLst>
+                        <p:par>
+                          <p:cTn id="10" fill="hold">
+                            <p:stCondLst>
+                              <p:cond delay="0"/>
+                            </p:stCondLst>
+                            <p:childTnLst>
+                              <p:par>
+                                <p:cTn id="11" presetID="1" presetClass="entr" presetSubtype="0" fill="hold" grpId="0" nodeType="clickEffect">
+                                  <p:stCondLst>
+                                    <p:cond delay="0"/>
+                                  </p:stCondLst>
+                                  <p:childTnLst>
+                                    <p:set>
+                                      <p:cBhvr>
+                                        <p:cTn id="12" dur="1" fill="hold">
+                                          <p:stCondLst>
+                                            <p:cond delay="0"/>
+                                          </p:stCondLst>
+                                        </p:cTn>
+                                        <p:tgtEl>
+                                          <p:spTgt spid="3">
+                                            <p:txEl>
+                                              <p:pRg st="2" end="2"/>
+                                            </p:txEl>
+                                          </p:spTgt>
+                                        </p:tgtEl>
+                                        <p:attrNameLst>
+                                          <p:attrName>style.visibility</p:attrName>
+                                        </p:attrNameLst>
+                                      </p:cBhvr>
+                                      <p:to>
+                                        <p:strVal val="visible"/>
+                                      </p:to>
+                                    </p:set>
+                                  </p:childTnLst>
+                                </p:cTn>
+                              </p:par>
+                              <p:par>
+                                <p:cTn id="13" presetID="1" presetClass="entr" presetSubtype="0" fill="hold" grpId="0" nodeType="withEffect">
+                                  <p:stCondLst>
+                                    <p:cond delay="0"/>
+                                  </p:stCondLst>
+                                  <p:childTnLst>
+                                    <p:set>
+                                      <p:cBhvr>
+                                        <p:cTn id="14" dur="1" fill="hold">
+                                          <p:stCondLst>
+                                            <p:cond delay="0"/>
+                                          </p:stCondLst>
+                                        </p:cTn>
+                                        <p:tgtEl>
+                                          <p:spTgt spid="3">
+                                            <p:txEl>
+                                              <p:pRg st="3" end="3"/>
+                                            </p:txEl>
+                                          </p:spTgt>
+                                        </p:tgtEl>
+                                        <p:attrNameLst>
+                                          <p:attrName>style.visibility</p:attrName>
+                                        </p:attrNameLst>
+                                      </p:cBhvr>
+                                      <p:to>
+                                        <p:strVal val="visible"/>
+                                      </p:to>
+                                    </p:set>
+                                  </p:childTnLst>
+                                </p:cTn>
+                              </p:par>
+                            </p:childTnLst>
+                          </p:cTn>
+                        </p:par>
+                      </p:childTnLst>
+                    </p:cTn>
+                  </p:par>
+                  <p:par>
+                    <p:cTn id="15" fill="hold">
+                      <p:stCondLst>
+                        <p:cond delay="indefinite"/>
+                      </p:stCondLst>
+                      <p:childTnLst>
+                        <p:par>
+                          <p:cTn id="16" fill="hold">
+                            <p:stCondLst>
+                              <p:cond delay="0"/>
+                            </p:stCondLst>
+                            <p:childTnLst>
+                              <p:par>
+                                <p:cTn id="17" presetID="1" presetClass="entr" presetSubtype="0" fill="hold" nodeType="clickEffect">
+                                  <p:stCondLst>
+                                    <p:cond delay="0"/>
+                                  </p:stCondLst>
+                                  <p:childTnLst>
+                                    <p:set>
+                                      <p:cBhvr>
+                                        <p:cTn id="18" dur="1" fill="hold">
+                                          <p:stCondLst>
+                                            <p:cond delay="0"/>
+                                          </p:stCondLst>
+                                        </p:cTn>
+                                        <p:tgtEl>
+                                          <p:spTgt spid="5"/>
+                                        </p:tgtEl>
+                                        <p:attrNameLst>
+                                          <p:attrName>style.visibility</p:attrName>
+                                        </p:attrNameLst>
+                                      </p:cBhvr>
+                                      <p:to>
+                                        <p:strVal val="visible"/>
+                                      </p:to>
+                                    </p:set>
+                                  </p:childTnLst>
+                                </p:cTn>
+                              </p:par>
+                              <p:par>
+                                <p:cTn id="19" presetID="1" presetClass="entr" presetSubtype="0" fill="hold" nodeType="withEffect">
+                                  <p:stCondLst>
+                                    <p:cond delay="0"/>
+                                  </p:stCondLst>
+                                  <p:childTnLst>
+                                    <p:set>
+                                      <p:cBhvr>
+                                        <p:cTn id="20" dur="1" fill="hold">
+                                          <p:stCondLst>
+                                            <p:cond delay="0"/>
+                                          </p:stCondLst>
+                                        </p:cTn>
+                                        <p:tgtEl>
+                                          <p:spTgt spid="6148"/>
+                                        </p:tgtEl>
+                                        <p:attrNameLst>
+                                          <p:attrName>style.visibility</p:attrName>
+                                        </p:attrNameLst>
+                                      </p:cBhvr>
+                                      <p:to>
+                                        <p:strVal val="visible"/>
+                                      </p:to>
+                                    </p:set>
+                                  </p:childTnLst>
+                                </p:cTn>
+                              </p:par>
+                            </p:childTnLst>
+                          </p:cTn>
+                        </p:par>
+                      </p:childTnLst>
+                    </p:cTn>
+                  </p:par>
+                  <p:par>
+                    <p:cTn id="21" fill="hold">
+                      <p:stCondLst>
+                        <p:cond delay="indefinite"/>
+                      </p:stCondLst>
+                      <p:childTnLst>
+                        <p:par>
+                          <p:cTn id="22" fill="hold">
+                            <p:stCondLst>
+                              <p:cond delay="0"/>
+                            </p:stCondLst>
+                            <p:childTnLst>
+                              <p:par>
+                                <p:cTn id="23" presetID="1" presetClass="entr" presetSubtype="0" fill="hold" nodeType="clickEffect">
+                                  <p:stCondLst>
+                                    <p:cond delay="0"/>
+                                  </p:stCondLst>
+                                  <p:childTnLst>
+                                    <p:set>
+                                      <p:cBhvr>
+                                        <p:cTn id="24" dur="1" fill="hold">
+                                          <p:stCondLst>
+                                            <p:cond delay="0"/>
+                                          </p:stCondLst>
+                                        </p:cTn>
+                                        <p:tgtEl>
+                                          <p:spTgt spid="3">
+                                            <p:txEl>
+                                              <p:pRg st="4" end="4"/>
+                                            </p:txEl>
+                                          </p:spTgt>
+                                        </p:tgtEl>
+                                        <p:attrNameLst>
+                                          <p:attrName>style.visibility</p:attrName>
+                                        </p:attrNameLst>
+                                      </p:cBhvr>
+                                      <p:to>
+                                        <p:strVal val="visible"/>
+                                      </p:to>
+                                    </p:set>
+                                  </p:childTnLst>
+                                </p:cTn>
+                              </p:par>
+                              <p:par>
+                                <p:cTn id="25" presetID="1" presetClass="entr" presetSubtype="0" fill="hold" nodeType="withEffect">
+                                  <p:stCondLst>
+                                    <p:cond delay="0"/>
+                                  </p:stCondLst>
+                                  <p:childTnLst>
+                                    <p:set>
+                                      <p:cBhvr>
+                                        <p:cTn id="26" dur="1" fill="hold">
+                                          <p:stCondLst>
+                                            <p:cond delay="0"/>
+                                          </p:stCondLst>
+                                        </p:cTn>
+                                        <p:tgtEl>
+                                          <p:spTgt spid="3">
+                                            <p:txEl>
+                                              <p:pRg st="5" end="5"/>
+                                            </p:txEl>
+                                          </p:spTgt>
+                                        </p:tgtEl>
+                                        <p:attrNameLst>
+                                          <p:attrName>style.visibility</p:attrName>
+                                        </p:attrNameLst>
+                                      </p:cBhvr>
+                                      <p:to>
+                                        <p:strVal val="visible"/>
+                                      </p:to>
+                                    </p:set>
+                                  </p:childTnLst>
+                                </p:cTn>
+                              </p:par>
+                            </p:childTnLst>
+                          </p:cTn>
+                        </p:par>
+                      </p:childTnLst>
+                    </p:cTn>
+                  </p:par>
+                </p:childTnLst>
+              </p:cTn>
+              <p:prevCondLst>
+                <p:cond evt="onPrev" delay="0">
+                  <p:tgtEl>
+                    <p:sldTgt/>
+                  </p:tgtEl>
+                </p:cond>
+              </p:prevCondLst>
+              <p:nextCondLst>
+                <p:cond evt="onNext" delay="0">
+                  <p:tgtEl>
+                    <p:sldTgt/>
+                  </p:tgtEl>
+                </p:cond>
+              </p:nextCondLst>
+            </p:seq>
+          </p:childTnLst>
+        </p:cTn>
+      </p:par>
+    </p:tnLst>
+    <p:bldLst>
+      <p:bldP spid="3" grpId="0" uiExpand="1" build="p"/>
+    </p:bldLst>
+  </p:timing>
+</p:sld>
+</file>
+
+<file path=ppt/slides/slide15.xml><?xml version="1.0" encoding="utf-8"?>
+<p:sld xmlns:a="http://schemas.openxmlformats.org/drawingml/2006/main" xmlns:r="http://schemas.openxmlformats.org/officeDocument/2006/relationships" xmlns:p="http://schemas.openxmlformats.org/presentationml/2006/main">
+  <p:cSld>
+    <p:spTree>
+      <p:nvGrpSpPr>
+        <p:cNvPr id="1" name=""/>
+        <p:cNvGrpSpPr/>
+        <p:nvPr/>
+      </p:nvGrpSpPr>
+      <p:grpSpPr>
+        <a:xfrm>
+          <a:off x="0" y="0"/>
+          <a:ext cx="0" cy="0"/>
+          <a:chOff x="0" y="0"/>
+          <a:chExt cx="0" cy="0"/>
+        </a:xfrm>
+      </p:grpSpPr>
+      <p:sp>
+        <p:nvSpPr>
+          <p:cNvPr id="2" name="Title 1"/>
+          <p:cNvSpPr>
+            <a:spLocks noGrp="1"/>
+          </p:cNvSpPr>
+          <p:nvPr>
+            <p:ph type="title"/>
+          </p:nvPr>
+        </p:nvSpPr>
+        <p:spPr/>
+        <p:txBody>
+          <a:bodyPr/>
+          <a:lstStyle/>
+          <a:p>
+            <a:r>
+              <a:rPr lang="en-CA" dirty="0" smtClean="0"/>
+              <a:t>Preparing the input 2</a:t>
+            </a:r>
+            <a:endParaRPr lang="en-CA" dirty="0"/>
+          </a:p>
+        </p:txBody>
+      </p:sp>
+      <p:sp>
+        <p:nvSpPr>
+          <p:cNvPr id="3" name="Content Placeholder 2"/>
+          <p:cNvSpPr>
+            <a:spLocks noGrp="1"/>
+          </p:cNvSpPr>
+          <p:nvPr>
+            <p:ph idx="1"/>
+          </p:nvPr>
+        </p:nvSpPr>
+        <p:spPr/>
+        <p:txBody>
+          <a:bodyPr>
+            <a:normAutofit fontScale="85000" lnSpcReduction="20000"/>
+          </a:bodyPr>
+          <a:lstStyle/>
+          <a:p>
+            <a:r>
+              <a:rPr lang="en-CA" dirty="0" smtClean="0"/>
+              <a:t>Missing values</a:t>
+            </a:r>
+          </a:p>
+          <a:p>
+            <a:pPr lvl="1"/>
+            <a:r>
+              <a:rPr lang="en-CA" dirty="0" smtClean="0"/>
+              <a:t>Frequently encountered, indicated by -1 or </a:t>
+            </a:r>
+            <a:r>
+              <a:rPr lang="en-CA" dirty="0" err="1" smtClean="0"/>
+              <a:t>NaN</a:t>
+            </a:r>
+            <a:endParaRPr lang="en-CA" dirty="0"/>
+          </a:p>
+          <a:p>
+            <a:pPr lvl="1"/>
+            <a:r>
+              <a:rPr lang="en-CA" dirty="0" smtClean="0"/>
+              <a:t>May be meaningful in their own right (survey respondents)</a:t>
+            </a:r>
+          </a:p>
+          <a:p>
+            <a:pPr lvl="2"/>
+            <a:r>
+              <a:rPr lang="en-CA" dirty="0" smtClean="0"/>
+              <a:t>In these cases, you can replace the </a:t>
+            </a:r>
+            <a:r>
+              <a:rPr lang="en-CA" dirty="0" err="1" smtClean="0"/>
+              <a:t>NaN</a:t>
+            </a:r>
+            <a:r>
+              <a:rPr lang="en-CA" dirty="0" smtClean="0"/>
+              <a:t> with some number and include the missing values</a:t>
+            </a:r>
+          </a:p>
+          <a:p>
+            <a:r>
+              <a:rPr lang="en-CA" dirty="0" smtClean="0"/>
+              <a:t>Inaccurate values</a:t>
+            </a:r>
+          </a:p>
+          <a:p>
+            <a:pPr lvl="1"/>
+            <a:r>
+              <a:rPr lang="en-CA" dirty="0" smtClean="0"/>
+              <a:t>Typographic errors, outliers, instrumental errors</a:t>
+            </a:r>
+          </a:p>
+          <a:p>
+            <a:pPr lvl="1"/>
+            <a:r>
+              <a:rPr lang="en-CA" dirty="0" smtClean="0"/>
+              <a:t>Car rental ZIP code example</a:t>
+            </a:r>
+            <a:endParaRPr lang="en-CA" dirty="0"/>
+          </a:p>
+          <a:p>
+            <a:r>
+              <a:rPr lang="en-CA" dirty="0"/>
+              <a:t>Unbalanced </a:t>
+            </a:r>
+            <a:r>
+              <a:rPr lang="en-CA" dirty="0" smtClean="0"/>
+              <a:t>data</a:t>
+            </a:r>
+          </a:p>
+          <a:p>
+            <a:pPr lvl="1"/>
+            <a:r>
+              <a:rPr lang="en-CA" dirty="0" smtClean="0"/>
+              <a:t>In classification problems, rare that classes are equally represented in dataset</a:t>
+            </a:r>
+          </a:p>
+          <a:p>
+            <a:pPr lvl="1"/>
+            <a:r>
+              <a:rPr lang="en-CA" dirty="0" err="1" smtClean="0"/>
+              <a:t>Flinks</a:t>
+            </a:r>
+            <a:r>
+              <a:rPr lang="en-CA" dirty="0" smtClean="0"/>
+              <a:t> example, Ireland weather example</a:t>
+            </a:r>
+          </a:p>
+          <a:p>
+            <a:pPr lvl="1"/>
+            <a:r>
+              <a:rPr lang="en-CA" dirty="0" smtClean="0"/>
+              <a:t>If different machine-learning algorithms all converge to exact same accuracy</a:t>
+            </a:r>
+          </a:p>
+          <a:p>
+            <a:pPr lvl="1"/>
+            <a:r>
+              <a:rPr lang="en-CA" dirty="0" smtClean="0"/>
+              <a:t>We will consider cost-sensitive evaluation, classification, and learning </a:t>
+            </a:r>
+          </a:p>
+          <a:p>
+            <a:r>
+              <a:rPr lang="en-CA" dirty="0" smtClean="0"/>
+              <a:t>Getting to know your data</a:t>
+            </a:r>
+          </a:p>
+          <a:p>
+            <a:pPr lvl="1"/>
+            <a:r>
+              <a:rPr lang="en-CA" dirty="0" smtClean="0"/>
+              <a:t>Histogram, scatter plots</a:t>
+            </a:r>
+            <a:endParaRPr lang="en-CA" dirty="0"/>
+          </a:p>
+          <a:p>
+            <a:endParaRPr lang="en-CA" dirty="0"/>
+          </a:p>
+        </p:txBody>
+      </p:sp>
+    </p:spTree>
+    <p:extLst>
+      <p:ext uri="{BB962C8B-B14F-4D97-AF65-F5344CB8AC3E}">
+        <p14:creationId xmlns:p14="http://schemas.microsoft.com/office/powerpoint/2010/main" val="3036039751"/>
+      </p:ext>
+    </p:extLst>
+  </p:cSld>
+  <p:clrMapOvr>
+    <a:masterClrMapping/>
+  </p:clrMapOvr>
+  <p:timing>
+    <p:tnLst>
+      <p:par>
+        <p:cTn id="1" dur="indefinite" restart="never" nodeType="tmRoot">
+          <p:childTnLst>
+            <p:seq concurrent="1" nextAc="seek">
+              <p:cTn id="2" dur="indefinite" nodeType="mainSeq">
+                <p:childTnLst>
+                  <p:par>
+                    <p:cTn id="3" fill="hold">
+                      <p:stCondLst>
+                        <p:cond delay="indefinite"/>
+                      </p:stCondLst>
+                      <p:childTnLst>
+                        <p:par>
+                          <p:cTn id="4" fill="hold">
+                            <p:stCondLst>
+                              <p:cond delay="0"/>
+                            </p:stCondLst>
+                            <p:childTnLst>
+                              <p:par>
+                                <p:cTn id="5" presetID="1" presetClass="entr" presetSubtype="0" fill="hold" grpId="0" nodeType="clickEffect">
+                                  <p:stCondLst>
+                                    <p:cond delay="0"/>
+                                  </p:stCondLst>
+                                  <p:childTnLst>
+                                    <p:set>
+                                      <p:cBhvr>
+                                        <p:cTn id="6" dur="1" fill="hold">
+                                          <p:stCondLst>
+                                            <p:cond delay="0"/>
+                                          </p:stCondLst>
+                                        </p:cTn>
+                                        <p:tgtEl>
+                                          <p:spTgt spid="3">
+                                            <p:txEl>
+                                              <p:pRg st="0" end="0"/>
+                                            </p:txEl>
+                                          </p:spTgt>
+                                        </p:tgtEl>
+                                        <p:attrNameLst>
+                                          <p:attrName>style.visibility</p:attrName>
+                                        </p:attrNameLst>
+                                      </p:cBhvr>
+                                      <p:to>
+                                        <p:strVal val="visible"/>
+                                      </p:to>
+                                    </p:set>
+                                  </p:childTnLst>
+                                </p:cTn>
+                              </p:par>
+                              <p:par>
+                                <p:cTn id="7" presetID="1" presetClass="entr" presetSubtype="0" fill="hold" grpId="0" nodeType="withEffect">
+                                  <p:stCondLst>
+                                    <p:cond delay="0"/>
+                                  </p:stCondLst>
+                                  <p:childTnLst>
+                                    <p:set>
+                                      <p:cBhvr>
+                                        <p:cTn id="8" dur="1" fill="hold">
+                                          <p:stCondLst>
+                                            <p:cond delay="0"/>
+                                          </p:stCondLst>
+                                        </p:cTn>
+                                        <p:tgtEl>
+                                          <p:spTgt spid="3">
+                                            <p:txEl>
+                                              <p:pRg st="1" end="1"/>
+                                            </p:txEl>
+                                          </p:spTgt>
+                                        </p:tgtEl>
+                                        <p:attrNameLst>
+                                          <p:attrName>style.visibility</p:attrName>
+                                        </p:attrNameLst>
+                                      </p:cBhvr>
+                                      <p:to>
+                                        <p:strVal val="visible"/>
+                                      </p:to>
+                                    </p:set>
+                                  </p:childTnLst>
+                                </p:cTn>
+                              </p:par>
+                              <p:par>
+                                <p:cTn id="9" presetID="1" presetClass="entr" presetSubtype="0" fill="hold" grpId="0" nodeType="withEffect">
+                                  <p:stCondLst>
+                                    <p:cond delay="0"/>
+                                  </p:stCondLst>
+                                  <p:childTnLst>
+                                    <p:set>
+                                      <p:cBhvr>
+                                        <p:cTn id="10" dur="1" fill="hold">
+                                          <p:stCondLst>
+                                            <p:cond delay="0"/>
+                                          </p:stCondLst>
+                                        </p:cTn>
+                                        <p:tgtEl>
+                                          <p:spTgt spid="3">
+                                            <p:txEl>
+                                              <p:pRg st="2" end="2"/>
+                                            </p:txEl>
+                                          </p:spTgt>
+                                        </p:tgtEl>
+                                        <p:attrNameLst>
+                                          <p:attrName>style.visibility</p:attrName>
+                                        </p:attrNameLst>
+                                      </p:cBhvr>
+                                      <p:to>
+                                        <p:strVal val="visible"/>
+                                      </p:to>
+                                    </p:set>
+                                  </p:childTnLst>
+                                </p:cTn>
+                              </p:par>
+                              <p:par>
+                                <p:cTn id="11" presetID="1" presetClass="entr" presetSubtype="0" fill="hold" grpId="0" nodeType="withEffect">
+                                  <p:stCondLst>
+                                    <p:cond delay="0"/>
+                                  </p:stCondLst>
+                                  <p:childTnLst>
+                                    <p:set>
+                                      <p:cBhvr>
+                                        <p:cTn id="12" dur="1" fill="hold">
+                                          <p:stCondLst>
+                                            <p:cond delay="0"/>
+                                          </p:stCondLst>
+                                        </p:cTn>
+                                        <p:tgtEl>
+                                          <p:spTgt spid="3">
+                                            <p:txEl>
+                                              <p:pRg st="3" end="3"/>
+                                            </p:txEl>
+                                          </p:spTgt>
+                                        </p:tgtEl>
+                                        <p:attrNameLst>
+                                          <p:attrName>style.visibility</p:attrName>
+                                        </p:attrNameLst>
+                                      </p:cBhvr>
+                                      <p:to>
+                                        <p:strVal val="visible"/>
+                                      </p:to>
+                                    </p:set>
+                                  </p:childTnLst>
+                                </p:cTn>
+                              </p:par>
+                            </p:childTnLst>
+                          </p:cTn>
+                        </p:par>
+                      </p:childTnLst>
+                    </p:cTn>
+                  </p:par>
+                  <p:par>
+                    <p:cTn id="13" fill="hold">
+                      <p:stCondLst>
+                        <p:cond delay="indefinite"/>
+                      </p:stCondLst>
+                      <p:childTnLst>
+                        <p:par>
+                          <p:cTn id="14" fill="hold">
+                            <p:stCondLst>
+                              <p:cond delay="0"/>
+                            </p:stCondLst>
+                            <p:childTnLst>
+                              <p:par>
+                                <p:cTn id="15" presetID="1" presetClass="entr" presetSubtype="0" fill="hold" grpId="0" nodeType="clickEffect">
+                                  <p:stCondLst>
+                                    <p:cond delay="0"/>
+                                  </p:stCondLst>
+                                  <p:childTnLst>
+                                    <p:set>
+                                      <p:cBhvr>
+                                        <p:cTn id="16" dur="1" fill="hold">
+                                          <p:stCondLst>
+                                            <p:cond delay="0"/>
+                                          </p:stCondLst>
+                                        </p:cTn>
+                                        <p:tgtEl>
+                                          <p:spTgt spid="3">
+                                            <p:txEl>
+                                              <p:pRg st="4" end="4"/>
+                                            </p:txEl>
+                                          </p:spTgt>
+                                        </p:tgtEl>
+                                        <p:attrNameLst>
+                                          <p:attrName>style.visibility</p:attrName>
+                                        </p:attrNameLst>
+                                      </p:cBhvr>
+                                      <p:to>
+                                        <p:strVal val="visible"/>
+                                      </p:to>
+                                    </p:set>
+                                  </p:childTnLst>
+                                </p:cTn>
+                              </p:par>
+                              <p:par>
+                                <p:cTn id="17" presetID="1" presetClass="entr" presetSubtype="0" fill="hold" grpId="0" nodeType="withEffect">
+                                  <p:stCondLst>
+                                    <p:cond delay="0"/>
+                                  </p:stCondLst>
+                                  <p:childTnLst>
+                                    <p:set>
+                                      <p:cBhvr>
+                                        <p:cTn id="18" dur="1" fill="hold">
+                                          <p:stCondLst>
+                                            <p:cond delay="0"/>
+                                          </p:stCondLst>
+                                        </p:cTn>
+                                        <p:tgtEl>
+                                          <p:spTgt spid="3">
+                                            <p:txEl>
+                                              <p:pRg st="5" end="5"/>
+                                            </p:txEl>
+                                          </p:spTgt>
+                                        </p:tgtEl>
+                                        <p:attrNameLst>
+                                          <p:attrName>style.visibility</p:attrName>
+                                        </p:attrNameLst>
+                                      </p:cBhvr>
+                                      <p:to>
+                                        <p:strVal val="visible"/>
+                                      </p:to>
+                                    </p:set>
+                                  </p:childTnLst>
+                                </p:cTn>
+                              </p:par>
+                              <p:par>
+                                <p:cTn id="19" presetID="1" presetClass="entr" presetSubtype="0" fill="hold" grpId="0" nodeType="withEffect">
+                                  <p:stCondLst>
+                                    <p:cond delay="0"/>
+                                  </p:stCondLst>
+                                  <p:childTnLst>
+                                    <p:set>
+                                      <p:cBhvr>
+                                        <p:cTn id="20" dur="1" fill="hold">
+                                          <p:stCondLst>
+                                            <p:cond delay="0"/>
+                                          </p:stCondLst>
+                                        </p:cTn>
+                                        <p:tgtEl>
+                                          <p:spTgt spid="3">
+                                            <p:txEl>
+                                              <p:pRg st="6" end="6"/>
+                                            </p:txEl>
+                                          </p:spTgt>
+                                        </p:tgtEl>
+                                        <p:attrNameLst>
+                                          <p:attrName>style.visibility</p:attrName>
+                                        </p:attrNameLst>
+                                      </p:cBhvr>
+                                      <p:to>
+                                        <p:strVal val="visible"/>
+                                      </p:to>
+                                    </p:set>
+                                  </p:childTnLst>
+                                </p:cTn>
+                              </p:par>
+                            </p:childTnLst>
+                          </p:cTn>
+                        </p:par>
+                      </p:childTnLst>
+                    </p:cTn>
+                  </p:par>
+                  <p:par>
+                    <p:cTn id="21" fill="hold">
+                      <p:stCondLst>
+                        <p:cond delay="indefinite"/>
+                      </p:stCondLst>
+                      <p:childTnLst>
+                        <p:par>
+                          <p:cTn id="22" fill="hold">
+                            <p:stCondLst>
+                              <p:cond delay="0"/>
+                            </p:stCondLst>
+                            <p:childTnLst>
+                              <p:par>
+                                <p:cTn id="23" presetID="1" presetClass="entr" presetSubtype="0" fill="hold" grpId="0" nodeType="clickEffect">
+                                  <p:stCondLst>
+                                    <p:cond delay="0"/>
+                                  </p:stCondLst>
+                                  <p:childTnLst>
+                                    <p:set>
+                                      <p:cBhvr>
+                                        <p:cTn id="24" dur="1" fill="hold">
+                                          <p:stCondLst>
+                                            <p:cond delay="0"/>
+                                          </p:stCondLst>
+                                        </p:cTn>
+                                        <p:tgtEl>
+                                          <p:spTgt spid="3">
+                                            <p:txEl>
+                                              <p:pRg st="7" end="7"/>
+                                            </p:txEl>
+                                          </p:spTgt>
+                                        </p:tgtEl>
+                                        <p:attrNameLst>
+                                          <p:attrName>style.visibility</p:attrName>
+                                        </p:attrNameLst>
+                                      </p:cBhvr>
+                                      <p:to>
+                                        <p:strVal val="visible"/>
+                                      </p:to>
+                                    </p:set>
+                                  </p:childTnLst>
+                                </p:cTn>
+                              </p:par>
+                              <p:par>
+                                <p:cTn id="25" presetID="1" presetClass="entr" presetSubtype="0" fill="hold" grpId="0" nodeType="withEffect">
+                                  <p:stCondLst>
+                                    <p:cond delay="0"/>
+                                  </p:stCondLst>
+                                  <p:childTnLst>
+                                    <p:set>
+                                      <p:cBhvr>
+                                        <p:cTn id="26" dur="1" fill="hold">
+                                          <p:stCondLst>
+                                            <p:cond delay="0"/>
+                                          </p:stCondLst>
+                                        </p:cTn>
+                                        <p:tgtEl>
+                                          <p:spTgt spid="3">
+                                            <p:txEl>
+                                              <p:pRg st="8" end="8"/>
+                                            </p:txEl>
+                                          </p:spTgt>
+                                        </p:tgtEl>
+                                        <p:attrNameLst>
+                                          <p:attrName>style.visibility</p:attrName>
+                                        </p:attrNameLst>
+                                      </p:cBhvr>
+                                      <p:to>
+                                        <p:strVal val="visible"/>
+                                      </p:to>
+                                    </p:set>
+                                  </p:childTnLst>
+                                </p:cTn>
+                              </p:par>
+                              <p:par>
+                                <p:cTn id="27" presetID="1" presetClass="entr" presetSubtype="0" fill="hold" grpId="0" nodeType="withEffect">
+                                  <p:stCondLst>
+                                    <p:cond delay="0"/>
+                                  </p:stCondLst>
+                                  <p:childTnLst>
+                                    <p:set>
+                                      <p:cBhvr>
+                                        <p:cTn id="28" dur="1" fill="hold">
+                                          <p:stCondLst>
+                                            <p:cond delay="0"/>
+                                          </p:stCondLst>
+                                        </p:cTn>
+                                        <p:tgtEl>
+                                          <p:spTgt spid="3">
+                                            <p:txEl>
+                                              <p:pRg st="9" end="9"/>
+                                            </p:txEl>
+                                          </p:spTgt>
+                                        </p:tgtEl>
+                                        <p:attrNameLst>
+                                          <p:attrName>style.visibility</p:attrName>
+                                        </p:attrNameLst>
+                                      </p:cBhvr>
+                                      <p:to>
+                                        <p:strVal val="visible"/>
+                                      </p:to>
+                                    </p:set>
+                                  </p:childTnLst>
+                                </p:cTn>
+                              </p:par>
+                              <p:par>
+                                <p:cTn id="29" presetID="1" presetClass="entr" presetSubtype="0" fill="hold" grpId="0" nodeType="withEffect">
+                                  <p:stCondLst>
+                                    <p:cond delay="0"/>
+                                  </p:stCondLst>
+                                  <p:childTnLst>
+                                    <p:set>
+                                      <p:cBhvr>
+                                        <p:cTn id="30" dur="1" fill="hold">
+                                          <p:stCondLst>
+                                            <p:cond delay="0"/>
+                                          </p:stCondLst>
+                                        </p:cTn>
+                                        <p:tgtEl>
+                                          <p:spTgt spid="3">
+                                            <p:txEl>
+                                              <p:pRg st="10" end="10"/>
+                                            </p:txEl>
+                                          </p:spTgt>
+                                        </p:tgtEl>
+                                        <p:attrNameLst>
+                                          <p:attrName>style.visibility</p:attrName>
+                                        </p:attrNameLst>
+                                      </p:cBhvr>
+                                      <p:to>
+                                        <p:strVal val="visible"/>
+                                      </p:to>
+                                    </p:set>
+                                  </p:childTnLst>
+                                </p:cTn>
+                              </p:par>
+                              <p:par>
+                                <p:cTn id="31" presetID="1" presetClass="entr" presetSubtype="0" fill="hold" grpId="0" nodeType="withEffect">
+                                  <p:stCondLst>
+                                    <p:cond delay="0"/>
+                                  </p:stCondLst>
+                                  <p:childTnLst>
+                                    <p:set>
+                                      <p:cBhvr>
+                                        <p:cTn id="32" dur="1" fill="hold">
+                                          <p:stCondLst>
+                                            <p:cond delay="0"/>
+                                          </p:stCondLst>
+                                        </p:cTn>
+                                        <p:tgtEl>
+                                          <p:spTgt spid="3">
+                                            <p:txEl>
+                                              <p:pRg st="11" end="11"/>
+                                            </p:txEl>
+                                          </p:spTgt>
+                                        </p:tgtEl>
+                                        <p:attrNameLst>
+                                          <p:attrName>style.visibility</p:attrName>
+                                        </p:attrNameLst>
+                                      </p:cBhvr>
+                                      <p:to>
+                                        <p:strVal val="visible"/>
+                                      </p:to>
+                                    </p:set>
+                                  </p:childTnLst>
+                                </p:cTn>
+                              </p:par>
+                            </p:childTnLst>
+                          </p:cTn>
+                        </p:par>
+                      </p:childTnLst>
+                    </p:cTn>
+                  </p:par>
+                  <p:par>
+                    <p:cTn id="33" fill="hold">
+                      <p:stCondLst>
+                        <p:cond delay="indefinite"/>
+                      </p:stCondLst>
+                      <p:childTnLst>
+                        <p:par>
+                          <p:cTn id="34" fill="hold">
+                            <p:stCondLst>
+                              <p:cond delay="0"/>
+                            </p:stCondLst>
+                            <p:childTnLst>
+                              <p:par>
+                                <p:cTn id="35" presetID="1" presetClass="entr" presetSubtype="0" fill="hold" grpId="0" nodeType="clickEffect">
+                                  <p:stCondLst>
+                                    <p:cond delay="0"/>
+                                  </p:stCondLst>
+                                  <p:childTnLst>
+                                    <p:set>
+                                      <p:cBhvr>
+                                        <p:cTn id="36" dur="1" fill="hold">
+                                          <p:stCondLst>
+                                            <p:cond delay="0"/>
+                                          </p:stCondLst>
+                                        </p:cTn>
+                                        <p:tgtEl>
+                                          <p:spTgt spid="3">
+                                            <p:txEl>
+                                              <p:pRg st="12" end="12"/>
+                                            </p:txEl>
+                                          </p:spTgt>
+                                        </p:tgtEl>
+                                        <p:attrNameLst>
+                                          <p:attrName>style.visibility</p:attrName>
+                                        </p:attrNameLst>
+                                      </p:cBhvr>
+                                      <p:to>
+                                        <p:strVal val="visible"/>
+                                      </p:to>
+                                    </p:set>
+                                  </p:childTnLst>
+                                </p:cTn>
+                              </p:par>
+                              <p:par>
+                                <p:cTn id="37" presetID="1" presetClass="entr" presetSubtype="0" fill="hold" grpId="0" nodeType="withEffect">
+                                  <p:stCondLst>
+                                    <p:cond delay="0"/>
+                                  </p:stCondLst>
+                                  <p:childTnLst>
+                                    <p:set>
+                                      <p:cBhvr>
+                                        <p:cTn id="38" dur="1" fill="hold">
+                                          <p:stCondLst>
+                                            <p:cond delay="0"/>
+                                          </p:stCondLst>
+                                        </p:cTn>
+                                        <p:tgtEl>
+                                          <p:spTgt spid="3">
+                                            <p:txEl>
+                                              <p:pRg st="13" end="13"/>
+                                            </p:txEl>
+                                          </p:spTgt>
+                                        </p:tgtEl>
+                                        <p:attrNameLst>
+                                          <p:attrName>style.visibility</p:attrName>
+                                        </p:attrNameLst>
+                                      </p:cBhvr>
+                                      <p:to>
+                                        <p:strVal val="visible"/>
+                                      </p:to>
+                                    </p:set>
+                                  </p:childTnLst>
+                                </p:cTn>
+                              </p:par>
+                            </p:childTnLst>
+                          </p:cTn>
+                        </p:par>
+                      </p:childTnLst>
+                    </p:cTn>
+                  </p:par>
+                </p:childTnLst>
+              </p:cTn>
+              <p:prevCondLst>
+                <p:cond evt="onPrev" delay="0">
+                  <p:tgtEl>
+                    <p:sldTgt/>
+                  </p:tgtEl>
+                </p:cond>
+              </p:prevCondLst>
+              <p:nextCondLst>
+                <p:cond evt="onNext" delay="0">
+                  <p:tgtEl>
+                    <p:sldTgt/>
+                  </p:tgtEl>
+                </p:cond>
+              </p:nextCondLst>
+            </p:seq>
+          </p:childTnLst>
+        </p:cTn>
+      </p:par>
+    </p:tnLst>
+    <p:bldLst>
+      <p:bldP spid="3" grpId="0" build="p"/>
+    </p:bldLst>
+  </p:timing>
+</p:sld>
+</file>
+
+<file path=ppt/slides/slide16.xml><?xml version="1.0" encoding="utf-8"?>
+<p:sld xmlns:a="http://schemas.openxmlformats.org/drawingml/2006/main" xmlns:r="http://schemas.openxmlformats.org/officeDocument/2006/relationships" xmlns:p="http://schemas.openxmlformats.org/presentationml/2006/main">
+  <p:cSld>
+    <p:spTree>
+      <p:nvGrpSpPr>
+        <p:cNvPr id="1" name=""/>
+        <p:cNvGrpSpPr/>
+        <p:nvPr/>
+      </p:nvGrpSpPr>
+      <p:grpSpPr>
+        <a:xfrm>
+          <a:off x="0" y="0"/>
+          <a:ext cx="0" cy="0"/>
+          <a:chOff x="0" y="0"/>
+          <a:chExt cx="0" cy="0"/>
+        </a:xfrm>
+      </p:grpSpPr>
+      <p:sp>
+        <p:nvSpPr>
+          <p:cNvPr id="2" name="Title 1"/>
+          <p:cNvSpPr>
+            <a:spLocks noGrp="1"/>
+          </p:cNvSpPr>
+          <p:nvPr>
+            <p:ph type="title"/>
+          </p:nvPr>
+        </p:nvSpPr>
+        <p:spPr/>
+        <p:txBody>
+          <a:bodyPr/>
+          <a:lstStyle/>
+          <a:p>
+            <a:r>
+              <a:rPr lang="en-CA" dirty="0"/>
+              <a:t>E</a:t>
+            </a:r>
+            <a:r>
+              <a:rPr lang="en-CA" dirty="0" smtClean="0"/>
+              <a:t>xample of instrumental error</a:t>
+            </a:r>
+            <a:endParaRPr lang="en-CA" dirty="0"/>
+          </a:p>
+        </p:txBody>
+      </p:sp>
+      <p:pic>
+        <p:nvPicPr>
+          <p:cNvPr id="5" name="Picture 4"/>
+          <p:cNvPicPr>
+            <a:picLocks noChangeAspect="1"/>
+          </p:cNvPicPr>
+          <p:nvPr/>
+        </p:nvPicPr>
+        <p:blipFill>
+          <a:blip r:embed="rId2"/>
+          <a:stretch>
+            <a:fillRect/>
+          </a:stretch>
+        </p:blipFill>
+        <p:spPr>
+          <a:xfrm>
+            <a:off x="565" y="2386011"/>
+            <a:ext cx="12191435" cy="3377479"/>
+          </a:xfrm>
+          <a:prstGeom prst="rect">
+            <a:avLst/>
+          </a:prstGeom>
+        </p:spPr>
+      </p:pic>
+      <p:sp>
+        <p:nvSpPr>
+          <p:cNvPr id="6" name="TextBox 5"/>
+          <p:cNvSpPr txBox="1"/>
+          <p:nvPr/>
+        </p:nvSpPr>
+        <p:spPr>
+          <a:xfrm>
+            <a:off x="2410691" y="5888182"/>
+            <a:ext cx="8174182" cy="369332"/>
+          </a:xfrm>
+          <a:prstGeom prst="rect">
+            <a:avLst/>
+          </a:prstGeom>
+          <a:noFill/>
+        </p:spPr>
+        <p:txBody>
+          <a:bodyPr wrap="square" rtlCol="0">
+            <a:spAutoFit/>
+          </a:bodyPr>
+          <a:lstStyle/>
+          <a:p>
+            <a:r>
+              <a:rPr lang="en-CA" dirty="0" smtClean="0"/>
+              <a:t>Independent component analysis (ICA) will not work well on this data</a:t>
+            </a:r>
+            <a:endParaRPr lang="en-CA" dirty="0"/>
+          </a:p>
+        </p:txBody>
+      </p:sp>
+      <p:pic>
+        <p:nvPicPr>
+          <p:cNvPr id="7172" name="Picture 4" descr="Image may contain: one or more people, hat and closeup"/>
+          <p:cNvPicPr>
+            <a:picLocks noChangeAspect="1" noChangeArrowheads="1"/>
+          </p:cNvPicPr>
+          <p:nvPr/>
+        </p:nvPicPr>
+        <p:blipFill>
+          <a:blip r:embed="rId3" cstate="print">
+            <a:extLst>
+              <a:ext uri="{28A0092B-C50C-407E-A947-70E740481C1C}">
+                <a14:useLocalDpi xmlns:a14="http://schemas.microsoft.com/office/drawing/2010/main" val="0"/>
+              </a:ext>
+            </a:extLst>
+          </a:blip>
+          <a:srcRect/>
+          <a:stretch>
+            <a:fillRect/>
+          </a:stretch>
+        </p:blipFill>
+        <p:spPr bwMode="auto">
+          <a:xfrm>
+            <a:off x="10349346" y="0"/>
+            <a:ext cx="1842654" cy="1842654"/>
+          </a:xfrm>
+          <a:prstGeom prst="rect">
+            <a:avLst/>
+          </a:prstGeom>
+          <a:noFill/>
+          <a:extLst>
+            <a:ext uri="{909E8E84-426E-40DD-AFC4-6F175D3DCCD1}">
+              <a14:hiddenFill xmlns:a14="http://schemas.microsoft.com/office/drawing/2010/main">
+                <a:solidFill>
+                  <a:srgbClr val="FFFFFF"/>
+                </a:solidFill>
+              </a14:hiddenFill>
+            </a:ext>
+          </a:extLst>
+        </p:spPr>
+      </p:pic>
+    </p:spTree>
+    <p:extLst>
+      <p:ext uri="{BB962C8B-B14F-4D97-AF65-F5344CB8AC3E}">
+        <p14:creationId xmlns:p14="http://schemas.microsoft.com/office/powerpoint/2010/main" val="1081856375"/>
+      </p:ext>
+    </p:extLst>
+  </p:cSld>
+  <p:clrMapOvr>
+    <a:masterClrMapping/>
+  </p:clrMapOvr>
+  <p:timing>
+    <p:tnLst>
+      <p:par>
+        <p:cTn id="1" dur="indefinite" restart="never" nodeType="tmRoot"/>
+      </p:par>
+    </p:tnLst>
+  </p:timing>
+</p:sld>
+</file>
+
+<file path=ppt/slides/slide17.xml><?xml version="1.0" encoding="utf-8"?>
+<p:sld xmlns:a="http://schemas.openxmlformats.org/drawingml/2006/main" xmlns:r="http://schemas.openxmlformats.org/officeDocument/2006/relationships" xmlns:p="http://schemas.openxmlformats.org/presentationml/2006/main">
+  <p:cSld>
+    <p:spTree>
+      <p:nvGrpSpPr>
+        <p:cNvPr id="1" name=""/>
+        <p:cNvGrpSpPr/>
+        <p:nvPr/>
+      </p:nvGrpSpPr>
+      <p:grpSpPr>
+        <a:xfrm>
+          <a:off x="0" y="0"/>
+          <a:ext cx="0" cy="0"/>
+          <a:chOff x="0" y="0"/>
+          <a:chExt cx="0" cy="0"/>
+        </a:xfrm>
+      </p:grpSpPr>
+      <p:sp>
+        <p:nvSpPr>
+          <p:cNvPr id="2" name="Title 1"/>
+          <p:cNvSpPr>
+            <a:spLocks noGrp="1"/>
+          </p:cNvSpPr>
+          <p:nvPr>
+            <p:ph type="title"/>
+          </p:nvPr>
+        </p:nvSpPr>
+        <p:spPr/>
+        <p:txBody>
+          <a:bodyPr/>
+          <a:lstStyle/>
+          <a:p>
+            <a:r>
+              <a:rPr lang="en-CA" dirty="0" smtClean="0"/>
+              <a:t>Python example </a:t>
+            </a:r>
+            <a:endParaRPr lang="en-CA" dirty="0"/>
+          </a:p>
+        </p:txBody>
+      </p:sp>
+      <p:sp>
+        <p:nvSpPr>
+          <p:cNvPr id="3" name="Content Placeholder 2"/>
+          <p:cNvSpPr>
+            <a:spLocks noGrp="1"/>
+          </p:cNvSpPr>
+          <p:nvPr>
+            <p:ph idx="1"/>
+          </p:nvPr>
+        </p:nvSpPr>
+        <p:spPr/>
+        <p:txBody>
+          <a:bodyPr>
+            <a:normAutofit lnSpcReduction="10000"/>
+          </a:bodyPr>
+          <a:lstStyle/>
+          <a:p>
+            <a:r>
+              <a:rPr lang="en-CA" dirty="0" err="1" smtClean="0"/>
+              <a:t>Spyder</a:t>
+            </a:r>
+            <a:endParaRPr lang="en-CA" dirty="0" smtClean="0"/>
+          </a:p>
+          <a:p>
+            <a:pPr lvl="1"/>
+            <a:r>
+              <a:rPr lang="en-CA" dirty="0" smtClean="0"/>
+              <a:t>Scientific programming IDE for python</a:t>
+            </a:r>
+          </a:p>
+          <a:p>
+            <a:pPr lvl="1"/>
+            <a:r>
+              <a:rPr lang="en-CA" dirty="0" smtClean="0"/>
+              <a:t>Designed for scientists, engineers, and data analysts</a:t>
+            </a:r>
+          </a:p>
+          <a:p>
+            <a:pPr lvl="1"/>
+            <a:r>
+              <a:rPr lang="en-CA" dirty="0" smtClean="0"/>
+              <a:t>unique combination of advanced editing and interactive execution</a:t>
+            </a:r>
+          </a:p>
+          <a:p>
+            <a:pPr lvl="1"/>
+            <a:r>
+              <a:rPr lang="en-CA" dirty="0" smtClean="0"/>
+              <a:t>Combines text editor with </a:t>
+            </a:r>
+            <a:r>
+              <a:rPr lang="en-CA" dirty="0" err="1" smtClean="0"/>
+              <a:t>ipython</a:t>
+            </a:r>
+            <a:r>
+              <a:rPr lang="en-CA" dirty="0" smtClean="0"/>
+              <a:t> console</a:t>
+            </a:r>
+          </a:p>
+          <a:p>
+            <a:r>
+              <a:rPr lang="en-CA" dirty="0" smtClean="0"/>
+              <a:t>Numpy </a:t>
+            </a:r>
+            <a:r>
+              <a:rPr lang="en-CA" dirty="0" err="1" smtClean="0"/>
+              <a:t>ndarrays</a:t>
+            </a:r>
+            <a:endParaRPr lang="en-CA" dirty="0" smtClean="0"/>
+          </a:p>
+          <a:p>
+            <a:pPr lvl="1"/>
+            <a:r>
+              <a:rPr lang="en-CA" dirty="0">
+                <a:hlinkClick r:id="rId2"/>
+              </a:rPr>
+              <a:t>https://docs.scipy.org/doc/numpy-1.13.0/reference/arrays.ndarray.html</a:t>
+            </a:r>
+            <a:endParaRPr lang="en-CA" dirty="0" smtClean="0"/>
+          </a:p>
+          <a:p>
+            <a:r>
+              <a:rPr lang="en-CA" dirty="0" err="1" smtClean="0"/>
+              <a:t>Matplotlib.pyplot</a:t>
+            </a:r>
+            <a:endParaRPr lang="en-CA" dirty="0" smtClean="0"/>
+          </a:p>
+          <a:p>
+            <a:pPr lvl="1"/>
+            <a:r>
+              <a:rPr lang="en-CA" dirty="0">
+                <a:hlinkClick r:id="rId3"/>
+              </a:rPr>
+              <a:t>https://</a:t>
+            </a:r>
+            <a:r>
+              <a:rPr lang="en-CA" dirty="0" smtClean="0">
+                <a:hlinkClick r:id="rId3"/>
+              </a:rPr>
+              <a:t>matplotlib.org/api/pyplot_api.html</a:t>
+            </a:r>
+            <a:endParaRPr lang="en-CA" dirty="0" smtClean="0"/>
+          </a:p>
+          <a:p>
+            <a:r>
+              <a:rPr lang="en-CA" dirty="0" smtClean="0"/>
+              <a:t>Built in toy datasets</a:t>
+            </a:r>
+          </a:p>
+        </p:txBody>
+      </p:sp>
+    </p:spTree>
+    <p:extLst>
+      <p:ext uri="{BB962C8B-B14F-4D97-AF65-F5344CB8AC3E}">
+        <p14:creationId xmlns:p14="http://schemas.microsoft.com/office/powerpoint/2010/main" val="1882290733"/>
+      </p:ext>
+    </p:extLst>
+  </p:cSld>
+  <p:clrMapOvr>
+    <a:masterClrMapping/>
+  </p:clrMapOvr>
+  <p:timing>
+    <p:tnLst>
+      <p:par>
+        <p:cTn id="1" dur="indefinite" restart="never" nodeType="tmRoot"/>
+      </p:par>
+    </p:tnLst>
+  </p:timing>
+</p:sld>
+</file>
+
+<file path=ppt/slides/slide18.xml><?xml version="1.0" encoding="utf-8"?>
+<p:sld xmlns:a="http://schemas.openxmlformats.org/drawingml/2006/main" xmlns:r="http://schemas.openxmlformats.org/officeDocument/2006/relationships" xmlns:p="http://schemas.openxmlformats.org/presentationml/2006/main">
+  <p:cSld>
+    <p:spTree>
+      <p:nvGrpSpPr>
+        <p:cNvPr id="1" name=""/>
+        <p:cNvGrpSpPr/>
+        <p:nvPr/>
+      </p:nvGrpSpPr>
+      <p:grpSpPr>
+        <a:xfrm>
+          <a:off x="0" y="0"/>
+          <a:ext cx="0" cy="0"/>
+          <a:chOff x="0" y="0"/>
+          <a:chExt cx="0" cy="0"/>
+        </a:xfrm>
+      </p:grpSpPr>
+      <p:sp>
+        <p:nvSpPr>
+          <p:cNvPr id="2" name="Title 1"/>
+          <p:cNvSpPr>
+            <a:spLocks noGrp="1"/>
+          </p:cNvSpPr>
+          <p:nvPr>
+            <p:ph type="title"/>
+          </p:nvPr>
+        </p:nvSpPr>
+        <p:spPr/>
+        <p:txBody>
+          <a:bodyPr/>
+          <a:lstStyle/>
+          <a:p>
+            <a:r>
+              <a:rPr lang="en-CA" dirty="0" smtClean="0"/>
+              <a:t>Summary</a:t>
+            </a:r>
+            <a:endParaRPr lang="en-CA" dirty="0"/>
+          </a:p>
+        </p:txBody>
+      </p:sp>
+      <p:sp>
+        <p:nvSpPr>
+          <p:cNvPr id="3" name="Content Placeholder 2"/>
+          <p:cNvSpPr>
+            <a:spLocks noGrp="1"/>
+          </p:cNvSpPr>
+          <p:nvPr>
+            <p:ph idx="1"/>
+          </p:nvPr>
+        </p:nvSpPr>
+        <p:spPr/>
+        <p:txBody>
+          <a:bodyPr/>
+          <a:lstStyle/>
+          <a:p>
+            <a:r>
+              <a:rPr lang="en-CA" dirty="0" smtClean="0"/>
+              <a:t>Concepts, instances and attributes</a:t>
+            </a:r>
+          </a:p>
+          <a:p>
+            <a:r>
+              <a:rPr lang="en-CA" dirty="0" smtClean="0"/>
+              <a:t>Preparing input is a crucial step</a:t>
+            </a:r>
+          </a:p>
+          <a:p>
+            <a:r>
+              <a:rPr lang="en-CA" dirty="0" smtClean="0"/>
+              <a:t>First assignment/midterm will be written, everything else python</a:t>
+            </a:r>
+            <a:endParaRPr lang="en-CA" dirty="0"/>
+          </a:p>
+        </p:txBody>
+      </p:sp>
+    </p:spTree>
+    <p:extLst>
+      <p:ext uri="{BB962C8B-B14F-4D97-AF65-F5344CB8AC3E}">
+        <p14:creationId xmlns:p14="http://schemas.microsoft.com/office/powerpoint/2010/main" val="773121342"/>
+      </p:ext>
+    </p:extLst>
+  </p:cSld>
+  <p:clrMapOvr>
+    <a:masterClrMapping/>
+  </p:clrMapOvr>
+  <p:timing>
+    <p:tnLst>
+      <p:par>
+        <p:cTn id="1" dur="indefinite" restart="never" nodeType="tmRoot"/>
+      </p:par>
+    </p:tnLst>
+  </p:timing>
 </p:sld>
 </file>
 
@@ -3050,7 +6917,308 @@
           <a:p>
             <a:r>
               <a:rPr lang="en-CA" dirty="0" smtClean="0"/>
-              <a:t>1.4 the data mining process</a:t>
+              <a:t>More administrative info</a:t>
+            </a:r>
+            <a:endParaRPr lang="en-CA" dirty="0"/>
+          </a:p>
+        </p:txBody>
+      </p:sp>
+      <p:sp>
+        <p:nvSpPr>
+          <p:cNvPr id="3" name="Content Placeholder 2"/>
+          <p:cNvSpPr>
+            <a:spLocks noGrp="1"/>
+          </p:cNvSpPr>
+          <p:nvPr>
+            <p:ph idx="1"/>
+          </p:nvPr>
+        </p:nvSpPr>
+        <p:spPr/>
+        <p:txBody>
+          <a:bodyPr/>
+          <a:lstStyle/>
+          <a:p>
+            <a:r>
+              <a:rPr lang="en-CA" dirty="0" smtClean="0"/>
+              <a:t>Moodle coming soon</a:t>
+            </a:r>
+          </a:p>
+          <a:p>
+            <a:r>
+              <a:rPr lang="en-CA" dirty="0" smtClean="0"/>
+              <a:t>Assignment #1: written (no coding)</a:t>
+            </a:r>
+          </a:p>
+          <a:p>
+            <a:r>
+              <a:rPr lang="en-CA" dirty="0" smtClean="0"/>
+              <a:t>Midterm (2</a:t>
+            </a:r>
+            <a:r>
+              <a:rPr lang="en-CA" baseline="30000" dirty="0" smtClean="0"/>
+              <a:t>nd</a:t>
+            </a:r>
+            <a:r>
+              <a:rPr lang="en-CA" dirty="0" smtClean="0"/>
+              <a:t> week of October): </a:t>
+            </a:r>
+          </a:p>
+          <a:p>
+            <a:pPr lvl="1"/>
+            <a:r>
+              <a:rPr lang="en-CA" dirty="0" smtClean="0"/>
+              <a:t>written, in class, </a:t>
+            </a:r>
+            <a:r>
+              <a:rPr lang="en-CA" dirty="0"/>
+              <a:t>covering chapters </a:t>
+            </a:r>
+            <a:r>
+              <a:rPr lang="en-CA" dirty="0" smtClean="0"/>
+              <a:t>2,3,4,5</a:t>
+            </a:r>
+          </a:p>
+          <a:p>
+            <a:r>
+              <a:rPr lang="en-CA" dirty="0" smtClean="0"/>
+              <a:t>Assignment #2, #3: coding in python</a:t>
+            </a:r>
+          </a:p>
+          <a:p>
+            <a:r>
+              <a:rPr lang="en-CA" dirty="0" smtClean="0"/>
+              <a:t>Final project: coding in python</a:t>
+            </a:r>
+          </a:p>
+          <a:p>
+            <a:endParaRPr lang="en-CA" dirty="0"/>
+          </a:p>
+          <a:p>
+            <a:r>
+              <a:rPr lang="en-CA" dirty="0" smtClean="0"/>
+              <a:t>Today: chapter 2 + python example using </a:t>
+            </a:r>
+            <a:r>
+              <a:rPr lang="en-CA" dirty="0" err="1" smtClean="0"/>
+              <a:t>Spyder</a:t>
+            </a:r>
+            <a:endParaRPr lang="en-CA" dirty="0"/>
+          </a:p>
+        </p:txBody>
+      </p:sp>
+      <p:pic>
+        <p:nvPicPr>
+          <p:cNvPr id="2050" name="Picture 2" descr="Image result for spyder ide"/>
+          <p:cNvPicPr>
+            <a:picLocks noChangeAspect="1" noChangeArrowheads="1"/>
+          </p:cNvPicPr>
+          <p:nvPr/>
+        </p:nvPicPr>
+        <p:blipFill>
+          <a:blip r:embed="rId2" cstate="print">
+            <a:extLst>
+              <a:ext uri="{28A0092B-C50C-407E-A947-70E740481C1C}">
+                <a14:useLocalDpi xmlns:a14="http://schemas.microsoft.com/office/drawing/2010/main" val="0"/>
+              </a:ext>
+            </a:extLst>
+          </a:blip>
+          <a:srcRect/>
+          <a:stretch>
+            <a:fillRect/>
+          </a:stretch>
+        </p:blipFill>
+        <p:spPr bwMode="auto">
+          <a:xfrm>
+            <a:off x="7518761" y="2008909"/>
+            <a:ext cx="4673238" cy="4673238"/>
+          </a:xfrm>
+          <a:prstGeom prst="rect">
+            <a:avLst/>
+          </a:prstGeom>
+          <a:noFill/>
+          <a:extLst>
+            <a:ext uri="{909E8E84-426E-40DD-AFC4-6F175D3DCCD1}">
+              <a14:hiddenFill xmlns:a14="http://schemas.microsoft.com/office/drawing/2010/main">
+                <a:solidFill>
+                  <a:srgbClr val="FFFFFF"/>
+                </a:solidFill>
+              </a14:hiddenFill>
+            </a:ext>
+          </a:extLst>
+        </p:spPr>
+      </p:pic>
+    </p:spTree>
+    <p:extLst>
+      <p:ext uri="{BB962C8B-B14F-4D97-AF65-F5344CB8AC3E}">
+        <p14:creationId xmlns:p14="http://schemas.microsoft.com/office/powerpoint/2010/main" val="1513086319"/>
+      </p:ext>
+    </p:extLst>
+  </p:cSld>
+  <p:clrMapOvr>
+    <a:masterClrMapping/>
+  </p:clrMapOvr>
+  <p:timing>
+    <p:tnLst>
+      <p:par>
+        <p:cTn id="1" dur="indefinite" restart="never" nodeType="tmRoot">
+          <p:childTnLst>
+            <p:seq concurrent="1" nextAc="seek">
+              <p:cTn id="2" dur="indefinite" nodeType="mainSeq">
+                <p:childTnLst>
+                  <p:par>
+                    <p:cTn id="3" fill="hold">
+                      <p:stCondLst>
+                        <p:cond delay="indefinite"/>
+                      </p:stCondLst>
+                      <p:childTnLst>
+                        <p:par>
+                          <p:cTn id="4" fill="hold">
+                            <p:stCondLst>
+                              <p:cond delay="0"/>
+                            </p:stCondLst>
+                            <p:childTnLst>
+                              <p:par>
+                                <p:cTn id="5" presetID="1" presetClass="entr" presetSubtype="0" fill="hold" nodeType="clickEffect">
+                                  <p:stCondLst>
+                                    <p:cond delay="0"/>
+                                  </p:stCondLst>
+                                  <p:childTnLst>
+                                    <p:set>
+                                      <p:cBhvr>
+                                        <p:cTn id="6" dur="1" fill="hold">
+                                          <p:stCondLst>
+                                            <p:cond delay="0"/>
+                                          </p:stCondLst>
+                                        </p:cTn>
+                                        <p:tgtEl>
+                                          <p:spTgt spid="3">
+                                            <p:txEl>
+                                              <p:pRg st="7" end="7"/>
+                                            </p:txEl>
+                                          </p:spTgt>
+                                        </p:tgtEl>
+                                        <p:attrNameLst>
+                                          <p:attrName>style.visibility</p:attrName>
+                                        </p:attrNameLst>
+                                      </p:cBhvr>
+                                      <p:to>
+                                        <p:strVal val="visible"/>
+                                      </p:to>
+                                    </p:set>
+                                  </p:childTnLst>
+                                </p:cTn>
+                              </p:par>
+                            </p:childTnLst>
+                          </p:cTn>
+                        </p:par>
+                      </p:childTnLst>
+                    </p:cTn>
+                  </p:par>
+                  <p:par>
+                    <p:cTn id="7" fill="hold">
+                      <p:stCondLst>
+                        <p:cond delay="indefinite"/>
+                      </p:stCondLst>
+                      <p:childTnLst>
+                        <p:par>
+                          <p:cTn id="8" fill="hold">
+                            <p:stCondLst>
+                              <p:cond delay="0"/>
+                            </p:stCondLst>
+                            <p:childTnLst>
+                              <p:par>
+                                <p:cTn id="9" presetID="1" presetClass="entr" presetSubtype="0" fill="hold" nodeType="clickEffect">
+                                  <p:stCondLst>
+                                    <p:cond delay="0"/>
+                                  </p:stCondLst>
+                                  <p:childTnLst>
+                                    <p:set>
+                                      <p:cBhvr>
+                                        <p:cTn id="10" dur="1" fill="hold">
+                                          <p:stCondLst>
+                                            <p:cond delay="0"/>
+                                          </p:stCondLst>
+                                        </p:cTn>
+                                        <p:tgtEl>
+                                          <p:spTgt spid="2050"/>
+                                        </p:tgtEl>
+                                        <p:attrNameLst>
+                                          <p:attrName>style.visibility</p:attrName>
+                                        </p:attrNameLst>
+                                      </p:cBhvr>
+                                      <p:to>
+                                        <p:strVal val="visible"/>
+                                      </p:to>
+                                    </p:set>
+                                  </p:childTnLst>
+                                </p:cTn>
+                              </p:par>
+                            </p:childTnLst>
+                          </p:cTn>
+                        </p:par>
+                      </p:childTnLst>
+                    </p:cTn>
+                  </p:par>
+                </p:childTnLst>
+              </p:cTn>
+              <p:prevCondLst>
+                <p:cond evt="onPrev" delay="0">
+                  <p:tgtEl>
+                    <p:sldTgt/>
+                  </p:tgtEl>
+                </p:cond>
+              </p:prevCondLst>
+              <p:nextCondLst>
+                <p:cond evt="onNext" delay="0">
+                  <p:tgtEl>
+                    <p:sldTgt/>
+                  </p:tgtEl>
+                </p:cond>
+              </p:nextCondLst>
+            </p:seq>
+          </p:childTnLst>
+        </p:cTn>
+      </p:par>
+    </p:tnLst>
+  </p:timing>
+</p:sld>
+</file>
+
+<file path=ppt/slides/slide3.xml><?xml version="1.0" encoding="utf-8"?>
+<p:sld xmlns:a="http://schemas.openxmlformats.org/drawingml/2006/main" xmlns:r="http://schemas.openxmlformats.org/officeDocument/2006/relationships" xmlns:p="http://schemas.openxmlformats.org/presentationml/2006/main">
+  <p:cSld>
+    <p:spTree>
+      <p:nvGrpSpPr>
+        <p:cNvPr id="1" name=""/>
+        <p:cNvGrpSpPr/>
+        <p:nvPr/>
+      </p:nvGrpSpPr>
+      <p:grpSpPr>
+        <a:xfrm>
+          <a:off x="0" y="0"/>
+          <a:ext cx="0" cy="0"/>
+          <a:chOff x="0" y="0"/>
+          <a:chExt cx="0" cy="0"/>
+        </a:xfrm>
+      </p:grpSpPr>
+      <p:sp>
+        <p:nvSpPr>
+          <p:cNvPr id="2" name="Title 1"/>
+          <p:cNvSpPr>
+            <a:spLocks noGrp="1"/>
+          </p:cNvSpPr>
+          <p:nvPr>
+            <p:ph type="title"/>
+          </p:nvPr>
+        </p:nvSpPr>
+        <p:spPr/>
+        <p:txBody>
+          <a:bodyPr/>
+          <a:lstStyle/>
+          <a:p>
+            <a:r>
+              <a:rPr lang="en-CA" dirty="0" smtClean="0"/>
+              <a:t>The data mining process</a:t>
             </a:r>
             <a:endParaRPr lang="en-CA" dirty="0"/>
           </a:p>
@@ -3068,14 +7236,58 @@
         </p:nvSpPr>
         <p:spPr>
           <a:xfrm>
-            <a:off x="838200" y="1825625"/>
-            <a:ext cx="3595255" cy="4351338"/>
+            <a:off x="360219" y="1825625"/>
+            <a:ext cx="6068290" cy="4351338"/>
           </a:xfrm>
         </p:spPr>
         <p:txBody>
-          <a:bodyPr/>
+          <a:bodyPr>
+            <a:normAutofit lnSpcReduction="10000"/>
+          </a:bodyPr>
           <a:lstStyle/>
           <a:p>
+            <a:r>
+              <a:rPr lang="en-CA" dirty="0" smtClean="0"/>
+              <a:t>Understand what you want to achieve (business understanding)</a:t>
+            </a:r>
+          </a:p>
+          <a:p>
+            <a:r>
+              <a:rPr lang="en-CA" dirty="0" smtClean="0"/>
+              <a:t>Acquire initial dataset </a:t>
+            </a:r>
+            <a:r>
+              <a:rPr lang="en-CA" dirty="0" smtClean="0"/>
+              <a:t>                     (</a:t>
+            </a:r>
+            <a:r>
+              <a:rPr lang="en-CA" dirty="0" smtClean="0"/>
+              <a:t>data understanding)</a:t>
+            </a:r>
+          </a:p>
+          <a:p>
+            <a:r>
+              <a:rPr lang="en-CA" dirty="0" smtClean="0"/>
+              <a:t>Prepare the raw data for machine learning algorithm (data preparation)</a:t>
+            </a:r>
+          </a:p>
+          <a:p>
+            <a:r>
+              <a:rPr lang="en-CA" dirty="0" smtClean="0"/>
+              <a:t>Run the machine learning algorithm on the data (modeling)</a:t>
+            </a:r>
+          </a:p>
+          <a:p>
+            <a:r>
+              <a:rPr lang="en-CA" dirty="0" smtClean="0"/>
+              <a:t>Evaluate the output (evaluation)</a:t>
+            </a:r>
+          </a:p>
+          <a:p>
+            <a:r>
+              <a:rPr lang="en-CA" dirty="0" smtClean="0"/>
+              <a:t>Put into practice (deployment)</a:t>
+            </a:r>
             <a:endParaRPr lang="en-CA" dirty="0"/>
           </a:p>
         </p:txBody>
@@ -3117,9 +7329,3438 @@
   <p:timing>
     <p:tnLst>
       <p:par>
-        <p:cTn id="1" dur="indefinite" restart="never" nodeType="tmRoot"/>
+        <p:cTn id="1" dur="indefinite" restart="never" nodeType="tmRoot">
+          <p:childTnLst>
+            <p:seq concurrent="1" nextAc="seek">
+              <p:cTn id="2" dur="indefinite" nodeType="mainSeq">
+                <p:childTnLst>
+                  <p:par>
+                    <p:cTn id="3" fill="hold">
+                      <p:stCondLst>
+                        <p:cond delay="indefinite"/>
+                      </p:stCondLst>
+                      <p:childTnLst>
+                        <p:par>
+                          <p:cTn id="4" fill="hold">
+                            <p:stCondLst>
+                              <p:cond delay="0"/>
+                            </p:stCondLst>
+                            <p:childTnLst>
+                              <p:par>
+                                <p:cTn id="5" presetID="1" presetClass="entr" presetSubtype="0" fill="hold" grpId="0" nodeType="clickEffect">
+                                  <p:stCondLst>
+                                    <p:cond delay="0"/>
+                                  </p:stCondLst>
+                                  <p:childTnLst>
+                                    <p:set>
+                                      <p:cBhvr>
+                                        <p:cTn id="6" dur="1" fill="hold">
+                                          <p:stCondLst>
+                                            <p:cond delay="0"/>
+                                          </p:stCondLst>
+                                        </p:cTn>
+                                        <p:tgtEl>
+                                          <p:spTgt spid="3">
+                                            <p:txEl>
+                                              <p:pRg st="0" end="0"/>
+                                            </p:txEl>
+                                          </p:spTgt>
+                                        </p:tgtEl>
+                                        <p:attrNameLst>
+                                          <p:attrName>style.visibility</p:attrName>
+                                        </p:attrNameLst>
+                                      </p:cBhvr>
+                                      <p:to>
+                                        <p:strVal val="visible"/>
+                                      </p:to>
+                                    </p:set>
+                                  </p:childTnLst>
+                                </p:cTn>
+                              </p:par>
+                            </p:childTnLst>
+                          </p:cTn>
+                        </p:par>
+                      </p:childTnLst>
+                    </p:cTn>
+                  </p:par>
+                  <p:par>
+                    <p:cTn id="7" fill="hold">
+                      <p:stCondLst>
+                        <p:cond delay="indefinite"/>
+                      </p:stCondLst>
+                      <p:childTnLst>
+                        <p:par>
+                          <p:cTn id="8" fill="hold">
+                            <p:stCondLst>
+                              <p:cond delay="0"/>
+                            </p:stCondLst>
+                            <p:childTnLst>
+                              <p:par>
+                                <p:cTn id="9" presetID="1" presetClass="entr" presetSubtype="0" fill="hold" grpId="0" nodeType="clickEffect">
+                                  <p:stCondLst>
+                                    <p:cond delay="0"/>
+                                  </p:stCondLst>
+                                  <p:childTnLst>
+                                    <p:set>
+                                      <p:cBhvr>
+                                        <p:cTn id="10" dur="1" fill="hold">
+                                          <p:stCondLst>
+                                            <p:cond delay="0"/>
+                                          </p:stCondLst>
+                                        </p:cTn>
+                                        <p:tgtEl>
+                                          <p:spTgt spid="3">
+                                            <p:txEl>
+                                              <p:pRg st="1" end="1"/>
+                                            </p:txEl>
+                                          </p:spTgt>
+                                        </p:tgtEl>
+                                        <p:attrNameLst>
+                                          <p:attrName>style.visibility</p:attrName>
+                                        </p:attrNameLst>
+                                      </p:cBhvr>
+                                      <p:to>
+                                        <p:strVal val="visible"/>
+                                      </p:to>
+                                    </p:set>
+                                  </p:childTnLst>
+                                </p:cTn>
+                              </p:par>
+                            </p:childTnLst>
+                          </p:cTn>
+                        </p:par>
+                      </p:childTnLst>
+                    </p:cTn>
+                  </p:par>
+                  <p:par>
+                    <p:cTn id="11" fill="hold">
+                      <p:stCondLst>
+                        <p:cond delay="indefinite"/>
+                      </p:stCondLst>
+                      <p:childTnLst>
+                        <p:par>
+                          <p:cTn id="12" fill="hold">
+                            <p:stCondLst>
+                              <p:cond delay="0"/>
+                            </p:stCondLst>
+                            <p:childTnLst>
+                              <p:par>
+                                <p:cTn id="13" presetID="1" presetClass="entr" presetSubtype="0" fill="hold" grpId="0" nodeType="clickEffect">
+                                  <p:stCondLst>
+                                    <p:cond delay="0"/>
+                                  </p:stCondLst>
+                                  <p:childTnLst>
+                                    <p:set>
+                                      <p:cBhvr>
+                                        <p:cTn id="14" dur="1" fill="hold">
+                                          <p:stCondLst>
+                                            <p:cond delay="0"/>
+                                          </p:stCondLst>
+                                        </p:cTn>
+                                        <p:tgtEl>
+                                          <p:spTgt spid="3">
+                                            <p:txEl>
+                                              <p:pRg st="2" end="2"/>
+                                            </p:txEl>
+                                          </p:spTgt>
+                                        </p:tgtEl>
+                                        <p:attrNameLst>
+                                          <p:attrName>style.visibility</p:attrName>
+                                        </p:attrNameLst>
+                                      </p:cBhvr>
+                                      <p:to>
+                                        <p:strVal val="visible"/>
+                                      </p:to>
+                                    </p:set>
+                                  </p:childTnLst>
+                                </p:cTn>
+                              </p:par>
+                            </p:childTnLst>
+                          </p:cTn>
+                        </p:par>
+                      </p:childTnLst>
+                    </p:cTn>
+                  </p:par>
+                  <p:par>
+                    <p:cTn id="15" fill="hold">
+                      <p:stCondLst>
+                        <p:cond delay="indefinite"/>
+                      </p:stCondLst>
+                      <p:childTnLst>
+                        <p:par>
+                          <p:cTn id="16" fill="hold">
+                            <p:stCondLst>
+                              <p:cond delay="0"/>
+                            </p:stCondLst>
+                            <p:childTnLst>
+                              <p:par>
+                                <p:cTn id="17" presetID="1" presetClass="entr" presetSubtype="0" fill="hold" grpId="0" nodeType="clickEffect">
+                                  <p:stCondLst>
+                                    <p:cond delay="0"/>
+                                  </p:stCondLst>
+                                  <p:childTnLst>
+                                    <p:set>
+                                      <p:cBhvr>
+                                        <p:cTn id="18" dur="1" fill="hold">
+                                          <p:stCondLst>
+                                            <p:cond delay="0"/>
+                                          </p:stCondLst>
+                                        </p:cTn>
+                                        <p:tgtEl>
+                                          <p:spTgt spid="3">
+                                            <p:txEl>
+                                              <p:pRg st="3" end="3"/>
+                                            </p:txEl>
+                                          </p:spTgt>
+                                        </p:tgtEl>
+                                        <p:attrNameLst>
+                                          <p:attrName>style.visibility</p:attrName>
+                                        </p:attrNameLst>
+                                      </p:cBhvr>
+                                      <p:to>
+                                        <p:strVal val="visible"/>
+                                      </p:to>
+                                    </p:set>
+                                  </p:childTnLst>
+                                </p:cTn>
+                              </p:par>
+                            </p:childTnLst>
+                          </p:cTn>
+                        </p:par>
+                      </p:childTnLst>
+                    </p:cTn>
+                  </p:par>
+                  <p:par>
+                    <p:cTn id="19" fill="hold">
+                      <p:stCondLst>
+                        <p:cond delay="indefinite"/>
+                      </p:stCondLst>
+                      <p:childTnLst>
+                        <p:par>
+                          <p:cTn id="20" fill="hold">
+                            <p:stCondLst>
+                              <p:cond delay="0"/>
+                            </p:stCondLst>
+                            <p:childTnLst>
+                              <p:par>
+                                <p:cTn id="21" presetID="1" presetClass="entr" presetSubtype="0" fill="hold" grpId="0" nodeType="clickEffect">
+                                  <p:stCondLst>
+                                    <p:cond delay="0"/>
+                                  </p:stCondLst>
+                                  <p:childTnLst>
+                                    <p:set>
+                                      <p:cBhvr>
+                                        <p:cTn id="22" dur="1" fill="hold">
+                                          <p:stCondLst>
+                                            <p:cond delay="0"/>
+                                          </p:stCondLst>
+                                        </p:cTn>
+                                        <p:tgtEl>
+                                          <p:spTgt spid="3">
+                                            <p:txEl>
+                                              <p:pRg st="4" end="4"/>
+                                            </p:txEl>
+                                          </p:spTgt>
+                                        </p:tgtEl>
+                                        <p:attrNameLst>
+                                          <p:attrName>style.visibility</p:attrName>
+                                        </p:attrNameLst>
+                                      </p:cBhvr>
+                                      <p:to>
+                                        <p:strVal val="visible"/>
+                                      </p:to>
+                                    </p:set>
+                                  </p:childTnLst>
+                                </p:cTn>
+                              </p:par>
+                            </p:childTnLst>
+                          </p:cTn>
+                        </p:par>
+                      </p:childTnLst>
+                    </p:cTn>
+                  </p:par>
+                  <p:par>
+                    <p:cTn id="23" fill="hold">
+                      <p:stCondLst>
+                        <p:cond delay="indefinite"/>
+                      </p:stCondLst>
+                      <p:childTnLst>
+                        <p:par>
+                          <p:cTn id="24" fill="hold">
+                            <p:stCondLst>
+                              <p:cond delay="0"/>
+                            </p:stCondLst>
+                            <p:childTnLst>
+                              <p:par>
+                                <p:cTn id="25" presetID="1" presetClass="entr" presetSubtype="0" fill="hold" grpId="0" nodeType="clickEffect">
+                                  <p:stCondLst>
+                                    <p:cond delay="0"/>
+                                  </p:stCondLst>
+                                  <p:childTnLst>
+                                    <p:set>
+                                      <p:cBhvr>
+                                        <p:cTn id="26" dur="1" fill="hold">
+                                          <p:stCondLst>
+                                            <p:cond delay="0"/>
+                                          </p:stCondLst>
+                                        </p:cTn>
+                                        <p:tgtEl>
+                                          <p:spTgt spid="3">
+                                            <p:txEl>
+                                              <p:pRg st="5" end="5"/>
+                                            </p:txEl>
+                                          </p:spTgt>
+                                        </p:tgtEl>
+                                        <p:attrNameLst>
+                                          <p:attrName>style.visibility</p:attrName>
+                                        </p:attrNameLst>
+                                      </p:cBhvr>
+                                      <p:to>
+                                        <p:strVal val="visible"/>
+                                      </p:to>
+                                    </p:set>
+                                  </p:childTnLst>
+                                </p:cTn>
+                              </p:par>
+                            </p:childTnLst>
+                          </p:cTn>
+                        </p:par>
+                      </p:childTnLst>
+                    </p:cTn>
+                  </p:par>
+                </p:childTnLst>
+              </p:cTn>
+              <p:prevCondLst>
+                <p:cond evt="onPrev" delay="0">
+                  <p:tgtEl>
+                    <p:sldTgt/>
+                  </p:tgtEl>
+                </p:cond>
+              </p:prevCondLst>
+              <p:nextCondLst>
+                <p:cond evt="onNext" delay="0">
+                  <p:tgtEl>
+                    <p:sldTgt/>
+                  </p:tgtEl>
+                </p:cond>
+              </p:nextCondLst>
+            </p:seq>
+          </p:childTnLst>
+        </p:cTn>
       </p:par>
     </p:tnLst>
+    <p:bldLst>
+      <p:bldP spid="3" grpId="0" build="p"/>
+    </p:bldLst>
+  </p:timing>
+</p:sld>
+</file>
+
+<file path=ppt/slides/slide4.xml><?xml version="1.0" encoding="utf-8"?>
+<p:sld xmlns:a="http://schemas.openxmlformats.org/drawingml/2006/main" xmlns:r="http://schemas.openxmlformats.org/officeDocument/2006/relationships" xmlns:p="http://schemas.openxmlformats.org/presentationml/2006/main">
+  <p:cSld>
+    <p:spTree>
+      <p:nvGrpSpPr>
+        <p:cNvPr id="1" name=""/>
+        <p:cNvGrpSpPr/>
+        <p:nvPr/>
+      </p:nvGrpSpPr>
+      <p:grpSpPr>
+        <a:xfrm>
+          <a:off x="0" y="0"/>
+          <a:ext cx="0" cy="0"/>
+          <a:chOff x="0" y="0"/>
+          <a:chExt cx="0" cy="0"/>
+        </a:xfrm>
+      </p:grpSpPr>
+      <p:sp>
+        <p:nvSpPr>
+          <p:cNvPr id="2" name="Title 1"/>
+          <p:cNvSpPr>
+            <a:spLocks noGrp="1"/>
+          </p:cNvSpPr>
+          <p:nvPr>
+            <p:ph type="title"/>
+          </p:nvPr>
+        </p:nvSpPr>
+        <p:spPr/>
+        <p:txBody>
+          <a:bodyPr/>
+          <a:lstStyle/>
+          <a:p>
+            <a:r>
+              <a:rPr lang="en-CA" dirty="0" smtClean="0"/>
+              <a:t>Machine learning and statistics</a:t>
+            </a:r>
+            <a:endParaRPr lang="en-CA" dirty="0"/>
+          </a:p>
+        </p:txBody>
+      </p:sp>
+      <p:sp>
+        <p:nvSpPr>
+          <p:cNvPr id="3" name="Content Placeholder 2"/>
+          <p:cNvSpPr>
+            <a:spLocks noGrp="1"/>
+          </p:cNvSpPr>
+          <p:nvPr>
+            <p:ph idx="1"/>
+          </p:nvPr>
+        </p:nvSpPr>
+        <p:spPr/>
+        <p:txBody>
+          <a:bodyPr/>
+          <a:lstStyle/>
+          <a:p>
+            <a:r>
+              <a:rPr lang="en-CA" dirty="0" smtClean="0"/>
+              <a:t>What’s the difference between machine learning and statistics?</a:t>
+            </a:r>
+          </a:p>
+          <a:p>
+            <a:r>
+              <a:rPr lang="en-CA" dirty="0" smtClean="0"/>
+              <a:t>Statistics </a:t>
+            </a:r>
+            <a:r>
+              <a:rPr lang="en-CA" dirty="0" smtClean="0"/>
+              <a:t>is more </a:t>
+            </a:r>
+            <a:r>
+              <a:rPr lang="en-CA" dirty="0" smtClean="0"/>
+              <a:t>concerned with testing </a:t>
+            </a:r>
+            <a:r>
+              <a:rPr lang="en-CA" dirty="0" smtClean="0"/>
+              <a:t>hypotheses</a:t>
+            </a:r>
+          </a:p>
+          <a:p>
+            <a:pPr lvl="1"/>
+            <a:r>
+              <a:rPr lang="en-CA" dirty="0" smtClean="0"/>
+              <a:t>p-values, confidence intervals, etc.</a:t>
+            </a:r>
+            <a:endParaRPr lang="en-CA" dirty="0" smtClean="0"/>
+          </a:p>
+          <a:p>
+            <a:r>
+              <a:rPr lang="en-CA" dirty="0" smtClean="0"/>
+              <a:t>Machine </a:t>
+            </a:r>
+            <a:r>
+              <a:rPr lang="en-CA" dirty="0" err="1" smtClean="0"/>
+              <a:t>learningis</a:t>
+            </a:r>
+            <a:r>
+              <a:rPr lang="en-CA" dirty="0" smtClean="0"/>
+              <a:t> </a:t>
+            </a:r>
+            <a:r>
+              <a:rPr lang="en-CA" dirty="0" smtClean="0"/>
+              <a:t>more concerned with formulating the process of generalization as a search through possible </a:t>
+            </a:r>
+            <a:r>
+              <a:rPr lang="en-CA" dirty="0" smtClean="0"/>
+              <a:t>hypotheses</a:t>
+            </a:r>
+          </a:p>
+          <a:p>
+            <a:pPr lvl="1"/>
+            <a:r>
+              <a:rPr lang="en-CA" dirty="0" smtClean="0"/>
+              <a:t>List all possible rules and look for ones that satisfy a given set of examples</a:t>
+            </a:r>
+            <a:endParaRPr lang="en-CA" dirty="0" smtClean="0"/>
+          </a:p>
+          <a:p>
+            <a:r>
+              <a:rPr lang="en-CA" dirty="0" smtClean="0"/>
+              <a:t>Gross oversimplification, read end of chapter 1 to know more</a:t>
+            </a:r>
+          </a:p>
+          <a:p>
+            <a:endParaRPr lang="en-CA" dirty="0"/>
+          </a:p>
+        </p:txBody>
+      </p:sp>
+    </p:spTree>
+    <p:extLst>
+      <p:ext uri="{BB962C8B-B14F-4D97-AF65-F5344CB8AC3E}">
+        <p14:creationId xmlns:p14="http://schemas.microsoft.com/office/powerpoint/2010/main" val="3224764418"/>
+      </p:ext>
+    </p:extLst>
+  </p:cSld>
+  <p:clrMapOvr>
+    <a:masterClrMapping/>
+  </p:clrMapOvr>
+  <p:timing>
+    <p:tnLst>
+      <p:par>
+        <p:cTn id="1" dur="indefinite" restart="never" nodeType="tmRoot">
+          <p:childTnLst>
+            <p:seq concurrent="1" nextAc="seek">
+              <p:cTn id="2" dur="indefinite" nodeType="mainSeq">
+                <p:childTnLst>
+                  <p:par>
+                    <p:cTn id="3" fill="hold">
+                      <p:stCondLst>
+                        <p:cond delay="indefinite"/>
+                      </p:stCondLst>
+                      <p:childTnLst>
+                        <p:par>
+                          <p:cTn id="4" fill="hold">
+                            <p:stCondLst>
+                              <p:cond delay="0"/>
+                            </p:stCondLst>
+                            <p:childTnLst>
+                              <p:par>
+                                <p:cTn id="5" presetID="1" presetClass="entr" presetSubtype="0" fill="hold" grpId="0" nodeType="clickEffect">
+                                  <p:stCondLst>
+                                    <p:cond delay="0"/>
+                                  </p:stCondLst>
+                                  <p:childTnLst>
+                                    <p:set>
+                                      <p:cBhvr>
+                                        <p:cTn id="6" dur="1" fill="hold">
+                                          <p:stCondLst>
+                                            <p:cond delay="0"/>
+                                          </p:stCondLst>
+                                        </p:cTn>
+                                        <p:tgtEl>
+                                          <p:spTgt spid="3">
+                                            <p:txEl>
+                                              <p:pRg st="1" end="1"/>
+                                            </p:txEl>
+                                          </p:spTgt>
+                                        </p:tgtEl>
+                                        <p:attrNameLst>
+                                          <p:attrName>style.visibility</p:attrName>
+                                        </p:attrNameLst>
+                                      </p:cBhvr>
+                                      <p:to>
+                                        <p:strVal val="visible"/>
+                                      </p:to>
+                                    </p:set>
+                                  </p:childTnLst>
+                                </p:cTn>
+                              </p:par>
+                              <p:par>
+                                <p:cTn id="7" presetID="1" presetClass="entr" presetSubtype="0" fill="hold" grpId="0" nodeType="withEffect">
+                                  <p:stCondLst>
+                                    <p:cond delay="0"/>
+                                  </p:stCondLst>
+                                  <p:childTnLst>
+                                    <p:set>
+                                      <p:cBhvr>
+                                        <p:cTn id="8" dur="1" fill="hold">
+                                          <p:stCondLst>
+                                            <p:cond delay="0"/>
+                                          </p:stCondLst>
+                                        </p:cTn>
+                                        <p:tgtEl>
+                                          <p:spTgt spid="3">
+                                            <p:txEl>
+                                              <p:pRg st="2" end="2"/>
+                                            </p:txEl>
+                                          </p:spTgt>
+                                        </p:tgtEl>
+                                        <p:attrNameLst>
+                                          <p:attrName>style.visibility</p:attrName>
+                                        </p:attrNameLst>
+                                      </p:cBhvr>
+                                      <p:to>
+                                        <p:strVal val="visible"/>
+                                      </p:to>
+                                    </p:set>
+                                  </p:childTnLst>
+                                </p:cTn>
+                              </p:par>
+                            </p:childTnLst>
+                          </p:cTn>
+                        </p:par>
+                      </p:childTnLst>
+                    </p:cTn>
+                  </p:par>
+                  <p:par>
+                    <p:cTn id="9" fill="hold">
+                      <p:stCondLst>
+                        <p:cond delay="indefinite"/>
+                      </p:stCondLst>
+                      <p:childTnLst>
+                        <p:par>
+                          <p:cTn id="10" fill="hold">
+                            <p:stCondLst>
+                              <p:cond delay="0"/>
+                            </p:stCondLst>
+                            <p:childTnLst>
+                              <p:par>
+                                <p:cTn id="11" presetID="1" presetClass="entr" presetSubtype="0" fill="hold" grpId="0" nodeType="clickEffect">
+                                  <p:stCondLst>
+                                    <p:cond delay="0"/>
+                                  </p:stCondLst>
+                                  <p:childTnLst>
+                                    <p:set>
+                                      <p:cBhvr>
+                                        <p:cTn id="12" dur="1" fill="hold">
+                                          <p:stCondLst>
+                                            <p:cond delay="0"/>
+                                          </p:stCondLst>
+                                        </p:cTn>
+                                        <p:tgtEl>
+                                          <p:spTgt spid="3">
+                                            <p:txEl>
+                                              <p:pRg st="3" end="3"/>
+                                            </p:txEl>
+                                          </p:spTgt>
+                                        </p:tgtEl>
+                                        <p:attrNameLst>
+                                          <p:attrName>style.visibility</p:attrName>
+                                        </p:attrNameLst>
+                                      </p:cBhvr>
+                                      <p:to>
+                                        <p:strVal val="visible"/>
+                                      </p:to>
+                                    </p:set>
+                                  </p:childTnLst>
+                                </p:cTn>
+                              </p:par>
+                              <p:par>
+                                <p:cTn id="13" presetID="1" presetClass="entr" presetSubtype="0" fill="hold" grpId="0" nodeType="withEffect">
+                                  <p:stCondLst>
+                                    <p:cond delay="0"/>
+                                  </p:stCondLst>
+                                  <p:childTnLst>
+                                    <p:set>
+                                      <p:cBhvr>
+                                        <p:cTn id="14" dur="1" fill="hold">
+                                          <p:stCondLst>
+                                            <p:cond delay="0"/>
+                                          </p:stCondLst>
+                                        </p:cTn>
+                                        <p:tgtEl>
+                                          <p:spTgt spid="3">
+                                            <p:txEl>
+                                              <p:pRg st="4" end="4"/>
+                                            </p:txEl>
+                                          </p:spTgt>
+                                        </p:tgtEl>
+                                        <p:attrNameLst>
+                                          <p:attrName>style.visibility</p:attrName>
+                                        </p:attrNameLst>
+                                      </p:cBhvr>
+                                      <p:to>
+                                        <p:strVal val="visible"/>
+                                      </p:to>
+                                    </p:set>
+                                  </p:childTnLst>
+                                </p:cTn>
+                              </p:par>
+                            </p:childTnLst>
+                          </p:cTn>
+                        </p:par>
+                      </p:childTnLst>
+                    </p:cTn>
+                  </p:par>
+                  <p:par>
+                    <p:cTn id="15" fill="hold">
+                      <p:stCondLst>
+                        <p:cond delay="indefinite"/>
+                      </p:stCondLst>
+                      <p:childTnLst>
+                        <p:par>
+                          <p:cTn id="16" fill="hold">
+                            <p:stCondLst>
+                              <p:cond delay="0"/>
+                            </p:stCondLst>
+                            <p:childTnLst>
+                              <p:par>
+                                <p:cTn id="17" presetID="1" presetClass="entr" presetSubtype="0" fill="hold" grpId="0" nodeType="clickEffect">
+                                  <p:stCondLst>
+                                    <p:cond delay="0"/>
+                                  </p:stCondLst>
+                                  <p:childTnLst>
+                                    <p:set>
+                                      <p:cBhvr>
+                                        <p:cTn id="18" dur="1" fill="hold">
+                                          <p:stCondLst>
+                                            <p:cond delay="0"/>
+                                          </p:stCondLst>
+                                        </p:cTn>
+                                        <p:tgtEl>
+                                          <p:spTgt spid="3">
+                                            <p:txEl>
+                                              <p:pRg st="5" end="5"/>
+                                            </p:txEl>
+                                          </p:spTgt>
+                                        </p:tgtEl>
+                                        <p:attrNameLst>
+                                          <p:attrName>style.visibility</p:attrName>
+                                        </p:attrNameLst>
+                                      </p:cBhvr>
+                                      <p:to>
+                                        <p:strVal val="visible"/>
+                                      </p:to>
+                                    </p:set>
+                                  </p:childTnLst>
+                                </p:cTn>
+                              </p:par>
+                            </p:childTnLst>
+                          </p:cTn>
+                        </p:par>
+                      </p:childTnLst>
+                    </p:cTn>
+                  </p:par>
+                </p:childTnLst>
+              </p:cTn>
+              <p:prevCondLst>
+                <p:cond evt="onPrev" delay="0">
+                  <p:tgtEl>
+                    <p:sldTgt/>
+                  </p:tgtEl>
+                </p:cond>
+              </p:prevCondLst>
+              <p:nextCondLst>
+                <p:cond evt="onNext" delay="0">
+                  <p:tgtEl>
+                    <p:sldTgt/>
+                  </p:tgtEl>
+                </p:cond>
+              </p:nextCondLst>
+            </p:seq>
+          </p:childTnLst>
+        </p:cTn>
+      </p:par>
+    </p:tnLst>
+    <p:bldLst>
+      <p:bldP spid="3" grpId="0" uiExpand="1" build="p"/>
+    </p:bldLst>
+  </p:timing>
+</p:sld>
+</file>
+
+<file path=ppt/slides/slide5.xml><?xml version="1.0" encoding="utf-8"?>
+<p:sld xmlns:a="http://schemas.openxmlformats.org/drawingml/2006/main" xmlns:r="http://schemas.openxmlformats.org/officeDocument/2006/relationships" xmlns:p="http://schemas.openxmlformats.org/presentationml/2006/main">
+  <p:cSld>
+    <p:spTree>
+      <p:nvGrpSpPr>
+        <p:cNvPr id="1" name=""/>
+        <p:cNvGrpSpPr/>
+        <p:nvPr/>
+      </p:nvGrpSpPr>
+      <p:grpSpPr>
+        <a:xfrm>
+          <a:off x="0" y="0"/>
+          <a:ext cx="0" cy="0"/>
+          <a:chOff x="0" y="0"/>
+          <a:chExt cx="0" cy="0"/>
+        </a:xfrm>
+      </p:grpSpPr>
+      <p:sp>
+        <p:nvSpPr>
+          <p:cNvPr id="2" name="Title 1"/>
+          <p:cNvSpPr>
+            <a:spLocks noGrp="1"/>
+          </p:cNvSpPr>
+          <p:nvPr>
+            <p:ph type="title"/>
+          </p:nvPr>
+        </p:nvSpPr>
+        <p:spPr/>
+        <p:txBody>
+          <a:bodyPr/>
+          <a:lstStyle/>
+          <a:p>
+            <a:r>
+              <a:rPr lang="en-CA" dirty="0" smtClean="0"/>
+              <a:t>Chapter 2: Input</a:t>
+            </a:r>
+            <a:endParaRPr lang="en-CA" dirty="0"/>
+          </a:p>
+        </p:txBody>
+      </p:sp>
+      <p:sp>
+        <p:nvSpPr>
+          <p:cNvPr id="3" name="Content Placeholder 2"/>
+          <p:cNvSpPr>
+            <a:spLocks noGrp="1"/>
+          </p:cNvSpPr>
+          <p:nvPr>
+            <p:ph idx="1"/>
+          </p:nvPr>
+        </p:nvSpPr>
+        <p:spPr/>
+        <p:txBody>
+          <a:bodyPr>
+            <a:normAutofit/>
+          </a:bodyPr>
+          <a:lstStyle/>
+          <a:p>
+            <a:r>
+              <a:rPr lang="en-CA" b="1" dirty="0" smtClean="0"/>
+              <a:t>We will cover:</a:t>
+            </a:r>
+          </a:p>
+          <a:p>
+            <a:r>
+              <a:rPr lang="en-CA" dirty="0" smtClean="0"/>
+              <a:t>Structure of input data to machine learning algorithms</a:t>
+            </a:r>
+          </a:p>
+          <a:p>
+            <a:r>
+              <a:rPr lang="en-CA" dirty="0"/>
+              <a:t>W</a:t>
+            </a:r>
+            <a:r>
+              <a:rPr lang="en-CA" dirty="0" smtClean="0"/>
+              <a:t>hat </a:t>
+            </a:r>
+            <a:r>
+              <a:rPr lang="en-CA" dirty="0" smtClean="0"/>
+              <a:t>is </a:t>
+            </a:r>
+            <a:r>
+              <a:rPr lang="en-CA" dirty="0" smtClean="0"/>
+              <a:t>meant </a:t>
+            </a:r>
+            <a:r>
+              <a:rPr lang="en-CA" dirty="0" smtClean="0"/>
+              <a:t>by “learning a concept from data”</a:t>
+            </a:r>
+          </a:p>
+          <a:p>
+            <a:r>
+              <a:rPr lang="en-CA" dirty="0"/>
+              <a:t>I</a:t>
+            </a:r>
+            <a:r>
+              <a:rPr lang="en-CA" dirty="0" smtClean="0"/>
+              <a:t>nstances </a:t>
+            </a:r>
+            <a:r>
+              <a:rPr lang="en-CA" dirty="0" smtClean="0"/>
+              <a:t>and </a:t>
+            </a:r>
+            <a:r>
+              <a:rPr lang="en-CA" dirty="0" smtClean="0"/>
+              <a:t>Attributes</a:t>
+            </a:r>
+            <a:endParaRPr lang="en-CA" dirty="0" smtClean="0"/>
+          </a:p>
+          <a:p>
+            <a:r>
+              <a:rPr lang="en-CA" dirty="0" smtClean="0"/>
+              <a:t>Getting the data ready for </a:t>
+            </a:r>
+            <a:r>
+              <a:rPr lang="en-CA" dirty="0" smtClean="0"/>
+              <a:t>learning</a:t>
+            </a:r>
+          </a:p>
+          <a:p>
+            <a:r>
+              <a:rPr lang="en-CA" b="1" dirty="0" smtClean="0"/>
+              <a:t>Next class: </a:t>
+            </a:r>
+            <a:r>
+              <a:rPr lang="en-CA" dirty="0" smtClean="0"/>
+              <a:t>specific machine learning algorithms</a:t>
+            </a:r>
+            <a:endParaRPr lang="en-CA" dirty="0"/>
+          </a:p>
+        </p:txBody>
+      </p:sp>
+    </p:spTree>
+    <p:extLst>
+      <p:ext uri="{BB962C8B-B14F-4D97-AF65-F5344CB8AC3E}">
+        <p14:creationId xmlns:p14="http://schemas.microsoft.com/office/powerpoint/2010/main" val="1555656150"/>
+      </p:ext>
+    </p:extLst>
+  </p:cSld>
+  <p:clrMapOvr>
+    <a:masterClrMapping/>
+  </p:clrMapOvr>
+  <p:timing>
+    <p:tnLst>
+      <p:par>
+        <p:cTn id="1" dur="indefinite" restart="never" nodeType="tmRoot">
+          <p:childTnLst>
+            <p:seq concurrent="1" nextAc="seek">
+              <p:cTn id="2" dur="indefinite" nodeType="mainSeq">
+                <p:childTnLst>
+                  <p:par>
+                    <p:cTn id="3" fill="hold">
+                      <p:stCondLst>
+                        <p:cond delay="indefinite"/>
+                      </p:stCondLst>
+                      <p:childTnLst>
+                        <p:par>
+                          <p:cTn id="4" fill="hold">
+                            <p:stCondLst>
+                              <p:cond delay="0"/>
+                            </p:stCondLst>
+                            <p:childTnLst>
+                              <p:par>
+                                <p:cTn id="5" presetID="1" presetClass="entr" presetSubtype="0" fill="hold" grpId="0" nodeType="clickEffect">
+                                  <p:stCondLst>
+                                    <p:cond delay="0"/>
+                                  </p:stCondLst>
+                                  <p:childTnLst>
+                                    <p:set>
+                                      <p:cBhvr>
+                                        <p:cTn id="6" dur="1" fill="hold">
+                                          <p:stCondLst>
+                                            <p:cond delay="0"/>
+                                          </p:stCondLst>
+                                        </p:cTn>
+                                        <p:tgtEl>
+                                          <p:spTgt spid="3">
+                                            <p:txEl>
+                                              <p:pRg st="0" end="0"/>
+                                            </p:txEl>
+                                          </p:spTgt>
+                                        </p:tgtEl>
+                                        <p:attrNameLst>
+                                          <p:attrName>style.visibility</p:attrName>
+                                        </p:attrNameLst>
+                                      </p:cBhvr>
+                                      <p:to>
+                                        <p:strVal val="visible"/>
+                                      </p:to>
+                                    </p:set>
+                                  </p:childTnLst>
+                                </p:cTn>
+                              </p:par>
+                            </p:childTnLst>
+                          </p:cTn>
+                        </p:par>
+                      </p:childTnLst>
+                    </p:cTn>
+                  </p:par>
+                  <p:par>
+                    <p:cTn id="7" fill="hold">
+                      <p:stCondLst>
+                        <p:cond delay="indefinite"/>
+                      </p:stCondLst>
+                      <p:childTnLst>
+                        <p:par>
+                          <p:cTn id="8" fill="hold">
+                            <p:stCondLst>
+                              <p:cond delay="0"/>
+                            </p:stCondLst>
+                            <p:childTnLst>
+                              <p:par>
+                                <p:cTn id="9" presetID="1" presetClass="entr" presetSubtype="0" fill="hold" grpId="0" nodeType="clickEffect">
+                                  <p:stCondLst>
+                                    <p:cond delay="0"/>
+                                  </p:stCondLst>
+                                  <p:childTnLst>
+                                    <p:set>
+                                      <p:cBhvr>
+                                        <p:cTn id="10" dur="1" fill="hold">
+                                          <p:stCondLst>
+                                            <p:cond delay="0"/>
+                                          </p:stCondLst>
+                                        </p:cTn>
+                                        <p:tgtEl>
+                                          <p:spTgt spid="3">
+                                            <p:txEl>
+                                              <p:pRg st="1" end="1"/>
+                                            </p:txEl>
+                                          </p:spTgt>
+                                        </p:tgtEl>
+                                        <p:attrNameLst>
+                                          <p:attrName>style.visibility</p:attrName>
+                                        </p:attrNameLst>
+                                      </p:cBhvr>
+                                      <p:to>
+                                        <p:strVal val="visible"/>
+                                      </p:to>
+                                    </p:set>
+                                  </p:childTnLst>
+                                </p:cTn>
+                              </p:par>
+                            </p:childTnLst>
+                          </p:cTn>
+                        </p:par>
+                      </p:childTnLst>
+                    </p:cTn>
+                  </p:par>
+                  <p:par>
+                    <p:cTn id="11" fill="hold">
+                      <p:stCondLst>
+                        <p:cond delay="indefinite"/>
+                      </p:stCondLst>
+                      <p:childTnLst>
+                        <p:par>
+                          <p:cTn id="12" fill="hold">
+                            <p:stCondLst>
+                              <p:cond delay="0"/>
+                            </p:stCondLst>
+                            <p:childTnLst>
+                              <p:par>
+                                <p:cTn id="13" presetID="1" presetClass="entr" presetSubtype="0" fill="hold" grpId="0" nodeType="clickEffect">
+                                  <p:stCondLst>
+                                    <p:cond delay="0"/>
+                                  </p:stCondLst>
+                                  <p:childTnLst>
+                                    <p:set>
+                                      <p:cBhvr>
+                                        <p:cTn id="14" dur="1" fill="hold">
+                                          <p:stCondLst>
+                                            <p:cond delay="0"/>
+                                          </p:stCondLst>
+                                        </p:cTn>
+                                        <p:tgtEl>
+                                          <p:spTgt spid="3">
+                                            <p:txEl>
+                                              <p:pRg st="2" end="2"/>
+                                            </p:txEl>
+                                          </p:spTgt>
+                                        </p:tgtEl>
+                                        <p:attrNameLst>
+                                          <p:attrName>style.visibility</p:attrName>
+                                        </p:attrNameLst>
+                                      </p:cBhvr>
+                                      <p:to>
+                                        <p:strVal val="visible"/>
+                                      </p:to>
+                                    </p:set>
+                                  </p:childTnLst>
+                                </p:cTn>
+                              </p:par>
+                            </p:childTnLst>
+                          </p:cTn>
+                        </p:par>
+                      </p:childTnLst>
+                    </p:cTn>
+                  </p:par>
+                  <p:par>
+                    <p:cTn id="15" fill="hold">
+                      <p:stCondLst>
+                        <p:cond delay="indefinite"/>
+                      </p:stCondLst>
+                      <p:childTnLst>
+                        <p:par>
+                          <p:cTn id="16" fill="hold">
+                            <p:stCondLst>
+                              <p:cond delay="0"/>
+                            </p:stCondLst>
+                            <p:childTnLst>
+                              <p:par>
+                                <p:cTn id="17" presetID="1" presetClass="entr" presetSubtype="0" fill="hold" grpId="0" nodeType="clickEffect">
+                                  <p:stCondLst>
+                                    <p:cond delay="0"/>
+                                  </p:stCondLst>
+                                  <p:childTnLst>
+                                    <p:set>
+                                      <p:cBhvr>
+                                        <p:cTn id="18" dur="1" fill="hold">
+                                          <p:stCondLst>
+                                            <p:cond delay="0"/>
+                                          </p:stCondLst>
+                                        </p:cTn>
+                                        <p:tgtEl>
+                                          <p:spTgt spid="3">
+                                            <p:txEl>
+                                              <p:pRg st="3" end="3"/>
+                                            </p:txEl>
+                                          </p:spTgt>
+                                        </p:tgtEl>
+                                        <p:attrNameLst>
+                                          <p:attrName>style.visibility</p:attrName>
+                                        </p:attrNameLst>
+                                      </p:cBhvr>
+                                      <p:to>
+                                        <p:strVal val="visible"/>
+                                      </p:to>
+                                    </p:set>
+                                  </p:childTnLst>
+                                </p:cTn>
+                              </p:par>
+                            </p:childTnLst>
+                          </p:cTn>
+                        </p:par>
+                      </p:childTnLst>
+                    </p:cTn>
+                  </p:par>
+                  <p:par>
+                    <p:cTn id="19" fill="hold">
+                      <p:stCondLst>
+                        <p:cond delay="indefinite"/>
+                      </p:stCondLst>
+                      <p:childTnLst>
+                        <p:par>
+                          <p:cTn id="20" fill="hold">
+                            <p:stCondLst>
+                              <p:cond delay="0"/>
+                            </p:stCondLst>
+                            <p:childTnLst>
+                              <p:par>
+                                <p:cTn id="21" presetID="1" presetClass="entr" presetSubtype="0" fill="hold" grpId="0" nodeType="clickEffect">
+                                  <p:stCondLst>
+                                    <p:cond delay="0"/>
+                                  </p:stCondLst>
+                                  <p:childTnLst>
+                                    <p:set>
+                                      <p:cBhvr>
+                                        <p:cTn id="22" dur="1" fill="hold">
+                                          <p:stCondLst>
+                                            <p:cond delay="0"/>
+                                          </p:stCondLst>
+                                        </p:cTn>
+                                        <p:tgtEl>
+                                          <p:spTgt spid="3">
+                                            <p:txEl>
+                                              <p:pRg st="4" end="4"/>
+                                            </p:txEl>
+                                          </p:spTgt>
+                                        </p:tgtEl>
+                                        <p:attrNameLst>
+                                          <p:attrName>style.visibility</p:attrName>
+                                        </p:attrNameLst>
+                                      </p:cBhvr>
+                                      <p:to>
+                                        <p:strVal val="visible"/>
+                                      </p:to>
+                                    </p:set>
+                                  </p:childTnLst>
+                                </p:cTn>
+                              </p:par>
+                            </p:childTnLst>
+                          </p:cTn>
+                        </p:par>
+                      </p:childTnLst>
+                    </p:cTn>
+                  </p:par>
+                  <p:par>
+                    <p:cTn id="23" fill="hold">
+                      <p:stCondLst>
+                        <p:cond delay="indefinite"/>
+                      </p:stCondLst>
+                      <p:childTnLst>
+                        <p:par>
+                          <p:cTn id="24" fill="hold">
+                            <p:stCondLst>
+                              <p:cond delay="0"/>
+                            </p:stCondLst>
+                            <p:childTnLst>
+                              <p:par>
+                                <p:cTn id="25" presetID="1" presetClass="entr" presetSubtype="0" fill="hold" grpId="0" nodeType="clickEffect">
+                                  <p:stCondLst>
+                                    <p:cond delay="0"/>
+                                  </p:stCondLst>
+                                  <p:childTnLst>
+                                    <p:set>
+                                      <p:cBhvr>
+                                        <p:cTn id="26" dur="1" fill="hold">
+                                          <p:stCondLst>
+                                            <p:cond delay="0"/>
+                                          </p:stCondLst>
+                                        </p:cTn>
+                                        <p:tgtEl>
+                                          <p:spTgt spid="3">
+                                            <p:txEl>
+                                              <p:pRg st="5" end="5"/>
+                                            </p:txEl>
+                                          </p:spTgt>
+                                        </p:tgtEl>
+                                        <p:attrNameLst>
+                                          <p:attrName>style.visibility</p:attrName>
+                                        </p:attrNameLst>
+                                      </p:cBhvr>
+                                      <p:to>
+                                        <p:strVal val="visible"/>
+                                      </p:to>
+                                    </p:set>
+                                  </p:childTnLst>
+                                </p:cTn>
+                              </p:par>
+                            </p:childTnLst>
+                          </p:cTn>
+                        </p:par>
+                      </p:childTnLst>
+                    </p:cTn>
+                  </p:par>
+                </p:childTnLst>
+              </p:cTn>
+              <p:prevCondLst>
+                <p:cond evt="onPrev" delay="0">
+                  <p:tgtEl>
+                    <p:sldTgt/>
+                  </p:tgtEl>
+                </p:cond>
+              </p:prevCondLst>
+              <p:nextCondLst>
+                <p:cond evt="onNext" delay="0">
+                  <p:tgtEl>
+                    <p:sldTgt/>
+                  </p:tgtEl>
+                </p:cond>
+              </p:nextCondLst>
+            </p:seq>
+          </p:childTnLst>
+        </p:cTn>
+      </p:par>
+    </p:tnLst>
+    <p:bldLst>
+      <p:bldP spid="3" grpId="0" build="p"/>
+    </p:bldLst>
+  </p:timing>
+</p:sld>
+</file>
+
+<file path=ppt/slides/slide6.xml><?xml version="1.0" encoding="utf-8"?>
+<p:sld xmlns:a="http://schemas.openxmlformats.org/drawingml/2006/main" xmlns:r="http://schemas.openxmlformats.org/officeDocument/2006/relationships" xmlns:p="http://schemas.openxmlformats.org/presentationml/2006/main">
+  <p:cSld>
+    <p:spTree>
+      <p:nvGrpSpPr>
+        <p:cNvPr id="1" name=""/>
+        <p:cNvGrpSpPr/>
+        <p:nvPr/>
+      </p:nvGrpSpPr>
+      <p:grpSpPr>
+        <a:xfrm>
+          <a:off x="0" y="0"/>
+          <a:ext cx="0" cy="0"/>
+          <a:chOff x="0" y="0"/>
+          <a:chExt cx="0" cy="0"/>
+        </a:xfrm>
+      </p:grpSpPr>
+      <p:sp>
+        <p:nvSpPr>
+          <p:cNvPr id="2" name="Title 1"/>
+          <p:cNvSpPr>
+            <a:spLocks noGrp="1"/>
+          </p:cNvSpPr>
+          <p:nvPr>
+            <p:ph type="title"/>
+          </p:nvPr>
+        </p:nvSpPr>
+        <p:spPr/>
+        <p:txBody>
+          <a:bodyPr/>
+          <a:lstStyle/>
+          <a:p>
+            <a:r>
+              <a:rPr lang="en-CA" dirty="0" smtClean="0"/>
+              <a:t>2.1 What’s a Concept?</a:t>
+            </a:r>
+            <a:endParaRPr lang="en-CA" dirty="0"/>
+          </a:p>
+        </p:txBody>
+      </p:sp>
+      <p:sp>
+        <p:nvSpPr>
+          <p:cNvPr id="3" name="Content Placeholder 2"/>
+          <p:cNvSpPr>
+            <a:spLocks noGrp="1"/>
+          </p:cNvSpPr>
+          <p:nvPr>
+            <p:ph idx="1"/>
+          </p:nvPr>
+        </p:nvSpPr>
+        <p:spPr>
+          <a:xfrm>
+            <a:off x="838200" y="1825625"/>
+            <a:ext cx="10896600" cy="4351338"/>
+          </a:xfrm>
+        </p:spPr>
+        <p:txBody>
+          <a:bodyPr>
+            <a:normAutofit/>
+          </a:bodyPr>
+          <a:lstStyle/>
+          <a:p>
+            <a:r>
+              <a:rPr lang="en-CA" dirty="0" smtClean="0"/>
+              <a:t>Four styles of learning common in data mining applications</a:t>
+            </a:r>
+          </a:p>
+          <a:p>
+            <a:pPr lvl="1"/>
+            <a:r>
+              <a:rPr lang="en-CA" b="1" dirty="0" smtClean="0"/>
+              <a:t>Classification</a:t>
+            </a:r>
+            <a:r>
+              <a:rPr lang="en-CA" dirty="0" smtClean="0"/>
+              <a:t> </a:t>
+            </a:r>
+            <a:r>
+              <a:rPr lang="en-CA" b="1" dirty="0" smtClean="0"/>
+              <a:t>learning</a:t>
+            </a:r>
+            <a:r>
+              <a:rPr lang="en-CA" dirty="0" smtClean="0"/>
+              <a:t> (classify unseen examples, </a:t>
+            </a:r>
+            <a:r>
+              <a:rPr lang="en-CA" i="1" dirty="0" smtClean="0"/>
+              <a:t>supervised</a:t>
+            </a:r>
+            <a:r>
+              <a:rPr lang="en-CA" dirty="0" smtClean="0"/>
+              <a:t>)</a:t>
+            </a:r>
+            <a:endParaRPr lang="en-CA" dirty="0" smtClean="0"/>
+          </a:p>
+          <a:p>
+            <a:pPr lvl="1"/>
+            <a:r>
+              <a:rPr lang="en-CA" b="1" dirty="0" smtClean="0"/>
+              <a:t>Association</a:t>
+            </a:r>
+            <a:r>
+              <a:rPr lang="en-CA" dirty="0" smtClean="0"/>
+              <a:t> </a:t>
+            </a:r>
+            <a:r>
+              <a:rPr lang="en-CA" b="1" dirty="0" smtClean="0"/>
+              <a:t>learning</a:t>
+            </a:r>
+            <a:r>
+              <a:rPr lang="en-CA" dirty="0" smtClean="0"/>
+              <a:t> (look for any association among </a:t>
+            </a:r>
+            <a:r>
+              <a:rPr lang="en-CA" dirty="0" smtClean="0"/>
+              <a:t>features, many rules)</a:t>
+            </a:r>
+            <a:endParaRPr lang="en-CA" dirty="0" smtClean="0"/>
+          </a:p>
+          <a:p>
+            <a:pPr lvl="1"/>
+            <a:r>
+              <a:rPr lang="en-CA" b="1" dirty="0" smtClean="0"/>
+              <a:t>Clustering</a:t>
+            </a:r>
+            <a:r>
+              <a:rPr lang="en-CA" dirty="0" smtClean="0"/>
+              <a:t> (look for groups of examples that belong </a:t>
+            </a:r>
+            <a:r>
+              <a:rPr lang="en-CA" dirty="0" smtClean="0"/>
+              <a:t>together, </a:t>
+            </a:r>
+            <a:r>
+              <a:rPr lang="en-CA" i="1" dirty="0" smtClean="0"/>
+              <a:t>unsupervised</a:t>
+            </a:r>
+            <a:r>
+              <a:rPr lang="en-CA" dirty="0" smtClean="0"/>
+              <a:t>)</a:t>
+            </a:r>
+            <a:endParaRPr lang="en-CA" dirty="0" smtClean="0"/>
+          </a:p>
+          <a:p>
+            <a:pPr lvl="1"/>
+            <a:r>
+              <a:rPr lang="en-CA" b="1" dirty="0" smtClean="0"/>
+              <a:t>Numeric prediction </a:t>
+            </a:r>
+            <a:r>
+              <a:rPr lang="en-CA" dirty="0" smtClean="0"/>
+              <a:t>(predict numeric quantity instead of discrete class)</a:t>
+            </a:r>
+          </a:p>
+          <a:p>
+            <a:r>
+              <a:rPr lang="en-CA" dirty="0" smtClean="0"/>
+              <a:t>Regardless of style of learning, t</a:t>
+            </a:r>
+            <a:r>
+              <a:rPr lang="en-CA" dirty="0" smtClean="0"/>
+              <a:t>he </a:t>
+            </a:r>
+            <a:r>
+              <a:rPr lang="en-CA" dirty="0" smtClean="0"/>
+              <a:t>“thing to be learned” is the </a:t>
+            </a:r>
+            <a:r>
+              <a:rPr lang="en-CA" i="1" dirty="0" smtClean="0"/>
+              <a:t>concept</a:t>
+            </a:r>
+            <a:endParaRPr lang="en-CA" i="1" dirty="0" smtClean="0"/>
+          </a:p>
+          <a:p>
+            <a:r>
+              <a:rPr lang="en-CA" dirty="0" smtClean="0"/>
+              <a:t>Output of learning scheme is the </a:t>
+            </a:r>
+            <a:r>
+              <a:rPr lang="en-CA" i="1" dirty="0" smtClean="0"/>
+              <a:t>concept description</a:t>
+            </a:r>
+          </a:p>
+          <a:p>
+            <a:r>
+              <a:rPr lang="en-CA" dirty="0" smtClean="0"/>
+              <a:t>Question: what </a:t>
+            </a:r>
+            <a:r>
+              <a:rPr lang="en-CA" dirty="0" smtClean="0"/>
+              <a:t>style </a:t>
+            </a:r>
+            <a:r>
+              <a:rPr lang="en-CA" dirty="0" smtClean="0"/>
+              <a:t>of </a:t>
+            </a:r>
+            <a:r>
+              <a:rPr lang="en-CA" dirty="0" smtClean="0"/>
+              <a:t>learning </a:t>
+            </a:r>
+            <a:r>
+              <a:rPr lang="en-CA" dirty="0" smtClean="0"/>
+              <a:t>did we see previously?</a:t>
+            </a:r>
+          </a:p>
+          <a:p>
+            <a:pPr lvl="1"/>
+            <a:r>
+              <a:rPr lang="en-CA" dirty="0" smtClean="0"/>
+              <a:t>(iris problem, weather problem, contact lens problem</a:t>
+            </a:r>
+            <a:r>
+              <a:rPr lang="en-CA" dirty="0" smtClean="0"/>
+              <a:t>)</a:t>
+            </a:r>
+          </a:p>
+          <a:p>
+            <a:pPr lvl="2"/>
+            <a:r>
+              <a:rPr lang="en-CA" dirty="0" smtClean="0"/>
+              <a:t>Mostly classification problems</a:t>
+            </a:r>
+            <a:endParaRPr lang="en-CA" dirty="0"/>
+          </a:p>
+        </p:txBody>
+      </p:sp>
+    </p:spTree>
+    <p:extLst>
+      <p:ext uri="{BB962C8B-B14F-4D97-AF65-F5344CB8AC3E}">
+        <p14:creationId xmlns:p14="http://schemas.microsoft.com/office/powerpoint/2010/main" val="2285108240"/>
+      </p:ext>
+    </p:extLst>
+  </p:cSld>
+  <p:clrMapOvr>
+    <a:masterClrMapping/>
+  </p:clrMapOvr>
+  <p:timing>
+    <p:tnLst>
+      <p:par>
+        <p:cTn id="1" dur="indefinite" restart="never" nodeType="tmRoot">
+          <p:childTnLst>
+            <p:seq concurrent="1" nextAc="seek">
+              <p:cTn id="2" dur="indefinite" nodeType="mainSeq">
+                <p:childTnLst>
+                  <p:par>
+                    <p:cTn id="3" fill="hold">
+                      <p:stCondLst>
+                        <p:cond delay="indefinite"/>
+                      </p:stCondLst>
+                      <p:childTnLst>
+                        <p:par>
+                          <p:cTn id="4" fill="hold">
+                            <p:stCondLst>
+                              <p:cond delay="0"/>
+                            </p:stCondLst>
+                            <p:childTnLst>
+                              <p:par>
+                                <p:cTn id="5" presetID="1" presetClass="entr" presetSubtype="0" fill="hold" grpId="0" nodeType="clickEffect">
+                                  <p:stCondLst>
+                                    <p:cond delay="0"/>
+                                  </p:stCondLst>
+                                  <p:childTnLst>
+                                    <p:set>
+                                      <p:cBhvr>
+                                        <p:cTn id="6" dur="1" fill="hold">
+                                          <p:stCondLst>
+                                            <p:cond delay="0"/>
+                                          </p:stCondLst>
+                                        </p:cTn>
+                                        <p:tgtEl>
+                                          <p:spTgt spid="3">
+                                            <p:txEl>
+                                              <p:pRg st="0" end="0"/>
+                                            </p:txEl>
+                                          </p:spTgt>
+                                        </p:tgtEl>
+                                        <p:attrNameLst>
+                                          <p:attrName>style.visibility</p:attrName>
+                                        </p:attrNameLst>
+                                      </p:cBhvr>
+                                      <p:to>
+                                        <p:strVal val="visible"/>
+                                      </p:to>
+                                    </p:set>
+                                  </p:childTnLst>
+                                </p:cTn>
+                              </p:par>
+                              <p:par>
+                                <p:cTn id="7" presetID="1" presetClass="entr" presetSubtype="0" fill="hold" grpId="0" nodeType="withEffect">
+                                  <p:stCondLst>
+                                    <p:cond delay="0"/>
+                                  </p:stCondLst>
+                                  <p:childTnLst>
+                                    <p:set>
+                                      <p:cBhvr>
+                                        <p:cTn id="8" dur="1" fill="hold">
+                                          <p:stCondLst>
+                                            <p:cond delay="0"/>
+                                          </p:stCondLst>
+                                        </p:cTn>
+                                        <p:tgtEl>
+                                          <p:spTgt spid="3">
+                                            <p:txEl>
+                                              <p:pRg st="1" end="1"/>
+                                            </p:txEl>
+                                          </p:spTgt>
+                                        </p:tgtEl>
+                                        <p:attrNameLst>
+                                          <p:attrName>style.visibility</p:attrName>
+                                        </p:attrNameLst>
+                                      </p:cBhvr>
+                                      <p:to>
+                                        <p:strVal val="visible"/>
+                                      </p:to>
+                                    </p:set>
+                                  </p:childTnLst>
+                                </p:cTn>
+                              </p:par>
+                              <p:par>
+                                <p:cTn id="9" presetID="1" presetClass="entr" presetSubtype="0" fill="hold" grpId="0" nodeType="withEffect">
+                                  <p:stCondLst>
+                                    <p:cond delay="0"/>
+                                  </p:stCondLst>
+                                  <p:childTnLst>
+                                    <p:set>
+                                      <p:cBhvr>
+                                        <p:cTn id="10" dur="1" fill="hold">
+                                          <p:stCondLst>
+                                            <p:cond delay="0"/>
+                                          </p:stCondLst>
+                                        </p:cTn>
+                                        <p:tgtEl>
+                                          <p:spTgt spid="3">
+                                            <p:txEl>
+                                              <p:pRg st="2" end="2"/>
+                                            </p:txEl>
+                                          </p:spTgt>
+                                        </p:tgtEl>
+                                        <p:attrNameLst>
+                                          <p:attrName>style.visibility</p:attrName>
+                                        </p:attrNameLst>
+                                      </p:cBhvr>
+                                      <p:to>
+                                        <p:strVal val="visible"/>
+                                      </p:to>
+                                    </p:set>
+                                  </p:childTnLst>
+                                </p:cTn>
+                              </p:par>
+                              <p:par>
+                                <p:cTn id="11" presetID="1" presetClass="entr" presetSubtype="0" fill="hold" grpId="0" nodeType="withEffect">
+                                  <p:stCondLst>
+                                    <p:cond delay="0"/>
+                                  </p:stCondLst>
+                                  <p:childTnLst>
+                                    <p:set>
+                                      <p:cBhvr>
+                                        <p:cTn id="12" dur="1" fill="hold">
+                                          <p:stCondLst>
+                                            <p:cond delay="0"/>
+                                          </p:stCondLst>
+                                        </p:cTn>
+                                        <p:tgtEl>
+                                          <p:spTgt spid="3">
+                                            <p:txEl>
+                                              <p:pRg st="3" end="3"/>
+                                            </p:txEl>
+                                          </p:spTgt>
+                                        </p:tgtEl>
+                                        <p:attrNameLst>
+                                          <p:attrName>style.visibility</p:attrName>
+                                        </p:attrNameLst>
+                                      </p:cBhvr>
+                                      <p:to>
+                                        <p:strVal val="visible"/>
+                                      </p:to>
+                                    </p:set>
+                                  </p:childTnLst>
+                                </p:cTn>
+                              </p:par>
+                              <p:par>
+                                <p:cTn id="13" presetID="1" presetClass="entr" presetSubtype="0" fill="hold" grpId="0" nodeType="withEffect">
+                                  <p:stCondLst>
+                                    <p:cond delay="0"/>
+                                  </p:stCondLst>
+                                  <p:childTnLst>
+                                    <p:set>
+                                      <p:cBhvr>
+                                        <p:cTn id="14" dur="1" fill="hold">
+                                          <p:stCondLst>
+                                            <p:cond delay="0"/>
+                                          </p:stCondLst>
+                                        </p:cTn>
+                                        <p:tgtEl>
+                                          <p:spTgt spid="3">
+                                            <p:txEl>
+                                              <p:pRg st="4" end="4"/>
+                                            </p:txEl>
+                                          </p:spTgt>
+                                        </p:tgtEl>
+                                        <p:attrNameLst>
+                                          <p:attrName>style.visibility</p:attrName>
+                                        </p:attrNameLst>
+                                      </p:cBhvr>
+                                      <p:to>
+                                        <p:strVal val="visible"/>
+                                      </p:to>
+                                    </p:set>
+                                  </p:childTnLst>
+                                </p:cTn>
+                              </p:par>
+                            </p:childTnLst>
+                          </p:cTn>
+                        </p:par>
+                      </p:childTnLst>
+                    </p:cTn>
+                  </p:par>
+                  <p:par>
+                    <p:cTn id="15" fill="hold">
+                      <p:stCondLst>
+                        <p:cond delay="indefinite"/>
+                      </p:stCondLst>
+                      <p:childTnLst>
+                        <p:par>
+                          <p:cTn id="16" fill="hold">
+                            <p:stCondLst>
+                              <p:cond delay="0"/>
+                            </p:stCondLst>
+                            <p:childTnLst>
+                              <p:par>
+                                <p:cTn id="17" presetID="1" presetClass="entr" presetSubtype="0" fill="hold" grpId="0" nodeType="clickEffect">
+                                  <p:stCondLst>
+                                    <p:cond delay="0"/>
+                                  </p:stCondLst>
+                                  <p:childTnLst>
+                                    <p:set>
+                                      <p:cBhvr>
+                                        <p:cTn id="18" dur="1" fill="hold">
+                                          <p:stCondLst>
+                                            <p:cond delay="0"/>
+                                          </p:stCondLst>
+                                        </p:cTn>
+                                        <p:tgtEl>
+                                          <p:spTgt spid="3">
+                                            <p:txEl>
+                                              <p:pRg st="5" end="5"/>
+                                            </p:txEl>
+                                          </p:spTgt>
+                                        </p:tgtEl>
+                                        <p:attrNameLst>
+                                          <p:attrName>style.visibility</p:attrName>
+                                        </p:attrNameLst>
+                                      </p:cBhvr>
+                                      <p:to>
+                                        <p:strVal val="visible"/>
+                                      </p:to>
+                                    </p:set>
+                                  </p:childTnLst>
+                                </p:cTn>
+                              </p:par>
+                            </p:childTnLst>
+                          </p:cTn>
+                        </p:par>
+                      </p:childTnLst>
+                    </p:cTn>
+                  </p:par>
+                  <p:par>
+                    <p:cTn id="19" fill="hold">
+                      <p:stCondLst>
+                        <p:cond delay="indefinite"/>
+                      </p:stCondLst>
+                      <p:childTnLst>
+                        <p:par>
+                          <p:cTn id="20" fill="hold">
+                            <p:stCondLst>
+                              <p:cond delay="0"/>
+                            </p:stCondLst>
+                            <p:childTnLst>
+                              <p:par>
+                                <p:cTn id="21" presetID="1" presetClass="entr" presetSubtype="0" fill="hold" grpId="0" nodeType="clickEffect">
+                                  <p:stCondLst>
+                                    <p:cond delay="0"/>
+                                  </p:stCondLst>
+                                  <p:childTnLst>
+                                    <p:set>
+                                      <p:cBhvr>
+                                        <p:cTn id="22" dur="1" fill="hold">
+                                          <p:stCondLst>
+                                            <p:cond delay="0"/>
+                                          </p:stCondLst>
+                                        </p:cTn>
+                                        <p:tgtEl>
+                                          <p:spTgt spid="3">
+                                            <p:txEl>
+                                              <p:pRg st="6" end="6"/>
+                                            </p:txEl>
+                                          </p:spTgt>
+                                        </p:tgtEl>
+                                        <p:attrNameLst>
+                                          <p:attrName>style.visibility</p:attrName>
+                                        </p:attrNameLst>
+                                      </p:cBhvr>
+                                      <p:to>
+                                        <p:strVal val="visible"/>
+                                      </p:to>
+                                    </p:set>
+                                  </p:childTnLst>
+                                </p:cTn>
+                              </p:par>
+                            </p:childTnLst>
+                          </p:cTn>
+                        </p:par>
+                      </p:childTnLst>
+                    </p:cTn>
+                  </p:par>
+                  <p:par>
+                    <p:cTn id="23" fill="hold">
+                      <p:stCondLst>
+                        <p:cond delay="indefinite"/>
+                      </p:stCondLst>
+                      <p:childTnLst>
+                        <p:par>
+                          <p:cTn id="24" fill="hold">
+                            <p:stCondLst>
+                              <p:cond delay="0"/>
+                            </p:stCondLst>
+                            <p:childTnLst>
+                              <p:par>
+                                <p:cTn id="25" presetID="1" presetClass="entr" presetSubtype="0" fill="hold" grpId="0" nodeType="clickEffect">
+                                  <p:stCondLst>
+                                    <p:cond delay="0"/>
+                                  </p:stCondLst>
+                                  <p:childTnLst>
+                                    <p:set>
+                                      <p:cBhvr>
+                                        <p:cTn id="26" dur="1" fill="hold">
+                                          <p:stCondLst>
+                                            <p:cond delay="0"/>
+                                          </p:stCondLst>
+                                        </p:cTn>
+                                        <p:tgtEl>
+                                          <p:spTgt spid="3">
+                                            <p:txEl>
+                                              <p:pRg st="7" end="7"/>
+                                            </p:txEl>
+                                          </p:spTgt>
+                                        </p:tgtEl>
+                                        <p:attrNameLst>
+                                          <p:attrName>style.visibility</p:attrName>
+                                        </p:attrNameLst>
+                                      </p:cBhvr>
+                                      <p:to>
+                                        <p:strVal val="visible"/>
+                                      </p:to>
+                                    </p:set>
+                                  </p:childTnLst>
+                                </p:cTn>
+                              </p:par>
+                              <p:par>
+                                <p:cTn id="27" presetID="1" presetClass="entr" presetSubtype="0" fill="hold" grpId="0" nodeType="withEffect">
+                                  <p:stCondLst>
+                                    <p:cond delay="0"/>
+                                  </p:stCondLst>
+                                  <p:childTnLst>
+                                    <p:set>
+                                      <p:cBhvr>
+                                        <p:cTn id="28" dur="1" fill="hold">
+                                          <p:stCondLst>
+                                            <p:cond delay="0"/>
+                                          </p:stCondLst>
+                                        </p:cTn>
+                                        <p:tgtEl>
+                                          <p:spTgt spid="3">
+                                            <p:txEl>
+                                              <p:pRg st="8" end="8"/>
+                                            </p:txEl>
+                                          </p:spTgt>
+                                        </p:tgtEl>
+                                        <p:attrNameLst>
+                                          <p:attrName>style.visibility</p:attrName>
+                                        </p:attrNameLst>
+                                      </p:cBhvr>
+                                      <p:to>
+                                        <p:strVal val="visible"/>
+                                      </p:to>
+                                    </p:set>
+                                  </p:childTnLst>
+                                </p:cTn>
+                              </p:par>
+                              <p:par>
+                                <p:cTn id="29" presetID="1" presetClass="entr" presetSubtype="0" fill="hold" grpId="0" nodeType="withEffect">
+                                  <p:stCondLst>
+                                    <p:cond delay="0"/>
+                                  </p:stCondLst>
+                                  <p:childTnLst>
+                                    <p:set>
+                                      <p:cBhvr>
+                                        <p:cTn id="30" dur="1" fill="hold">
+                                          <p:stCondLst>
+                                            <p:cond delay="0"/>
+                                          </p:stCondLst>
+                                        </p:cTn>
+                                        <p:tgtEl>
+                                          <p:spTgt spid="3">
+                                            <p:txEl>
+                                              <p:pRg st="9" end="9"/>
+                                            </p:txEl>
+                                          </p:spTgt>
+                                        </p:tgtEl>
+                                        <p:attrNameLst>
+                                          <p:attrName>style.visibility</p:attrName>
+                                        </p:attrNameLst>
+                                      </p:cBhvr>
+                                      <p:to>
+                                        <p:strVal val="visible"/>
+                                      </p:to>
+                                    </p:set>
+                                  </p:childTnLst>
+                                </p:cTn>
+                              </p:par>
+                            </p:childTnLst>
+                          </p:cTn>
+                        </p:par>
+                      </p:childTnLst>
+                    </p:cTn>
+                  </p:par>
+                </p:childTnLst>
+              </p:cTn>
+              <p:prevCondLst>
+                <p:cond evt="onPrev" delay="0">
+                  <p:tgtEl>
+                    <p:sldTgt/>
+                  </p:tgtEl>
+                </p:cond>
+              </p:prevCondLst>
+              <p:nextCondLst>
+                <p:cond evt="onNext" delay="0">
+                  <p:tgtEl>
+                    <p:sldTgt/>
+                  </p:tgtEl>
+                </p:cond>
+              </p:nextCondLst>
+            </p:seq>
+          </p:childTnLst>
+        </p:cTn>
+      </p:par>
+    </p:tnLst>
+    <p:bldLst>
+      <p:bldP spid="3" grpId="0" build="p"/>
+    </p:bldLst>
+  </p:timing>
+</p:sld>
+</file>
+
+<file path=ppt/slides/slide7.xml><?xml version="1.0" encoding="utf-8"?>
+<p:sld xmlns:a="http://schemas.openxmlformats.org/drawingml/2006/main" xmlns:r="http://schemas.openxmlformats.org/officeDocument/2006/relationships" xmlns:p="http://schemas.openxmlformats.org/presentationml/2006/main">
+  <p:cSld>
+    <p:spTree>
+      <p:nvGrpSpPr>
+        <p:cNvPr id="1" name=""/>
+        <p:cNvGrpSpPr/>
+        <p:nvPr/>
+      </p:nvGrpSpPr>
+      <p:grpSpPr>
+        <a:xfrm>
+          <a:off x="0" y="0"/>
+          <a:ext cx="0" cy="0"/>
+          <a:chOff x="0" y="0"/>
+          <a:chExt cx="0" cy="0"/>
+        </a:xfrm>
+      </p:grpSpPr>
+      <p:pic>
+        <p:nvPicPr>
+          <p:cNvPr id="4" name="Picture 3"/>
+          <p:cNvPicPr>
+            <a:picLocks noChangeAspect="1"/>
+          </p:cNvPicPr>
+          <p:nvPr/>
+        </p:nvPicPr>
+        <p:blipFill>
+          <a:blip r:embed="rId2"/>
+          <a:stretch>
+            <a:fillRect/>
+          </a:stretch>
+        </p:blipFill>
+        <p:spPr>
+          <a:xfrm>
+            <a:off x="7229476" y="1940502"/>
+            <a:ext cx="4581525" cy="3476625"/>
+          </a:xfrm>
+          <a:prstGeom prst="rect">
+            <a:avLst/>
+          </a:prstGeom>
+        </p:spPr>
+      </p:pic>
+      <p:sp>
+        <p:nvSpPr>
+          <p:cNvPr id="2" name="Title 1"/>
+          <p:cNvSpPr>
+            <a:spLocks noGrp="1"/>
+          </p:cNvSpPr>
+          <p:nvPr>
+            <p:ph type="title"/>
+          </p:nvPr>
+        </p:nvSpPr>
+        <p:spPr/>
+        <p:txBody>
+          <a:bodyPr/>
+          <a:lstStyle/>
+          <a:p>
+            <a:r>
+              <a:rPr lang="en-CA" dirty="0" smtClean="0"/>
+              <a:t>2.2 What’s in an Example?</a:t>
+            </a:r>
+            <a:endParaRPr lang="en-CA" dirty="0"/>
+          </a:p>
+        </p:txBody>
+      </p:sp>
+      <p:sp>
+        <p:nvSpPr>
+          <p:cNvPr id="3" name="Content Placeholder 2"/>
+          <p:cNvSpPr>
+            <a:spLocks noGrp="1"/>
+          </p:cNvSpPr>
+          <p:nvPr>
+            <p:ph idx="1"/>
+          </p:nvPr>
+        </p:nvSpPr>
+        <p:spPr>
+          <a:xfrm>
+            <a:off x="838201" y="1825625"/>
+            <a:ext cx="6587836" cy="4852266"/>
+          </a:xfrm>
+        </p:spPr>
+        <p:txBody>
+          <a:bodyPr>
+            <a:normAutofit fontScale="92500" lnSpcReduction="20000"/>
+          </a:bodyPr>
+          <a:lstStyle/>
+          <a:p>
+            <a:r>
+              <a:rPr lang="en-CA" dirty="0" smtClean="0"/>
+              <a:t>The input to a machine learning algorithm is a set of instances</a:t>
+            </a:r>
+          </a:p>
+          <a:p>
+            <a:r>
+              <a:rPr lang="en-CA" dirty="0" smtClean="0"/>
+              <a:t>Instances are the things to be classified, associated, or clustered</a:t>
+            </a:r>
+          </a:p>
+          <a:p>
+            <a:pPr lvl="1"/>
+            <a:r>
+              <a:rPr lang="en-CA" dirty="0" smtClean="0"/>
+              <a:t>Until now we have called them examples</a:t>
+            </a:r>
+          </a:p>
+          <a:p>
+            <a:r>
+              <a:rPr lang="en-CA" dirty="0" smtClean="0"/>
+              <a:t>Standard scenario:</a:t>
+            </a:r>
+          </a:p>
+          <a:p>
+            <a:pPr lvl="1"/>
+            <a:r>
+              <a:rPr lang="en-CA" b="1" dirty="0" smtClean="0"/>
+              <a:t>Each instance is an individual, independent example of concept to be learned</a:t>
+            </a:r>
+          </a:p>
+          <a:p>
+            <a:pPr lvl="1"/>
+            <a:r>
+              <a:rPr lang="en-CA" dirty="0" smtClean="0"/>
+              <a:t>Instances are characterized by the values of a set of predetermined attributes</a:t>
+            </a:r>
+          </a:p>
+          <a:p>
+            <a:r>
+              <a:rPr lang="en-CA" dirty="0" smtClean="0"/>
+              <a:t>Examples:</a:t>
+            </a:r>
+          </a:p>
+          <a:p>
+            <a:pPr lvl="1"/>
+            <a:r>
+              <a:rPr lang="en-CA" dirty="0" smtClean="0"/>
+              <a:t>Contact lens, iris, weather</a:t>
+            </a:r>
+          </a:p>
+          <a:p>
+            <a:r>
+              <a:rPr lang="en-CA" dirty="0" smtClean="0"/>
+              <a:t>Most practical data mining problems can be expressed this way</a:t>
+            </a:r>
+            <a:endParaRPr lang="en-CA" dirty="0" smtClean="0"/>
+          </a:p>
+          <a:p>
+            <a:endParaRPr lang="en-CA" dirty="0"/>
+          </a:p>
+        </p:txBody>
+      </p:sp>
+      <p:sp>
+        <p:nvSpPr>
+          <p:cNvPr id="5" name="TextBox 4"/>
+          <p:cNvSpPr txBox="1"/>
+          <p:nvPr/>
+        </p:nvSpPr>
+        <p:spPr>
+          <a:xfrm>
+            <a:off x="8769928" y="5417127"/>
+            <a:ext cx="3422072" cy="369332"/>
+          </a:xfrm>
+          <a:prstGeom prst="rect">
+            <a:avLst/>
+          </a:prstGeom>
+          <a:noFill/>
+        </p:spPr>
+        <p:txBody>
+          <a:bodyPr wrap="square" rtlCol="0">
+            <a:spAutoFit/>
+          </a:bodyPr>
+          <a:lstStyle/>
+          <a:p>
+            <a:r>
+              <a:rPr lang="en-CA" dirty="0" smtClean="0"/>
+              <a:t>Matrix of instances vs attributes</a:t>
+            </a:r>
+            <a:endParaRPr lang="en-CA" dirty="0"/>
+          </a:p>
+        </p:txBody>
+      </p:sp>
+    </p:spTree>
+    <p:extLst>
+      <p:ext uri="{BB962C8B-B14F-4D97-AF65-F5344CB8AC3E}">
+        <p14:creationId xmlns:p14="http://schemas.microsoft.com/office/powerpoint/2010/main" val="3082395127"/>
+      </p:ext>
+    </p:extLst>
+  </p:cSld>
+  <p:clrMapOvr>
+    <a:masterClrMapping/>
+  </p:clrMapOvr>
+  <p:timing>
+    <p:tnLst>
+      <p:par>
+        <p:cTn id="1" dur="indefinite" restart="never" nodeType="tmRoot">
+          <p:childTnLst>
+            <p:seq concurrent="1" nextAc="seek">
+              <p:cTn id="2" dur="indefinite" nodeType="mainSeq">
+                <p:childTnLst>
+                  <p:par>
+                    <p:cTn id="3" fill="hold">
+                      <p:stCondLst>
+                        <p:cond delay="indefinite"/>
+                      </p:stCondLst>
+                      <p:childTnLst>
+                        <p:par>
+                          <p:cTn id="4" fill="hold">
+                            <p:stCondLst>
+                              <p:cond delay="0"/>
+                            </p:stCondLst>
+                            <p:childTnLst>
+                              <p:par>
+                                <p:cTn id="5" presetID="1" presetClass="entr" presetSubtype="0" fill="hold" grpId="0" nodeType="clickEffect">
+                                  <p:stCondLst>
+                                    <p:cond delay="0"/>
+                                  </p:stCondLst>
+                                  <p:childTnLst>
+                                    <p:set>
+                                      <p:cBhvr>
+                                        <p:cTn id="6" dur="1" fill="hold">
+                                          <p:stCondLst>
+                                            <p:cond delay="0"/>
+                                          </p:stCondLst>
+                                        </p:cTn>
+                                        <p:tgtEl>
+                                          <p:spTgt spid="3">
+                                            <p:txEl>
+                                              <p:pRg st="0" end="0"/>
+                                            </p:txEl>
+                                          </p:spTgt>
+                                        </p:tgtEl>
+                                        <p:attrNameLst>
+                                          <p:attrName>style.visibility</p:attrName>
+                                        </p:attrNameLst>
+                                      </p:cBhvr>
+                                      <p:to>
+                                        <p:strVal val="visible"/>
+                                      </p:to>
+                                    </p:set>
+                                  </p:childTnLst>
+                                </p:cTn>
+                              </p:par>
+                            </p:childTnLst>
+                          </p:cTn>
+                        </p:par>
+                      </p:childTnLst>
+                    </p:cTn>
+                  </p:par>
+                  <p:par>
+                    <p:cTn id="7" fill="hold">
+                      <p:stCondLst>
+                        <p:cond delay="indefinite"/>
+                      </p:stCondLst>
+                      <p:childTnLst>
+                        <p:par>
+                          <p:cTn id="8" fill="hold">
+                            <p:stCondLst>
+                              <p:cond delay="0"/>
+                            </p:stCondLst>
+                            <p:childTnLst>
+                              <p:par>
+                                <p:cTn id="9" presetID="1" presetClass="entr" presetSubtype="0" fill="hold" grpId="0" nodeType="clickEffect">
+                                  <p:stCondLst>
+                                    <p:cond delay="0"/>
+                                  </p:stCondLst>
+                                  <p:childTnLst>
+                                    <p:set>
+                                      <p:cBhvr>
+                                        <p:cTn id="10" dur="1" fill="hold">
+                                          <p:stCondLst>
+                                            <p:cond delay="0"/>
+                                          </p:stCondLst>
+                                        </p:cTn>
+                                        <p:tgtEl>
+                                          <p:spTgt spid="3">
+                                            <p:txEl>
+                                              <p:pRg st="1" end="1"/>
+                                            </p:txEl>
+                                          </p:spTgt>
+                                        </p:tgtEl>
+                                        <p:attrNameLst>
+                                          <p:attrName>style.visibility</p:attrName>
+                                        </p:attrNameLst>
+                                      </p:cBhvr>
+                                      <p:to>
+                                        <p:strVal val="visible"/>
+                                      </p:to>
+                                    </p:set>
+                                  </p:childTnLst>
+                                </p:cTn>
+                              </p:par>
+                              <p:par>
+                                <p:cTn id="11" presetID="1" presetClass="entr" presetSubtype="0" fill="hold" grpId="0" nodeType="withEffect">
+                                  <p:stCondLst>
+                                    <p:cond delay="0"/>
+                                  </p:stCondLst>
+                                  <p:childTnLst>
+                                    <p:set>
+                                      <p:cBhvr>
+                                        <p:cTn id="12" dur="1" fill="hold">
+                                          <p:stCondLst>
+                                            <p:cond delay="0"/>
+                                          </p:stCondLst>
+                                        </p:cTn>
+                                        <p:tgtEl>
+                                          <p:spTgt spid="3">
+                                            <p:txEl>
+                                              <p:pRg st="2" end="2"/>
+                                            </p:txEl>
+                                          </p:spTgt>
+                                        </p:tgtEl>
+                                        <p:attrNameLst>
+                                          <p:attrName>style.visibility</p:attrName>
+                                        </p:attrNameLst>
+                                      </p:cBhvr>
+                                      <p:to>
+                                        <p:strVal val="visible"/>
+                                      </p:to>
+                                    </p:set>
+                                  </p:childTnLst>
+                                </p:cTn>
+                              </p:par>
+                            </p:childTnLst>
+                          </p:cTn>
+                        </p:par>
+                      </p:childTnLst>
+                    </p:cTn>
+                  </p:par>
+                  <p:par>
+                    <p:cTn id="13" fill="hold">
+                      <p:stCondLst>
+                        <p:cond delay="indefinite"/>
+                      </p:stCondLst>
+                      <p:childTnLst>
+                        <p:par>
+                          <p:cTn id="14" fill="hold">
+                            <p:stCondLst>
+                              <p:cond delay="0"/>
+                            </p:stCondLst>
+                            <p:childTnLst>
+                              <p:par>
+                                <p:cTn id="15" presetID="1" presetClass="entr" presetSubtype="0" fill="hold" grpId="0" nodeType="clickEffect">
+                                  <p:stCondLst>
+                                    <p:cond delay="0"/>
+                                  </p:stCondLst>
+                                  <p:childTnLst>
+                                    <p:set>
+                                      <p:cBhvr>
+                                        <p:cTn id="16" dur="1" fill="hold">
+                                          <p:stCondLst>
+                                            <p:cond delay="0"/>
+                                          </p:stCondLst>
+                                        </p:cTn>
+                                        <p:tgtEl>
+                                          <p:spTgt spid="3">
+                                            <p:txEl>
+                                              <p:pRg st="3" end="3"/>
+                                            </p:txEl>
+                                          </p:spTgt>
+                                        </p:tgtEl>
+                                        <p:attrNameLst>
+                                          <p:attrName>style.visibility</p:attrName>
+                                        </p:attrNameLst>
+                                      </p:cBhvr>
+                                      <p:to>
+                                        <p:strVal val="visible"/>
+                                      </p:to>
+                                    </p:set>
+                                  </p:childTnLst>
+                                </p:cTn>
+                              </p:par>
+                              <p:par>
+                                <p:cTn id="17" presetID="1" presetClass="entr" presetSubtype="0" fill="hold" grpId="0" nodeType="withEffect">
+                                  <p:stCondLst>
+                                    <p:cond delay="0"/>
+                                  </p:stCondLst>
+                                  <p:childTnLst>
+                                    <p:set>
+                                      <p:cBhvr>
+                                        <p:cTn id="18" dur="1" fill="hold">
+                                          <p:stCondLst>
+                                            <p:cond delay="0"/>
+                                          </p:stCondLst>
+                                        </p:cTn>
+                                        <p:tgtEl>
+                                          <p:spTgt spid="3">
+                                            <p:txEl>
+                                              <p:pRg st="4" end="4"/>
+                                            </p:txEl>
+                                          </p:spTgt>
+                                        </p:tgtEl>
+                                        <p:attrNameLst>
+                                          <p:attrName>style.visibility</p:attrName>
+                                        </p:attrNameLst>
+                                      </p:cBhvr>
+                                      <p:to>
+                                        <p:strVal val="visible"/>
+                                      </p:to>
+                                    </p:set>
+                                  </p:childTnLst>
+                                </p:cTn>
+                              </p:par>
+                              <p:par>
+                                <p:cTn id="19" presetID="1" presetClass="entr" presetSubtype="0" fill="hold" grpId="0" nodeType="withEffect">
+                                  <p:stCondLst>
+                                    <p:cond delay="0"/>
+                                  </p:stCondLst>
+                                  <p:childTnLst>
+                                    <p:set>
+                                      <p:cBhvr>
+                                        <p:cTn id="20" dur="1" fill="hold">
+                                          <p:stCondLst>
+                                            <p:cond delay="0"/>
+                                          </p:stCondLst>
+                                        </p:cTn>
+                                        <p:tgtEl>
+                                          <p:spTgt spid="3">
+                                            <p:txEl>
+                                              <p:pRg st="5" end="5"/>
+                                            </p:txEl>
+                                          </p:spTgt>
+                                        </p:tgtEl>
+                                        <p:attrNameLst>
+                                          <p:attrName>style.visibility</p:attrName>
+                                        </p:attrNameLst>
+                                      </p:cBhvr>
+                                      <p:to>
+                                        <p:strVal val="visible"/>
+                                      </p:to>
+                                    </p:set>
+                                  </p:childTnLst>
+                                </p:cTn>
+                              </p:par>
+                            </p:childTnLst>
+                          </p:cTn>
+                        </p:par>
+                      </p:childTnLst>
+                    </p:cTn>
+                  </p:par>
+                  <p:par>
+                    <p:cTn id="21" fill="hold">
+                      <p:stCondLst>
+                        <p:cond delay="indefinite"/>
+                      </p:stCondLst>
+                      <p:childTnLst>
+                        <p:par>
+                          <p:cTn id="22" fill="hold">
+                            <p:stCondLst>
+                              <p:cond delay="0"/>
+                            </p:stCondLst>
+                            <p:childTnLst>
+                              <p:par>
+                                <p:cTn id="23" presetID="1" presetClass="entr" presetSubtype="0" fill="hold" grpId="0" nodeType="clickEffect">
+                                  <p:stCondLst>
+                                    <p:cond delay="0"/>
+                                  </p:stCondLst>
+                                  <p:childTnLst>
+                                    <p:set>
+                                      <p:cBhvr>
+                                        <p:cTn id="24" dur="1" fill="hold">
+                                          <p:stCondLst>
+                                            <p:cond delay="0"/>
+                                          </p:stCondLst>
+                                        </p:cTn>
+                                        <p:tgtEl>
+                                          <p:spTgt spid="3">
+                                            <p:txEl>
+                                              <p:pRg st="6" end="6"/>
+                                            </p:txEl>
+                                          </p:spTgt>
+                                        </p:tgtEl>
+                                        <p:attrNameLst>
+                                          <p:attrName>style.visibility</p:attrName>
+                                        </p:attrNameLst>
+                                      </p:cBhvr>
+                                      <p:to>
+                                        <p:strVal val="visible"/>
+                                      </p:to>
+                                    </p:set>
+                                  </p:childTnLst>
+                                </p:cTn>
+                              </p:par>
+                              <p:par>
+                                <p:cTn id="25" presetID="1" presetClass="entr" presetSubtype="0" fill="hold" grpId="0" nodeType="withEffect">
+                                  <p:stCondLst>
+                                    <p:cond delay="0"/>
+                                  </p:stCondLst>
+                                  <p:childTnLst>
+                                    <p:set>
+                                      <p:cBhvr>
+                                        <p:cTn id="26" dur="1" fill="hold">
+                                          <p:stCondLst>
+                                            <p:cond delay="0"/>
+                                          </p:stCondLst>
+                                        </p:cTn>
+                                        <p:tgtEl>
+                                          <p:spTgt spid="3">
+                                            <p:txEl>
+                                              <p:pRg st="7" end="7"/>
+                                            </p:txEl>
+                                          </p:spTgt>
+                                        </p:tgtEl>
+                                        <p:attrNameLst>
+                                          <p:attrName>style.visibility</p:attrName>
+                                        </p:attrNameLst>
+                                      </p:cBhvr>
+                                      <p:to>
+                                        <p:strVal val="visible"/>
+                                      </p:to>
+                                    </p:set>
+                                  </p:childTnLst>
+                                </p:cTn>
+                              </p:par>
+                            </p:childTnLst>
+                          </p:cTn>
+                        </p:par>
+                      </p:childTnLst>
+                    </p:cTn>
+                  </p:par>
+                  <p:par>
+                    <p:cTn id="27" fill="hold">
+                      <p:stCondLst>
+                        <p:cond delay="indefinite"/>
+                      </p:stCondLst>
+                      <p:childTnLst>
+                        <p:par>
+                          <p:cTn id="28" fill="hold">
+                            <p:stCondLst>
+                              <p:cond delay="0"/>
+                            </p:stCondLst>
+                            <p:childTnLst>
+                              <p:par>
+                                <p:cTn id="29" presetID="1" presetClass="entr" presetSubtype="0" fill="hold" grpId="0" nodeType="clickEffect">
+                                  <p:stCondLst>
+                                    <p:cond delay="0"/>
+                                  </p:stCondLst>
+                                  <p:childTnLst>
+                                    <p:set>
+                                      <p:cBhvr>
+                                        <p:cTn id="30" dur="1" fill="hold">
+                                          <p:stCondLst>
+                                            <p:cond delay="0"/>
+                                          </p:stCondLst>
+                                        </p:cTn>
+                                        <p:tgtEl>
+                                          <p:spTgt spid="3">
+                                            <p:txEl>
+                                              <p:pRg st="8" end="8"/>
+                                            </p:txEl>
+                                          </p:spTgt>
+                                        </p:tgtEl>
+                                        <p:attrNameLst>
+                                          <p:attrName>style.visibility</p:attrName>
+                                        </p:attrNameLst>
+                                      </p:cBhvr>
+                                      <p:to>
+                                        <p:strVal val="visible"/>
+                                      </p:to>
+                                    </p:set>
+                                  </p:childTnLst>
+                                </p:cTn>
+                              </p:par>
+                            </p:childTnLst>
+                          </p:cTn>
+                        </p:par>
+                      </p:childTnLst>
+                    </p:cTn>
+                  </p:par>
+                </p:childTnLst>
+              </p:cTn>
+              <p:prevCondLst>
+                <p:cond evt="onPrev" delay="0">
+                  <p:tgtEl>
+                    <p:sldTgt/>
+                  </p:tgtEl>
+                </p:cond>
+              </p:prevCondLst>
+              <p:nextCondLst>
+                <p:cond evt="onNext" delay="0">
+                  <p:tgtEl>
+                    <p:sldTgt/>
+                  </p:tgtEl>
+                </p:cond>
+              </p:nextCondLst>
+            </p:seq>
+          </p:childTnLst>
+        </p:cTn>
+      </p:par>
+    </p:tnLst>
+    <p:bldLst>
+      <p:bldP spid="3" grpId="0" build="p"/>
+    </p:bldLst>
+  </p:timing>
+</p:sld>
+</file>
+
+<file path=ppt/slides/slide8.xml><?xml version="1.0" encoding="utf-8"?>
+<p:sld xmlns:a="http://schemas.openxmlformats.org/drawingml/2006/main" xmlns:r="http://schemas.openxmlformats.org/officeDocument/2006/relationships" xmlns:p="http://schemas.openxmlformats.org/presentationml/2006/main">
+  <p:cSld>
+    <p:spTree>
+      <p:nvGrpSpPr>
+        <p:cNvPr id="1" name=""/>
+        <p:cNvGrpSpPr/>
+        <p:nvPr/>
+      </p:nvGrpSpPr>
+      <p:grpSpPr>
+        <a:xfrm>
+          <a:off x="0" y="0"/>
+          <a:ext cx="0" cy="0"/>
+          <a:chOff x="0" y="0"/>
+          <a:chExt cx="0" cy="0"/>
+        </a:xfrm>
+      </p:grpSpPr>
+      <p:sp>
+        <p:nvSpPr>
+          <p:cNvPr id="2" name="Title 1"/>
+          <p:cNvSpPr>
+            <a:spLocks noGrp="1"/>
+          </p:cNvSpPr>
+          <p:nvPr>
+            <p:ph type="title"/>
+          </p:nvPr>
+        </p:nvSpPr>
+        <p:spPr>
+          <a:xfrm>
+            <a:off x="838200" y="4473"/>
+            <a:ext cx="10515600" cy="1325563"/>
+          </a:xfrm>
+        </p:spPr>
+        <p:txBody>
+          <a:bodyPr/>
+          <a:lstStyle/>
+          <a:p>
+            <a:r>
+              <a:rPr lang="en-CA" dirty="0" smtClean="0"/>
+              <a:t>2.3 What’s in an Attribute?</a:t>
+            </a:r>
+            <a:endParaRPr lang="en-CA" dirty="0"/>
+          </a:p>
+        </p:txBody>
+      </p:sp>
+      <p:sp>
+        <p:nvSpPr>
+          <p:cNvPr id="3" name="Content Placeholder 2"/>
+          <p:cNvSpPr>
+            <a:spLocks noGrp="1"/>
+          </p:cNvSpPr>
+          <p:nvPr>
+            <p:ph idx="1"/>
+          </p:nvPr>
+        </p:nvSpPr>
+        <p:spPr>
+          <a:xfrm>
+            <a:off x="838200" y="1496291"/>
+            <a:ext cx="10515600" cy="4627418"/>
+          </a:xfrm>
+        </p:spPr>
+        <p:txBody>
+          <a:bodyPr>
+            <a:normAutofit/>
+          </a:bodyPr>
+          <a:lstStyle/>
+          <a:p>
+            <a:r>
+              <a:rPr lang="en-CA" dirty="0" smtClean="0"/>
+              <a:t>Each instance is characterized by its attributes (features)</a:t>
+            </a:r>
+          </a:p>
+          <a:p>
+            <a:pPr lvl="1"/>
+            <a:r>
+              <a:rPr lang="en-CA" dirty="0" smtClean="0"/>
+              <a:t>Instances are rows, attributes are columns</a:t>
+            </a:r>
+          </a:p>
+          <a:p>
+            <a:r>
+              <a:rPr lang="en-CA" dirty="0" smtClean="0"/>
+              <a:t>The value of an attribute for a particular instance is a measurement of the quantity to which the attribute refers</a:t>
+            </a:r>
+          </a:p>
+          <a:p>
+            <a:r>
+              <a:rPr lang="en-CA" dirty="0" smtClean="0"/>
+              <a:t>Different types of attributes:</a:t>
+            </a:r>
+          </a:p>
+          <a:p>
+            <a:pPr lvl="1"/>
+            <a:r>
+              <a:rPr lang="en-CA" b="1" dirty="0" smtClean="0"/>
+              <a:t>Nominal</a:t>
+            </a:r>
+            <a:r>
+              <a:rPr lang="en-CA" dirty="0" smtClean="0"/>
+              <a:t> attributes</a:t>
+            </a:r>
+          </a:p>
+          <a:p>
+            <a:pPr lvl="1"/>
+            <a:r>
+              <a:rPr lang="en-CA" b="1" dirty="0" smtClean="0"/>
+              <a:t>Ordinal</a:t>
+            </a:r>
+            <a:r>
+              <a:rPr lang="en-CA" dirty="0" smtClean="0"/>
+              <a:t> attributes</a:t>
+            </a:r>
+          </a:p>
+          <a:p>
+            <a:pPr lvl="1"/>
+            <a:r>
+              <a:rPr lang="en-CA" b="1" dirty="0" smtClean="0"/>
+              <a:t>Interval</a:t>
+            </a:r>
+            <a:r>
+              <a:rPr lang="en-CA" dirty="0" smtClean="0"/>
+              <a:t> attributes</a:t>
+            </a:r>
+          </a:p>
+          <a:p>
+            <a:pPr lvl="1"/>
+            <a:r>
+              <a:rPr lang="en-CA" b="1" dirty="0" smtClean="0"/>
+              <a:t>Ratio</a:t>
+            </a:r>
+            <a:r>
+              <a:rPr lang="en-CA" dirty="0" smtClean="0"/>
+              <a:t> attributes</a:t>
+            </a:r>
+          </a:p>
+          <a:p>
+            <a:endParaRPr lang="en-CA" dirty="0" smtClean="0"/>
+          </a:p>
+          <a:p>
+            <a:pPr lvl="1"/>
+            <a:endParaRPr lang="en-CA" dirty="0"/>
+          </a:p>
+        </p:txBody>
+      </p:sp>
+      <p:pic>
+        <p:nvPicPr>
+          <p:cNvPr id="4" name="Picture 3"/>
+          <p:cNvPicPr>
+            <a:picLocks noChangeAspect="1"/>
+          </p:cNvPicPr>
+          <p:nvPr/>
+        </p:nvPicPr>
+        <p:blipFill>
+          <a:blip r:embed="rId2"/>
+          <a:stretch>
+            <a:fillRect/>
+          </a:stretch>
+        </p:blipFill>
+        <p:spPr>
+          <a:xfrm>
+            <a:off x="7675419" y="3187221"/>
+            <a:ext cx="4516582" cy="3670780"/>
+          </a:xfrm>
+          <a:prstGeom prst="rect">
+            <a:avLst/>
+          </a:prstGeom>
+        </p:spPr>
+      </p:pic>
+    </p:spTree>
+    <p:extLst>
+      <p:ext uri="{BB962C8B-B14F-4D97-AF65-F5344CB8AC3E}">
+        <p14:creationId xmlns:p14="http://schemas.microsoft.com/office/powerpoint/2010/main" val="2981531603"/>
+      </p:ext>
+    </p:extLst>
+  </p:cSld>
+  <p:clrMapOvr>
+    <a:masterClrMapping/>
+  </p:clrMapOvr>
+  <p:timing>
+    <p:tnLst>
+      <p:par>
+        <p:cTn id="1" dur="indefinite" restart="never" nodeType="tmRoot">
+          <p:childTnLst>
+            <p:seq concurrent="1" nextAc="seek">
+              <p:cTn id="2" dur="indefinite" nodeType="mainSeq">
+                <p:childTnLst>
+                  <p:par>
+                    <p:cTn id="3" fill="hold">
+                      <p:stCondLst>
+                        <p:cond delay="indefinite"/>
+                      </p:stCondLst>
+                      <p:childTnLst>
+                        <p:par>
+                          <p:cTn id="4" fill="hold">
+                            <p:stCondLst>
+                              <p:cond delay="0"/>
+                            </p:stCondLst>
+                            <p:childTnLst>
+                              <p:par>
+                                <p:cTn id="5" presetID="1" presetClass="entr" presetSubtype="0" fill="hold" grpId="0" nodeType="clickEffect">
+                                  <p:stCondLst>
+                                    <p:cond delay="0"/>
+                                  </p:stCondLst>
+                                  <p:childTnLst>
+                                    <p:set>
+                                      <p:cBhvr>
+                                        <p:cTn id="6" dur="1" fill="hold">
+                                          <p:stCondLst>
+                                            <p:cond delay="0"/>
+                                          </p:stCondLst>
+                                        </p:cTn>
+                                        <p:tgtEl>
+                                          <p:spTgt spid="3">
+                                            <p:txEl>
+                                              <p:pRg st="0" end="0"/>
+                                            </p:txEl>
+                                          </p:spTgt>
+                                        </p:tgtEl>
+                                        <p:attrNameLst>
+                                          <p:attrName>style.visibility</p:attrName>
+                                        </p:attrNameLst>
+                                      </p:cBhvr>
+                                      <p:to>
+                                        <p:strVal val="visible"/>
+                                      </p:to>
+                                    </p:set>
+                                  </p:childTnLst>
+                                </p:cTn>
+                              </p:par>
+                              <p:par>
+                                <p:cTn id="7" presetID="1" presetClass="entr" presetSubtype="0" fill="hold" grpId="0" nodeType="withEffect">
+                                  <p:stCondLst>
+                                    <p:cond delay="0"/>
+                                  </p:stCondLst>
+                                  <p:childTnLst>
+                                    <p:set>
+                                      <p:cBhvr>
+                                        <p:cTn id="8" dur="1" fill="hold">
+                                          <p:stCondLst>
+                                            <p:cond delay="0"/>
+                                          </p:stCondLst>
+                                        </p:cTn>
+                                        <p:tgtEl>
+                                          <p:spTgt spid="3">
+                                            <p:txEl>
+                                              <p:pRg st="1" end="1"/>
+                                            </p:txEl>
+                                          </p:spTgt>
+                                        </p:tgtEl>
+                                        <p:attrNameLst>
+                                          <p:attrName>style.visibility</p:attrName>
+                                        </p:attrNameLst>
+                                      </p:cBhvr>
+                                      <p:to>
+                                        <p:strVal val="visible"/>
+                                      </p:to>
+                                    </p:set>
+                                  </p:childTnLst>
+                                </p:cTn>
+                              </p:par>
+                            </p:childTnLst>
+                          </p:cTn>
+                        </p:par>
+                      </p:childTnLst>
+                    </p:cTn>
+                  </p:par>
+                  <p:par>
+                    <p:cTn id="9" fill="hold">
+                      <p:stCondLst>
+                        <p:cond delay="indefinite"/>
+                      </p:stCondLst>
+                      <p:childTnLst>
+                        <p:par>
+                          <p:cTn id="10" fill="hold">
+                            <p:stCondLst>
+                              <p:cond delay="0"/>
+                            </p:stCondLst>
+                            <p:childTnLst>
+                              <p:par>
+                                <p:cTn id="11" presetID="1" presetClass="entr" presetSubtype="0" fill="hold" grpId="0" nodeType="clickEffect">
+                                  <p:stCondLst>
+                                    <p:cond delay="0"/>
+                                  </p:stCondLst>
+                                  <p:childTnLst>
+                                    <p:set>
+                                      <p:cBhvr>
+                                        <p:cTn id="12" dur="1" fill="hold">
+                                          <p:stCondLst>
+                                            <p:cond delay="0"/>
+                                          </p:stCondLst>
+                                        </p:cTn>
+                                        <p:tgtEl>
+                                          <p:spTgt spid="3">
+                                            <p:txEl>
+                                              <p:pRg st="2" end="2"/>
+                                            </p:txEl>
+                                          </p:spTgt>
+                                        </p:tgtEl>
+                                        <p:attrNameLst>
+                                          <p:attrName>style.visibility</p:attrName>
+                                        </p:attrNameLst>
+                                      </p:cBhvr>
+                                      <p:to>
+                                        <p:strVal val="visible"/>
+                                      </p:to>
+                                    </p:set>
+                                  </p:childTnLst>
+                                </p:cTn>
+                              </p:par>
+                            </p:childTnLst>
+                          </p:cTn>
+                        </p:par>
+                      </p:childTnLst>
+                    </p:cTn>
+                  </p:par>
+                  <p:par>
+                    <p:cTn id="13" fill="hold">
+                      <p:stCondLst>
+                        <p:cond delay="indefinite"/>
+                      </p:stCondLst>
+                      <p:childTnLst>
+                        <p:par>
+                          <p:cTn id="14" fill="hold">
+                            <p:stCondLst>
+                              <p:cond delay="0"/>
+                            </p:stCondLst>
+                            <p:childTnLst>
+                              <p:par>
+                                <p:cTn id="15" presetID="1" presetClass="entr" presetSubtype="0" fill="hold" grpId="0" nodeType="clickEffect">
+                                  <p:stCondLst>
+                                    <p:cond delay="0"/>
+                                  </p:stCondLst>
+                                  <p:childTnLst>
+                                    <p:set>
+                                      <p:cBhvr>
+                                        <p:cTn id="16" dur="1" fill="hold">
+                                          <p:stCondLst>
+                                            <p:cond delay="0"/>
+                                          </p:stCondLst>
+                                        </p:cTn>
+                                        <p:tgtEl>
+                                          <p:spTgt spid="3">
+                                            <p:txEl>
+                                              <p:pRg st="3" end="3"/>
+                                            </p:txEl>
+                                          </p:spTgt>
+                                        </p:tgtEl>
+                                        <p:attrNameLst>
+                                          <p:attrName>style.visibility</p:attrName>
+                                        </p:attrNameLst>
+                                      </p:cBhvr>
+                                      <p:to>
+                                        <p:strVal val="visible"/>
+                                      </p:to>
+                                    </p:set>
+                                  </p:childTnLst>
+                                </p:cTn>
+                              </p:par>
+                              <p:par>
+                                <p:cTn id="17" presetID="1" presetClass="entr" presetSubtype="0" fill="hold" grpId="0" nodeType="withEffect">
+                                  <p:stCondLst>
+                                    <p:cond delay="0"/>
+                                  </p:stCondLst>
+                                  <p:childTnLst>
+                                    <p:set>
+                                      <p:cBhvr>
+                                        <p:cTn id="18" dur="1" fill="hold">
+                                          <p:stCondLst>
+                                            <p:cond delay="0"/>
+                                          </p:stCondLst>
+                                        </p:cTn>
+                                        <p:tgtEl>
+                                          <p:spTgt spid="3">
+                                            <p:txEl>
+                                              <p:pRg st="4" end="4"/>
+                                            </p:txEl>
+                                          </p:spTgt>
+                                        </p:tgtEl>
+                                        <p:attrNameLst>
+                                          <p:attrName>style.visibility</p:attrName>
+                                        </p:attrNameLst>
+                                      </p:cBhvr>
+                                      <p:to>
+                                        <p:strVal val="visible"/>
+                                      </p:to>
+                                    </p:set>
+                                  </p:childTnLst>
+                                </p:cTn>
+                              </p:par>
+                              <p:par>
+                                <p:cTn id="19" presetID="1" presetClass="entr" presetSubtype="0" fill="hold" grpId="0" nodeType="withEffect">
+                                  <p:stCondLst>
+                                    <p:cond delay="0"/>
+                                  </p:stCondLst>
+                                  <p:childTnLst>
+                                    <p:set>
+                                      <p:cBhvr>
+                                        <p:cTn id="20" dur="1" fill="hold">
+                                          <p:stCondLst>
+                                            <p:cond delay="0"/>
+                                          </p:stCondLst>
+                                        </p:cTn>
+                                        <p:tgtEl>
+                                          <p:spTgt spid="3">
+                                            <p:txEl>
+                                              <p:pRg st="5" end="5"/>
+                                            </p:txEl>
+                                          </p:spTgt>
+                                        </p:tgtEl>
+                                        <p:attrNameLst>
+                                          <p:attrName>style.visibility</p:attrName>
+                                        </p:attrNameLst>
+                                      </p:cBhvr>
+                                      <p:to>
+                                        <p:strVal val="visible"/>
+                                      </p:to>
+                                    </p:set>
+                                  </p:childTnLst>
+                                </p:cTn>
+                              </p:par>
+                              <p:par>
+                                <p:cTn id="21" presetID="1" presetClass="entr" presetSubtype="0" fill="hold" grpId="0" nodeType="withEffect">
+                                  <p:stCondLst>
+                                    <p:cond delay="0"/>
+                                  </p:stCondLst>
+                                  <p:childTnLst>
+                                    <p:set>
+                                      <p:cBhvr>
+                                        <p:cTn id="22" dur="1" fill="hold">
+                                          <p:stCondLst>
+                                            <p:cond delay="0"/>
+                                          </p:stCondLst>
+                                        </p:cTn>
+                                        <p:tgtEl>
+                                          <p:spTgt spid="3">
+                                            <p:txEl>
+                                              <p:pRg st="6" end="6"/>
+                                            </p:txEl>
+                                          </p:spTgt>
+                                        </p:tgtEl>
+                                        <p:attrNameLst>
+                                          <p:attrName>style.visibility</p:attrName>
+                                        </p:attrNameLst>
+                                      </p:cBhvr>
+                                      <p:to>
+                                        <p:strVal val="visible"/>
+                                      </p:to>
+                                    </p:set>
+                                  </p:childTnLst>
+                                </p:cTn>
+                              </p:par>
+                              <p:par>
+                                <p:cTn id="23" presetID="1" presetClass="entr" presetSubtype="0" fill="hold" grpId="0" nodeType="withEffect">
+                                  <p:stCondLst>
+                                    <p:cond delay="0"/>
+                                  </p:stCondLst>
+                                  <p:childTnLst>
+                                    <p:set>
+                                      <p:cBhvr>
+                                        <p:cTn id="24" dur="1" fill="hold">
+                                          <p:stCondLst>
+                                            <p:cond delay="0"/>
+                                          </p:stCondLst>
+                                        </p:cTn>
+                                        <p:tgtEl>
+                                          <p:spTgt spid="3">
+                                            <p:txEl>
+                                              <p:pRg st="7" end="7"/>
+                                            </p:txEl>
+                                          </p:spTgt>
+                                        </p:tgtEl>
+                                        <p:attrNameLst>
+                                          <p:attrName>style.visibility</p:attrName>
+                                        </p:attrNameLst>
+                                      </p:cBhvr>
+                                      <p:to>
+                                        <p:strVal val="visible"/>
+                                      </p:to>
+                                    </p:set>
+                                  </p:childTnLst>
+                                </p:cTn>
+                              </p:par>
+                            </p:childTnLst>
+                          </p:cTn>
+                        </p:par>
+                      </p:childTnLst>
+                    </p:cTn>
+                  </p:par>
+                </p:childTnLst>
+              </p:cTn>
+              <p:prevCondLst>
+                <p:cond evt="onPrev" delay="0">
+                  <p:tgtEl>
+                    <p:sldTgt/>
+                  </p:tgtEl>
+                </p:cond>
+              </p:prevCondLst>
+              <p:nextCondLst>
+                <p:cond evt="onNext" delay="0">
+                  <p:tgtEl>
+                    <p:sldTgt/>
+                  </p:tgtEl>
+                </p:cond>
+              </p:nextCondLst>
+            </p:seq>
+          </p:childTnLst>
+        </p:cTn>
+      </p:par>
+    </p:tnLst>
+    <p:bldLst>
+      <p:bldP spid="3" grpId="0" build="p"/>
+    </p:bldLst>
+  </p:timing>
+</p:sld>
+</file>
+
+<file path=ppt/slides/slide9.xml><?xml version="1.0" encoding="utf-8"?>
+<p:sld xmlns:a="http://schemas.openxmlformats.org/drawingml/2006/main" xmlns:r="http://schemas.openxmlformats.org/officeDocument/2006/relationships" xmlns:p="http://schemas.openxmlformats.org/presentationml/2006/main">
+  <p:cSld>
+    <p:spTree>
+      <p:nvGrpSpPr>
+        <p:cNvPr id="1" name=""/>
+        <p:cNvGrpSpPr/>
+        <p:nvPr/>
+      </p:nvGrpSpPr>
+      <p:grpSpPr>
+        <a:xfrm>
+          <a:off x="0" y="0"/>
+          <a:ext cx="0" cy="0"/>
+          <a:chOff x="0" y="0"/>
+          <a:chExt cx="0" cy="0"/>
+        </a:xfrm>
+      </p:grpSpPr>
+      <p:sp>
+        <p:nvSpPr>
+          <p:cNvPr id="2" name="Title 1"/>
+          <p:cNvSpPr>
+            <a:spLocks noGrp="1"/>
+          </p:cNvSpPr>
+          <p:nvPr>
+            <p:ph type="title"/>
+          </p:nvPr>
+        </p:nvSpPr>
+        <p:spPr/>
+        <p:txBody>
+          <a:bodyPr/>
+          <a:lstStyle/>
+          <a:p>
+            <a:r>
+              <a:rPr lang="en-CA" dirty="0" smtClean="0"/>
+              <a:t>Handwritten digit dataset example</a:t>
+            </a:r>
+            <a:endParaRPr lang="en-CA" dirty="0"/>
+          </a:p>
+        </p:txBody>
+      </p:sp>
+      <p:sp>
+        <p:nvSpPr>
+          <p:cNvPr id="3" name="Content Placeholder 2"/>
+          <p:cNvSpPr>
+            <a:spLocks noGrp="1"/>
+          </p:cNvSpPr>
+          <p:nvPr>
+            <p:ph idx="1"/>
+          </p:nvPr>
+        </p:nvSpPr>
+        <p:spPr>
+          <a:xfrm>
+            <a:off x="838200" y="1825625"/>
+            <a:ext cx="4398818" cy="4351338"/>
+          </a:xfrm>
+        </p:spPr>
+        <p:txBody>
+          <a:bodyPr/>
+          <a:lstStyle/>
+          <a:p>
+            <a:r>
+              <a:rPr lang="en-CA" dirty="0" smtClean="0"/>
+              <a:t>160 instances</a:t>
+            </a:r>
+          </a:p>
+          <a:p>
+            <a:pPr lvl="1"/>
+            <a:r>
+              <a:rPr lang="en-CA" dirty="0" smtClean="0"/>
+              <a:t>10 classes, 16 instances per class</a:t>
+            </a:r>
+          </a:p>
+          <a:p>
+            <a:pPr lvl="1"/>
+            <a:r>
+              <a:rPr lang="en-CA" dirty="0" smtClean="0"/>
+              <a:t>Real dataset has 70,000 instances (MNIST dataset)</a:t>
+            </a:r>
+          </a:p>
+          <a:p>
+            <a:r>
+              <a:rPr lang="en-CA" dirty="0" smtClean="0"/>
+              <a:t> </a:t>
+            </a:r>
+            <a:r>
+              <a:rPr lang="en-CA" dirty="0"/>
+              <a:t>E</a:t>
+            </a:r>
+            <a:r>
+              <a:rPr lang="en-CA" dirty="0" smtClean="0"/>
+              <a:t>ach image is 28x28 pixels</a:t>
+            </a:r>
+          </a:p>
+          <a:p>
+            <a:r>
+              <a:rPr lang="en-CA" dirty="0" smtClean="0"/>
+              <a:t>How many attributes?</a:t>
+            </a:r>
+          </a:p>
+          <a:p>
+            <a:r>
+              <a:rPr lang="en-CA" dirty="0" smtClean="0"/>
+              <a:t>784 (28*28)</a:t>
+            </a:r>
+          </a:p>
+          <a:p>
+            <a:r>
+              <a:rPr lang="en-CA" dirty="0" smtClean="0"/>
+              <a:t>Each pixel is an attribute</a:t>
+            </a:r>
+            <a:endParaRPr lang="en-CA" dirty="0"/>
+          </a:p>
+        </p:txBody>
+      </p:sp>
+      <p:pic>
+        <p:nvPicPr>
+          <p:cNvPr id="4" name="Picture 3"/>
+          <p:cNvPicPr>
+            <a:picLocks noChangeAspect="1"/>
+          </p:cNvPicPr>
+          <p:nvPr/>
+        </p:nvPicPr>
+        <p:blipFill>
+          <a:blip r:embed="rId2"/>
+          <a:stretch>
+            <a:fillRect/>
+          </a:stretch>
+        </p:blipFill>
+        <p:spPr>
+          <a:xfrm>
+            <a:off x="5403273" y="1825625"/>
+            <a:ext cx="6680161" cy="3934257"/>
+          </a:xfrm>
+          <a:prstGeom prst="rect">
+            <a:avLst/>
+          </a:prstGeom>
+        </p:spPr>
+      </p:pic>
+    </p:spTree>
+    <p:extLst>
+      <p:ext uri="{BB962C8B-B14F-4D97-AF65-F5344CB8AC3E}">
+        <p14:creationId xmlns:p14="http://schemas.microsoft.com/office/powerpoint/2010/main" val="1178627207"/>
+      </p:ext>
+    </p:extLst>
+  </p:cSld>
+  <p:clrMapOvr>
+    <a:masterClrMapping/>
+  </p:clrMapOvr>
+  <p:timing>
+    <p:tnLst>
+      <p:par>
+        <p:cTn id="1" dur="indefinite" restart="never" nodeType="tmRoot">
+          <p:childTnLst>
+            <p:seq concurrent="1" nextAc="seek">
+              <p:cTn id="2" dur="indefinite" nodeType="mainSeq">
+                <p:childTnLst>
+                  <p:par>
+                    <p:cTn id="3" fill="hold">
+                      <p:stCondLst>
+                        <p:cond delay="indefinite"/>
+                      </p:stCondLst>
+                      <p:childTnLst>
+                        <p:par>
+                          <p:cTn id="4" fill="hold">
+                            <p:stCondLst>
+                              <p:cond delay="0"/>
+                            </p:stCondLst>
+                            <p:childTnLst>
+                              <p:par>
+                                <p:cTn id="5" presetID="1" presetClass="entr" presetSubtype="0" fill="hold" grpId="0" nodeType="clickEffect">
+                                  <p:stCondLst>
+                                    <p:cond delay="0"/>
+                                  </p:stCondLst>
+                                  <p:childTnLst>
+                                    <p:set>
+                                      <p:cBhvr>
+                                        <p:cTn id="6" dur="1" fill="hold">
+                                          <p:stCondLst>
+                                            <p:cond delay="0"/>
+                                          </p:stCondLst>
+                                        </p:cTn>
+                                        <p:tgtEl>
+                                          <p:spTgt spid="3">
+                                            <p:txEl>
+                                              <p:pRg st="0" end="0"/>
+                                            </p:txEl>
+                                          </p:spTgt>
+                                        </p:tgtEl>
+                                        <p:attrNameLst>
+                                          <p:attrName>style.visibility</p:attrName>
+                                        </p:attrNameLst>
+                                      </p:cBhvr>
+                                      <p:to>
+                                        <p:strVal val="visible"/>
+                                      </p:to>
+                                    </p:set>
+                                  </p:childTnLst>
+                                </p:cTn>
+                              </p:par>
+                              <p:par>
+                                <p:cTn id="7" presetID="1" presetClass="entr" presetSubtype="0" fill="hold" grpId="0" nodeType="withEffect">
+                                  <p:stCondLst>
+                                    <p:cond delay="0"/>
+                                  </p:stCondLst>
+                                  <p:childTnLst>
+                                    <p:set>
+                                      <p:cBhvr>
+                                        <p:cTn id="8" dur="1" fill="hold">
+                                          <p:stCondLst>
+                                            <p:cond delay="0"/>
+                                          </p:stCondLst>
+                                        </p:cTn>
+                                        <p:tgtEl>
+                                          <p:spTgt spid="3">
+                                            <p:txEl>
+                                              <p:pRg st="1" end="1"/>
+                                            </p:txEl>
+                                          </p:spTgt>
+                                        </p:tgtEl>
+                                        <p:attrNameLst>
+                                          <p:attrName>style.visibility</p:attrName>
+                                        </p:attrNameLst>
+                                      </p:cBhvr>
+                                      <p:to>
+                                        <p:strVal val="visible"/>
+                                      </p:to>
+                                    </p:set>
+                                  </p:childTnLst>
+                                </p:cTn>
+                              </p:par>
+                              <p:par>
+                                <p:cTn id="9" presetID="1" presetClass="entr" presetSubtype="0" fill="hold" grpId="0" nodeType="withEffect">
+                                  <p:stCondLst>
+                                    <p:cond delay="0"/>
+                                  </p:stCondLst>
+                                  <p:childTnLst>
+                                    <p:set>
+                                      <p:cBhvr>
+                                        <p:cTn id="10" dur="1" fill="hold">
+                                          <p:stCondLst>
+                                            <p:cond delay="0"/>
+                                          </p:stCondLst>
+                                        </p:cTn>
+                                        <p:tgtEl>
+                                          <p:spTgt spid="3">
+                                            <p:txEl>
+                                              <p:pRg st="2" end="2"/>
+                                            </p:txEl>
+                                          </p:spTgt>
+                                        </p:tgtEl>
+                                        <p:attrNameLst>
+                                          <p:attrName>style.visibility</p:attrName>
+                                        </p:attrNameLst>
+                                      </p:cBhvr>
+                                      <p:to>
+                                        <p:strVal val="visible"/>
+                                      </p:to>
+                                    </p:set>
+                                  </p:childTnLst>
+                                </p:cTn>
+                              </p:par>
+                            </p:childTnLst>
+                          </p:cTn>
+                        </p:par>
+                      </p:childTnLst>
+                    </p:cTn>
+                  </p:par>
+                  <p:par>
+                    <p:cTn id="11" fill="hold">
+                      <p:stCondLst>
+                        <p:cond delay="indefinite"/>
+                      </p:stCondLst>
+                      <p:childTnLst>
+                        <p:par>
+                          <p:cTn id="12" fill="hold">
+                            <p:stCondLst>
+                              <p:cond delay="0"/>
+                            </p:stCondLst>
+                            <p:childTnLst>
+                              <p:par>
+                                <p:cTn id="13" presetID="1" presetClass="entr" presetSubtype="0" fill="hold" grpId="0" nodeType="clickEffect">
+                                  <p:stCondLst>
+                                    <p:cond delay="0"/>
+                                  </p:stCondLst>
+                                  <p:childTnLst>
+                                    <p:set>
+                                      <p:cBhvr>
+                                        <p:cTn id="14" dur="1" fill="hold">
+                                          <p:stCondLst>
+                                            <p:cond delay="0"/>
+                                          </p:stCondLst>
+                                        </p:cTn>
+                                        <p:tgtEl>
+                                          <p:spTgt spid="3">
+                                            <p:txEl>
+                                              <p:pRg st="3" end="3"/>
+                                            </p:txEl>
+                                          </p:spTgt>
+                                        </p:tgtEl>
+                                        <p:attrNameLst>
+                                          <p:attrName>style.visibility</p:attrName>
+                                        </p:attrNameLst>
+                                      </p:cBhvr>
+                                      <p:to>
+                                        <p:strVal val="visible"/>
+                                      </p:to>
+                                    </p:set>
+                                  </p:childTnLst>
+                                </p:cTn>
+                              </p:par>
+                            </p:childTnLst>
+                          </p:cTn>
+                        </p:par>
+                      </p:childTnLst>
+                    </p:cTn>
+                  </p:par>
+                  <p:par>
+                    <p:cTn id="15" fill="hold">
+                      <p:stCondLst>
+                        <p:cond delay="indefinite"/>
+                      </p:stCondLst>
+                      <p:childTnLst>
+                        <p:par>
+                          <p:cTn id="16" fill="hold">
+                            <p:stCondLst>
+                              <p:cond delay="0"/>
+                            </p:stCondLst>
+                            <p:childTnLst>
+                              <p:par>
+                                <p:cTn id="17" presetID="1" presetClass="entr" presetSubtype="0" fill="hold" grpId="0" nodeType="clickEffect">
+                                  <p:stCondLst>
+                                    <p:cond delay="0"/>
+                                  </p:stCondLst>
+                                  <p:childTnLst>
+                                    <p:set>
+                                      <p:cBhvr>
+                                        <p:cTn id="18" dur="1" fill="hold">
+                                          <p:stCondLst>
+                                            <p:cond delay="0"/>
+                                          </p:stCondLst>
+                                        </p:cTn>
+                                        <p:tgtEl>
+                                          <p:spTgt spid="3">
+                                            <p:txEl>
+                                              <p:pRg st="4" end="4"/>
+                                            </p:txEl>
+                                          </p:spTgt>
+                                        </p:tgtEl>
+                                        <p:attrNameLst>
+                                          <p:attrName>style.visibility</p:attrName>
+                                        </p:attrNameLst>
+                                      </p:cBhvr>
+                                      <p:to>
+                                        <p:strVal val="visible"/>
+                                      </p:to>
+                                    </p:set>
+                                  </p:childTnLst>
+                                </p:cTn>
+                              </p:par>
+                            </p:childTnLst>
+                          </p:cTn>
+                        </p:par>
+                      </p:childTnLst>
+                    </p:cTn>
+                  </p:par>
+                  <p:par>
+                    <p:cTn id="19" fill="hold">
+                      <p:stCondLst>
+                        <p:cond delay="indefinite"/>
+                      </p:stCondLst>
+                      <p:childTnLst>
+                        <p:par>
+                          <p:cTn id="20" fill="hold">
+                            <p:stCondLst>
+                              <p:cond delay="0"/>
+                            </p:stCondLst>
+                            <p:childTnLst>
+                              <p:par>
+                                <p:cTn id="21" presetID="1" presetClass="entr" presetSubtype="0" fill="hold" grpId="0" nodeType="clickEffect">
+                                  <p:stCondLst>
+                                    <p:cond delay="0"/>
+                                  </p:stCondLst>
+                                  <p:childTnLst>
+                                    <p:set>
+                                      <p:cBhvr>
+                                        <p:cTn id="22" dur="1" fill="hold">
+                                          <p:stCondLst>
+                                            <p:cond delay="0"/>
+                                          </p:stCondLst>
+                                        </p:cTn>
+                                        <p:tgtEl>
+                                          <p:spTgt spid="3">
+                                            <p:txEl>
+                                              <p:pRg st="5" end="5"/>
+                                            </p:txEl>
+                                          </p:spTgt>
+                                        </p:tgtEl>
+                                        <p:attrNameLst>
+                                          <p:attrName>style.visibility</p:attrName>
+                                        </p:attrNameLst>
+                                      </p:cBhvr>
+                                      <p:to>
+                                        <p:strVal val="visible"/>
+                                      </p:to>
+                                    </p:set>
+                                  </p:childTnLst>
+                                </p:cTn>
+                              </p:par>
+                            </p:childTnLst>
+                          </p:cTn>
+                        </p:par>
+                      </p:childTnLst>
+                    </p:cTn>
+                  </p:par>
+                  <p:par>
+                    <p:cTn id="23" fill="hold">
+                      <p:stCondLst>
+                        <p:cond delay="indefinite"/>
+                      </p:stCondLst>
+                      <p:childTnLst>
+                        <p:par>
+                          <p:cTn id="24" fill="hold">
+                            <p:stCondLst>
+                              <p:cond delay="0"/>
+                            </p:stCondLst>
+                            <p:childTnLst>
+                              <p:par>
+                                <p:cTn id="25" presetID="1" presetClass="entr" presetSubtype="0" fill="hold" grpId="0" nodeType="clickEffect">
+                                  <p:stCondLst>
+                                    <p:cond delay="0"/>
+                                  </p:stCondLst>
+                                  <p:childTnLst>
+                                    <p:set>
+                                      <p:cBhvr>
+                                        <p:cTn id="26" dur="1" fill="hold">
+                                          <p:stCondLst>
+                                            <p:cond delay="0"/>
+                                          </p:stCondLst>
+                                        </p:cTn>
+                                        <p:tgtEl>
+                                          <p:spTgt spid="3">
+                                            <p:txEl>
+                                              <p:pRg st="6" end="6"/>
+                                            </p:txEl>
+                                          </p:spTgt>
+                                        </p:tgtEl>
+                                        <p:attrNameLst>
+                                          <p:attrName>style.visibility</p:attrName>
+                                        </p:attrNameLst>
+                                      </p:cBhvr>
+                                      <p:to>
+                                        <p:strVal val="visible"/>
+                                      </p:to>
+                                    </p:set>
+                                  </p:childTnLst>
+                                </p:cTn>
+                              </p:par>
+                            </p:childTnLst>
+                          </p:cTn>
+                        </p:par>
+                      </p:childTnLst>
+                    </p:cTn>
+                  </p:par>
+                </p:childTnLst>
+              </p:cTn>
+              <p:prevCondLst>
+                <p:cond evt="onPrev" delay="0">
+                  <p:tgtEl>
+                    <p:sldTgt/>
+                  </p:tgtEl>
+                </p:cond>
+              </p:prevCondLst>
+              <p:nextCondLst>
+                <p:cond evt="onNext" delay="0">
+                  <p:tgtEl>
+                    <p:sldTgt/>
+                  </p:tgtEl>
+                </p:cond>
+              </p:nextCondLst>
+            </p:seq>
+          </p:childTnLst>
+        </p:cTn>
+      </p:par>
+    </p:tnLst>
+    <p:bldLst>
+      <p:bldP spid="3" grpId="0" build="p"/>
+    </p:bldLst>
   </p:timing>
 </p:sld>
 </file>

--- a/Lecture_02.pptx
+++ b/Lecture_02.pptx
@@ -8,21 +8,20 @@
     <p:sldId id="256" r:id="rId2"/>
     <p:sldId id="264" r:id="rId3"/>
     <p:sldId id="258" r:id="rId4"/>
-    <p:sldId id="259" r:id="rId5"/>
-    <p:sldId id="261" r:id="rId6"/>
-    <p:sldId id="262" r:id="rId7"/>
-    <p:sldId id="263" r:id="rId8"/>
-    <p:sldId id="265" r:id="rId9"/>
-    <p:sldId id="275" r:id="rId10"/>
-    <p:sldId id="270" r:id="rId11"/>
-    <p:sldId id="271" r:id="rId12"/>
-    <p:sldId id="272" r:id="rId13"/>
-    <p:sldId id="273" r:id="rId14"/>
-    <p:sldId id="267" r:id="rId15"/>
-    <p:sldId id="269" r:id="rId16"/>
-    <p:sldId id="276" r:id="rId17"/>
+    <p:sldId id="261" r:id="rId5"/>
+    <p:sldId id="262" r:id="rId6"/>
+    <p:sldId id="263" r:id="rId7"/>
+    <p:sldId id="265" r:id="rId8"/>
+    <p:sldId id="270" r:id="rId9"/>
+    <p:sldId id="271" r:id="rId10"/>
+    <p:sldId id="272" r:id="rId11"/>
+    <p:sldId id="273" r:id="rId12"/>
+    <p:sldId id="278" r:id="rId13"/>
+    <p:sldId id="267" r:id="rId14"/>
+    <p:sldId id="269" r:id="rId15"/>
+    <p:sldId id="276" r:id="rId16"/>
+    <p:sldId id="277" r:id="rId17"/>
     <p:sldId id="266" r:id="rId18"/>
-    <p:sldId id="274" r:id="rId19"/>
   </p:sldIdLst>
   <p:sldSz cx="12192000" cy="6858000"/>
   <p:notesSz cx="6858000" cy="9144000"/>
@@ -260,7 +259,7 @@
           <a:p>
             <a:fld id="{779633C7-D1F4-43F5-940B-88CC10F9BBD0}" type="datetimeFigureOut">
               <a:rPr lang="en-CA" smtClean="0"/>
-              <a:t>2019-09-05</a:t>
+              <a:t>2019-09-06</a:t>
             </a:fld>
             <a:endParaRPr lang="en-CA"/>
           </a:p>
@@ -430,7 +429,7 @@
           <a:p>
             <a:fld id="{779633C7-D1F4-43F5-940B-88CC10F9BBD0}" type="datetimeFigureOut">
               <a:rPr lang="en-CA" smtClean="0"/>
-              <a:t>2019-09-05</a:t>
+              <a:t>2019-09-06</a:t>
             </a:fld>
             <a:endParaRPr lang="en-CA"/>
           </a:p>
@@ -610,7 +609,7 @@
           <a:p>
             <a:fld id="{779633C7-D1F4-43F5-940B-88CC10F9BBD0}" type="datetimeFigureOut">
               <a:rPr lang="en-CA" smtClean="0"/>
-              <a:t>2019-09-05</a:t>
+              <a:t>2019-09-06</a:t>
             </a:fld>
             <a:endParaRPr lang="en-CA"/>
           </a:p>
@@ -780,7 +779,7 @@
           <a:p>
             <a:fld id="{779633C7-D1F4-43F5-940B-88CC10F9BBD0}" type="datetimeFigureOut">
               <a:rPr lang="en-CA" smtClean="0"/>
-              <a:t>2019-09-05</a:t>
+              <a:t>2019-09-06</a:t>
             </a:fld>
             <a:endParaRPr lang="en-CA"/>
           </a:p>
@@ -1026,7 +1025,7 @@
           <a:p>
             <a:fld id="{779633C7-D1F4-43F5-940B-88CC10F9BBD0}" type="datetimeFigureOut">
               <a:rPr lang="en-CA" smtClean="0"/>
-              <a:t>2019-09-05</a:t>
+              <a:t>2019-09-06</a:t>
             </a:fld>
             <a:endParaRPr lang="en-CA"/>
           </a:p>
@@ -1258,7 +1257,7 @@
           <a:p>
             <a:fld id="{779633C7-D1F4-43F5-940B-88CC10F9BBD0}" type="datetimeFigureOut">
               <a:rPr lang="en-CA" smtClean="0"/>
-              <a:t>2019-09-05</a:t>
+              <a:t>2019-09-06</a:t>
             </a:fld>
             <a:endParaRPr lang="en-CA"/>
           </a:p>
@@ -1625,7 +1624,7 @@
           <a:p>
             <a:fld id="{779633C7-D1F4-43F5-940B-88CC10F9BBD0}" type="datetimeFigureOut">
               <a:rPr lang="en-CA" smtClean="0"/>
-              <a:t>2019-09-05</a:t>
+              <a:t>2019-09-06</a:t>
             </a:fld>
             <a:endParaRPr lang="en-CA"/>
           </a:p>
@@ -1743,7 +1742,7 @@
           <a:p>
             <a:fld id="{779633C7-D1F4-43F5-940B-88CC10F9BBD0}" type="datetimeFigureOut">
               <a:rPr lang="en-CA" smtClean="0"/>
-              <a:t>2019-09-05</a:t>
+              <a:t>2019-09-06</a:t>
             </a:fld>
             <a:endParaRPr lang="en-CA"/>
           </a:p>
@@ -1838,7 +1837,7 @@
           <a:p>
             <a:fld id="{779633C7-D1F4-43F5-940B-88CC10F9BBD0}" type="datetimeFigureOut">
               <a:rPr lang="en-CA" smtClean="0"/>
-              <a:t>2019-09-05</a:t>
+              <a:t>2019-09-06</a:t>
             </a:fld>
             <a:endParaRPr lang="en-CA"/>
           </a:p>
@@ -2115,7 +2114,7 @@
           <a:p>
             <a:fld id="{779633C7-D1F4-43F5-940B-88CC10F9BBD0}" type="datetimeFigureOut">
               <a:rPr lang="en-CA" smtClean="0"/>
-              <a:t>2019-09-05</a:t>
+              <a:t>2019-09-06</a:t>
             </a:fld>
             <a:endParaRPr lang="en-CA"/>
           </a:p>
@@ -2368,7 +2367,7 @@
           <a:p>
             <a:fld id="{779633C7-D1F4-43F5-940B-88CC10F9BBD0}" type="datetimeFigureOut">
               <a:rPr lang="en-CA" smtClean="0"/>
-              <a:t>2019-09-05</a:t>
+              <a:t>2019-09-06</a:t>
             </a:fld>
             <a:endParaRPr lang="en-CA"/>
           </a:p>
@@ -2581,7 +2580,7 @@
           <a:p>
             <a:fld id="{779633C7-D1F4-43F5-940B-88CC10F9BBD0}" type="datetimeFigureOut">
               <a:rPr lang="en-CA" smtClean="0"/>
-              <a:t>2019-09-05</a:t>
+              <a:t>2019-09-06</a:t>
             </a:fld>
             <a:endParaRPr lang="en-CA"/>
           </a:p>
@@ -3107,1339 +3106,6 @@
           <a:p>
             <a:r>
               <a:rPr lang="en-CA" dirty="0" smtClean="0"/>
-              <a:t>Nominal attributes</a:t>
-            </a:r>
-            <a:endParaRPr lang="en-CA" dirty="0"/>
-          </a:p>
-        </p:txBody>
-      </p:sp>
-      <p:sp>
-        <p:nvSpPr>
-          <p:cNvPr id="3" name="Content Placeholder 2"/>
-          <p:cNvSpPr>
-            <a:spLocks noGrp="1"/>
-          </p:cNvSpPr>
-          <p:nvPr>
-            <p:ph idx="1"/>
-          </p:nvPr>
-        </p:nvSpPr>
-        <p:spPr/>
-        <p:txBody>
-          <a:bodyPr/>
-          <a:lstStyle/>
-          <a:p>
-            <a:r>
-              <a:rPr lang="en-CA" dirty="0"/>
-              <a:t>Prespecified, finite set of </a:t>
-            </a:r>
-            <a:r>
-              <a:rPr lang="en-CA" dirty="0" smtClean="0"/>
-              <a:t>possibilities</a:t>
-            </a:r>
-          </a:p>
-          <a:p>
-            <a:pPr lvl="1"/>
-            <a:r>
-              <a:rPr lang="en-CA" dirty="0" smtClean="0"/>
-              <a:t>sometimes </a:t>
-            </a:r>
-            <a:r>
-              <a:rPr lang="en-CA" dirty="0"/>
-              <a:t>called categorical, enumerated, or discrete</a:t>
-            </a:r>
-          </a:p>
-          <a:p>
-            <a:r>
-              <a:rPr lang="en-CA" dirty="0" smtClean="0"/>
-              <a:t>Distinct </a:t>
-            </a:r>
-            <a:r>
-              <a:rPr lang="en-CA" dirty="0"/>
-              <a:t>symbols, values serve as labels/names (sunny, overcast, rainy)</a:t>
-            </a:r>
-          </a:p>
-          <a:p>
-            <a:endParaRPr lang="en-CA" dirty="0"/>
-          </a:p>
-        </p:txBody>
-      </p:sp>
-      <p:pic>
-        <p:nvPicPr>
-          <p:cNvPr id="4" name="Picture 3"/>
-          <p:cNvPicPr>
-            <a:picLocks noChangeAspect="1"/>
-          </p:cNvPicPr>
-          <p:nvPr/>
-        </p:nvPicPr>
-        <p:blipFill>
-          <a:blip r:embed="rId2"/>
-          <a:stretch>
-            <a:fillRect/>
-          </a:stretch>
-        </p:blipFill>
-        <p:spPr>
-          <a:xfrm>
-            <a:off x="1271586" y="3609229"/>
-            <a:ext cx="2452330" cy="2567734"/>
-          </a:xfrm>
-          <a:prstGeom prst="rect">
-            <a:avLst/>
-          </a:prstGeom>
-        </p:spPr>
-      </p:pic>
-      <p:pic>
-        <p:nvPicPr>
-          <p:cNvPr id="5" name="Picture 4"/>
-          <p:cNvPicPr>
-            <a:picLocks noChangeAspect="1"/>
-          </p:cNvPicPr>
-          <p:nvPr/>
-        </p:nvPicPr>
-        <p:blipFill>
-          <a:blip r:embed="rId3"/>
-          <a:stretch>
-            <a:fillRect/>
-          </a:stretch>
-        </p:blipFill>
-        <p:spPr>
-          <a:xfrm>
-            <a:off x="4434320" y="3609229"/>
-            <a:ext cx="2596585" cy="2481181"/>
-          </a:xfrm>
-          <a:prstGeom prst="rect">
-            <a:avLst/>
-          </a:prstGeom>
-        </p:spPr>
-      </p:pic>
-      <p:pic>
-        <p:nvPicPr>
-          <p:cNvPr id="6" name="Picture 5"/>
-          <p:cNvPicPr>
-            <a:picLocks noChangeAspect="1"/>
-          </p:cNvPicPr>
-          <p:nvPr/>
-        </p:nvPicPr>
-        <p:blipFill>
-          <a:blip r:embed="rId4"/>
-          <a:stretch>
-            <a:fillRect/>
-          </a:stretch>
-        </p:blipFill>
-        <p:spPr>
-          <a:xfrm>
-            <a:off x="7741309" y="3609229"/>
-            <a:ext cx="2625436" cy="2567734"/>
-          </a:xfrm>
-          <a:prstGeom prst="rect">
-            <a:avLst/>
-          </a:prstGeom>
-        </p:spPr>
-      </p:pic>
-      <p:sp>
-        <p:nvSpPr>
-          <p:cNvPr id="7" name="TextBox 6"/>
-          <p:cNvSpPr txBox="1"/>
-          <p:nvPr/>
-        </p:nvSpPr>
-        <p:spPr>
-          <a:xfrm>
-            <a:off x="1217684" y="6154492"/>
-            <a:ext cx="2560134" cy="369332"/>
-          </a:xfrm>
-          <a:prstGeom prst="rect">
-            <a:avLst/>
-          </a:prstGeom>
-          <a:noFill/>
-        </p:spPr>
-        <p:txBody>
-          <a:bodyPr wrap="square" rtlCol="0">
-            <a:spAutoFit/>
-          </a:bodyPr>
-          <a:lstStyle/>
-          <a:p>
-            <a:r>
-              <a:rPr lang="en-CA" dirty="0" smtClean="0"/>
-              <a:t>Sunny</a:t>
-            </a:r>
-            <a:endParaRPr lang="en-CA" dirty="0"/>
-          </a:p>
-        </p:txBody>
-      </p:sp>
-      <p:sp>
-        <p:nvSpPr>
-          <p:cNvPr id="8" name="TextBox 7"/>
-          <p:cNvSpPr txBox="1"/>
-          <p:nvPr/>
-        </p:nvSpPr>
-        <p:spPr>
-          <a:xfrm>
-            <a:off x="4434320" y="6127234"/>
-            <a:ext cx="2560134" cy="369332"/>
-          </a:xfrm>
-          <a:prstGeom prst="rect">
-            <a:avLst/>
-          </a:prstGeom>
-          <a:noFill/>
-        </p:spPr>
-        <p:txBody>
-          <a:bodyPr wrap="square" rtlCol="0">
-            <a:spAutoFit/>
-          </a:bodyPr>
-          <a:lstStyle/>
-          <a:p>
-            <a:r>
-              <a:rPr lang="en-CA" dirty="0" smtClean="0"/>
-              <a:t>Overcast</a:t>
-            </a:r>
-            <a:endParaRPr lang="en-CA" dirty="0"/>
-          </a:p>
-        </p:txBody>
-      </p:sp>
-      <p:sp>
-        <p:nvSpPr>
-          <p:cNvPr id="9" name="TextBox 8"/>
-          <p:cNvSpPr txBox="1"/>
-          <p:nvPr/>
-        </p:nvSpPr>
-        <p:spPr>
-          <a:xfrm>
-            <a:off x="7868801" y="6176963"/>
-            <a:ext cx="2560134" cy="369332"/>
-          </a:xfrm>
-          <a:prstGeom prst="rect">
-            <a:avLst/>
-          </a:prstGeom>
-          <a:noFill/>
-        </p:spPr>
-        <p:txBody>
-          <a:bodyPr wrap="square" rtlCol="0">
-            <a:spAutoFit/>
-          </a:bodyPr>
-          <a:lstStyle/>
-          <a:p>
-            <a:r>
-              <a:rPr lang="en-CA" dirty="0" smtClean="0"/>
-              <a:t>Rainy</a:t>
-            </a:r>
-            <a:endParaRPr lang="en-CA" dirty="0"/>
-          </a:p>
-        </p:txBody>
-      </p:sp>
-    </p:spTree>
-    <p:extLst>
-      <p:ext uri="{BB962C8B-B14F-4D97-AF65-F5344CB8AC3E}">
-        <p14:creationId xmlns:p14="http://schemas.microsoft.com/office/powerpoint/2010/main" val="1769212812"/>
-      </p:ext>
-    </p:extLst>
-  </p:cSld>
-  <p:clrMapOvr>
-    <a:masterClrMapping/>
-  </p:clrMapOvr>
-  <p:timing>
-    <p:tnLst>
-      <p:par>
-        <p:cTn id="1" dur="indefinite" restart="never" nodeType="tmRoot">
-          <p:childTnLst>
-            <p:seq concurrent="1" nextAc="seek">
-              <p:cTn id="2" dur="indefinite" nodeType="mainSeq">
-                <p:childTnLst>
-                  <p:par>
-                    <p:cTn id="3" fill="hold">
-                      <p:stCondLst>
-                        <p:cond delay="indefinite"/>
-                      </p:stCondLst>
-                      <p:childTnLst>
-                        <p:par>
-                          <p:cTn id="4" fill="hold">
-                            <p:stCondLst>
-                              <p:cond delay="0"/>
-                            </p:stCondLst>
-                            <p:childTnLst>
-                              <p:par>
-                                <p:cTn id="5" presetID="1" presetClass="entr" presetSubtype="0" fill="hold" grpId="0" nodeType="clickEffect">
-                                  <p:stCondLst>
-                                    <p:cond delay="0"/>
-                                  </p:stCondLst>
-                                  <p:childTnLst>
-                                    <p:set>
-                                      <p:cBhvr>
-                                        <p:cTn id="6" dur="1" fill="hold">
-                                          <p:stCondLst>
-                                            <p:cond delay="0"/>
-                                          </p:stCondLst>
-                                        </p:cTn>
-                                        <p:tgtEl>
-                                          <p:spTgt spid="3">
-                                            <p:txEl>
-                                              <p:pRg st="0" end="0"/>
-                                            </p:txEl>
-                                          </p:spTgt>
-                                        </p:tgtEl>
-                                        <p:attrNameLst>
-                                          <p:attrName>style.visibility</p:attrName>
-                                        </p:attrNameLst>
-                                      </p:cBhvr>
-                                      <p:to>
-                                        <p:strVal val="visible"/>
-                                      </p:to>
-                                    </p:set>
-                                  </p:childTnLst>
-                                </p:cTn>
-                              </p:par>
-                              <p:par>
-                                <p:cTn id="7" presetID="1" presetClass="entr" presetSubtype="0" fill="hold" grpId="0" nodeType="withEffect">
-                                  <p:stCondLst>
-                                    <p:cond delay="0"/>
-                                  </p:stCondLst>
-                                  <p:childTnLst>
-                                    <p:set>
-                                      <p:cBhvr>
-                                        <p:cTn id="8" dur="1" fill="hold">
-                                          <p:stCondLst>
-                                            <p:cond delay="0"/>
-                                          </p:stCondLst>
-                                        </p:cTn>
-                                        <p:tgtEl>
-                                          <p:spTgt spid="3">
-                                            <p:txEl>
-                                              <p:pRg st="1" end="1"/>
-                                            </p:txEl>
-                                          </p:spTgt>
-                                        </p:tgtEl>
-                                        <p:attrNameLst>
-                                          <p:attrName>style.visibility</p:attrName>
-                                        </p:attrNameLst>
-                                      </p:cBhvr>
-                                      <p:to>
-                                        <p:strVal val="visible"/>
-                                      </p:to>
-                                    </p:set>
-                                  </p:childTnLst>
-                                </p:cTn>
-                              </p:par>
-                            </p:childTnLst>
-                          </p:cTn>
-                        </p:par>
-                      </p:childTnLst>
-                    </p:cTn>
-                  </p:par>
-                  <p:par>
-                    <p:cTn id="9" fill="hold">
-                      <p:stCondLst>
-                        <p:cond delay="indefinite"/>
-                      </p:stCondLst>
-                      <p:childTnLst>
-                        <p:par>
-                          <p:cTn id="10" fill="hold">
-                            <p:stCondLst>
-                              <p:cond delay="0"/>
-                            </p:stCondLst>
-                            <p:childTnLst>
-                              <p:par>
-                                <p:cTn id="11" presetID="1" presetClass="entr" presetSubtype="0" fill="hold" grpId="0" nodeType="clickEffect">
-                                  <p:stCondLst>
-                                    <p:cond delay="0"/>
-                                  </p:stCondLst>
-                                  <p:childTnLst>
-                                    <p:set>
-                                      <p:cBhvr>
-                                        <p:cTn id="12" dur="1" fill="hold">
-                                          <p:stCondLst>
-                                            <p:cond delay="0"/>
-                                          </p:stCondLst>
-                                        </p:cTn>
-                                        <p:tgtEl>
-                                          <p:spTgt spid="3">
-                                            <p:txEl>
-                                              <p:pRg st="2" end="2"/>
-                                            </p:txEl>
-                                          </p:spTgt>
-                                        </p:tgtEl>
-                                        <p:attrNameLst>
-                                          <p:attrName>style.visibility</p:attrName>
-                                        </p:attrNameLst>
-                                      </p:cBhvr>
-                                      <p:to>
-                                        <p:strVal val="visible"/>
-                                      </p:to>
-                                    </p:set>
-                                  </p:childTnLst>
-                                </p:cTn>
-                              </p:par>
-                            </p:childTnLst>
-                          </p:cTn>
-                        </p:par>
-                      </p:childTnLst>
-                    </p:cTn>
-                  </p:par>
-                  <p:par>
-                    <p:cTn id="13" fill="hold">
-                      <p:stCondLst>
-                        <p:cond delay="indefinite"/>
-                      </p:stCondLst>
-                      <p:childTnLst>
-                        <p:par>
-                          <p:cTn id="14" fill="hold">
-                            <p:stCondLst>
-                              <p:cond delay="0"/>
-                            </p:stCondLst>
-                            <p:childTnLst>
-                              <p:par>
-                                <p:cTn id="15" presetID="1" presetClass="entr" presetSubtype="0" fill="hold" nodeType="clickEffect">
-                                  <p:stCondLst>
-                                    <p:cond delay="0"/>
-                                  </p:stCondLst>
-                                  <p:childTnLst>
-                                    <p:set>
-                                      <p:cBhvr>
-                                        <p:cTn id="16" dur="1" fill="hold">
-                                          <p:stCondLst>
-                                            <p:cond delay="0"/>
-                                          </p:stCondLst>
-                                        </p:cTn>
-                                        <p:tgtEl>
-                                          <p:spTgt spid="4"/>
-                                        </p:tgtEl>
-                                        <p:attrNameLst>
-                                          <p:attrName>style.visibility</p:attrName>
-                                        </p:attrNameLst>
-                                      </p:cBhvr>
-                                      <p:to>
-                                        <p:strVal val="visible"/>
-                                      </p:to>
-                                    </p:set>
-                                  </p:childTnLst>
-                                </p:cTn>
-                              </p:par>
-                              <p:par>
-                                <p:cTn id="17" presetID="1" presetClass="entr" presetSubtype="0" fill="hold" nodeType="withEffect">
-                                  <p:stCondLst>
-                                    <p:cond delay="0"/>
-                                  </p:stCondLst>
-                                  <p:childTnLst>
-                                    <p:set>
-                                      <p:cBhvr>
-                                        <p:cTn id="18" dur="1" fill="hold">
-                                          <p:stCondLst>
-                                            <p:cond delay="0"/>
-                                          </p:stCondLst>
-                                        </p:cTn>
-                                        <p:tgtEl>
-                                          <p:spTgt spid="5"/>
-                                        </p:tgtEl>
-                                        <p:attrNameLst>
-                                          <p:attrName>style.visibility</p:attrName>
-                                        </p:attrNameLst>
-                                      </p:cBhvr>
-                                      <p:to>
-                                        <p:strVal val="visible"/>
-                                      </p:to>
-                                    </p:set>
-                                  </p:childTnLst>
-                                </p:cTn>
-                              </p:par>
-                              <p:par>
-                                <p:cTn id="19" presetID="1" presetClass="entr" presetSubtype="0" fill="hold" nodeType="withEffect">
-                                  <p:stCondLst>
-                                    <p:cond delay="0"/>
-                                  </p:stCondLst>
-                                  <p:childTnLst>
-                                    <p:set>
-                                      <p:cBhvr>
-                                        <p:cTn id="20" dur="1" fill="hold">
-                                          <p:stCondLst>
-                                            <p:cond delay="0"/>
-                                          </p:stCondLst>
-                                        </p:cTn>
-                                        <p:tgtEl>
-                                          <p:spTgt spid="6"/>
-                                        </p:tgtEl>
-                                        <p:attrNameLst>
-                                          <p:attrName>style.visibility</p:attrName>
-                                        </p:attrNameLst>
-                                      </p:cBhvr>
-                                      <p:to>
-                                        <p:strVal val="visible"/>
-                                      </p:to>
-                                    </p:set>
-                                  </p:childTnLst>
-                                </p:cTn>
-                              </p:par>
-                              <p:par>
-                                <p:cTn id="21" presetID="1" presetClass="entr" presetSubtype="0" fill="hold" grpId="0" nodeType="withEffect">
-                                  <p:stCondLst>
-                                    <p:cond delay="0"/>
-                                  </p:stCondLst>
-                                  <p:childTnLst>
-                                    <p:set>
-                                      <p:cBhvr>
-                                        <p:cTn id="22" dur="1" fill="hold">
-                                          <p:stCondLst>
-                                            <p:cond delay="0"/>
-                                          </p:stCondLst>
-                                        </p:cTn>
-                                        <p:tgtEl>
-                                          <p:spTgt spid="9"/>
-                                        </p:tgtEl>
-                                        <p:attrNameLst>
-                                          <p:attrName>style.visibility</p:attrName>
-                                        </p:attrNameLst>
-                                      </p:cBhvr>
-                                      <p:to>
-                                        <p:strVal val="visible"/>
-                                      </p:to>
-                                    </p:set>
-                                  </p:childTnLst>
-                                </p:cTn>
-                              </p:par>
-                              <p:par>
-                                <p:cTn id="23" presetID="1" presetClass="entr" presetSubtype="0" fill="hold" grpId="0" nodeType="withEffect">
-                                  <p:stCondLst>
-                                    <p:cond delay="0"/>
-                                  </p:stCondLst>
-                                  <p:childTnLst>
-                                    <p:set>
-                                      <p:cBhvr>
-                                        <p:cTn id="24" dur="1" fill="hold">
-                                          <p:stCondLst>
-                                            <p:cond delay="0"/>
-                                          </p:stCondLst>
-                                        </p:cTn>
-                                        <p:tgtEl>
-                                          <p:spTgt spid="8"/>
-                                        </p:tgtEl>
-                                        <p:attrNameLst>
-                                          <p:attrName>style.visibility</p:attrName>
-                                        </p:attrNameLst>
-                                      </p:cBhvr>
-                                      <p:to>
-                                        <p:strVal val="visible"/>
-                                      </p:to>
-                                    </p:set>
-                                  </p:childTnLst>
-                                </p:cTn>
-                              </p:par>
-                              <p:par>
-                                <p:cTn id="25" presetID="1" presetClass="entr" presetSubtype="0" fill="hold" grpId="0" nodeType="withEffect">
-                                  <p:stCondLst>
-                                    <p:cond delay="0"/>
-                                  </p:stCondLst>
-                                  <p:childTnLst>
-                                    <p:set>
-                                      <p:cBhvr>
-                                        <p:cTn id="26" dur="1" fill="hold">
-                                          <p:stCondLst>
-                                            <p:cond delay="0"/>
-                                          </p:stCondLst>
-                                        </p:cTn>
-                                        <p:tgtEl>
-                                          <p:spTgt spid="7"/>
-                                        </p:tgtEl>
-                                        <p:attrNameLst>
-                                          <p:attrName>style.visibility</p:attrName>
-                                        </p:attrNameLst>
-                                      </p:cBhvr>
-                                      <p:to>
-                                        <p:strVal val="visible"/>
-                                      </p:to>
-                                    </p:set>
-                                  </p:childTnLst>
-                                </p:cTn>
-                              </p:par>
-                            </p:childTnLst>
-                          </p:cTn>
-                        </p:par>
-                      </p:childTnLst>
-                    </p:cTn>
-                  </p:par>
-                </p:childTnLst>
-              </p:cTn>
-              <p:prevCondLst>
-                <p:cond evt="onPrev" delay="0">
-                  <p:tgtEl>
-                    <p:sldTgt/>
-                  </p:tgtEl>
-                </p:cond>
-              </p:prevCondLst>
-              <p:nextCondLst>
-                <p:cond evt="onNext" delay="0">
-                  <p:tgtEl>
-                    <p:sldTgt/>
-                  </p:tgtEl>
-                </p:cond>
-              </p:nextCondLst>
-            </p:seq>
-          </p:childTnLst>
-        </p:cTn>
-      </p:par>
-    </p:tnLst>
-    <p:bldLst>
-      <p:bldP spid="3" grpId="0" build="p"/>
-      <p:bldP spid="7" grpId="0"/>
-      <p:bldP spid="8" grpId="0"/>
-      <p:bldP spid="9" grpId="0"/>
-    </p:bldLst>
-  </p:timing>
-</p:sld>
-</file>
-
-<file path=ppt/slides/slide11.xml><?xml version="1.0" encoding="utf-8"?>
-<p:sld xmlns:a="http://schemas.openxmlformats.org/drawingml/2006/main" xmlns:r="http://schemas.openxmlformats.org/officeDocument/2006/relationships" xmlns:p="http://schemas.openxmlformats.org/presentationml/2006/main">
-  <p:cSld>
-    <p:spTree>
-      <p:nvGrpSpPr>
-        <p:cNvPr id="1" name=""/>
-        <p:cNvGrpSpPr/>
-        <p:nvPr/>
-      </p:nvGrpSpPr>
-      <p:grpSpPr>
-        <a:xfrm>
-          <a:off x="0" y="0"/>
-          <a:ext cx="0" cy="0"/>
-          <a:chOff x="0" y="0"/>
-          <a:chExt cx="0" cy="0"/>
-        </a:xfrm>
-      </p:grpSpPr>
-      <p:sp>
-        <p:nvSpPr>
-          <p:cNvPr id="2" name="Title 1"/>
-          <p:cNvSpPr>
-            <a:spLocks noGrp="1"/>
-          </p:cNvSpPr>
-          <p:nvPr>
-            <p:ph type="title"/>
-          </p:nvPr>
-        </p:nvSpPr>
-        <p:spPr/>
-        <p:txBody>
-          <a:bodyPr/>
-          <a:lstStyle/>
-          <a:p>
-            <a:r>
-              <a:rPr lang="en-CA" dirty="0" smtClean="0"/>
-              <a:t>Ordinal attributes</a:t>
-            </a:r>
-            <a:endParaRPr lang="en-CA" dirty="0"/>
-          </a:p>
-        </p:txBody>
-      </p:sp>
-      <p:sp>
-        <p:nvSpPr>
-          <p:cNvPr id="3" name="Content Placeholder 2"/>
-          <p:cNvSpPr>
-            <a:spLocks noGrp="1"/>
-          </p:cNvSpPr>
-          <p:nvPr>
-            <p:ph idx="1"/>
-          </p:nvPr>
-        </p:nvSpPr>
-        <p:spPr>
-          <a:xfrm>
-            <a:off x="838199" y="1825625"/>
-            <a:ext cx="10628169" cy="4351338"/>
-          </a:xfrm>
-        </p:spPr>
-        <p:txBody>
-          <a:bodyPr/>
-          <a:lstStyle/>
-          <a:p>
-            <a:r>
-              <a:rPr lang="en-CA" dirty="0" smtClean="0"/>
-              <a:t>Can </a:t>
-            </a:r>
-            <a:r>
-              <a:rPr lang="en-CA" dirty="0"/>
-              <a:t>be ordered (ranked), but no notion of distance 	</a:t>
-            </a:r>
-            <a:endParaRPr lang="en-CA" dirty="0" smtClean="0"/>
-          </a:p>
-          <a:p>
-            <a:pPr lvl="1"/>
-            <a:r>
-              <a:rPr lang="en-CA" dirty="0" smtClean="0"/>
-              <a:t>toasted &lt; burned &lt; charred</a:t>
-            </a:r>
-            <a:endParaRPr lang="en-CA" dirty="0"/>
-          </a:p>
-          <a:p>
-            <a:r>
-              <a:rPr lang="en-CA" dirty="0"/>
-              <a:t>Cannot directly add/subtract the values, distinction from nominal to ordinal not always clear</a:t>
-            </a:r>
-          </a:p>
-          <a:p>
-            <a:endParaRPr lang="en-CA" dirty="0"/>
-          </a:p>
-        </p:txBody>
-      </p:sp>
-      <p:pic>
-        <p:nvPicPr>
-          <p:cNvPr id="4" name="Picture 3"/>
-          <p:cNvPicPr>
-            <a:picLocks noChangeAspect="1"/>
-          </p:cNvPicPr>
-          <p:nvPr/>
-        </p:nvPicPr>
-        <p:blipFill>
-          <a:blip r:embed="rId2"/>
-          <a:stretch>
-            <a:fillRect/>
-          </a:stretch>
-        </p:blipFill>
-        <p:spPr>
-          <a:xfrm>
-            <a:off x="8052956" y="3934619"/>
-            <a:ext cx="2305050" cy="2124075"/>
-          </a:xfrm>
-          <a:prstGeom prst="rect">
-            <a:avLst/>
-          </a:prstGeom>
-        </p:spPr>
-      </p:pic>
-      <p:pic>
-        <p:nvPicPr>
-          <p:cNvPr id="5" name="Picture 4"/>
-          <p:cNvPicPr>
-            <a:picLocks noChangeAspect="1"/>
-          </p:cNvPicPr>
-          <p:nvPr/>
-        </p:nvPicPr>
-        <p:blipFill>
-          <a:blip r:embed="rId3"/>
-          <a:stretch>
-            <a:fillRect/>
-          </a:stretch>
-        </p:blipFill>
-        <p:spPr>
-          <a:xfrm>
-            <a:off x="4924425" y="3845791"/>
-            <a:ext cx="2343150" cy="2286000"/>
-          </a:xfrm>
-          <a:prstGeom prst="rect">
-            <a:avLst/>
-          </a:prstGeom>
-        </p:spPr>
-      </p:pic>
-      <p:pic>
-        <p:nvPicPr>
-          <p:cNvPr id="7" name="Picture 6"/>
-          <p:cNvPicPr>
-            <a:picLocks noChangeAspect="1"/>
-          </p:cNvPicPr>
-          <p:nvPr/>
-        </p:nvPicPr>
-        <p:blipFill>
-          <a:blip r:embed="rId4"/>
-          <a:stretch>
-            <a:fillRect/>
-          </a:stretch>
-        </p:blipFill>
-        <p:spPr>
-          <a:xfrm>
-            <a:off x="1710169" y="3960091"/>
-            <a:ext cx="2428875" cy="2057400"/>
-          </a:xfrm>
-          <a:prstGeom prst="rect">
-            <a:avLst/>
-          </a:prstGeom>
-        </p:spPr>
-      </p:pic>
-      <p:sp>
-        <p:nvSpPr>
-          <p:cNvPr id="8" name="TextBox 7"/>
-          <p:cNvSpPr txBox="1"/>
-          <p:nvPr/>
-        </p:nvSpPr>
-        <p:spPr>
-          <a:xfrm>
-            <a:off x="1814945" y="6176963"/>
-            <a:ext cx="2324099" cy="369332"/>
-          </a:xfrm>
-          <a:prstGeom prst="rect">
-            <a:avLst/>
-          </a:prstGeom>
-          <a:noFill/>
-        </p:spPr>
-        <p:txBody>
-          <a:bodyPr wrap="square" rtlCol="0">
-            <a:spAutoFit/>
-          </a:bodyPr>
-          <a:lstStyle/>
-          <a:p>
-            <a:r>
-              <a:rPr lang="en-CA" dirty="0" smtClean="0"/>
-              <a:t>toasted</a:t>
-            </a:r>
-            <a:endParaRPr lang="en-CA" dirty="0"/>
-          </a:p>
-        </p:txBody>
-      </p:sp>
-      <p:sp>
-        <p:nvSpPr>
-          <p:cNvPr id="10" name="TextBox 9"/>
-          <p:cNvSpPr txBox="1"/>
-          <p:nvPr/>
-        </p:nvSpPr>
-        <p:spPr>
-          <a:xfrm>
-            <a:off x="4924425" y="6176963"/>
-            <a:ext cx="2324099" cy="369332"/>
-          </a:xfrm>
-          <a:prstGeom prst="rect">
-            <a:avLst/>
-          </a:prstGeom>
-          <a:noFill/>
-        </p:spPr>
-        <p:txBody>
-          <a:bodyPr wrap="square" rtlCol="0">
-            <a:spAutoFit/>
-          </a:bodyPr>
-          <a:lstStyle/>
-          <a:p>
-            <a:r>
-              <a:rPr lang="en-CA" dirty="0" smtClean="0"/>
-              <a:t>burned</a:t>
-            </a:r>
-            <a:endParaRPr lang="en-CA" dirty="0"/>
-          </a:p>
-        </p:txBody>
-      </p:sp>
-      <p:sp>
-        <p:nvSpPr>
-          <p:cNvPr id="11" name="TextBox 10"/>
-          <p:cNvSpPr txBox="1"/>
-          <p:nvPr/>
-        </p:nvSpPr>
-        <p:spPr>
-          <a:xfrm>
-            <a:off x="8195396" y="6127234"/>
-            <a:ext cx="2324099" cy="369332"/>
-          </a:xfrm>
-          <a:prstGeom prst="rect">
-            <a:avLst/>
-          </a:prstGeom>
-          <a:noFill/>
-        </p:spPr>
-        <p:txBody>
-          <a:bodyPr wrap="square" rtlCol="0">
-            <a:spAutoFit/>
-          </a:bodyPr>
-          <a:lstStyle/>
-          <a:p>
-            <a:r>
-              <a:rPr lang="en-CA" dirty="0" smtClean="0"/>
-              <a:t>charred</a:t>
-            </a:r>
-            <a:endParaRPr lang="en-CA" dirty="0"/>
-          </a:p>
-        </p:txBody>
-      </p:sp>
-      <p:sp>
-        <p:nvSpPr>
-          <p:cNvPr id="9" name="TextBox 8"/>
-          <p:cNvSpPr txBox="1"/>
-          <p:nvPr/>
-        </p:nvSpPr>
-        <p:spPr>
-          <a:xfrm>
-            <a:off x="4350327" y="4572000"/>
-            <a:ext cx="529312" cy="923330"/>
-          </a:xfrm>
-          <a:prstGeom prst="rect">
-            <a:avLst/>
-          </a:prstGeom>
-          <a:noFill/>
-        </p:spPr>
-        <p:txBody>
-          <a:bodyPr wrap="none" rtlCol="0">
-            <a:spAutoFit/>
-          </a:bodyPr>
-          <a:lstStyle/>
-          <a:p>
-            <a:r>
-              <a:rPr lang="en-CA" sz="5400" b="1" dirty="0"/>
-              <a:t>&lt;</a:t>
-            </a:r>
-          </a:p>
-        </p:txBody>
-      </p:sp>
-      <p:sp>
-        <p:nvSpPr>
-          <p:cNvPr id="13" name="TextBox 12"/>
-          <p:cNvSpPr txBox="1"/>
-          <p:nvPr/>
-        </p:nvSpPr>
-        <p:spPr>
-          <a:xfrm>
-            <a:off x="7431403" y="4572000"/>
-            <a:ext cx="529312" cy="923330"/>
-          </a:xfrm>
-          <a:prstGeom prst="rect">
-            <a:avLst/>
-          </a:prstGeom>
-          <a:noFill/>
-        </p:spPr>
-        <p:txBody>
-          <a:bodyPr wrap="none" rtlCol="0">
-            <a:spAutoFit/>
-          </a:bodyPr>
-          <a:lstStyle/>
-          <a:p>
-            <a:r>
-              <a:rPr lang="en-CA" sz="5400" b="1" dirty="0"/>
-              <a:t>&lt;</a:t>
-            </a:r>
-          </a:p>
-        </p:txBody>
-      </p:sp>
-    </p:spTree>
-    <p:extLst>
-      <p:ext uri="{BB962C8B-B14F-4D97-AF65-F5344CB8AC3E}">
-        <p14:creationId xmlns:p14="http://schemas.microsoft.com/office/powerpoint/2010/main" val="872810202"/>
-      </p:ext>
-    </p:extLst>
-  </p:cSld>
-  <p:clrMapOvr>
-    <a:masterClrMapping/>
-  </p:clrMapOvr>
-  <p:timing>
-    <p:tnLst>
-      <p:par>
-        <p:cTn id="1" dur="indefinite" restart="never" nodeType="tmRoot">
-          <p:childTnLst>
-            <p:seq concurrent="1" nextAc="seek">
-              <p:cTn id="2" dur="indefinite" nodeType="mainSeq">
-                <p:childTnLst>
-                  <p:par>
-                    <p:cTn id="3" fill="hold">
-                      <p:stCondLst>
-                        <p:cond delay="indefinite"/>
-                      </p:stCondLst>
-                      <p:childTnLst>
-                        <p:par>
-                          <p:cTn id="4" fill="hold">
-                            <p:stCondLst>
-                              <p:cond delay="0"/>
-                            </p:stCondLst>
-                            <p:childTnLst>
-                              <p:par>
-                                <p:cTn id="5" presetID="1" presetClass="entr" presetSubtype="0" fill="hold" grpId="0" nodeType="clickEffect">
-                                  <p:stCondLst>
-                                    <p:cond delay="0"/>
-                                  </p:stCondLst>
-                                  <p:childTnLst>
-                                    <p:set>
-                                      <p:cBhvr>
-                                        <p:cTn id="6" dur="1" fill="hold">
-                                          <p:stCondLst>
-                                            <p:cond delay="0"/>
-                                          </p:stCondLst>
-                                        </p:cTn>
-                                        <p:tgtEl>
-                                          <p:spTgt spid="3">
-                                            <p:txEl>
-                                              <p:pRg st="0" end="0"/>
-                                            </p:txEl>
-                                          </p:spTgt>
-                                        </p:tgtEl>
-                                        <p:attrNameLst>
-                                          <p:attrName>style.visibility</p:attrName>
-                                        </p:attrNameLst>
-                                      </p:cBhvr>
-                                      <p:to>
-                                        <p:strVal val="visible"/>
-                                      </p:to>
-                                    </p:set>
-                                  </p:childTnLst>
-                                </p:cTn>
-                              </p:par>
-                              <p:par>
-                                <p:cTn id="7" presetID="1" presetClass="entr" presetSubtype="0" fill="hold" grpId="0" nodeType="withEffect">
-                                  <p:stCondLst>
-                                    <p:cond delay="0"/>
-                                  </p:stCondLst>
-                                  <p:childTnLst>
-                                    <p:set>
-                                      <p:cBhvr>
-                                        <p:cTn id="8" dur="1" fill="hold">
-                                          <p:stCondLst>
-                                            <p:cond delay="0"/>
-                                          </p:stCondLst>
-                                        </p:cTn>
-                                        <p:tgtEl>
-                                          <p:spTgt spid="3">
-                                            <p:txEl>
-                                              <p:pRg st="1" end="1"/>
-                                            </p:txEl>
-                                          </p:spTgt>
-                                        </p:tgtEl>
-                                        <p:attrNameLst>
-                                          <p:attrName>style.visibility</p:attrName>
-                                        </p:attrNameLst>
-                                      </p:cBhvr>
-                                      <p:to>
-                                        <p:strVal val="visible"/>
-                                      </p:to>
-                                    </p:set>
-                                  </p:childTnLst>
-                                </p:cTn>
-                              </p:par>
-                            </p:childTnLst>
-                          </p:cTn>
-                        </p:par>
-                      </p:childTnLst>
-                    </p:cTn>
-                  </p:par>
-                  <p:par>
-                    <p:cTn id="9" fill="hold">
-                      <p:stCondLst>
-                        <p:cond delay="indefinite"/>
-                      </p:stCondLst>
-                      <p:childTnLst>
-                        <p:par>
-                          <p:cTn id="10" fill="hold">
-                            <p:stCondLst>
-                              <p:cond delay="0"/>
-                            </p:stCondLst>
-                            <p:childTnLst>
-                              <p:par>
-                                <p:cTn id="11" presetID="1" presetClass="entr" presetSubtype="0" fill="hold" grpId="0" nodeType="clickEffect">
-                                  <p:stCondLst>
-                                    <p:cond delay="0"/>
-                                  </p:stCondLst>
-                                  <p:childTnLst>
-                                    <p:set>
-                                      <p:cBhvr>
-                                        <p:cTn id="12" dur="1" fill="hold">
-                                          <p:stCondLst>
-                                            <p:cond delay="0"/>
-                                          </p:stCondLst>
-                                        </p:cTn>
-                                        <p:tgtEl>
-                                          <p:spTgt spid="3">
-                                            <p:txEl>
-                                              <p:pRg st="2" end="2"/>
-                                            </p:txEl>
-                                          </p:spTgt>
-                                        </p:tgtEl>
-                                        <p:attrNameLst>
-                                          <p:attrName>style.visibility</p:attrName>
-                                        </p:attrNameLst>
-                                      </p:cBhvr>
-                                      <p:to>
-                                        <p:strVal val="visible"/>
-                                      </p:to>
-                                    </p:set>
-                                  </p:childTnLst>
-                                </p:cTn>
-                              </p:par>
-                            </p:childTnLst>
-                          </p:cTn>
-                        </p:par>
-                      </p:childTnLst>
-                    </p:cTn>
-                  </p:par>
-                  <p:par>
-                    <p:cTn id="13" fill="hold">
-                      <p:stCondLst>
-                        <p:cond delay="indefinite"/>
-                      </p:stCondLst>
-                      <p:childTnLst>
-                        <p:par>
-                          <p:cTn id="14" fill="hold">
-                            <p:stCondLst>
-                              <p:cond delay="0"/>
-                            </p:stCondLst>
-                            <p:childTnLst>
-                              <p:par>
-                                <p:cTn id="15" presetID="1" presetClass="entr" presetSubtype="0" fill="hold" nodeType="clickEffect">
-                                  <p:stCondLst>
-                                    <p:cond delay="0"/>
-                                  </p:stCondLst>
-                                  <p:childTnLst>
-                                    <p:set>
-                                      <p:cBhvr>
-                                        <p:cTn id="16" dur="1" fill="hold">
-                                          <p:stCondLst>
-                                            <p:cond delay="0"/>
-                                          </p:stCondLst>
-                                        </p:cTn>
-                                        <p:tgtEl>
-                                          <p:spTgt spid="7"/>
-                                        </p:tgtEl>
-                                        <p:attrNameLst>
-                                          <p:attrName>style.visibility</p:attrName>
-                                        </p:attrNameLst>
-                                      </p:cBhvr>
-                                      <p:to>
-                                        <p:strVal val="visible"/>
-                                      </p:to>
-                                    </p:set>
-                                  </p:childTnLst>
-                                </p:cTn>
-                              </p:par>
-                              <p:par>
-                                <p:cTn id="17" presetID="1" presetClass="entr" presetSubtype="0" fill="hold" grpId="0" nodeType="withEffect">
-                                  <p:stCondLst>
-                                    <p:cond delay="0"/>
-                                  </p:stCondLst>
-                                  <p:childTnLst>
-                                    <p:set>
-                                      <p:cBhvr>
-                                        <p:cTn id="18" dur="1" fill="hold">
-                                          <p:stCondLst>
-                                            <p:cond delay="0"/>
-                                          </p:stCondLst>
-                                        </p:cTn>
-                                        <p:tgtEl>
-                                          <p:spTgt spid="8"/>
-                                        </p:tgtEl>
-                                        <p:attrNameLst>
-                                          <p:attrName>style.visibility</p:attrName>
-                                        </p:attrNameLst>
-                                      </p:cBhvr>
-                                      <p:to>
-                                        <p:strVal val="visible"/>
-                                      </p:to>
-                                    </p:set>
-                                  </p:childTnLst>
-                                </p:cTn>
-                              </p:par>
-                              <p:par>
-                                <p:cTn id="19" presetID="1" presetClass="entr" presetSubtype="0" fill="hold" grpId="0" nodeType="withEffect">
-                                  <p:stCondLst>
-                                    <p:cond delay="0"/>
-                                  </p:stCondLst>
-                                  <p:childTnLst>
-                                    <p:set>
-                                      <p:cBhvr>
-                                        <p:cTn id="20" dur="1" fill="hold">
-                                          <p:stCondLst>
-                                            <p:cond delay="0"/>
-                                          </p:stCondLst>
-                                        </p:cTn>
-                                        <p:tgtEl>
-                                          <p:spTgt spid="10"/>
-                                        </p:tgtEl>
-                                        <p:attrNameLst>
-                                          <p:attrName>style.visibility</p:attrName>
-                                        </p:attrNameLst>
-                                      </p:cBhvr>
-                                      <p:to>
-                                        <p:strVal val="visible"/>
-                                      </p:to>
-                                    </p:set>
-                                  </p:childTnLst>
-                                </p:cTn>
-                              </p:par>
-                              <p:par>
-                                <p:cTn id="21" presetID="1" presetClass="entr" presetSubtype="0" fill="hold" nodeType="withEffect">
-                                  <p:stCondLst>
-                                    <p:cond delay="0"/>
-                                  </p:stCondLst>
-                                  <p:childTnLst>
-                                    <p:set>
-                                      <p:cBhvr>
-                                        <p:cTn id="22" dur="1" fill="hold">
-                                          <p:stCondLst>
-                                            <p:cond delay="0"/>
-                                          </p:stCondLst>
-                                        </p:cTn>
-                                        <p:tgtEl>
-                                          <p:spTgt spid="5"/>
-                                        </p:tgtEl>
-                                        <p:attrNameLst>
-                                          <p:attrName>style.visibility</p:attrName>
-                                        </p:attrNameLst>
-                                      </p:cBhvr>
-                                      <p:to>
-                                        <p:strVal val="visible"/>
-                                      </p:to>
-                                    </p:set>
-                                  </p:childTnLst>
-                                </p:cTn>
-                              </p:par>
-                              <p:par>
-                                <p:cTn id="23" presetID="1" presetClass="entr" presetSubtype="0" fill="hold" nodeType="withEffect">
-                                  <p:stCondLst>
-                                    <p:cond delay="0"/>
-                                  </p:stCondLst>
-                                  <p:childTnLst>
-                                    <p:set>
-                                      <p:cBhvr>
-                                        <p:cTn id="24" dur="1" fill="hold">
-                                          <p:stCondLst>
-                                            <p:cond delay="0"/>
-                                          </p:stCondLst>
-                                        </p:cTn>
-                                        <p:tgtEl>
-                                          <p:spTgt spid="4"/>
-                                        </p:tgtEl>
-                                        <p:attrNameLst>
-                                          <p:attrName>style.visibility</p:attrName>
-                                        </p:attrNameLst>
-                                      </p:cBhvr>
-                                      <p:to>
-                                        <p:strVal val="visible"/>
-                                      </p:to>
-                                    </p:set>
-                                  </p:childTnLst>
-                                </p:cTn>
-                              </p:par>
-                              <p:par>
-                                <p:cTn id="25" presetID="1" presetClass="entr" presetSubtype="0" fill="hold" grpId="0" nodeType="withEffect">
-                                  <p:stCondLst>
-                                    <p:cond delay="0"/>
-                                  </p:stCondLst>
-                                  <p:childTnLst>
-                                    <p:set>
-                                      <p:cBhvr>
-                                        <p:cTn id="26" dur="1" fill="hold">
-                                          <p:stCondLst>
-                                            <p:cond delay="0"/>
-                                          </p:stCondLst>
-                                        </p:cTn>
-                                        <p:tgtEl>
-                                          <p:spTgt spid="11"/>
-                                        </p:tgtEl>
-                                        <p:attrNameLst>
-                                          <p:attrName>style.visibility</p:attrName>
-                                        </p:attrNameLst>
-                                      </p:cBhvr>
-                                      <p:to>
-                                        <p:strVal val="visible"/>
-                                      </p:to>
-                                    </p:set>
-                                  </p:childTnLst>
-                                </p:cTn>
-                              </p:par>
-                              <p:par>
-                                <p:cTn id="27" presetID="1" presetClass="entr" presetSubtype="0" fill="hold" grpId="0" nodeType="withEffect">
-                                  <p:stCondLst>
-                                    <p:cond delay="0"/>
-                                  </p:stCondLst>
-                                  <p:childTnLst>
-                                    <p:set>
-                                      <p:cBhvr>
-                                        <p:cTn id="28" dur="1" fill="hold">
-                                          <p:stCondLst>
-                                            <p:cond delay="0"/>
-                                          </p:stCondLst>
-                                        </p:cTn>
-                                        <p:tgtEl>
-                                          <p:spTgt spid="13"/>
-                                        </p:tgtEl>
-                                        <p:attrNameLst>
-                                          <p:attrName>style.visibility</p:attrName>
-                                        </p:attrNameLst>
-                                      </p:cBhvr>
-                                      <p:to>
-                                        <p:strVal val="visible"/>
-                                      </p:to>
-                                    </p:set>
-                                  </p:childTnLst>
-                                </p:cTn>
-                              </p:par>
-                              <p:par>
-                                <p:cTn id="29" presetID="1" presetClass="entr" presetSubtype="0" fill="hold" grpId="0" nodeType="withEffect">
-                                  <p:stCondLst>
-                                    <p:cond delay="0"/>
-                                  </p:stCondLst>
-                                  <p:childTnLst>
-                                    <p:set>
-                                      <p:cBhvr>
-                                        <p:cTn id="30" dur="1" fill="hold">
-                                          <p:stCondLst>
-                                            <p:cond delay="0"/>
-                                          </p:stCondLst>
-                                        </p:cTn>
-                                        <p:tgtEl>
-                                          <p:spTgt spid="9"/>
-                                        </p:tgtEl>
-                                        <p:attrNameLst>
-                                          <p:attrName>style.visibility</p:attrName>
-                                        </p:attrNameLst>
-                                      </p:cBhvr>
-                                      <p:to>
-                                        <p:strVal val="visible"/>
-                                      </p:to>
-                                    </p:set>
-                                  </p:childTnLst>
-                                </p:cTn>
-                              </p:par>
-                            </p:childTnLst>
-                          </p:cTn>
-                        </p:par>
-                      </p:childTnLst>
-                    </p:cTn>
-                  </p:par>
-                </p:childTnLst>
-              </p:cTn>
-              <p:prevCondLst>
-                <p:cond evt="onPrev" delay="0">
-                  <p:tgtEl>
-                    <p:sldTgt/>
-                  </p:tgtEl>
-                </p:cond>
-              </p:prevCondLst>
-              <p:nextCondLst>
-                <p:cond evt="onNext" delay="0">
-                  <p:tgtEl>
-                    <p:sldTgt/>
-                  </p:tgtEl>
-                </p:cond>
-              </p:nextCondLst>
-            </p:seq>
-          </p:childTnLst>
-        </p:cTn>
-      </p:par>
-    </p:tnLst>
-    <p:bldLst>
-      <p:bldP spid="3" grpId="0" build="p"/>
-      <p:bldP spid="8" grpId="0"/>
-      <p:bldP spid="10" grpId="0"/>
-      <p:bldP spid="11" grpId="0"/>
-      <p:bldP spid="9" grpId="0"/>
-      <p:bldP spid="13" grpId="0"/>
-    </p:bldLst>
-  </p:timing>
-</p:sld>
-</file>
-
-<file path=ppt/slides/slide12.xml><?xml version="1.0" encoding="utf-8"?>
-<p:sld xmlns:a="http://schemas.openxmlformats.org/drawingml/2006/main" xmlns:r="http://schemas.openxmlformats.org/officeDocument/2006/relationships" xmlns:p="http://schemas.openxmlformats.org/presentationml/2006/main">
-  <p:cSld>
-    <p:spTree>
-      <p:nvGrpSpPr>
-        <p:cNvPr id="1" name=""/>
-        <p:cNvGrpSpPr/>
-        <p:nvPr/>
-      </p:nvGrpSpPr>
-      <p:grpSpPr>
-        <a:xfrm>
-          <a:off x="0" y="0"/>
-          <a:ext cx="0" cy="0"/>
-          <a:chOff x="0" y="0"/>
-          <a:chExt cx="0" cy="0"/>
-        </a:xfrm>
-      </p:grpSpPr>
-      <p:sp>
-        <p:nvSpPr>
-          <p:cNvPr id="2" name="Title 1"/>
-          <p:cNvSpPr>
-            <a:spLocks noGrp="1"/>
-          </p:cNvSpPr>
-          <p:nvPr>
-            <p:ph type="title"/>
-          </p:nvPr>
-        </p:nvSpPr>
-        <p:spPr/>
-        <p:txBody>
-          <a:bodyPr/>
-          <a:lstStyle/>
-          <a:p>
-            <a:r>
-              <a:rPr lang="en-CA" dirty="0" smtClean="0"/>
               <a:t>Interval quantity attributes</a:t>
             </a:r>
             <a:endParaRPr lang="en-CA" dirty="0"/>
@@ -4750,51 +3416,6 @@
                       </p:childTnLst>
                     </p:cTn>
                   </p:par>
-                  <p:par>
-                    <p:cTn id="19" fill="hold">
-                      <p:stCondLst>
-                        <p:cond delay="indefinite"/>
-                      </p:stCondLst>
-                      <p:childTnLst>
-                        <p:par>
-                          <p:cTn id="20" fill="hold">
-                            <p:stCondLst>
-                              <p:cond delay="0"/>
-                            </p:stCondLst>
-                            <p:childTnLst>
-                              <p:par>
-                                <p:cTn id="21" presetID="1" presetClass="entr" presetSubtype="0" fill="hold" nodeType="clickEffect">
-                                  <p:stCondLst>
-                                    <p:cond delay="0"/>
-                                  </p:stCondLst>
-                                  <p:childTnLst>
-                                    <p:set>
-                                      <p:cBhvr>
-                                        <p:cTn id="22" dur="1" fill="hold">
-                                          <p:stCondLst>
-                                            <p:cond delay="0"/>
-                                          </p:stCondLst>
-                                        </p:cTn>
-                                        <p:tgtEl>
-                                          <p:spTgt spid="4"/>
-                                        </p:tgtEl>
-                                        <p:attrNameLst>
-                                          <p:attrName>style.visibility</p:attrName>
-                                        </p:attrNameLst>
-                                      </p:cBhvr>
-                                      <p:to>
-                                        <p:strVal val="visible"/>
-                                      </p:to>
-                                    </p:set>
-                                  </p:childTnLst>
-                                </p:cTn>
-                              </p:par>
-                            </p:childTnLst>
-                          </p:cTn>
-                        </p:par>
-                      </p:childTnLst>
-                    </p:cTn>
-                  </p:par>
                 </p:childTnLst>
               </p:cTn>
               <p:prevCondLst>
@@ -4823,7 +3444,7 @@
 </p:sld>
 </file>
 
-<file path=ppt/slides/slide13.xml><?xml version="1.0" encoding="utf-8"?>
+<file path=ppt/slides/slide11.xml><?xml version="1.0" encoding="utf-8"?>
 <p:sld xmlns:a="http://schemas.openxmlformats.org/drawingml/2006/main" xmlns:r="http://schemas.openxmlformats.org/officeDocument/2006/relationships" xmlns:p="http://schemas.openxmlformats.org/presentationml/2006/main">
   <p:cSld>
     <p:spTree>
@@ -4900,9 +3521,14 @@
           </a:p>
           <a:p>
             <a:r>
-              <a:rPr lang="en-CA" dirty="0" smtClean="0"/>
-              <a:t>We will work only with nominal and ratio, in practice, the distinction between ordinal and ratio is irrelevant</a:t>
-            </a:r>
+              <a:rPr lang="en-CA" b="1" dirty="0" smtClean="0"/>
+              <a:t>We will work only with nominal and ratio, in practice, the distinction between ordinal and ratio is </a:t>
+            </a:r>
+            <a:r>
+              <a:rPr lang="en-CA" b="1" dirty="0" smtClean="0"/>
+              <a:t>irrelevant (normalization)</a:t>
+            </a:r>
+            <a:endParaRPr lang="en-CA" b="1" dirty="0" smtClean="0"/>
           </a:p>
           <a:p>
             <a:endParaRPr lang="en-CA" dirty="0" smtClean="0"/>
@@ -4944,8 +3570,8 @@
         </p:blipFill>
         <p:spPr bwMode="auto">
           <a:xfrm>
-            <a:off x="7481454" y="3717637"/>
-            <a:ext cx="4710545" cy="3140363"/>
+            <a:off x="3983181" y="4114800"/>
+            <a:ext cx="3844637" cy="2563091"/>
           </a:xfrm>
           <a:prstGeom prst="rect">
             <a:avLst/>
@@ -5200,7 +3826,7 @@
 </p:sld>
 </file>
 
-<file path=ppt/slides/slide14.xml><?xml version="1.0" encoding="utf-8"?>
+<file path=ppt/slides/slide12.xml><?xml version="1.0" encoding="utf-8"?>
 <p:sld xmlns:a="http://schemas.openxmlformats.org/drawingml/2006/main" xmlns:r="http://schemas.openxmlformats.org/officeDocument/2006/relationships" xmlns:p="http://schemas.openxmlformats.org/presentationml/2006/main">
   <p:cSld>
     <p:spTree>
@@ -5234,6 +3860,497 @@
           <a:p>
             <a:r>
               <a:rPr lang="en-CA" dirty="0" smtClean="0"/>
+              <a:t>Handwritten digit dataset example</a:t>
+            </a:r>
+            <a:endParaRPr lang="en-CA" dirty="0"/>
+          </a:p>
+        </p:txBody>
+      </p:sp>
+      <p:sp>
+        <p:nvSpPr>
+          <p:cNvPr id="3" name="Content Placeholder 2"/>
+          <p:cNvSpPr>
+            <a:spLocks noGrp="1"/>
+          </p:cNvSpPr>
+          <p:nvPr>
+            <p:ph idx="1"/>
+          </p:nvPr>
+        </p:nvSpPr>
+        <p:spPr>
+          <a:xfrm>
+            <a:off x="838199" y="1825625"/>
+            <a:ext cx="4565073" cy="4351338"/>
+          </a:xfrm>
+        </p:spPr>
+        <p:txBody>
+          <a:bodyPr/>
+          <a:lstStyle/>
+          <a:p>
+            <a:r>
+              <a:rPr lang="en-CA" dirty="0" smtClean="0"/>
+              <a:t>160 instances (on this slide)</a:t>
+            </a:r>
+          </a:p>
+          <a:p>
+            <a:pPr lvl="1"/>
+            <a:r>
+              <a:rPr lang="en-CA" dirty="0" smtClean="0"/>
+              <a:t>10 classes, 16 instances per class</a:t>
+            </a:r>
+          </a:p>
+          <a:p>
+            <a:pPr lvl="1"/>
+            <a:r>
+              <a:rPr lang="en-CA" dirty="0" smtClean="0"/>
+              <a:t>Real dataset has 70,000 instances (MNIST dataset)</a:t>
+            </a:r>
+          </a:p>
+          <a:p>
+            <a:r>
+              <a:rPr lang="en-CA" dirty="0" smtClean="0"/>
+              <a:t> </a:t>
+            </a:r>
+            <a:r>
+              <a:rPr lang="en-CA" dirty="0"/>
+              <a:t>E</a:t>
+            </a:r>
+            <a:r>
+              <a:rPr lang="en-CA" dirty="0" smtClean="0"/>
+              <a:t>ach image is 28x28 pixels</a:t>
+            </a:r>
+          </a:p>
+          <a:p>
+            <a:r>
+              <a:rPr lang="en-CA" dirty="0" smtClean="0"/>
+              <a:t>How many attributes?</a:t>
+            </a:r>
+          </a:p>
+          <a:p>
+            <a:r>
+              <a:rPr lang="en-CA" dirty="0" smtClean="0"/>
+              <a:t>784 (28*28)</a:t>
+            </a:r>
+          </a:p>
+          <a:p>
+            <a:r>
+              <a:rPr lang="en-CA" dirty="0" smtClean="0"/>
+              <a:t>Each pixel is an attribute</a:t>
+            </a:r>
+            <a:endParaRPr lang="en-CA" dirty="0"/>
+          </a:p>
+        </p:txBody>
+      </p:sp>
+      <p:pic>
+        <p:nvPicPr>
+          <p:cNvPr id="4" name="Picture 3"/>
+          <p:cNvPicPr>
+            <a:picLocks noChangeAspect="1"/>
+          </p:cNvPicPr>
+          <p:nvPr/>
+        </p:nvPicPr>
+        <p:blipFill>
+          <a:blip r:embed="rId2"/>
+          <a:stretch>
+            <a:fillRect/>
+          </a:stretch>
+        </p:blipFill>
+        <p:spPr>
+          <a:xfrm>
+            <a:off x="5403273" y="1825625"/>
+            <a:ext cx="6680161" cy="3934257"/>
+          </a:xfrm>
+          <a:prstGeom prst="rect">
+            <a:avLst/>
+          </a:prstGeom>
+        </p:spPr>
+      </p:pic>
+    </p:spTree>
+    <p:extLst>
+      <p:ext uri="{BB962C8B-B14F-4D97-AF65-F5344CB8AC3E}">
+        <p14:creationId xmlns:p14="http://schemas.microsoft.com/office/powerpoint/2010/main" val="2776265773"/>
+      </p:ext>
+    </p:extLst>
+  </p:cSld>
+  <p:clrMapOvr>
+    <a:masterClrMapping/>
+  </p:clrMapOvr>
+  <p:timing>
+    <p:tnLst>
+      <p:par>
+        <p:cTn id="1" dur="indefinite" restart="never" nodeType="tmRoot">
+          <p:childTnLst>
+            <p:seq concurrent="1" nextAc="seek">
+              <p:cTn id="2" dur="indefinite" nodeType="mainSeq">
+                <p:childTnLst>
+                  <p:par>
+                    <p:cTn id="3" fill="hold">
+                      <p:stCondLst>
+                        <p:cond delay="indefinite"/>
+                      </p:stCondLst>
+                      <p:childTnLst>
+                        <p:par>
+                          <p:cTn id="4" fill="hold">
+                            <p:stCondLst>
+                              <p:cond delay="0"/>
+                            </p:stCondLst>
+                            <p:childTnLst>
+                              <p:par>
+                                <p:cTn id="5" presetID="1" presetClass="entr" presetSubtype="0" fill="hold" grpId="0" nodeType="clickEffect">
+                                  <p:stCondLst>
+                                    <p:cond delay="0"/>
+                                  </p:stCondLst>
+                                  <p:childTnLst>
+                                    <p:set>
+                                      <p:cBhvr>
+                                        <p:cTn id="6" dur="1" fill="hold">
+                                          <p:stCondLst>
+                                            <p:cond delay="0"/>
+                                          </p:stCondLst>
+                                        </p:cTn>
+                                        <p:tgtEl>
+                                          <p:spTgt spid="3">
+                                            <p:txEl>
+                                              <p:pRg st="0" end="0"/>
+                                            </p:txEl>
+                                          </p:spTgt>
+                                        </p:tgtEl>
+                                        <p:attrNameLst>
+                                          <p:attrName>style.visibility</p:attrName>
+                                        </p:attrNameLst>
+                                      </p:cBhvr>
+                                      <p:to>
+                                        <p:strVal val="visible"/>
+                                      </p:to>
+                                    </p:set>
+                                  </p:childTnLst>
+                                </p:cTn>
+                              </p:par>
+                              <p:par>
+                                <p:cTn id="7" presetID="1" presetClass="entr" presetSubtype="0" fill="hold" grpId="0" nodeType="withEffect">
+                                  <p:stCondLst>
+                                    <p:cond delay="0"/>
+                                  </p:stCondLst>
+                                  <p:childTnLst>
+                                    <p:set>
+                                      <p:cBhvr>
+                                        <p:cTn id="8" dur="1" fill="hold">
+                                          <p:stCondLst>
+                                            <p:cond delay="0"/>
+                                          </p:stCondLst>
+                                        </p:cTn>
+                                        <p:tgtEl>
+                                          <p:spTgt spid="3">
+                                            <p:txEl>
+                                              <p:pRg st="1" end="1"/>
+                                            </p:txEl>
+                                          </p:spTgt>
+                                        </p:tgtEl>
+                                        <p:attrNameLst>
+                                          <p:attrName>style.visibility</p:attrName>
+                                        </p:attrNameLst>
+                                      </p:cBhvr>
+                                      <p:to>
+                                        <p:strVal val="visible"/>
+                                      </p:to>
+                                    </p:set>
+                                  </p:childTnLst>
+                                </p:cTn>
+                              </p:par>
+                              <p:par>
+                                <p:cTn id="9" presetID="1" presetClass="entr" presetSubtype="0" fill="hold" grpId="0" nodeType="withEffect">
+                                  <p:stCondLst>
+                                    <p:cond delay="0"/>
+                                  </p:stCondLst>
+                                  <p:childTnLst>
+                                    <p:set>
+                                      <p:cBhvr>
+                                        <p:cTn id="10" dur="1" fill="hold">
+                                          <p:stCondLst>
+                                            <p:cond delay="0"/>
+                                          </p:stCondLst>
+                                        </p:cTn>
+                                        <p:tgtEl>
+                                          <p:spTgt spid="3">
+                                            <p:txEl>
+                                              <p:pRg st="2" end="2"/>
+                                            </p:txEl>
+                                          </p:spTgt>
+                                        </p:tgtEl>
+                                        <p:attrNameLst>
+                                          <p:attrName>style.visibility</p:attrName>
+                                        </p:attrNameLst>
+                                      </p:cBhvr>
+                                      <p:to>
+                                        <p:strVal val="visible"/>
+                                      </p:to>
+                                    </p:set>
+                                  </p:childTnLst>
+                                </p:cTn>
+                              </p:par>
+                            </p:childTnLst>
+                          </p:cTn>
+                        </p:par>
+                      </p:childTnLst>
+                    </p:cTn>
+                  </p:par>
+                  <p:par>
+                    <p:cTn id="11" fill="hold">
+                      <p:stCondLst>
+                        <p:cond delay="indefinite"/>
+                      </p:stCondLst>
+                      <p:childTnLst>
+                        <p:par>
+                          <p:cTn id="12" fill="hold">
+                            <p:stCondLst>
+                              <p:cond delay="0"/>
+                            </p:stCondLst>
+                            <p:childTnLst>
+                              <p:par>
+                                <p:cTn id="13" presetID="1" presetClass="entr" presetSubtype="0" fill="hold" grpId="0" nodeType="clickEffect">
+                                  <p:stCondLst>
+                                    <p:cond delay="0"/>
+                                  </p:stCondLst>
+                                  <p:childTnLst>
+                                    <p:set>
+                                      <p:cBhvr>
+                                        <p:cTn id="14" dur="1" fill="hold">
+                                          <p:stCondLst>
+                                            <p:cond delay="0"/>
+                                          </p:stCondLst>
+                                        </p:cTn>
+                                        <p:tgtEl>
+                                          <p:spTgt spid="3">
+                                            <p:txEl>
+                                              <p:pRg st="3" end="3"/>
+                                            </p:txEl>
+                                          </p:spTgt>
+                                        </p:tgtEl>
+                                        <p:attrNameLst>
+                                          <p:attrName>style.visibility</p:attrName>
+                                        </p:attrNameLst>
+                                      </p:cBhvr>
+                                      <p:to>
+                                        <p:strVal val="visible"/>
+                                      </p:to>
+                                    </p:set>
+                                  </p:childTnLst>
+                                </p:cTn>
+                              </p:par>
+                            </p:childTnLst>
+                          </p:cTn>
+                        </p:par>
+                      </p:childTnLst>
+                    </p:cTn>
+                  </p:par>
+                  <p:par>
+                    <p:cTn id="15" fill="hold">
+                      <p:stCondLst>
+                        <p:cond delay="indefinite"/>
+                      </p:stCondLst>
+                      <p:childTnLst>
+                        <p:par>
+                          <p:cTn id="16" fill="hold">
+                            <p:stCondLst>
+                              <p:cond delay="0"/>
+                            </p:stCondLst>
+                            <p:childTnLst>
+                              <p:par>
+                                <p:cTn id="17" presetID="1" presetClass="entr" presetSubtype="0" fill="hold" grpId="0" nodeType="clickEffect">
+                                  <p:stCondLst>
+                                    <p:cond delay="0"/>
+                                  </p:stCondLst>
+                                  <p:childTnLst>
+                                    <p:set>
+                                      <p:cBhvr>
+                                        <p:cTn id="18" dur="1" fill="hold">
+                                          <p:stCondLst>
+                                            <p:cond delay="0"/>
+                                          </p:stCondLst>
+                                        </p:cTn>
+                                        <p:tgtEl>
+                                          <p:spTgt spid="3">
+                                            <p:txEl>
+                                              <p:pRg st="4" end="4"/>
+                                            </p:txEl>
+                                          </p:spTgt>
+                                        </p:tgtEl>
+                                        <p:attrNameLst>
+                                          <p:attrName>style.visibility</p:attrName>
+                                        </p:attrNameLst>
+                                      </p:cBhvr>
+                                      <p:to>
+                                        <p:strVal val="visible"/>
+                                      </p:to>
+                                    </p:set>
+                                  </p:childTnLst>
+                                </p:cTn>
+                              </p:par>
+                            </p:childTnLst>
+                          </p:cTn>
+                        </p:par>
+                      </p:childTnLst>
+                    </p:cTn>
+                  </p:par>
+                  <p:par>
+                    <p:cTn id="19" fill="hold">
+                      <p:stCondLst>
+                        <p:cond delay="indefinite"/>
+                      </p:stCondLst>
+                      <p:childTnLst>
+                        <p:par>
+                          <p:cTn id="20" fill="hold">
+                            <p:stCondLst>
+                              <p:cond delay="0"/>
+                            </p:stCondLst>
+                            <p:childTnLst>
+                              <p:par>
+                                <p:cTn id="21" presetID="1" presetClass="entr" presetSubtype="0" fill="hold" grpId="0" nodeType="clickEffect">
+                                  <p:stCondLst>
+                                    <p:cond delay="0"/>
+                                  </p:stCondLst>
+                                  <p:childTnLst>
+                                    <p:set>
+                                      <p:cBhvr>
+                                        <p:cTn id="22" dur="1" fill="hold">
+                                          <p:stCondLst>
+                                            <p:cond delay="0"/>
+                                          </p:stCondLst>
+                                        </p:cTn>
+                                        <p:tgtEl>
+                                          <p:spTgt spid="3">
+                                            <p:txEl>
+                                              <p:pRg st="5" end="5"/>
+                                            </p:txEl>
+                                          </p:spTgt>
+                                        </p:tgtEl>
+                                        <p:attrNameLst>
+                                          <p:attrName>style.visibility</p:attrName>
+                                        </p:attrNameLst>
+                                      </p:cBhvr>
+                                      <p:to>
+                                        <p:strVal val="visible"/>
+                                      </p:to>
+                                    </p:set>
+                                  </p:childTnLst>
+                                </p:cTn>
+                              </p:par>
+                            </p:childTnLst>
+                          </p:cTn>
+                        </p:par>
+                      </p:childTnLst>
+                    </p:cTn>
+                  </p:par>
+                  <p:par>
+                    <p:cTn id="23" fill="hold">
+                      <p:stCondLst>
+                        <p:cond delay="indefinite"/>
+                      </p:stCondLst>
+                      <p:childTnLst>
+                        <p:par>
+                          <p:cTn id="24" fill="hold">
+                            <p:stCondLst>
+                              <p:cond delay="0"/>
+                            </p:stCondLst>
+                            <p:childTnLst>
+                              <p:par>
+                                <p:cTn id="25" presetID="1" presetClass="entr" presetSubtype="0" fill="hold" grpId="0" nodeType="clickEffect">
+                                  <p:stCondLst>
+                                    <p:cond delay="0"/>
+                                  </p:stCondLst>
+                                  <p:childTnLst>
+                                    <p:set>
+                                      <p:cBhvr>
+                                        <p:cTn id="26" dur="1" fill="hold">
+                                          <p:stCondLst>
+                                            <p:cond delay="0"/>
+                                          </p:stCondLst>
+                                        </p:cTn>
+                                        <p:tgtEl>
+                                          <p:spTgt spid="3">
+                                            <p:txEl>
+                                              <p:pRg st="6" end="6"/>
+                                            </p:txEl>
+                                          </p:spTgt>
+                                        </p:tgtEl>
+                                        <p:attrNameLst>
+                                          <p:attrName>style.visibility</p:attrName>
+                                        </p:attrNameLst>
+                                      </p:cBhvr>
+                                      <p:to>
+                                        <p:strVal val="visible"/>
+                                      </p:to>
+                                    </p:set>
+                                  </p:childTnLst>
+                                </p:cTn>
+                              </p:par>
+                            </p:childTnLst>
+                          </p:cTn>
+                        </p:par>
+                      </p:childTnLst>
+                    </p:cTn>
+                  </p:par>
+                </p:childTnLst>
+              </p:cTn>
+              <p:prevCondLst>
+                <p:cond evt="onPrev" delay="0">
+                  <p:tgtEl>
+                    <p:sldTgt/>
+                  </p:tgtEl>
+                </p:cond>
+              </p:prevCondLst>
+              <p:nextCondLst>
+                <p:cond evt="onNext" delay="0">
+                  <p:tgtEl>
+                    <p:sldTgt/>
+                  </p:tgtEl>
+                </p:cond>
+              </p:nextCondLst>
+            </p:seq>
+          </p:childTnLst>
+        </p:cTn>
+      </p:par>
+    </p:tnLst>
+    <p:bldLst>
+      <p:bldP spid="3" grpId="0" build="p"/>
+    </p:bldLst>
+  </p:timing>
+</p:sld>
+</file>
+
+<file path=ppt/slides/slide13.xml><?xml version="1.0" encoding="utf-8"?>
+<p:sld xmlns:a="http://schemas.openxmlformats.org/drawingml/2006/main" xmlns:r="http://schemas.openxmlformats.org/officeDocument/2006/relationships" xmlns:p="http://schemas.openxmlformats.org/presentationml/2006/main">
+  <p:cSld>
+    <p:spTree>
+      <p:nvGrpSpPr>
+        <p:cNvPr id="1" name=""/>
+        <p:cNvGrpSpPr/>
+        <p:nvPr/>
+      </p:nvGrpSpPr>
+      <p:grpSpPr>
+        <a:xfrm>
+          <a:off x="0" y="0"/>
+          <a:ext cx="0" cy="0"/>
+          <a:chOff x="0" y="0"/>
+          <a:chExt cx="0" cy="0"/>
+        </a:xfrm>
+      </p:grpSpPr>
+      <p:sp>
+        <p:nvSpPr>
+          <p:cNvPr id="2" name="Title 1"/>
+          <p:cNvSpPr>
+            <a:spLocks noGrp="1"/>
+          </p:cNvSpPr>
+          <p:nvPr>
+            <p:ph type="title"/>
+          </p:nvPr>
+        </p:nvSpPr>
+        <p:spPr/>
+        <p:txBody>
+          <a:bodyPr/>
+          <a:lstStyle/>
+          <a:p>
+            <a:r>
+              <a:rPr lang="en-CA" dirty="0" smtClean="0"/>
               <a:t>Preparing the input </a:t>
             </a:r>
             <a:endParaRPr lang="en-CA" dirty="0"/>
@@ -5290,15 +4407,17 @@
             </a:r>
           </a:p>
           <a:p>
+            <a:r>
+              <a:rPr lang="en-CA" dirty="0" smtClean="0"/>
+              <a:t>Dealing with sparse data</a:t>
+            </a:r>
+          </a:p>
+          <a:p>
             <a:pPr lvl="1"/>
             <a:r>
               <a:rPr lang="en-CA" dirty="0" smtClean="0"/>
-              <a:t>Text mining</a:t>
-            </a:r>
-            <a:endParaRPr lang="en-CA" dirty="0"/>
-          </a:p>
-          <a:p>
-            <a:endParaRPr lang="en-CA" dirty="0" smtClean="0"/>
+              <a:t>Use indices </a:t>
+            </a:r>
           </a:p>
           <a:p>
             <a:endParaRPr lang="en-CA" dirty="0"/>
@@ -5321,7 +4440,7 @@
         </p:blipFill>
         <p:spPr>
           <a:xfrm>
-            <a:off x="4648819" y="4314825"/>
+            <a:off x="4676529" y="4314825"/>
             <a:ext cx="3914775" cy="2543175"/>
           </a:xfrm>
           <a:prstGeom prst="rect">
@@ -5368,6 +4487,68 @@
               </a14:hiddenFill>
             </a:ext>
           </a:extLst>
+        </p:spPr>
+      </p:pic>
+      <p:pic>
+        <p:nvPicPr>
+          <p:cNvPr id="4" name="Picture 3"/>
+          <p:cNvPicPr>
+            <a:picLocks noChangeAspect="1"/>
+          </p:cNvPicPr>
+          <p:nvPr/>
+        </p:nvPicPr>
+        <p:blipFill>
+          <a:blip r:embed="rId4"/>
+          <a:stretch>
+            <a:fillRect/>
+          </a:stretch>
+        </p:blipFill>
+        <p:spPr>
+          <a:xfrm>
+            <a:off x="838200" y="5422037"/>
+            <a:ext cx="3448050" cy="609600"/>
+          </a:xfrm>
+          <a:prstGeom prst="rect">
+            <a:avLst/>
+          </a:prstGeom>
+          <a:effectLst>
+            <a:outerShdw blurRad="50800" dist="38100" dir="2700000" algn="tl" rotWithShape="0">
+              <a:prstClr val="black">
+                <a:alpha val="40000"/>
+              </a:prstClr>
+            </a:outerShdw>
+          </a:effectLst>
+        </p:spPr>
+      </p:pic>
+      <p:pic>
+        <p:nvPicPr>
+          <p:cNvPr id="6" name="Picture 5"/>
+          <p:cNvPicPr>
+            <a:picLocks noChangeAspect="1"/>
+          </p:cNvPicPr>
+          <p:nvPr/>
+        </p:nvPicPr>
+        <p:blipFill>
+          <a:blip r:embed="rId5"/>
+          <a:stretch>
+            <a:fillRect/>
+          </a:stretch>
+        </p:blipFill>
+        <p:spPr>
+          <a:xfrm>
+            <a:off x="1238127" y="6124074"/>
+            <a:ext cx="2162175" cy="666750"/>
+          </a:xfrm>
+          <a:prstGeom prst="rect">
+            <a:avLst/>
+          </a:prstGeom>
+          <a:effectLst>
+            <a:outerShdw blurRad="50800" dist="38100" dir="2700000" algn="tl" rotWithShape="0">
+              <a:prstClr val="black">
+                <a:alpha val="40000"/>
+              </a:prstClr>
+            </a:outerShdw>
+          </a:effectLst>
         </p:spPr>
       </p:pic>
     </p:spTree>
@@ -5663,15 +4844,33 @@
                                   </p:childTnLst>
                                 </p:cTn>
                               </p:par>
+                            </p:childTnLst>
+                          </p:cTn>
+                        </p:par>
+                      </p:childTnLst>
+                    </p:cTn>
+                  </p:par>
+                  <p:par>
+                    <p:cTn id="25" fill="hold">
+                      <p:stCondLst>
+                        <p:cond delay="indefinite"/>
+                      </p:stCondLst>
+                      <p:childTnLst>
+                        <p:par>
+                          <p:cTn id="26" fill="hold">
+                            <p:stCondLst>
+                              <p:cond delay="0"/>
+                            </p:stCondLst>
+                            <p:childTnLst>
                               <p:par>
-                                <p:cTn id="25" presetID="1" presetClass="entr" presetSubtype="0" fill="hold" nodeType="withEffect">
+                                <p:cTn id="27" presetID="1" presetClass="entr" presetSubtype="0" fill="hold" nodeType="clickEffect">
                                   <p:stCondLst>
                                     <p:cond delay="0"/>
                                   </p:stCondLst>
                                   <p:childTnLst>
                                     <p:set>
                                       <p:cBhvr>
-                                        <p:cTn id="26" dur="1" fill="hold">
+                                        <p:cTn id="28" dur="1" fill="hold">
                                           <p:stCondLst>
                                             <p:cond delay="0"/>
                                           </p:stCondLst>
@@ -5682,6 +4881,127 @@
                                               <p:pRg st="5" end="5"/>
                                             </p:txEl>
                                           </p:spTgt>
+                                        </p:tgtEl>
+                                        <p:attrNameLst>
+                                          <p:attrName>style.visibility</p:attrName>
+                                        </p:attrNameLst>
+                                      </p:cBhvr>
+                                      <p:to>
+                                        <p:strVal val="visible"/>
+                                      </p:to>
+                                    </p:set>
+                                  </p:childTnLst>
+                                </p:cTn>
+                              </p:par>
+                            </p:childTnLst>
+                          </p:cTn>
+                        </p:par>
+                      </p:childTnLst>
+                    </p:cTn>
+                  </p:par>
+                  <p:par>
+                    <p:cTn id="29" fill="hold">
+                      <p:stCondLst>
+                        <p:cond delay="indefinite"/>
+                      </p:stCondLst>
+                      <p:childTnLst>
+                        <p:par>
+                          <p:cTn id="30" fill="hold">
+                            <p:stCondLst>
+                              <p:cond delay="0"/>
+                            </p:stCondLst>
+                            <p:childTnLst>
+                              <p:par>
+                                <p:cTn id="31" presetID="1" presetClass="entr" presetSubtype="0" fill="hold" nodeType="clickEffect">
+                                  <p:stCondLst>
+                                    <p:cond delay="0"/>
+                                  </p:stCondLst>
+                                  <p:childTnLst>
+                                    <p:set>
+                                      <p:cBhvr>
+                                        <p:cTn id="32" dur="1" fill="hold">
+                                          <p:stCondLst>
+                                            <p:cond delay="0"/>
+                                          </p:stCondLst>
+                                        </p:cTn>
+                                        <p:tgtEl>
+                                          <p:spTgt spid="3">
+                                            <p:txEl>
+                                              <p:pRg st="6" end="6"/>
+                                            </p:txEl>
+                                          </p:spTgt>
+                                        </p:tgtEl>
+                                        <p:attrNameLst>
+                                          <p:attrName>style.visibility</p:attrName>
+                                        </p:attrNameLst>
+                                      </p:cBhvr>
+                                      <p:to>
+                                        <p:strVal val="visible"/>
+                                      </p:to>
+                                    </p:set>
+                                  </p:childTnLst>
+                                </p:cTn>
+                              </p:par>
+                            </p:childTnLst>
+                          </p:cTn>
+                        </p:par>
+                      </p:childTnLst>
+                    </p:cTn>
+                  </p:par>
+                  <p:par>
+                    <p:cTn id="33" fill="hold">
+                      <p:stCondLst>
+                        <p:cond delay="indefinite"/>
+                      </p:stCondLst>
+                      <p:childTnLst>
+                        <p:par>
+                          <p:cTn id="34" fill="hold">
+                            <p:stCondLst>
+                              <p:cond delay="0"/>
+                            </p:stCondLst>
+                            <p:childTnLst>
+                              <p:par>
+                                <p:cTn id="35" presetID="1" presetClass="entr" presetSubtype="0" fill="hold" nodeType="clickEffect">
+                                  <p:stCondLst>
+                                    <p:cond delay="0"/>
+                                  </p:stCondLst>
+                                  <p:childTnLst>
+                                    <p:set>
+                                      <p:cBhvr>
+                                        <p:cTn id="36" dur="1" fill="hold">
+                                          <p:stCondLst>
+                                            <p:cond delay="0"/>
+                                          </p:stCondLst>
+                                        </p:cTn>
+                                        <p:tgtEl>
+                                          <p:spTgt spid="4"/>
+                                        </p:tgtEl>
+                                        <p:attrNameLst>
+                                          <p:attrName>style.visibility</p:attrName>
+                                        </p:attrNameLst>
+                                      </p:cBhvr>
+                                      <p:to>
+                                        <p:strVal val="visible"/>
+                                      </p:to>
+                                    </p:set>
+                                  </p:childTnLst>
+                                </p:cTn>
+                              </p:par>
+                              <p:par>
+                                <p:cTn id="37" presetID="1" presetClass="entr" presetSubtype="0" fill="hold" nodeType="withEffect">
+                                  <p:stCondLst>
+                                    <p:cond delay="0"/>
+                                  </p:stCondLst>
+                                  <p:childTnLst>
+                                    <p:set>
+                                      <p:cBhvr>
+                                        <p:cTn id="38" dur="1" fill="hold">
+                                          <p:stCondLst>
+                                            <p:cond delay="0"/>
+                                          </p:stCondLst>
+                                        </p:cTn>
+                                        <p:tgtEl>
+                                          <p:spTgt spid="6"/>
                                         </p:tgtEl>
                                         <p:attrNameLst>
                                           <p:attrName>style.visibility</p:attrName>
@@ -5728,7 +5048,7 @@
 </p:sld>
 </file>
 
-<file path=ppt/slides/slide15.xml><?xml version="1.0" encoding="utf-8"?>
+<file path=ppt/slides/slide14.xml><?xml version="1.0" encoding="utf-8"?>
 <p:sld xmlns:a="http://schemas.openxmlformats.org/drawingml/2006/main" xmlns:r="http://schemas.openxmlformats.org/officeDocument/2006/relationships" xmlns:p="http://schemas.openxmlformats.org/presentationml/2006/main">
   <p:cSld>
     <p:spTree>
@@ -5762,7 +5082,7 @@
           <a:p>
             <a:r>
               <a:rPr lang="en-CA" dirty="0" smtClean="0"/>
-              <a:t>Preparing the input 2</a:t>
+              <a:t>Preparing the input</a:t>
             </a:r>
             <a:endParaRPr lang="en-CA" dirty="0"/>
           </a:p>
@@ -6458,7 +5778,7 @@
 </p:sld>
 </file>
 
-<file path=ppt/slides/slide16.xml><?xml version="1.0" encoding="utf-8"?>
+<file path=ppt/slides/slide15.xml><?xml version="1.0" encoding="utf-8"?>
 <p:sld xmlns:a="http://schemas.openxmlformats.org/drawingml/2006/main" xmlns:r="http://schemas.openxmlformats.org/officeDocument/2006/relationships" xmlns:p="http://schemas.openxmlformats.org/presentationml/2006/main">
   <p:cSld>
     <p:spTree>
@@ -6496,7 +5816,7 @@
             </a:r>
             <a:r>
               <a:rPr lang="en-CA" dirty="0" smtClean="0"/>
-              <a:t>xample of instrumental error</a:t>
+              <a:t>xample of corrupt data</a:t>
             </a:r>
             <a:endParaRPr lang="en-CA" dirty="0"/>
           </a:p>
@@ -6535,7 +5855,7 @@
         <p:spPr>
           <a:xfrm>
             <a:off x="2410691" y="5888182"/>
-            <a:ext cx="8174182" cy="369332"/>
+            <a:ext cx="8174182" cy="646331"/>
           </a:xfrm>
           <a:prstGeom prst="rect">
             <a:avLst/>
@@ -6550,7 +5870,13 @@
           <a:p>
             <a:r>
               <a:rPr lang="en-CA" dirty="0" smtClean="0"/>
-              <a:t>Independent component analysis (ICA) will not work well on this data</a:t>
+              <a:t>-Independent component analysis (ICA) will not work well on this data</a:t>
+            </a:r>
+          </a:p>
+          <a:p>
+            <a:r>
+              <a:rPr lang="en-CA" dirty="0" smtClean="0"/>
+              <a:t>-ICA expects similar magnitude for each electrode and a degree of covariance</a:t>
             </a:r>
             <a:endParaRPr lang="en-CA" dirty="0"/>
           </a:p>
@@ -6617,6 +5943,487 @@
 </p:sld>
 </file>
 
+<file path=ppt/slides/slide16.xml><?xml version="1.0" encoding="utf-8"?>
+<p:sld xmlns:a="http://schemas.openxmlformats.org/drawingml/2006/main" xmlns:r="http://schemas.openxmlformats.org/officeDocument/2006/relationships" xmlns:p="http://schemas.openxmlformats.org/presentationml/2006/main">
+  <p:cSld>
+    <p:spTree>
+      <p:nvGrpSpPr>
+        <p:cNvPr id="1" name=""/>
+        <p:cNvGrpSpPr/>
+        <p:nvPr/>
+      </p:nvGrpSpPr>
+      <p:grpSpPr>
+        <a:xfrm>
+          <a:off x="0" y="0"/>
+          <a:ext cx="0" cy="0"/>
+          <a:chOff x="0" y="0"/>
+          <a:chExt cx="0" cy="0"/>
+        </a:xfrm>
+      </p:grpSpPr>
+      <p:sp>
+        <p:nvSpPr>
+          <p:cNvPr id="2" name="Title 1"/>
+          <p:cNvSpPr>
+            <a:spLocks noGrp="1"/>
+          </p:cNvSpPr>
+          <p:nvPr>
+            <p:ph type="title"/>
+          </p:nvPr>
+        </p:nvSpPr>
+        <p:spPr/>
+        <p:txBody>
+          <a:bodyPr/>
+          <a:lstStyle/>
+          <a:p>
+            <a:r>
+              <a:rPr lang="en-CA" dirty="0"/>
+              <a:t>I</a:t>
+            </a:r>
+            <a:r>
+              <a:rPr lang="en-CA" dirty="0" smtClean="0"/>
+              <a:t>nput recap</a:t>
+            </a:r>
+            <a:endParaRPr lang="en-CA" dirty="0"/>
+          </a:p>
+        </p:txBody>
+      </p:sp>
+      <p:sp>
+        <p:nvSpPr>
+          <p:cNvPr id="3" name="Content Placeholder 2"/>
+          <p:cNvSpPr>
+            <a:spLocks noGrp="1"/>
+          </p:cNvSpPr>
+          <p:nvPr>
+            <p:ph idx="1"/>
+          </p:nvPr>
+        </p:nvSpPr>
+        <p:spPr/>
+        <p:txBody>
+          <a:bodyPr/>
+          <a:lstStyle/>
+          <a:p>
+            <a:r>
+              <a:rPr lang="en-CA" dirty="0" smtClean="0"/>
+              <a:t>Datasets are composed of instances, each with a number of attributes</a:t>
+            </a:r>
+          </a:p>
+          <a:p>
+            <a:r>
+              <a:rPr lang="en-CA" dirty="0" smtClean="0"/>
+              <a:t>The number of attributes can be very large </a:t>
+            </a:r>
+          </a:p>
+          <a:p>
+            <a:r>
+              <a:rPr lang="en-CA" dirty="0" smtClean="0"/>
+              <a:t>The attributes can be strings (nominal) or </a:t>
+            </a:r>
+            <a:r>
+              <a:rPr lang="en-CA" dirty="0" smtClean="0"/>
+              <a:t>floa</a:t>
+            </a:r>
+            <a:r>
+              <a:rPr lang="en-CA" dirty="0" smtClean="0"/>
+              <a:t>t/double/</a:t>
+            </a:r>
+            <a:r>
+              <a:rPr lang="en-CA" dirty="0" err="1" smtClean="0"/>
+              <a:t>int</a:t>
+            </a:r>
+            <a:r>
+              <a:rPr lang="en-CA" dirty="0" smtClean="0"/>
+              <a:t> </a:t>
+            </a:r>
+            <a:r>
+              <a:rPr lang="en-CA" dirty="0" smtClean="0"/>
+              <a:t>(ratio)</a:t>
+            </a:r>
+          </a:p>
+          <a:p>
+            <a:r>
+              <a:rPr lang="en-CA" dirty="0" smtClean="0"/>
+              <a:t>Input is often sparse, missing, unbalanced, or inaccurate </a:t>
+            </a:r>
+          </a:p>
+          <a:p>
+            <a:r>
+              <a:rPr lang="en-CA" dirty="0" smtClean="0"/>
+              <a:t>Garbage in</a:t>
+            </a:r>
+            <a:r>
+              <a:rPr lang="en-CA" dirty="0"/>
+              <a:t> </a:t>
+            </a:r>
+            <a:r>
+              <a:rPr lang="en-CA" dirty="0" smtClean="0"/>
+              <a:t>= garbage out</a:t>
+            </a:r>
+          </a:p>
+          <a:p>
+            <a:endParaRPr lang="en-CA" dirty="0"/>
+          </a:p>
+        </p:txBody>
+      </p:sp>
+      <p:pic>
+        <p:nvPicPr>
+          <p:cNvPr id="4" name="Picture 3"/>
+          <p:cNvPicPr>
+            <a:picLocks noChangeAspect="1"/>
+          </p:cNvPicPr>
+          <p:nvPr/>
+        </p:nvPicPr>
+        <p:blipFill>
+          <a:blip r:embed="rId2"/>
+          <a:stretch>
+            <a:fillRect/>
+          </a:stretch>
+        </p:blipFill>
+        <p:spPr>
+          <a:xfrm>
+            <a:off x="5943600" y="4001294"/>
+            <a:ext cx="4843030" cy="2606289"/>
+          </a:xfrm>
+          <a:prstGeom prst="rect">
+            <a:avLst/>
+          </a:prstGeom>
+        </p:spPr>
+      </p:pic>
+    </p:spTree>
+    <p:extLst>
+      <p:ext uri="{BB962C8B-B14F-4D97-AF65-F5344CB8AC3E}">
+        <p14:creationId xmlns:p14="http://schemas.microsoft.com/office/powerpoint/2010/main" val="565300230"/>
+      </p:ext>
+    </p:extLst>
+  </p:cSld>
+  <p:clrMapOvr>
+    <a:masterClrMapping/>
+  </p:clrMapOvr>
+  <p:timing>
+    <p:tnLst>
+      <p:par>
+        <p:cTn id="1" dur="indefinite" restart="never" nodeType="tmRoot">
+          <p:childTnLst>
+            <p:seq concurrent="1" nextAc="seek">
+              <p:cTn id="2" dur="indefinite" nodeType="mainSeq">
+                <p:childTnLst>
+                  <p:par>
+                    <p:cTn id="3" fill="hold">
+                      <p:stCondLst>
+                        <p:cond delay="indefinite"/>
+                      </p:stCondLst>
+                      <p:childTnLst>
+                        <p:par>
+                          <p:cTn id="4" fill="hold">
+                            <p:stCondLst>
+                              <p:cond delay="0"/>
+                            </p:stCondLst>
+                            <p:childTnLst>
+                              <p:par>
+                                <p:cTn id="5" presetID="1" presetClass="entr" presetSubtype="0" fill="hold" grpId="0" nodeType="clickEffect">
+                                  <p:stCondLst>
+                                    <p:cond delay="0"/>
+                                  </p:stCondLst>
+                                  <p:childTnLst>
+                                    <p:set>
+                                      <p:cBhvr>
+                                        <p:cTn id="6" dur="1" fill="hold">
+                                          <p:stCondLst>
+                                            <p:cond delay="0"/>
+                                          </p:stCondLst>
+                                        </p:cTn>
+                                        <p:tgtEl>
+                                          <p:spTgt spid="3">
+                                            <p:txEl>
+                                              <p:pRg st="0" end="0"/>
+                                            </p:txEl>
+                                          </p:spTgt>
+                                        </p:tgtEl>
+                                        <p:attrNameLst>
+                                          <p:attrName>style.visibility</p:attrName>
+                                        </p:attrNameLst>
+                                      </p:cBhvr>
+                                      <p:to>
+                                        <p:strVal val="visible"/>
+                                      </p:to>
+                                    </p:set>
+                                  </p:childTnLst>
+                                </p:cTn>
+                              </p:par>
+                            </p:childTnLst>
+                          </p:cTn>
+                        </p:par>
+                      </p:childTnLst>
+                    </p:cTn>
+                  </p:par>
+                  <p:par>
+                    <p:cTn id="7" fill="hold">
+                      <p:stCondLst>
+                        <p:cond delay="indefinite"/>
+                      </p:stCondLst>
+                      <p:childTnLst>
+                        <p:par>
+                          <p:cTn id="8" fill="hold">
+                            <p:stCondLst>
+                              <p:cond delay="0"/>
+                            </p:stCondLst>
+                            <p:childTnLst>
+                              <p:par>
+                                <p:cTn id="9" presetID="1" presetClass="entr" presetSubtype="0" fill="hold" grpId="0" nodeType="clickEffect">
+                                  <p:stCondLst>
+                                    <p:cond delay="0"/>
+                                  </p:stCondLst>
+                                  <p:childTnLst>
+                                    <p:set>
+                                      <p:cBhvr>
+                                        <p:cTn id="10" dur="1" fill="hold">
+                                          <p:stCondLst>
+                                            <p:cond delay="0"/>
+                                          </p:stCondLst>
+                                        </p:cTn>
+                                        <p:tgtEl>
+                                          <p:spTgt spid="3">
+                                            <p:txEl>
+                                              <p:pRg st="1" end="1"/>
+                                            </p:txEl>
+                                          </p:spTgt>
+                                        </p:tgtEl>
+                                        <p:attrNameLst>
+                                          <p:attrName>style.visibility</p:attrName>
+                                        </p:attrNameLst>
+                                      </p:cBhvr>
+                                      <p:to>
+                                        <p:strVal val="visible"/>
+                                      </p:to>
+                                    </p:set>
+                                  </p:childTnLst>
+                                </p:cTn>
+                              </p:par>
+                            </p:childTnLst>
+                          </p:cTn>
+                        </p:par>
+                      </p:childTnLst>
+                    </p:cTn>
+                  </p:par>
+                  <p:par>
+                    <p:cTn id="11" fill="hold">
+                      <p:stCondLst>
+                        <p:cond delay="indefinite"/>
+                      </p:stCondLst>
+                      <p:childTnLst>
+                        <p:par>
+                          <p:cTn id="12" fill="hold">
+                            <p:stCondLst>
+                              <p:cond delay="0"/>
+                            </p:stCondLst>
+                            <p:childTnLst>
+                              <p:par>
+                                <p:cTn id="13" presetID="1" presetClass="entr" presetSubtype="0" fill="hold" grpId="0" nodeType="clickEffect">
+                                  <p:stCondLst>
+                                    <p:cond delay="0"/>
+                                  </p:stCondLst>
+                                  <p:childTnLst>
+                                    <p:set>
+                                      <p:cBhvr>
+                                        <p:cTn id="14" dur="1" fill="hold">
+                                          <p:stCondLst>
+                                            <p:cond delay="0"/>
+                                          </p:stCondLst>
+                                        </p:cTn>
+                                        <p:tgtEl>
+                                          <p:spTgt spid="3">
+                                            <p:txEl>
+                                              <p:pRg st="2" end="2"/>
+                                            </p:txEl>
+                                          </p:spTgt>
+                                        </p:tgtEl>
+                                        <p:attrNameLst>
+                                          <p:attrName>style.visibility</p:attrName>
+                                        </p:attrNameLst>
+                                      </p:cBhvr>
+                                      <p:to>
+                                        <p:strVal val="visible"/>
+                                      </p:to>
+                                    </p:set>
+                                  </p:childTnLst>
+                                </p:cTn>
+                              </p:par>
+                            </p:childTnLst>
+                          </p:cTn>
+                        </p:par>
+                      </p:childTnLst>
+                    </p:cTn>
+                  </p:par>
+                  <p:par>
+                    <p:cTn id="15" fill="hold">
+                      <p:stCondLst>
+                        <p:cond delay="indefinite"/>
+                      </p:stCondLst>
+                      <p:childTnLst>
+                        <p:par>
+                          <p:cTn id="16" fill="hold">
+                            <p:stCondLst>
+                              <p:cond delay="0"/>
+                            </p:stCondLst>
+                            <p:childTnLst>
+                              <p:par>
+                                <p:cTn id="17" presetID="1" presetClass="entr" presetSubtype="0" fill="hold" grpId="0" nodeType="clickEffect">
+                                  <p:stCondLst>
+                                    <p:cond delay="0"/>
+                                  </p:stCondLst>
+                                  <p:childTnLst>
+                                    <p:set>
+                                      <p:cBhvr>
+                                        <p:cTn id="18" dur="1" fill="hold">
+                                          <p:stCondLst>
+                                            <p:cond delay="0"/>
+                                          </p:stCondLst>
+                                        </p:cTn>
+                                        <p:tgtEl>
+                                          <p:spTgt spid="3">
+                                            <p:txEl>
+                                              <p:pRg st="3" end="3"/>
+                                            </p:txEl>
+                                          </p:spTgt>
+                                        </p:tgtEl>
+                                        <p:attrNameLst>
+                                          <p:attrName>style.visibility</p:attrName>
+                                        </p:attrNameLst>
+                                      </p:cBhvr>
+                                      <p:to>
+                                        <p:strVal val="visible"/>
+                                      </p:to>
+                                    </p:set>
+                                  </p:childTnLst>
+                                </p:cTn>
+                              </p:par>
+                            </p:childTnLst>
+                          </p:cTn>
+                        </p:par>
+                      </p:childTnLst>
+                    </p:cTn>
+                  </p:par>
+                  <p:par>
+                    <p:cTn id="19" fill="hold">
+                      <p:stCondLst>
+                        <p:cond delay="indefinite"/>
+                      </p:stCondLst>
+                      <p:childTnLst>
+                        <p:par>
+                          <p:cTn id="20" fill="hold">
+                            <p:stCondLst>
+                              <p:cond delay="0"/>
+                            </p:stCondLst>
+                            <p:childTnLst>
+                              <p:par>
+                                <p:cTn id="21" presetID="1" presetClass="entr" presetSubtype="0" fill="hold" grpId="0" nodeType="clickEffect">
+                                  <p:stCondLst>
+                                    <p:cond delay="0"/>
+                                  </p:stCondLst>
+                                  <p:childTnLst>
+                                    <p:set>
+                                      <p:cBhvr>
+                                        <p:cTn id="22" dur="1" fill="hold">
+                                          <p:stCondLst>
+                                            <p:cond delay="0"/>
+                                          </p:stCondLst>
+                                        </p:cTn>
+                                        <p:tgtEl>
+                                          <p:spTgt spid="3">
+                                            <p:txEl>
+                                              <p:pRg st="4" end="4"/>
+                                            </p:txEl>
+                                          </p:spTgt>
+                                        </p:tgtEl>
+                                        <p:attrNameLst>
+                                          <p:attrName>style.visibility</p:attrName>
+                                        </p:attrNameLst>
+                                      </p:cBhvr>
+                                      <p:to>
+                                        <p:strVal val="visible"/>
+                                      </p:to>
+                                    </p:set>
+                                  </p:childTnLst>
+                                </p:cTn>
+                              </p:par>
+                            </p:childTnLst>
+                          </p:cTn>
+                        </p:par>
+                      </p:childTnLst>
+                    </p:cTn>
+                  </p:par>
+                  <p:par>
+                    <p:cTn id="23" fill="hold">
+                      <p:stCondLst>
+                        <p:cond delay="indefinite"/>
+                      </p:stCondLst>
+                      <p:childTnLst>
+                        <p:par>
+                          <p:cTn id="24" fill="hold">
+                            <p:stCondLst>
+                              <p:cond delay="0"/>
+                            </p:stCondLst>
+                            <p:childTnLst>
+                              <p:par>
+                                <p:cTn id="25" presetID="1" presetClass="entr" presetSubtype="0" fill="hold" nodeType="clickEffect">
+                                  <p:stCondLst>
+                                    <p:cond delay="0"/>
+                                  </p:stCondLst>
+                                  <p:childTnLst>
+                                    <p:set>
+                                      <p:cBhvr>
+                                        <p:cTn id="26" dur="1" fill="hold">
+                                          <p:stCondLst>
+                                            <p:cond delay="0"/>
+                                          </p:stCondLst>
+                                        </p:cTn>
+                                        <p:tgtEl>
+                                          <p:spTgt spid="4"/>
+                                        </p:tgtEl>
+                                        <p:attrNameLst>
+                                          <p:attrName>style.visibility</p:attrName>
+                                        </p:attrNameLst>
+                                      </p:cBhvr>
+                                      <p:to>
+                                        <p:strVal val="visible"/>
+                                      </p:to>
+                                    </p:set>
+                                  </p:childTnLst>
+                                </p:cTn>
+                              </p:par>
+                            </p:childTnLst>
+                          </p:cTn>
+                        </p:par>
+                      </p:childTnLst>
+                    </p:cTn>
+                  </p:par>
+                </p:childTnLst>
+              </p:cTn>
+              <p:prevCondLst>
+                <p:cond evt="onPrev" delay="0">
+                  <p:tgtEl>
+                    <p:sldTgt/>
+                  </p:tgtEl>
+                </p:cond>
+              </p:prevCondLst>
+              <p:nextCondLst>
+                <p:cond evt="onNext" delay="0">
+                  <p:tgtEl>
+                    <p:sldTgt/>
+                  </p:tgtEl>
+                </p:cond>
+              </p:nextCondLst>
+            </p:seq>
+          </p:childTnLst>
+        </p:cTn>
+      </p:par>
+    </p:tnLst>
+    <p:bldLst>
+      <p:bldP spid="3" grpId="0" build="p"/>
+    </p:bldLst>
+  </p:timing>
+</p:sld>
+</file>
+
 <file path=ppt/slides/slide17.xml><?xml version="1.0" encoding="utf-8"?>
 <p:sld xmlns:a="http://schemas.openxmlformats.org/drawingml/2006/main" xmlns:r="http://schemas.openxmlformats.org/officeDocument/2006/relationships" xmlns:p="http://schemas.openxmlformats.org/presentationml/2006/main">
   <p:cSld>
@@ -6670,7 +6477,7 @@
         <p:spPr/>
         <p:txBody>
           <a:bodyPr>
-            <a:normAutofit lnSpcReduction="10000"/>
+            <a:normAutofit fontScale="92500" lnSpcReduction="10000"/>
           </a:bodyPr>
           <a:lstStyle/>
           <a:p>
@@ -6763,11 +6570,70 @@
           <a:p>
             <a:r>
               <a:rPr lang="en-CA" dirty="0" smtClean="0"/>
-              <a:t>Built in toy datasets</a:t>
-            </a:r>
+              <a:t>Built in toy </a:t>
+            </a:r>
+            <a:r>
+              <a:rPr lang="en-CA" dirty="0" smtClean="0"/>
+              <a:t>datasets</a:t>
+            </a:r>
+            <a:endParaRPr lang="en-CA" dirty="0"/>
+          </a:p>
+          <a:p>
+            <a:r>
+              <a:rPr lang="en-CA" dirty="0" smtClean="0"/>
+              <a:t>Use anaconda to install: </a:t>
+            </a:r>
+            <a:r>
+              <a:rPr lang="en-CA" dirty="0">
+                <a:hlinkClick r:id="rId4"/>
+              </a:rPr>
+              <a:t>https://anaconda.org/anaconda/spyder</a:t>
+            </a:r>
+            <a:endParaRPr lang="en-CA" dirty="0" smtClean="0"/>
           </a:p>
         </p:txBody>
       </p:sp>
+      <p:pic>
+        <p:nvPicPr>
+          <p:cNvPr id="4" name="Picture 2" descr="Image result for spyder ide"/>
+          <p:cNvPicPr>
+            <a:picLocks noChangeAspect="1" noChangeArrowheads="1"/>
+          </p:cNvPicPr>
+          <p:nvPr/>
+        </p:nvPicPr>
+        <p:blipFill>
+          <a:blip r:embed="rId5" cstate="print">
+            <a:extLst>
+              <a:ext uri="{28A0092B-C50C-407E-A947-70E740481C1C}">
+                <a14:useLocalDpi xmlns:a14="http://schemas.microsoft.com/office/drawing/2010/main" val="0"/>
+              </a:ext>
+            </a:extLst>
+          </a:blip>
+          <a:srcRect/>
+          <a:stretch>
+            <a:fillRect/>
+          </a:stretch>
+        </p:blipFill>
+        <p:spPr bwMode="auto">
+          <a:xfrm>
+            <a:off x="9984869" y="4475017"/>
+            <a:ext cx="2207129" cy="2207129"/>
+          </a:xfrm>
+          <a:prstGeom prst="rect">
+            <a:avLst/>
+          </a:prstGeom>
+          <a:noFill/>
+          <a:extLst>
+            <a:ext uri="{909E8E84-426E-40DD-AFC4-6F175D3DCCD1}">
+              <a14:hiddenFill xmlns:a14="http://schemas.microsoft.com/office/drawing/2010/main">
+                <a:solidFill>
+                  <a:srgbClr val="FFFFFF"/>
+                </a:solidFill>
+              </a14:hiddenFill>
+            </a:ext>
+          </a:extLst>
+        </p:spPr>
+      </p:pic>
     </p:spTree>
     <p:extLst>
       <p:ext uri="{BB962C8B-B14F-4D97-AF65-F5344CB8AC3E}">
@@ -6781,102 +6647,75 @@
   <p:timing>
     <p:tnLst>
       <p:par>
-        <p:cTn id="1" dur="indefinite" restart="never" nodeType="tmRoot"/>
-      </p:par>
-    </p:tnLst>
-  </p:timing>
-</p:sld>
-</file>
-
-<file path=ppt/slides/slide18.xml><?xml version="1.0" encoding="utf-8"?>
-<p:sld xmlns:a="http://schemas.openxmlformats.org/drawingml/2006/main" xmlns:r="http://schemas.openxmlformats.org/officeDocument/2006/relationships" xmlns:p="http://schemas.openxmlformats.org/presentationml/2006/main">
-  <p:cSld>
-    <p:spTree>
-      <p:nvGrpSpPr>
-        <p:cNvPr id="1" name=""/>
-        <p:cNvGrpSpPr/>
-        <p:nvPr/>
-      </p:nvGrpSpPr>
-      <p:grpSpPr>
-        <a:xfrm>
-          <a:off x="0" y="0"/>
-          <a:ext cx="0" cy="0"/>
-          <a:chOff x="0" y="0"/>
-          <a:chExt cx="0" cy="0"/>
-        </a:xfrm>
-      </p:grpSpPr>
-      <p:sp>
-        <p:nvSpPr>
-          <p:cNvPr id="2" name="Title 1"/>
-          <p:cNvSpPr>
-            <a:spLocks noGrp="1"/>
-          </p:cNvSpPr>
-          <p:nvPr>
-            <p:ph type="title"/>
-          </p:nvPr>
-        </p:nvSpPr>
-        <p:spPr/>
-        <p:txBody>
-          <a:bodyPr/>
-          <a:lstStyle/>
-          <a:p>
-            <a:r>
-              <a:rPr lang="en-CA" dirty="0" smtClean="0"/>
-              <a:t>Summary</a:t>
-            </a:r>
-            <a:endParaRPr lang="en-CA" dirty="0"/>
-          </a:p>
-        </p:txBody>
-      </p:sp>
-      <p:sp>
-        <p:nvSpPr>
-          <p:cNvPr id="3" name="Content Placeholder 2"/>
-          <p:cNvSpPr>
-            <a:spLocks noGrp="1"/>
-          </p:cNvSpPr>
-          <p:nvPr>
-            <p:ph idx="1"/>
-          </p:nvPr>
-        </p:nvSpPr>
-        <p:spPr/>
-        <p:txBody>
-          <a:bodyPr/>
-          <a:lstStyle/>
-          <a:p>
-            <a:r>
-              <a:rPr lang="en-CA" dirty="0" smtClean="0"/>
-              <a:t>Concepts, instances and attributes</a:t>
-            </a:r>
-          </a:p>
-          <a:p>
-            <a:r>
-              <a:rPr lang="en-CA" dirty="0" smtClean="0"/>
-              <a:t>Preparing input is a crucial step</a:t>
-            </a:r>
-          </a:p>
-          <a:p>
-            <a:r>
-              <a:rPr lang="en-CA" dirty="0" smtClean="0"/>
-              <a:t>First assignment/midterm will be written, everything else python</a:t>
-            </a:r>
-            <a:endParaRPr lang="en-CA" dirty="0"/>
-          </a:p>
-        </p:txBody>
-      </p:sp>
-    </p:spTree>
-    <p:extLst>
-      <p:ext uri="{BB962C8B-B14F-4D97-AF65-F5344CB8AC3E}">
-        <p14:creationId xmlns:p14="http://schemas.microsoft.com/office/powerpoint/2010/main" val="773121342"/>
-      </p:ext>
-    </p:extLst>
-  </p:cSld>
-  <p:clrMapOvr>
-    <a:masterClrMapping/>
-  </p:clrMapOvr>
-  <p:timing>
-    <p:tnLst>
-      <p:par>
-        <p:cTn id="1" dur="indefinite" restart="never" nodeType="tmRoot"/>
+        <p:cTn id="1" dur="indefinite" restart="never" nodeType="tmRoot">
+          <p:childTnLst>
+            <p:seq concurrent="1" nextAc="seek">
+              <p:cTn id="2" dur="indefinite" nodeType="mainSeq">
+                <p:childTnLst>
+                  <p:par>
+                    <p:cTn id="3" fill="hold">
+                      <p:stCondLst>
+                        <p:cond delay="indefinite"/>
+                      </p:stCondLst>
+                      <p:childTnLst>
+                        <p:par>
+                          <p:cTn id="4" fill="hold">
+                            <p:stCondLst>
+                              <p:cond delay="0"/>
+                            </p:stCondLst>
+                            <p:childTnLst>
+                              <p:par>
+                                <p:cTn id="5" presetID="1" presetClass="entr" presetSubtype="0" fill="hold" nodeType="clickEffect">
+                                  <p:stCondLst>
+                                    <p:cond delay="0"/>
+                                  </p:stCondLst>
+                                  <p:childTnLst>
+                                    <p:set>
+                                      <p:cBhvr>
+                                        <p:cTn id="6" dur="1" fill="hold">
+                                          <p:stCondLst>
+                                            <p:cond delay="0"/>
+                                          </p:stCondLst>
+                                        </p:cTn>
+                                        <p:tgtEl>
+                                          <p:spTgt spid="4"/>
+                                        </p:tgtEl>
+                                        <p:attrNameLst>
+                                          <p:attrName>style.visibility</p:attrName>
+                                        </p:attrNameLst>
+                                      </p:cBhvr>
+                                      <p:to>
+                                        <p:strVal val="visible"/>
+                                      </p:to>
+                                    </p:set>
+                                  </p:childTnLst>
+                                </p:cTn>
+                              </p:par>
+                            </p:childTnLst>
+                          </p:cTn>
+                        </p:par>
+                      </p:childTnLst>
+                    </p:cTn>
+                  </p:par>
+                </p:childTnLst>
+              </p:cTn>
+              <p:prevCondLst>
+                <p:cond evt="onPrev" delay="0">
+                  <p:tgtEl>
+                    <p:sldTgt/>
+                  </p:tgtEl>
+                </p:cond>
+              </p:prevCondLst>
+              <p:nextCondLst>
+                <p:cond evt="onNext" delay="0">
+                  <p:tgtEl>
+                    <p:sldTgt/>
+                  </p:tgtEl>
+                </p:cond>
+              </p:nextCondLst>
+            </p:seq>
+          </p:childTnLst>
+        </p:cTn>
       </p:par>
     </p:tnLst>
   </p:timing>
@@ -6935,7 +6774,9 @@
         </p:nvSpPr>
         <p:spPr/>
         <p:txBody>
-          <a:bodyPr/>
+          <a:bodyPr>
+            <a:normAutofit/>
+          </a:bodyPr>
           <a:lstStyle/>
           <a:p>
             <a:r>
@@ -6988,6 +6829,13 @@
             <a:r>
               <a:rPr lang="en-CA" dirty="0" smtClean="0"/>
               <a:t>Final project: coding in python</a:t>
+            </a:r>
+          </a:p>
+          <a:p>
+            <a:pPr lvl="1"/>
+            <a:r>
+              <a:rPr lang="en-CA" dirty="0" smtClean="0"/>
+              <a:t>Will release projects by Oct 1st</a:t>
             </a:r>
           </a:p>
           <a:p>
@@ -7029,8 +6877,8 @@
         </p:blipFill>
         <p:spPr bwMode="auto">
           <a:xfrm>
-            <a:off x="7518761" y="2008909"/>
-            <a:ext cx="4673238" cy="4673238"/>
+            <a:off x="8950037" y="3616037"/>
+            <a:ext cx="3241963" cy="3241963"/>
           </a:xfrm>
           <a:prstGeom prst="rect">
             <a:avLst/>
@@ -7093,7 +6941,7 @@
                                         <p:tgtEl>
                                           <p:spTgt spid="3">
                                             <p:txEl>
-                                              <p:pRg st="7" end="7"/>
+                                              <p:pRg st="8" end="8"/>
                                             </p:txEl>
                                           </p:spTgt>
                                         </p:tgtEl>
@@ -7218,7 +7066,7 @@
           <a:p>
             <a:r>
               <a:rPr lang="en-CA" dirty="0" smtClean="0"/>
-              <a:t>The data mining process</a:t>
+              <a:t>Recap Lecture 1: the data mining process</a:t>
             </a:r>
             <a:endParaRPr lang="en-CA" dirty="0"/>
           </a:p>
@@ -7254,15 +7102,7 @@
           <a:p>
             <a:r>
               <a:rPr lang="en-CA" dirty="0" smtClean="0"/>
-              <a:t>Acquire initial dataset </a:t>
-            </a:r>
-            <a:r>
-              <a:rPr lang="en-CA" dirty="0" smtClean="0"/>
-              <a:t>                     (</a:t>
-            </a:r>
-            <a:r>
-              <a:rPr lang="en-CA" dirty="0" smtClean="0"/>
-              <a:t>data understanding)</a:t>
+              <a:t>Acquire initial dataset                      (data understanding)</a:t>
             </a:r>
           </a:p>
           <a:p>
@@ -7308,8 +7148,8 @@
         </p:blipFill>
         <p:spPr>
           <a:xfrm>
-            <a:off x="6567055" y="1192212"/>
-            <a:ext cx="5624945" cy="5624945"/>
+            <a:off x="6746443" y="1371600"/>
+            <a:ext cx="5445557" cy="5445557"/>
           </a:xfrm>
           <a:prstGeom prst="rect">
             <a:avLst/>
@@ -7690,388 +7530,6 @@
           <a:p>
             <a:r>
               <a:rPr lang="en-CA" dirty="0" smtClean="0"/>
-              <a:t>Machine learning and statistics</a:t>
-            </a:r>
-            <a:endParaRPr lang="en-CA" dirty="0"/>
-          </a:p>
-        </p:txBody>
-      </p:sp>
-      <p:sp>
-        <p:nvSpPr>
-          <p:cNvPr id="3" name="Content Placeholder 2"/>
-          <p:cNvSpPr>
-            <a:spLocks noGrp="1"/>
-          </p:cNvSpPr>
-          <p:nvPr>
-            <p:ph idx="1"/>
-          </p:nvPr>
-        </p:nvSpPr>
-        <p:spPr/>
-        <p:txBody>
-          <a:bodyPr/>
-          <a:lstStyle/>
-          <a:p>
-            <a:r>
-              <a:rPr lang="en-CA" dirty="0" smtClean="0"/>
-              <a:t>What’s the difference between machine learning and statistics?</a:t>
-            </a:r>
-          </a:p>
-          <a:p>
-            <a:r>
-              <a:rPr lang="en-CA" dirty="0" smtClean="0"/>
-              <a:t>Statistics </a:t>
-            </a:r>
-            <a:r>
-              <a:rPr lang="en-CA" dirty="0" smtClean="0"/>
-              <a:t>is more </a:t>
-            </a:r>
-            <a:r>
-              <a:rPr lang="en-CA" dirty="0" smtClean="0"/>
-              <a:t>concerned with testing </a:t>
-            </a:r>
-            <a:r>
-              <a:rPr lang="en-CA" dirty="0" smtClean="0"/>
-              <a:t>hypotheses</a:t>
-            </a:r>
-          </a:p>
-          <a:p>
-            <a:pPr lvl="1"/>
-            <a:r>
-              <a:rPr lang="en-CA" dirty="0" smtClean="0"/>
-              <a:t>p-values, confidence intervals, etc.</a:t>
-            </a:r>
-            <a:endParaRPr lang="en-CA" dirty="0" smtClean="0"/>
-          </a:p>
-          <a:p>
-            <a:r>
-              <a:rPr lang="en-CA" dirty="0" smtClean="0"/>
-              <a:t>Machine </a:t>
-            </a:r>
-            <a:r>
-              <a:rPr lang="en-CA" dirty="0" err="1" smtClean="0"/>
-              <a:t>learningis</a:t>
-            </a:r>
-            <a:r>
-              <a:rPr lang="en-CA" dirty="0" smtClean="0"/>
-              <a:t> </a:t>
-            </a:r>
-            <a:r>
-              <a:rPr lang="en-CA" dirty="0" smtClean="0"/>
-              <a:t>more concerned with formulating the process of generalization as a search through possible </a:t>
-            </a:r>
-            <a:r>
-              <a:rPr lang="en-CA" dirty="0" smtClean="0"/>
-              <a:t>hypotheses</a:t>
-            </a:r>
-          </a:p>
-          <a:p>
-            <a:pPr lvl="1"/>
-            <a:r>
-              <a:rPr lang="en-CA" dirty="0" smtClean="0"/>
-              <a:t>List all possible rules and look for ones that satisfy a given set of examples</a:t>
-            </a:r>
-            <a:endParaRPr lang="en-CA" dirty="0" smtClean="0"/>
-          </a:p>
-          <a:p>
-            <a:r>
-              <a:rPr lang="en-CA" dirty="0" smtClean="0"/>
-              <a:t>Gross oversimplification, read end of chapter 1 to know more</a:t>
-            </a:r>
-          </a:p>
-          <a:p>
-            <a:endParaRPr lang="en-CA" dirty="0"/>
-          </a:p>
-        </p:txBody>
-      </p:sp>
-    </p:spTree>
-    <p:extLst>
-      <p:ext uri="{BB962C8B-B14F-4D97-AF65-F5344CB8AC3E}">
-        <p14:creationId xmlns:p14="http://schemas.microsoft.com/office/powerpoint/2010/main" val="3224764418"/>
-      </p:ext>
-    </p:extLst>
-  </p:cSld>
-  <p:clrMapOvr>
-    <a:masterClrMapping/>
-  </p:clrMapOvr>
-  <p:timing>
-    <p:tnLst>
-      <p:par>
-        <p:cTn id="1" dur="indefinite" restart="never" nodeType="tmRoot">
-          <p:childTnLst>
-            <p:seq concurrent="1" nextAc="seek">
-              <p:cTn id="2" dur="indefinite" nodeType="mainSeq">
-                <p:childTnLst>
-                  <p:par>
-                    <p:cTn id="3" fill="hold">
-                      <p:stCondLst>
-                        <p:cond delay="indefinite"/>
-                      </p:stCondLst>
-                      <p:childTnLst>
-                        <p:par>
-                          <p:cTn id="4" fill="hold">
-                            <p:stCondLst>
-                              <p:cond delay="0"/>
-                            </p:stCondLst>
-                            <p:childTnLst>
-                              <p:par>
-                                <p:cTn id="5" presetID="1" presetClass="entr" presetSubtype="0" fill="hold" grpId="0" nodeType="clickEffect">
-                                  <p:stCondLst>
-                                    <p:cond delay="0"/>
-                                  </p:stCondLst>
-                                  <p:childTnLst>
-                                    <p:set>
-                                      <p:cBhvr>
-                                        <p:cTn id="6" dur="1" fill="hold">
-                                          <p:stCondLst>
-                                            <p:cond delay="0"/>
-                                          </p:stCondLst>
-                                        </p:cTn>
-                                        <p:tgtEl>
-                                          <p:spTgt spid="3">
-                                            <p:txEl>
-                                              <p:pRg st="1" end="1"/>
-                                            </p:txEl>
-                                          </p:spTgt>
-                                        </p:tgtEl>
-                                        <p:attrNameLst>
-                                          <p:attrName>style.visibility</p:attrName>
-                                        </p:attrNameLst>
-                                      </p:cBhvr>
-                                      <p:to>
-                                        <p:strVal val="visible"/>
-                                      </p:to>
-                                    </p:set>
-                                  </p:childTnLst>
-                                </p:cTn>
-                              </p:par>
-                              <p:par>
-                                <p:cTn id="7" presetID="1" presetClass="entr" presetSubtype="0" fill="hold" grpId="0" nodeType="withEffect">
-                                  <p:stCondLst>
-                                    <p:cond delay="0"/>
-                                  </p:stCondLst>
-                                  <p:childTnLst>
-                                    <p:set>
-                                      <p:cBhvr>
-                                        <p:cTn id="8" dur="1" fill="hold">
-                                          <p:stCondLst>
-                                            <p:cond delay="0"/>
-                                          </p:stCondLst>
-                                        </p:cTn>
-                                        <p:tgtEl>
-                                          <p:spTgt spid="3">
-                                            <p:txEl>
-                                              <p:pRg st="2" end="2"/>
-                                            </p:txEl>
-                                          </p:spTgt>
-                                        </p:tgtEl>
-                                        <p:attrNameLst>
-                                          <p:attrName>style.visibility</p:attrName>
-                                        </p:attrNameLst>
-                                      </p:cBhvr>
-                                      <p:to>
-                                        <p:strVal val="visible"/>
-                                      </p:to>
-                                    </p:set>
-                                  </p:childTnLst>
-                                </p:cTn>
-                              </p:par>
-                            </p:childTnLst>
-                          </p:cTn>
-                        </p:par>
-                      </p:childTnLst>
-                    </p:cTn>
-                  </p:par>
-                  <p:par>
-                    <p:cTn id="9" fill="hold">
-                      <p:stCondLst>
-                        <p:cond delay="indefinite"/>
-                      </p:stCondLst>
-                      <p:childTnLst>
-                        <p:par>
-                          <p:cTn id="10" fill="hold">
-                            <p:stCondLst>
-                              <p:cond delay="0"/>
-                            </p:stCondLst>
-                            <p:childTnLst>
-                              <p:par>
-                                <p:cTn id="11" presetID="1" presetClass="entr" presetSubtype="0" fill="hold" grpId="0" nodeType="clickEffect">
-                                  <p:stCondLst>
-                                    <p:cond delay="0"/>
-                                  </p:stCondLst>
-                                  <p:childTnLst>
-                                    <p:set>
-                                      <p:cBhvr>
-                                        <p:cTn id="12" dur="1" fill="hold">
-                                          <p:stCondLst>
-                                            <p:cond delay="0"/>
-                                          </p:stCondLst>
-                                        </p:cTn>
-                                        <p:tgtEl>
-                                          <p:spTgt spid="3">
-                                            <p:txEl>
-                                              <p:pRg st="3" end="3"/>
-                                            </p:txEl>
-                                          </p:spTgt>
-                                        </p:tgtEl>
-                                        <p:attrNameLst>
-                                          <p:attrName>style.visibility</p:attrName>
-                                        </p:attrNameLst>
-                                      </p:cBhvr>
-                                      <p:to>
-                                        <p:strVal val="visible"/>
-                                      </p:to>
-                                    </p:set>
-                                  </p:childTnLst>
-                                </p:cTn>
-                              </p:par>
-                              <p:par>
-                                <p:cTn id="13" presetID="1" presetClass="entr" presetSubtype="0" fill="hold" grpId="0" nodeType="withEffect">
-                                  <p:stCondLst>
-                                    <p:cond delay="0"/>
-                                  </p:stCondLst>
-                                  <p:childTnLst>
-                                    <p:set>
-                                      <p:cBhvr>
-                                        <p:cTn id="14" dur="1" fill="hold">
-                                          <p:stCondLst>
-                                            <p:cond delay="0"/>
-                                          </p:stCondLst>
-                                        </p:cTn>
-                                        <p:tgtEl>
-                                          <p:spTgt spid="3">
-                                            <p:txEl>
-                                              <p:pRg st="4" end="4"/>
-                                            </p:txEl>
-                                          </p:spTgt>
-                                        </p:tgtEl>
-                                        <p:attrNameLst>
-                                          <p:attrName>style.visibility</p:attrName>
-                                        </p:attrNameLst>
-                                      </p:cBhvr>
-                                      <p:to>
-                                        <p:strVal val="visible"/>
-                                      </p:to>
-                                    </p:set>
-                                  </p:childTnLst>
-                                </p:cTn>
-                              </p:par>
-                            </p:childTnLst>
-                          </p:cTn>
-                        </p:par>
-                      </p:childTnLst>
-                    </p:cTn>
-                  </p:par>
-                  <p:par>
-                    <p:cTn id="15" fill="hold">
-                      <p:stCondLst>
-                        <p:cond delay="indefinite"/>
-                      </p:stCondLst>
-                      <p:childTnLst>
-                        <p:par>
-                          <p:cTn id="16" fill="hold">
-                            <p:stCondLst>
-                              <p:cond delay="0"/>
-                            </p:stCondLst>
-                            <p:childTnLst>
-                              <p:par>
-                                <p:cTn id="17" presetID="1" presetClass="entr" presetSubtype="0" fill="hold" grpId="0" nodeType="clickEffect">
-                                  <p:stCondLst>
-                                    <p:cond delay="0"/>
-                                  </p:stCondLst>
-                                  <p:childTnLst>
-                                    <p:set>
-                                      <p:cBhvr>
-                                        <p:cTn id="18" dur="1" fill="hold">
-                                          <p:stCondLst>
-                                            <p:cond delay="0"/>
-                                          </p:stCondLst>
-                                        </p:cTn>
-                                        <p:tgtEl>
-                                          <p:spTgt spid="3">
-                                            <p:txEl>
-                                              <p:pRg st="5" end="5"/>
-                                            </p:txEl>
-                                          </p:spTgt>
-                                        </p:tgtEl>
-                                        <p:attrNameLst>
-                                          <p:attrName>style.visibility</p:attrName>
-                                        </p:attrNameLst>
-                                      </p:cBhvr>
-                                      <p:to>
-                                        <p:strVal val="visible"/>
-                                      </p:to>
-                                    </p:set>
-                                  </p:childTnLst>
-                                </p:cTn>
-                              </p:par>
-                            </p:childTnLst>
-                          </p:cTn>
-                        </p:par>
-                      </p:childTnLst>
-                    </p:cTn>
-                  </p:par>
-                </p:childTnLst>
-              </p:cTn>
-              <p:prevCondLst>
-                <p:cond evt="onPrev" delay="0">
-                  <p:tgtEl>
-                    <p:sldTgt/>
-                  </p:tgtEl>
-                </p:cond>
-              </p:prevCondLst>
-              <p:nextCondLst>
-                <p:cond evt="onNext" delay="0">
-                  <p:tgtEl>
-                    <p:sldTgt/>
-                  </p:tgtEl>
-                </p:cond>
-              </p:nextCondLst>
-            </p:seq>
-          </p:childTnLst>
-        </p:cTn>
-      </p:par>
-    </p:tnLst>
-    <p:bldLst>
-      <p:bldP spid="3" grpId="0" uiExpand="1" build="p"/>
-    </p:bldLst>
-  </p:timing>
-</p:sld>
-</file>
-
-<file path=ppt/slides/slide5.xml><?xml version="1.0" encoding="utf-8"?>
-<p:sld xmlns:a="http://schemas.openxmlformats.org/drawingml/2006/main" xmlns:r="http://schemas.openxmlformats.org/officeDocument/2006/relationships" xmlns:p="http://schemas.openxmlformats.org/presentationml/2006/main">
-  <p:cSld>
-    <p:spTree>
-      <p:nvGrpSpPr>
-        <p:cNvPr id="1" name=""/>
-        <p:cNvGrpSpPr/>
-        <p:nvPr/>
-      </p:nvGrpSpPr>
-      <p:grpSpPr>
-        <a:xfrm>
-          <a:off x="0" y="0"/>
-          <a:ext cx="0" cy="0"/>
-          <a:chOff x="0" y="0"/>
-          <a:chExt cx="0" cy="0"/>
-        </a:xfrm>
-      </p:grpSpPr>
-      <p:sp>
-        <p:nvSpPr>
-          <p:cNvPr id="2" name="Title 1"/>
-          <p:cNvSpPr>
-            <a:spLocks noGrp="1"/>
-          </p:cNvSpPr>
-          <p:nvPr>
-            <p:ph type="title"/>
-          </p:nvPr>
-        </p:nvSpPr>
-        <p:spPr/>
-        <p:txBody>
-          <a:bodyPr/>
-          <a:lstStyle/>
-          <a:p>
-            <a:r>
-              <a:rPr lang="en-CA" dirty="0" smtClean="0"/>
               <a:t>Chapter 2: Input</a:t>
             </a:r>
             <a:endParaRPr lang="en-CA" dirty="0"/>
@@ -8103,29 +7561,17 @@
           <a:p>
             <a:r>
               <a:rPr lang="en-CA" dirty="0" smtClean="0"/>
-              <a:t>Structure of input data to machine learning algorithms</a:t>
+              <a:t>What is meant by “learning a concept from data”</a:t>
             </a:r>
           </a:p>
           <a:p>
             <a:r>
               <a:rPr lang="en-CA" dirty="0"/>
-              <a:t>W</a:t>
-            </a:r>
-            <a:r>
-              <a:rPr lang="en-CA" dirty="0" smtClean="0"/>
-              <a:t>hat </a:t>
-            </a:r>
-            <a:r>
-              <a:rPr lang="en-CA" dirty="0" smtClean="0"/>
-              <a:t>is </a:t>
-            </a:r>
-            <a:r>
-              <a:rPr lang="en-CA" dirty="0" smtClean="0"/>
-              <a:t>meant </a:t>
-            </a:r>
-            <a:r>
-              <a:rPr lang="en-CA" dirty="0" smtClean="0"/>
-              <a:t>by “learning a concept from data”</a:t>
+              <a:t>Structure of input data to machine learning </a:t>
+            </a:r>
+            <a:r>
+              <a:rPr lang="en-CA" dirty="0" smtClean="0"/>
+              <a:t>algorithms</a:t>
             </a:r>
           </a:p>
           <a:p>
@@ -8135,26 +7581,13 @@
             </a:r>
             <a:r>
               <a:rPr lang="en-CA" dirty="0" smtClean="0"/>
-              <a:t>nstances </a:t>
-            </a:r>
-            <a:r>
-              <a:rPr lang="en-CA" dirty="0" smtClean="0"/>
-              <a:t>and </a:t>
-            </a:r>
-            <a:r>
-              <a:rPr lang="en-CA" dirty="0" smtClean="0"/>
-              <a:t>Attributes</a:t>
-            </a:r>
-            <a:endParaRPr lang="en-CA" dirty="0" smtClean="0"/>
-          </a:p>
-          <a:p>
-            <a:r>
-              <a:rPr lang="en-CA" dirty="0" smtClean="0"/>
-              <a:t>Getting the data ready for </a:t>
-            </a:r>
-            <a:r>
-              <a:rPr lang="en-CA" dirty="0" smtClean="0"/>
-              <a:t>learning</a:t>
+              <a:t>nstances and Attributes</a:t>
+            </a:r>
+          </a:p>
+          <a:p>
+            <a:r>
+              <a:rPr lang="en-CA" dirty="0" smtClean="0"/>
+              <a:t>Getting the data ready for learning</a:t>
             </a:r>
           </a:p>
           <a:p>
@@ -8510,7 +7943,7 @@
 </p:sld>
 </file>
 
-<file path=ppt/slides/slide6.xml><?xml version="1.0" encoding="utf-8"?>
+<file path=ppt/slides/slide5.xml><?xml version="1.0" encoding="utf-8"?>
 <p:sld xmlns:a="http://schemas.openxmlformats.org/drawingml/2006/main" xmlns:r="http://schemas.openxmlformats.org/officeDocument/2006/relationships" xmlns:p="http://schemas.openxmlformats.org/presentationml/2006/main">
   <p:cSld>
     <p:spTree>
@@ -8603,7 +8036,6 @@
               <a:rPr lang="en-CA" dirty="0" smtClean="0"/>
               <a:t>)</a:t>
             </a:r>
-            <a:endParaRPr lang="en-CA" dirty="0" smtClean="0"/>
           </a:p>
           <a:p>
             <a:pPr lvl="1"/>
@@ -8621,13 +8053,8 @@
             </a:r>
             <a:r>
               <a:rPr lang="en-CA" dirty="0" smtClean="0"/>
-              <a:t> (look for any association among </a:t>
-            </a:r>
-            <a:r>
-              <a:rPr lang="en-CA" dirty="0" smtClean="0"/>
-              <a:t>features, many rules)</a:t>
-            </a:r>
-            <a:endParaRPr lang="en-CA" dirty="0" smtClean="0"/>
+              <a:t> (look for any association among features, many rules)</a:t>
+            </a:r>
           </a:p>
           <a:p>
             <a:pPr lvl="1"/>
@@ -8637,11 +8064,7 @@
             </a:r>
             <a:r>
               <a:rPr lang="en-CA" dirty="0" smtClean="0"/>
-              <a:t> (look for groups of examples that belong </a:t>
-            </a:r>
-            <a:r>
-              <a:rPr lang="en-CA" dirty="0" smtClean="0"/>
-              <a:t>together, </a:t>
+              <a:t> (look for groups of examples that belong together, </a:t>
             </a:r>
             <a:r>
               <a:rPr lang="en-CA" i="1" dirty="0" smtClean="0"/>
@@ -8651,7 +8074,6 @@
               <a:rPr lang="en-CA" dirty="0" smtClean="0"/>
               <a:t>)</a:t>
             </a:r>
-            <a:endParaRPr lang="en-CA" dirty="0" smtClean="0"/>
           </a:p>
           <a:p>
             <a:pPr lvl="1"/>
@@ -8667,21 +8089,12 @@
           <a:p>
             <a:r>
               <a:rPr lang="en-CA" dirty="0" smtClean="0"/>
-              <a:t>Regardless of style of learning, t</a:t>
-            </a:r>
-            <a:r>
-              <a:rPr lang="en-CA" dirty="0" smtClean="0"/>
-              <a:t>he </a:t>
-            </a:r>
-            <a:r>
-              <a:rPr lang="en-CA" dirty="0" smtClean="0"/>
-              <a:t>“thing to be learned” is the </a:t>
+              <a:t>Regardless of style of learning, the “thing to be learned” is the </a:t>
             </a:r>
             <a:r>
               <a:rPr lang="en-CA" i="1" dirty="0" smtClean="0"/>
               <a:t>concept</a:t>
             </a:r>
-            <a:endParaRPr lang="en-CA" i="1" dirty="0" smtClean="0"/>
           </a:p>
           <a:p>
             <a:r>
@@ -8696,34 +8109,14 @@
           <a:p>
             <a:r>
               <a:rPr lang="en-CA" dirty="0" smtClean="0"/>
-              <a:t>Question: what </a:t>
-            </a:r>
-            <a:r>
-              <a:rPr lang="en-CA" dirty="0" smtClean="0"/>
-              <a:t>style </a:t>
-            </a:r>
-            <a:r>
-              <a:rPr lang="en-CA" dirty="0" smtClean="0"/>
-              <a:t>of </a:t>
-            </a:r>
-            <a:r>
-              <a:rPr lang="en-CA" dirty="0" smtClean="0"/>
-              <a:t>learning </a:t>
-            </a:r>
-            <a:r>
-              <a:rPr lang="en-CA" dirty="0" smtClean="0"/>
-              <a:t>did we see previously?</a:t>
+              <a:t>Question: what style of learning did we see previously?</a:t>
             </a:r>
           </a:p>
           <a:p>
             <a:pPr lvl="1"/>
             <a:r>
               <a:rPr lang="en-CA" dirty="0" smtClean="0"/>
-              <a:t>(iris problem, weather problem, contact lens problem</a:t>
-            </a:r>
-            <a:r>
-              <a:rPr lang="en-CA" dirty="0" smtClean="0"/>
-              <a:t>)</a:t>
+              <a:t>(iris problem, weather problem, contact lens problem)</a:t>
             </a:r>
           </a:p>
           <a:p>
@@ -9164,7 +8557,7 @@
 </p:sld>
 </file>
 
-<file path=ppt/slides/slide7.xml><?xml version="1.0" encoding="utf-8"?>
+<file path=ppt/slides/slide6.xml><?xml version="1.0" encoding="utf-8"?>
 <p:sld xmlns:a="http://schemas.openxmlformats.org/drawingml/2006/main" xmlns:r="http://schemas.openxmlformats.org/officeDocument/2006/relationships" xmlns:p="http://schemas.openxmlformats.org/presentationml/2006/main">
   <p:cSld>
     <p:spTree>
@@ -9269,6 +8662,17 @@
             </a:r>
           </a:p>
           <a:p>
+            <a:pPr lvl="1"/>
+            <a:r>
+              <a:rPr lang="en-CA" dirty="0"/>
+              <a:t>Instances are characterized by the values of a set of predetermined </a:t>
+            </a:r>
+            <a:r>
+              <a:rPr lang="en-CA" dirty="0" smtClean="0"/>
+              <a:t>attributes</a:t>
+            </a:r>
+          </a:p>
+          <a:p>
             <a:r>
               <a:rPr lang="en-CA" dirty="0" smtClean="0"/>
               <a:t>Standard scenario:</a:t>
@@ -9282,22 +8686,15 @@
             </a:r>
           </a:p>
           <a:p>
+            <a:r>
+              <a:rPr lang="en-CA" dirty="0" smtClean="0"/>
+              <a:t>Examples:</a:t>
+            </a:r>
+          </a:p>
+          <a:p>
             <a:pPr lvl="1"/>
             <a:r>
               <a:rPr lang="en-CA" dirty="0" smtClean="0"/>
-              <a:t>Instances are characterized by the values of a set of predetermined attributes</a:t>
-            </a:r>
-          </a:p>
-          <a:p>
-            <a:r>
-              <a:rPr lang="en-CA" dirty="0" smtClean="0"/>
-              <a:t>Examples:</a:t>
-            </a:r>
-          </a:p>
-          <a:p>
-            <a:pPr lvl="1"/>
-            <a:r>
-              <a:rPr lang="en-CA" dirty="0" smtClean="0"/>
               <a:t>Contact lens, iris, weather</a:t>
             </a:r>
           </a:p>
@@ -9306,7 +8703,6 @@
               <a:rPr lang="en-CA" dirty="0" smtClean="0"/>
               <a:t>Most practical data mining problems can be expressed this way</a:t>
             </a:r>
-            <a:endParaRPr lang="en-CA" dirty="0" smtClean="0"/>
           </a:p>
           <a:p>
             <a:endParaRPr lang="en-CA" dirty="0"/>
@@ -9484,33 +8880,15 @@
                                   </p:childTnLst>
                                 </p:cTn>
                               </p:par>
-                            </p:childTnLst>
-                          </p:cTn>
-                        </p:par>
-                      </p:childTnLst>
-                    </p:cTn>
-                  </p:par>
-                  <p:par>
-                    <p:cTn id="13" fill="hold">
-                      <p:stCondLst>
-                        <p:cond delay="indefinite"/>
-                      </p:stCondLst>
-                      <p:childTnLst>
-                        <p:par>
-                          <p:cTn id="14" fill="hold">
-                            <p:stCondLst>
-                              <p:cond delay="0"/>
-                            </p:stCondLst>
-                            <p:childTnLst>
                               <p:par>
-                                <p:cTn id="15" presetID="1" presetClass="entr" presetSubtype="0" fill="hold" grpId="0" nodeType="clickEffect">
+                                <p:cTn id="13" presetID="1" presetClass="entr" presetSubtype="0" fill="hold" grpId="0" nodeType="withEffect">
                                   <p:stCondLst>
                                     <p:cond delay="0"/>
                                   </p:stCondLst>
                                   <p:childTnLst>
                                     <p:set>
                                       <p:cBhvr>
-                                        <p:cTn id="16" dur="1" fill="hold">
+                                        <p:cTn id="14" dur="1" fill="hold">
                                           <p:stCondLst>
                                             <p:cond delay="0"/>
                                           </p:stCondLst>
@@ -9533,8 +8911,26 @@
                                   </p:childTnLst>
                                 </p:cTn>
                               </p:par>
+                            </p:childTnLst>
+                          </p:cTn>
+                        </p:par>
+                      </p:childTnLst>
+                    </p:cTn>
+                  </p:par>
+                  <p:par>
+                    <p:cTn id="15" fill="hold">
+                      <p:stCondLst>
+                        <p:cond delay="indefinite"/>
+                      </p:stCondLst>
+                      <p:childTnLst>
+                        <p:par>
+                          <p:cTn id="16" fill="hold">
+                            <p:stCondLst>
+                              <p:cond delay="0"/>
+                            </p:stCondLst>
+                            <p:childTnLst>
                               <p:par>
-                                <p:cTn id="17" presetID="1" presetClass="entr" presetSubtype="0" fill="hold" grpId="0" nodeType="withEffect">
+                                <p:cTn id="17" presetID="1" presetClass="entr" presetSubtype="0" fill="hold" grpId="0" nodeType="clickEffect">
                                   <p:stCondLst>
                                     <p:cond delay="0"/>
                                   </p:stCondLst>
@@ -9758,7 +9154,7 @@
 </p:sld>
 </file>
 
-<file path=ppt/slides/slide8.xml><?xml version="1.0" encoding="utf-8"?>
+<file path=ppt/slides/slide7.xml><?xml version="1.0" encoding="utf-8"?>
 <p:sld xmlns:a="http://schemas.openxmlformats.org/drawingml/2006/main" xmlns:r="http://schemas.openxmlformats.org/officeDocument/2006/relationships" xmlns:p="http://schemas.openxmlformats.org/presentationml/2006/main">
   <p:cSld>
     <p:spTree>
@@ -10274,7 +9670,7 @@
 </p:sld>
 </file>
 
-<file path=ppt/slides/slide9.xml><?xml version="1.0" encoding="utf-8"?>
+<file path=ppt/slides/slide8.xml><?xml version="1.0" encoding="utf-8"?>
 <p:sld xmlns:a="http://schemas.openxmlformats.org/drawingml/2006/main" xmlns:r="http://schemas.openxmlformats.org/officeDocument/2006/relationships" xmlns:p="http://schemas.openxmlformats.org/presentationml/2006/main">
   <p:cSld>
     <p:spTree>
@@ -10308,7 +9704,7 @@
           <a:p>
             <a:r>
               <a:rPr lang="en-CA" dirty="0" smtClean="0"/>
-              <a:t>Handwritten digit dataset example</a:t>
+              <a:t>Nominal attributes</a:t>
             </a:r>
             <a:endParaRPr lang="en-CA" dirty="0"/>
           </a:p>
@@ -10324,66 +9720,58 @@
             <p:ph idx="1"/>
           </p:nvPr>
         </p:nvSpPr>
-        <p:spPr>
-          <a:xfrm>
-            <a:off x="838200" y="1825625"/>
-            <a:ext cx="4398818" cy="4351338"/>
-          </a:xfrm>
-        </p:spPr>
+        <p:spPr/>
         <p:txBody>
           <a:bodyPr/>
           <a:lstStyle/>
           <a:p>
             <a:r>
-              <a:rPr lang="en-CA" dirty="0" smtClean="0"/>
-              <a:t>160 instances</a:t>
+              <a:rPr lang="en-CA" dirty="0"/>
+              <a:t>Prespecified, finite set of </a:t>
+            </a:r>
+            <a:r>
+              <a:rPr lang="en-CA" dirty="0" smtClean="0"/>
+              <a:t>possibilities</a:t>
             </a:r>
           </a:p>
           <a:p>
             <a:pPr lvl="1"/>
             <a:r>
               <a:rPr lang="en-CA" dirty="0" smtClean="0"/>
-              <a:t>10 classes, 16 instances per class</a:t>
-            </a:r>
+              <a:t>sometimes </a:t>
+            </a:r>
+            <a:r>
+              <a:rPr lang="en-CA" dirty="0"/>
+              <a:t>called categorical, enumerated, or discrete</a:t>
+            </a:r>
+          </a:p>
+          <a:p>
+            <a:r>
+              <a:rPr lang="en-CA" dirty="0" smtClean="0"/>
+              <a:t>Distinct </a:t>
+            </a:r>
+            <a:r>
+              <a:rPr lang="en-CA" dirty="0"/>
+              <a:t>symbols, values serve as labels/names </a:t>
+            </a:r>
+            <a:endParaRPr lang="en-CA" dirty="0" smtClean="0"/>
           </a:p>
           <a:p>
             <a:pPr lvl="1"/>
             <a:r>
               <a:rPr lang="en-CA" dirty="0" smtClean="0"/>
-              <a:t>Real dataset has 70,000 instances (MNIST dataset)</a:t>
-            </a:r>
-          </a:p>
-          <a:p>
-            <a:r>
-              <a:rPr lang="en-CA" dirty="0" smtClean="0"/>
-              <a:t> </a:t>
+              <a:t>“Outlook” from weather data </a:t>
+            </a:r>
+            <a:r>
+              <a:rPr lang="en-CA" dirty="0" smtClean="0"/>
+              <a:t>(sunny</a:t>
             </a:r>
             <a:r>
               <a:rPr lang="en-CA" dirty="0"/>
-              <a:t>E</a:t>
-            </a:r>
-            <a:r>
-              <a:rPr lang="en-CA" dirty="0" smtClean="0"/>
-              <a:t>ach image is 28x28 pixels</a:t>
-            </a:r>
-          </a:p>
-          <a:p>
-            <a:r>
-              <a:rPr lang="en-CA" dirty="0" smtClean="0"/>
-              <a:t>How many attributes?</a:t>
-            </a:r>
-          </a:p>
-          <a:p>
-            <a:r>
-              <a:rPr lang="en-CA" dirty="0" smtClean="0"/>
-              <a:t>784 (28*28)</a:t>
-            </a:r>
-          </a:p>
-          <a:p>
-            <a:r>
-              <a:rPr lang="en-CA" dirty="0" smtClean="0"/>
-              <a:t>Each pixel is an attribute</a:t>
-            </a:r>
+              <a:t>, overcast, rainy)</a:t>
+            </a:r>
+          </a:p>
+          <a:p>
             <a:endParaRPr lang="en-CA" dirty="0"/>
           </a:p>
         </p:txBody>
@@ -10404,18 +9792,156 @@
         </p:blipFill>
         <p:spPr>
           <a:xfrm>
-            <a:off x="5403273" y="1825625"/>
-            <a:ext cx="6680161" cy="3934257"/>
+            <a:off x="1271586" y="3609229"/>
+            <a:ext cx="2452330" cy="2567734"/>
           </a:xfrm>
           <a:prstGeom prst="rect">
             <a:avLst/>
           </a:prstGeom>
         </p:spPr>
       </p:pic>
+      <p:pic>
+        <p:nvPicPr>
+          <p:cNvPr id="5" name="Picture 4"/>
+          <p:cNvPicPr>
+            <a:picLocks noChangeAspect="1"/>
+          </p:cNvPicPr>
+          <p:nvPr/>
+        </p:nvPicPr>
+        <p:blipFill>
+          <a:blip r:embed="rId3"/>
+          <a:stretch>
+            <a:fillRect/>
+          </a:stretch>
+        </p:blipFill>
+        <p:spPr>
+          <a:xfrm>
+            <a:off x="4434320" y="3609229"/>
+            <a:ext cx="2596585" cy="2481181"/>
+          </a:xfrm>
+          <a:prstGeom prst="rect">
+            <a:avLst/>
+          </a:prstGeom>
+        </p:spPr>
+      </p:pic>
+      <p:pic>
+        <p:nvPicPr>
+          <p:cNvPr id="6" name="Picture 5"/>
+          <p:cNvPicPr>
+            <a:picLocks noChangeAspect="1"/>
+          </p:cNvPicPr>
+          <p:nvPr/>
+        </p:nvPicPr>
+        <p:blipFill>
+          <a:blip r:embed="rId4"/>
+          <a:stretch>
+            <a:fillRect/>
+          </a:stretch>
+        </p:blipFill>
+        <p:spPr>
+          <a:xfrm>
+            <a:off x="7741309" y="3609229"/>
+            <a:ext cx="2625436" cy="2567734"/>
+          </a:xfrm>
+          <a:prstGeom prst="rect">
+            <a:avLst/>
+          </a:prstGeom>
+        </p:spPr>
+      </p:pic>
+      <p:sp>
+        <p:nvSpPr>
+          <p:cNvPr id="7" name="TextBox 6"/>
+          <p:cNvSpPr txBox="1"/>
+          <p:nvPr/>
+        </p:nvSpPr>
+        <p:spPr>
+          <a:xfrm>
+            <a:off x="1217684" y="6154492"/>
+            <a:ext cx="2560134" cy="369332"/>
+          </a:xfrm>
+          <a:prstGeom prst="rect">
+            <a:avLst/>
+          </a:prstGeom>
+          <a:noFill/>
+        </p:spPr>
+        <p:txBody>
+          <a:bodyPr wrap="square" rtlCol="0">
+            <a:spAutoFit/>
+          </a:bodyPr>
+          <a:lstStyle/>
+          <a:p>
+            <a:r>
+              <a:rPr lang="en-CA" dirty="0" smtClean="0"/>
+              <a:t>Sunny</a:t>
+            </a:r>
+            <a:endParaRPr lang="en-CA" dirty="0"/>
+          </a:p>
+        </p:txBody>
+      </p:sp>
+      <p:sp>
+        <p:nvSpPr>
+          <p:cNvPr id="8" name="TextBox 7"/>
+          <p:cNvSpPr txBox="1"/>
+          <p:nvPr/>
+        </p:nvSpPr>
+        <p:spPr>
+          <a:xfrm>
+            <a:off x="4434320" y="6127234"/>
+            <a:ext cx="2560134" cy="369332"/>
+          </a:xfrm>
+          <a:prstGeom prst="rect">
+            <a:avLst/>
+          </a:prstGeom>
+          <a:noFill/>
+        </p:spPr>
+        <p:txBody>
+          <a:bodyPr wrap="square" rtlCol="0">
+            <a:spAutoFit/>
+          </a:bodyPr>
+          <a:lstStyle/>
+          <a:p>
+            <a:r>
+              <a:rPr lang="en-CA" dirty="0" smtClean="0"/>
+              <a:t>Overcast</a:t>
+            </a:r>
+            <a:endParaRPr lang="en-CA" dirty="0"/>
+          </a:p>
+        </p:txBody>
+      </p:sp>
+      <p:sp>
+        <p:nvSpPr>
+          <p:cNvPr id="9" name="TextBox 8"/>
+          <p:cNvSpPr txBox="1"/>
+          <p:nvPr/>
+        </p:nvSpPr>
+        <p:spPr>
+          <a:xfrm>
+            <a:off x="7868801" y="6176963"/>
+            <a:ext cx="2560134" cy="369332"/>
+          </a:xfrm>
+          <a:prstGeom prst="rect">
+            <a:avLst/>
+          </a:prstGeom>
+          <a:noFill/>
+        </p:spPr>
+        <p:txBody>
+          <a:bodyPr wrap="square" rtlCol="0">
+            <a:spAutoFit/>
+          </a:bodyPr>
+          <a:lstStyle/>
+          <a:p>
+            <a:r>
+              <a:rPr lang="en-CA" dirty="0" smtClean="0"/>
+              <a:t>Rainy</a:t>
+            </a:r>
+            <a:endParaRPr lang="en-CA" dirty="0"/>
+          </a:p>
+        </p:txBody>
+      </p:sp>
     </p:spTree>
     <p:extLst>
       <p:ext uri="{BB962C8B-B14F-4D97-AF65-F5344CB8AC3E}">
-        <p14:creationId xmlns:p14="http://schemas.microsoft.com/office/powerpoint/2010/main" val="1178627207"/>
+        <p14:creationId xmlns:p14="http://schemas.microsoft.com/office/powerpoint/2010/main" val="1769212812"/>
       </p:ext>
     </p:extLst>
   </p:cSld>
@@ -10504,15 +10030,33 @@
                                   </p:childTnLst>
                                 </p:cTn>
                               </p:par>
+                            </p:childTnLst>
+                          </p:cTn>
+                        </p:par>
+                      </p:childTnLst>
+                    </p:cTn>
+                  </p:par>
+                  <p:par>
+                    <p:cTn id="9" fill="hold">
+                      <p:stCondLst>
+                        <p:cond delay="indefinite"/>
+                      </p:stCondLst>
+                      <p:childTnLst>
+                        <p:par>
+                          <p:cTn id="10" fill="hold">
+                            <p:stCondLst>
+                              <p:cond delay="0"/>
+                            </p:stCondLst>
+                            <p:childTnLst>
                               <p:par>
-                                <p:cTn id="9" presetID="1" presetClass="entr" presetSubtype="0" fill="hold" grpId="0" nodeType="withEffect">
+                                <p:cTn id="11" presetID="1" presetClass="entr" presetSubtype="0" fill="hold" grpId="0" nodeType="clickEffect">
                                   <p:stCondLst>
                                     <p:cond delay="0"/>
                                   </p:stCondLst>
                                   <p:childTnLst>
                                     <p:set>
                                       <p:cBhvr>
-                                        <p:cTn id="10" dur="1" fill="hold">
+                                        <p:cTn id="12" dur="1" fill="hold">
                                           <p:stCondLst>
                                             <p:cond delay="0"/>
                                           </p:stCondLst>
@@ -10535,26 +10079,8 @@
                                   </p:childTnLst>
                                 </p:cTn>
                               </p:par>
-                            </p:childTnLst>
-                          </p:cTn>
-                        </p:par>
-                      </p:childTnLst>
-                    </p:cTn>
-                  </p:par>
-                  <p:par>
-                    <p:cTn id="11" fill="hold">
-                      <p:stCondLst>
-                        <p:cond delay="indefinite"/>
-                      </p:stCondLst>
-                      <p:childTnLst>
-                        <p:par>
-                          <p:cTn id="12" fill="hold">
-                            <p:stCondLst>
-                              <p:cond delay="0"/>
-                            </p:stCondLst>
-                            <p:childTnLst>
                               <p:par>
-                                <p:cTn id="13" presetID="1" presetClass="entr" presetSubtype="0" fill="hold" grpId="0" nodeType="clickEffect">
+                                <p:cTn id="13" presetID="1" presetClass="entr" presetSubtype="0" fill="hold" grpId="0" nodeType="withEffect">
                                   <p:stCondLst>
                                     <p:cond delay="0"/>
                                   </p:stCondLst>
@@ -10603,7 +10129,7 @@
                             </p:stCondLst>
                             <p:childTnLst>
                               <p:par>
-                                <p:cTn id="17" presetID="1" presetClass="entr" presetSubtype="0" fill="hold" grpId="0" nodeType="clickEffect">
+                                <p:cTn id="17" presetID="1" presetClass="entr" presetSubtype="0" fill="hold" nodeType="clickEffect">
                                   <p:stCondLst>
                                     <p:cond delay="0"/>
                                   </p:stCondLst>
@@ -10616,9 +10142,578 @@
                                           </p:stCondLst>
                                         </p:cTn>
                                         <p:tgtEl>
+                                          <p:spTgt spid="4"/>
+                                        </p:tgtEl>
+                                        <p:attrNameLst>
+                                          <p:attrName>style.visibility</p:attrName>
+                                        </p:attrNameLst>
+                                      </p:cBhvr>
+                                      <p:to>
+                                        <p:strVal val="visible"/>
+                                      </p:to>
+                                    </p:set>
+                                  </p:childTnLst>
+                                </p:cTn>
+                              </p:par>
+                              <p:par>
+                                <p:cTn id="19" presetID="1" presetClass="entr" presetSubtype="0" fill="hold" nodeType="withEffect">
+                                  <p:stCondLst>
+                                    <p:cond delay="0"/>
+                                  </p:stCondLst>
+                                  <p:childTnLst>
+                                    <p:set>
+                                      <p:cBhvr>
+                                        <p:cTn id="20" dur="1" fill="hold">
+                                          <p:stCondLst>
+                                            <p:cond delay="0"/>
+                                          </p:stCondLst>
+                                        </p:cTn>
+                                        <p:tgtEl>
+                                          <p:spTgt spid="5"/>
+                                        </p:tgtEl>
+                                        <p:attrNameLst>
+                                          <p:attrName>style.visibility</p:attrName>
+                                        </p:attrNameLst>
+                                      </p:cBhvr>
+                                      <p:to>
+                                        <p:strVal val="visible"/>
+                                      </p:to>
+                                    </p:set>
+                                  </p:childTnLst>
+                                </p:cTn>
+                              </p:par>
+                              <p:par>
+                                <p:cTn id="21" presetID="1" presetClass="entr" presetSubtype="0" fill="hold" nodeType="withEffect">
+                                  <p:stCondLst>
+                                    <p:cond delay="0"/>
+                                  </p:stCondLst>
+                                  <p:childTnLst>
+                                    <p:set>
+                                      <p:cBhvr>
+                                        <p:cTn id="22" dur="1" fill="hold">
+                                          <p:stCondLst>
+                                            <p:cond delay="0"/>
+                                          </p:stCondLst>
+                                        </p:cTn>
+                                        <p:tgtEl>
+                                          <p:spTgt spid="6"/>
+                                        </p:tgtEl>
+                                        <p:attrNameLst>
+                                          <p:attrName>style.visibility</p:attrName>
+                                        </p:attrNameLst>
+                                      </p:cBhvr>
+                                      <p:to>
+                                        <p:strVal val="visible"/>
+                                      </p:to>
+                                    </p:set>
+                                  </p:childTnLst>
+                                </p:cTn>
+                              </p:par>
+                              <p:par>
+                                <p:cTn id="23" presetID="1" presetClass="entr" presetSubtype="0" fill="hold" grpId="0" nodeType="withEffect">
+                                  <p:stCondLst>
+                                    <p:cond delay="0"/>
+                                  </p:stCondLst>
+                                  <p:childTnLst>
+                                    <p:set>
+                                      <p:cBhvr>
+                                        <p:cTn id="24" dur="1" fill="hold">
+                                          <p:stCondLst>
+                                            <p:cond delay="0"/>
+                                          </p:stCondLst>
+                                        </p:cTn>
+                                        <p:tgtEl>
+                                          <p:spTgt spid="9"/>
+                                        </p:tgtEl>
+                                        <p:attrNameLst>
+                                          <p:attrName>style.visibility</p:attrName>
+                                        </p:attrNameLst>
+                                      </p:cBhvr>
+                                      <p:to>
+                                        <p:strVal val="visible"/>
+                                      </p:to>
+                                    </p:set>
+                                  </p:childTnLst>
+                                </p:cTn>
+                              </p:par>
+                              <p:par>
+                                <p:cTn id="25" presetID="1" presetClass="entr" presetSubtype="0" fill="hold" grpId="0" nodeType="withEffect">
+                                  <p:stCondLst>
+                                    <p:cond delay="0"/>
+                                  </p:stCondLst>
+                                  <p:childTnLst>
+                                    <p:set>
+                                      <p:cBhvr>
+                                        <p:cTn id="26" dur="1" fill="hold">
+                                          <p:stCondLst>
+                                            <p:cond delay="0"/>
+                                          </p:stCondLst>
+                                        </p:cTn>
+                                        <p:tgtEl>
+                                          <p:spTgt spid="8"/>
+                                        </p:tgtEl>
+                                        <p:attrNameLst>
+                                          <p:attrName>style.visibility</p:attrName>
+                                        </p:attrNameLst>
+                                      </p:cBhvr>
+                                      <p:to>
+                                        <p:strVal val="visible"/>
+                                      </p:to>
+                                    </p:set>
+                                  </p:childTnLst>
+                                </p:cTn>
+                              </p:par>
+                              <p:par>
+                                <p:cTn id="27" presetID="1" presetClass="entr" presetSubtype="0" fill="hold" grpId="0" nodeType="withEffect">
+                                  <p:stCondLst>
+                                    <p:cond delay="0"/>
+                                  </p:stCondLst>
+                                  <p:childTnLst>
+                                    <p:set>
+                                      <p:cBhvr>
+                                        <p:cTn id="28" dur="1" fill="hold">
+                                          <p:stCondLst>
+                                            <p:cond delay="0"/>
+                                          </p:stCondLst>
+                                        </p:cTn>
+                                        <p:tgtEl>
+                                          <p:spTgt spid="7"/>
+                                        </p:tgtEl>
+                                        <p:attrNameLst>
+                                          <p:attrName>style.visibility</p:attrName>
+                                        </p:attrNameLst>
+                                      </p:cBhvr>
+                                      <p:to>
+                                        <p:strVal val="visible"/>
+                                      </p:to>
+                                    </p:set>
+                                  </p:childTnLst>
+                                </p:cTn>
+                              </p:par>
+                            </p:childTnLst>
+                          </p:cTn>
+                        </p:par>
+                      </p:childTnLst>
+                    </p:cTn>
+                  </p:par>
+                </p:childTnLst>
+              </p:cTn>
+              <p:prevCondLst>
+                <p:cond evt="onPrev" delay="0">
+                  <p:tgtEl>
+                    <p:sldTgt/>
+                  </p:tgtEl>
+                </p:cond>
+              </p:prevCondLst>
+              <p:nextCondLst>
+                <p:cond evt="onNext" delay="0">
+                  <p:tgtEl>
+                    <p:sldTgt/>
+                  </p:tgtEl>
+                </p:cond>
+              </p:nextCondLst>
+            </p:seq>
+          </p:childTnLst>
+        </p:cTn>
+      </p:par>
+    </p:tnLst>
+    <p:bldLst>
+      <p:bldP spid="3" grpId="0" build="p"/>
+      <p:bldP spid="7" grpId="0"/>
+      <p:bldP spid="8" grpId="0"/>
+      <p:bldP spid="9" grpId="0"/>
+    </p:bldLst>
+  </p:timing>
+</p:sld>
+</file>
+
+<file path=ppt/slides/slide9.xml><?xml version="1.0" encoding="utf-8"?>
+<p:sld xmlns:a="http://schemas.openxmlformats.org/drawingml/2006/main" xmlns:r="http://schemas.openxmlformats.org/officeDocument/2006/relationships" xmlns:p="http://schemas.openxmlformats.org/presentationml/2006/main">
+  <p:cSld>
+    <p:spTree>
+      <p:nvGrpSpPr>
+        <p:cNvPr id="1" name=""/>
+        <p:cNvGrpSpPr/>
+        <p:nvPr/>
+      </p:nvGrpSpPr>
+      <p:grpSpPr>
+        <a:xfrm>
+          <a:off x="0" y="0"/>
+          <a:ext cx="0" cy="0"/>
+          <a:chOff x="0" y="0"/>
+          <a:chExt cx="0" cy="0"/>
+        </a:xfrm>
+      </p:grpSpPr>
+      <p:sp>
+        <p:nvSpPr>
+          <p:cNvPr id="2" name="Title 1"/>
+          <p:cNvSpPr>
+            <a:spLocks noGrp="1"/>
+          </p:cNvSpPr>
+          <p:nvPr>
+            <p:ph type="title"/>
+          </p:nvPr>
+        </p:nvSpPr>
+        <p:spPr/>
+        <p:txBody>
+          <a:bodyPr/>
+          <a:lstStyle/>
+          <a:p>
+            <a:r>
+              <a:rPr lang="en-CA" dirty="0" smtClean="0"/>
+              <a:t>Ordinal attributes</a:t>
+            </a:r>
+            <a:endParaRPr lang="en-CA" dirty="0"/>
+          </a:p>
+        </p:txBody>
+      </p:sp>
+      <p:sp>
+        <p:nvSpPr>
+          <p:cNvPr id="3" name="Content Placeholder 2"/>
+          <p:cNvSpPr>
+            <a:spLocks noGrp="1"/>
+          </p:cNvSpPr>
+          <p:nvPr>
+            <p:ph idx="1"/>
+          </p:nvPr>
+        </p:nvSpPr>
+        <p:spPr>
+          <a:xfrm>
+            <a:off x="838199" y="1825625"/>
+            <a:ext cx="10628169" cy="4351338"/>
+          </a:xfrm>
+        </p:spPr>
+        <p:txBody>
+          <a:bodyPr/>
+          <a:lstStyle/>
+          <a:p>
+            <a:r>
+              <a:rPr lang="en-CA" dirty="0" smtClean="0"/>
+              <a:t>Can </a:t>
+            </a:r>
+            <a:r>
+              <a:rPr lang="en-CA" dirty="0"/>
+              <a:t>be ordered (ranked), but no notion of distance 	</a:t>
+            </a:r>
+            <a:endParaRPr lang="en-CA" dirty="0" smtClean="0"/>
+          </a:p>
+          <a:p>
+            <a:pPr lvl="1"/>
+            <a:r>
+              <a:rPr lang="en-CA" dirty="0" smtClean="0"/>
+              <a:t>toasted &lt; burned &lt; charred</a:t>
+            </a:r>
+            <a:endParaRPr lang="en-CA" dirty="0"/>
+          </a:p>
+          <a:p>
+            <a:r>
+              <a:rPr lang="en-CA" dirty="0"/>
+              <a:t>Cannot directly add/subtract the values, distinction from nominal to ordinal not always clear</a:t>
+            </a:r>
+          </a:p>
+          <a:p>
+            <a:endParaRPr lang="en-CA" dirty="0"/>
+          </a:p>
+        </p:txBody>
+      </p:sp>
+      <p:pic>
+        <p:nvPicPr>
+          <p:cNvPr id="4" name="Picture 3"/>
+          <p:cNvPicPr>
+            <a:picLocks noChangeAspect="1"/>
+          </p:cNvPicPr>
+          <p:nvPr/>
+        </p:nvPicPr>
+        <p:blipFill>
+          <a:blip r:embed="rId2"/>
+          <a:stretch>
+            <a:fillRect/>
+          </a:stretch>
+        </p:blipFill>
+        <p:spPr>
+          <a:xfrm>
+            <a:off x="8052956" y="3934619"/>
+            <a:ext cx="2305050" cy="2124075"/>
+          </a:xfrm>
+          <a:prstGeom prst="rect">
+            <a:avLst/>
+          </a:prstGeom>
+        </p:spPr>
+      </p:pic>
+      <p:pic>
+        <p:nvPicPr>
+          <p:cNvPr id="5" name="Picture 4"/>
+          <p:cNvPicPr>
+            <a:picLocks noChangeAspect="1"/>
+          </p:cNvPicPr>
+          <p:nvPr/>
+        </p:nvPicPr>
+        <p:blipFill>
+          <a:blip r:embed="rId3"/>
+          <a:stretch>
+            <a:fillRect/>
+          </a:stretch>
+        </p:blipFill>
+        <p:spPr>
+          <a:xfrm>
+            <a:off x="4924425" y="3845791"/>
+            <a:ext cx="2343150" cy="2286000"/>
+          </a:xfrm>
+          <a:prstGeom prst="rect">
+            <a:avLst/>
+          </a:prstGeom>
+        </p:spPr>
+      </p:pic>
+      <p:pic>
+        <p:nvPicPr>
+          <p:cNvPr id="7" name="Picture 6"/>
+          <p:cNvPicPr>
+            <a:picLocks noChangeAspect="1"/>
+          </p:cNvPicPr>
+          <p:nvPr/>
+        </p:nvPicPr>
+        <p:blipFill>
+          <a:blip r:embed="rId4"/>
+          <a:stretch>
+            <a:fillRect/>
+          </a:stretch>
+        </p:blipFill>
+        <p:spPr>
+          <a:xfrm>
+            <a:off x="1710169" y="3960091"/>
+            <a:ext cx="2428875" cy="2057400"/>
+          </a:xfrm>
+          <a:prstGeom prst="rect">
+            <a:avLst/>
+          </a:prstGeom>
+        </p:spPr>
+      </p:pic>
+      <p:sp>
+        <p:nvSpPr>
+          <p:cNvPr id="8" name="TextBox 7"/>
+          <p:cNvSpPr txBox="1"/>
+          <p:nvPr/>
+        </p:nvSpPr>
+        <p:spPr>
+          <a:xfrm>
+            <a:off x="1814945" y="6176963"/>
+            <a:ext cx="2324099" cy="369332"/>
+          </a:xfrm>
+          <a:prstGeom prst="rect">
+            <a:avLst/>
+          </a:prstGeom>
+          <a:noFill/>
+        </p:spPr>
+        <p:txBody>
+          <a:bodyPr wrap="square" rtlCol="0">
+            <a:spAutoFit/>
+          </a:bodyPr>
+          <a:lstStyle/>
+          <a:p>
+            <a:r>
+              <a:rPr lang="en-CA" dirty="0" smtClean="0"/>
+              <a:t>toasted</a:t>
+            </a:r>
+            <a:endParaRPr lang="en-CA" dirty="0"/>
+          </a:p>
+        </p:txBody>
+      </p:sp>
+      <p:sp>
+        <p:nvSpPr>
+          <p:cNvPr id="10" name="TextBox 9"/>
+          <p:cNvSpPr txBox="1"/>
+          <p:nvPr/>
+        </p:nvSpPr>
+        <p:spPr>
+          <a:xfrm>
+            <a:off x="4924425" y="6176963"/>
+            <a:ext cx="2324099" cy="369332"/>
+          </a:xfrm>
+          <a:prstGeom prst="rect">
+            <a:avLst/>
+          </a:prstGeom>
+          <a:noFill/>
+        </p:spPr>
+        <p:txBody>
+          <a:bodyPr wrap="square" rtlCol="0">
+            <a:spAutoFit/>
+          </a:bodyPr>
+          <a:lstStyle/>
+          <a:p>
+            <a:r>
+              <a:rPr lang="en-CA" dirty="0" smtClean="0"/>
+              <a:t>burned</a:t>
+            </a:r>
+            <a:endParaRPr lang="en-CA" dirty="0"/>
+          </a:p>
+        </p:txBody>
+      </p:sp>
+      <p:sp>
+        <p:nvSpPr>
+          <p:cNvPr id="11" name="TextBox 10"/>
+          <p:cNvSpPr txBox="1"/>
+          <p:nvPr/>
+        </p:nvSpPr>
+        <p:spPr>
+          <a:xfrm>
+            <a:off x="8195396" y="6127234"/>
+            <a:ext cx="2324099" cy="369332"/>
+          </a:xfrm>
+          <a:prstGeom prst="rect">
+            <a:avLst/>
+          </a:prstGeom>
+          <a:noFill/>
+        </p:spPr>
+        <p:txBody>
+          <a:bodyPr wrap="square" rtlCol="0">
+            <a:spAutoFit/>
+          </a:bodyPr>
+          <a:lstStyle/>
+          <a:p>
+            <a:r>
+              <a:rPr lang="en-CA" dirty="0" smtClean="0"/>
+              <a:t>charred</a:t>
+            </a:r>
+            <a:endParaRPr lang="en-CA" dirty="0"/>
+          </a:p>
+        </p:txBody>
+      </p:sp>
+      <p:sp>
+        <p:nvSpPr>
+          <p:cNvPr id="9" name="TextBox 8"/>
+          <p:cNvSpPr txBox="1"/>
+          <p:nvPr/>
+        </p:nvSpPr>
+        <p:spPr>
+          <a:xfrm>
+            <a:off x="4350327" y="4572000"/>
+            <a:ext cx="529312" cy="923330"/>
+          </a:xfrm>
+          <a:prstGeom prst="rect">
+            <a:avLst/>
+          </a:prstGeom>
+          <a:noFill/>
+        </p:spPr>
+        <p:txBody>
+          <a:bodyPr wrap="none" rtlCol="0">
+            <a:spAutoFit/>
+          </a:bodyPr>
+          <a:lstStyle/>
+          <a:p>
+            <a:r>
+              <a:rPr lang="en-CA" sz="5400" b="1" dirty="0"/>
+              <a:t>&lt;</a:t>
+            </a:r>
+          </a:p>
+        </p:txBody>
+      </p:sp>
+      <p:sp>
+        <p:nvSpPr>
+          <p:cNvPr id="13" name="TextBox 12"/>
+          <p:cNvSpPr txBox="1"/>
+          <p:nvPr/>
+        </p:nvSpPr>
+        <p:spPr>
+          <a:xfrm>
+            <a:off x="7431403" y="4572000"/>
+            <a:ext cx="529312" cy="923330"/>
+          </a:xfrm>
+          <a:prstGeom prst="rect">
+            <a:avLst/>
+          </a:prstGeom>
+          <a:noFill/>
+        </p:spPr>
+        <p:txBody>
+          <a:bodyPr wrap="none" rtlCol="0">
+            <a:spAutoFit/>
+          </a:bodyPr>
+          <a:lstStyle/>
+          <a:p>
+            <a:r>
+              <a:rPr lang="en-CA" sz="5400" b="1" dirty="0"/>
+              <a:t>&lt;</a:t>
+            </a:r>
+          </a:p>
+        </p:txBody>
+      </p:sp>
+    </p:spTree>
+    <p:extLst>
+      <p:ext uri="{BB962C8B-B14F-4D97-AF65-F5344CB8AC3E}">
+        <p14:creationId xmlns:p14="http://schemas.microsoft.com/office/powerpoint/2010/main" val="872810202"/>
+      </p:ext>
+    </p:extLst>
+  </p:cSld>
+  <p:clrMapOvr>
+    <a:masterClrMapping/>
+  </p:clrMapOvr>
+  <p:timing>
+    <p:tnLst>
+      <p:par>
+        <p:cTn id="1" dur="indefinite" restart="never" nodeType="tmRoot">
+          <p:childTnLst>
+            <p:seq concurrent="1" nextAc="seek">
+              <p:cTn id="2" dur="indefinite" nodeType="mainSeq">
+                <p:childTnLst>
+                  <p:par>
+                    <p:cTn id="3" fill="hold">
+                      <p:stCondLst>
+                        <p:cond delay="indefinite"/>
+                      </p:stCondLst>
+                      <p:childTnLst>
+                        <p:par>
+                          <p:cTn id="4" fill="hold">
+                            <p:stCondLst>
+                              <p:cond delay="0"/>
+                            </p:stCondLst>
+                            <p:childTnLst>
+                              <p:par>
+                                <p:cTn id="5" presetID="1" presetClass="entr" presetSubtype="0" fill="hold" grpId="0" nodeType="clickEffect">
+                                  <p:stCondLst>
+                                    <p:cond delay="0"/>
+                                  </p:stCondLst>
+                                  <p:childTnLst>
+                                    <p:set>
+                                      <p:cBhvr>
+                                        <p:cTn id="6" dur="1" fill="hold">
+                                          <p:stCondLst>
+                                            <p:cond delay="0"/>
+                                          </p:stCondLst>
+                                        </p:cTn>
+                                        <p:tgtEl>
                                           <p:spTgt spid="3">
                                             <p:txEl>
-                                              <p:pRg st="4" end="4"/>
+                                              <p:pRg st="0" end="0"/>
+                                            </p:txEl>
+                                          </p:spTgt>
+                                        </p:tgtEl>
+                                        <p:attrNameLst>
+                                          <p:attrName>style.visibility</p:attrName>
+                                        </p:attrNameLst>
+                                      </p:cBhvr>
+                                      <p:to>
+                                        <p:strVal val="visible"/>
+                                      </p:to>
+                                    </p:set>
+                                  </p:childTnLst>
+                                </p:cTn>
+                              </p:par>
+                              <p:par>
+                                <p:cTn id="7" presetID="1" presetClass="entr" presetSubtype="0" fill="hold" grpId="0" nodeType="withEffect">
+                                  <p:stCondLst>
+                                    <p:cond delay="0"/>
+                                  </p:stCondLst>
+                                  <p:childTnLst>
+                                    <p:set>
+                                      <p:cBhvr>
+                                        <p:cTn id="8" dur="1" fill="hold">
+                                          <p:stCondLst>
+                                            <p:cond delay="0"/>
+                                          </p:stCondLst>
+                                        </p:cTn>
+                                        <p:tgtEl>
+                                          <p:spTgt spid="3">
+                                            <p:txEl>
+                                              <p:pRg st="1" end="1"/>
                                             </p:txEl>
                                           </p:spTgt>
                                         </p:tgtEl>
@@ -10640,26 +10735,26 @@
                     </p:cTn>
                   </p:par>
                   <p:par>
-                    <p:cTn id="19" fill="hold">
+                    <p:cTn id="9" fill="hold">
                       <p:stCondLst>
                         <p:cond delay="indefinite"/>
                       </p:stCondLst>
                       <p:childTnLst>
                         <p:par>
-                          <p:cTn id="20" fill="hold">
+                          <p:cTn id="10" fill="hold">
                             <p:stCondLst>
                               <p:cond delay="0"/>
                             </p:stCondLst>
                             <p:childTnLst>
                               <p:par>
-                                <p:cTn id="21" presetID="1" presetClass="entr" presetSubtype="0" fill="hold" grpId="0" nodeType="clickEffect">
+                                <p:cTn id="11" presetID="1" presetClass="entr" presetSubtype="0" fill="hold" grpId="0" nodeType="clickEffect">
                                   <p:stCondLst>
                                     <p:cond delay="0"/>
                                   </p:stCondLst>
                                   <p:childTnLst>
                                     <p:set>
                                       <p:cBhvr>
-                                        <p:cTn id="22" dur="1" fill="hold">
+                                        <p:cTn id="12" dur="1" fill="hold">
                                           <p:stCondLst>
                                             <p:cond delay="0"/>
                                           </p:stCondLst>
@@ -10667,56 +10762,7 @@
                                         <p:tgtEl>
                                           <p:spTgt spid="3">
                                             <p:txEl>
-                                              <p:pRg st="5" end="5"/>
-                                            </p:txEl>
-                                          </p:spTgt>
-                                        </p:tgtEl>
-                                        <p:attrNameLst>
-                                          <p:attrName>style.visibility</p:attrName>
-                                        </p:attrNameLst>
-                                      </p:cBhvr>
-                                      <p:to>
-                                        <p:strVal val="visible"/>
-                                      </p:to>
-                                    </p:set>
-                                  </p:childTnLst>
-                                </p:cTn>
-                              </p:par>
-                            </p:childTnLst>
-                          </p:cTn>
-                        </p:par>
-                      </p:childTnLst>
-                    </p:cTn>
-                  </p:par>
-                  <p:par>
-                    <p:cTn id="23" fill="hold">
-                      <p:stCondLst>
-                        <p:cond delay="indefinite"/>
-                      </p:stCondLst>
-                      <p:childTnLst>
-                        <p:par>
-                          <p:cTn id="24" fill="hold">
-                            <p:stCondLst>
-                              <p:cond delay="0"/>
-                            </p:stCondLst>
-                            <p:childTnLst>
-                              <p:par>
-                                <p:cTn id="25" presetID="1" presetClass="entr" presetSubtype="0" fill="hold" grpId="0" nodeType="clickEffect">
-                                  <p:stCondLst>
-                                    <p:cond delay="0"/>
-                                  </p:stCondLst>
-                                  <p:childTnLst>
-                                    <p:set>
-                                      <p:cBhvr>
-                                        <p:cTn id="26" dur="1" fill="hold">
-                                          <p:stCondLst>
-                                            <p:cond delay="0"/>
-                                          </p:stCondLst>
-                                        </p:cTn>
-                                        <p:tgtEl>
-                                          <p:spTgt spid="3">
-                                            <p:txEl>
-                                              <p:pRg st="6" end="6"/>
+                                              <p:pRg st="2" end="2"/>
                                             </p:txEl>
                                           </p:spTgt>
                                         </p:tgtEl>
